--- a/Presentation Materials/MVA-ApplicationsOnAzure-04.pptx
+++ b/Presentation Materials/MVA-ApplicationsOnAzure-04.pptx
@@ -5,15 +5,29 @@
     <p:sldMasterId id="2147483660" r:id="rId4"/>
   </p:sldMasterIdLst>
   <p:notesMasterIdLst>
-    <p:notesMasterId r:id="rId8"/>
+    <p:notesMasterId r:id="rId22"/>
   </p:notesMasterIdLst>
   <p:handoutMasterIdLst>
-    <p:handoutMasterId r:id="rId9"/>
+    <p:handoutMasterId r:id="rId23"/>
   </p:handoutMasterIdLst>
   <p:sldIdLst>
-    <p:sldId id="277" r:id="rId5"/>
-    <p:sldId id="278" r:id="rId6"/>
-    <p:sldId id="282" r:id="rId7"/>
+    <p:sldId id="271" r:id="rId5"/>
+    <p:sldId id="274" r:id="rId6"/>
+    <p:sldId id="284" r:id="rId7"/>
+    <p:sldId id="275" r:id="rId8"/>
+    <p:sldId id="285" r:id="rId9"/>
+    <p:sldId id="286" r:id="rId10"/>
+    <p:sldId id="287" r:id="rId11"/>
+    <p:sldId id="288" r:id="rId12"/>
+    <p:sldId id="289" r:id="rId13"/>
+    <p:sldId id="291" r:id="rId14"/>
+    <p:sldId id="292" r:id="rId15"/>
+    <p:sldId id="290" r:id="rId16"/>
+    <p:sldId id="294" r:id="rId17"/>
+    <p:sldId id="295" r:id="rId18"/>
+    <p:sldId id="296" r:id="rId19"/>
+    <p:sldId id="293" r:id="rId20"/>
+    <p:sldId id="269" r:id="rId21"/>
   </p:sldIdLst>
   <p:sldSz cx="12192000" cy="6858000"/>
   <p:notesSz cx="6858000" cy="9144000"/>
@@ -114,7 +128,18 @@
   </p:defaultTextStyle>
   <p:extLst>
     <p:ext uri="{EFAFB233-063F-42B5-8137-9DF3F51BA10A}">
-      <p15:sldGuideLst xmlns:p15="http://schemas.microsoft.com/office/powerpoint/2012/main"/>
+      <p15:sldGuideLst xmlns:p15="http://schemas.microsoft.com/office/powerpoint/2012/main">
+        <p15:guide id="1" orient="horz" pos="2160">
+          <p15:clr>
+            <a:srgbClr val="A4A3A4"/>
+          </p15:clr>
+        </p15:guide>
+        <p15:guide id="2" pos="3840">
+          <p15:clr>
+            <a:srgbClr val="A4A3A4"/>
+          </p15:clr>
+        </p15:guide>
+      </p15:sldGuideLst>
     </p:ext>
     <p:ext uri="{2D200454-40CA-4A62-9FC3-DE9A4176ACB9}">
       <p15:notesGuideLst xmlns:p15="http://schemas.microsoft.com/office/powerpoint/2012/main"/>
@@ -205,7 +230,7 @@
           <a:p>
             <a:fld id="{312E7B4A-039C-48A2-9B2C-AF16AA3873D8}" type="datetimeFigureOut">
               <a:rPr lang="en-US" smtClean="0"/>
-              <a:t>10/14/2015</a:t>
+              <a:t>11/4/2015</a:t>
             </a:fld>
             <a:endParaRPr lang="en-US"/>
           </a:p>
@@ -370,7 +395,7 @@
           <a:p>
             <a:fld id="{DA005A0C-54D9-45AA-87D4-C551D08DFCE1}" type="datetimeFigureOut">
               <a:rPr lang="en-US" smtClean="0"/>
-              <a:t>10/14/2015</a:t>
+              <a:t>11/4/2015</a:t>
             </a:fld>
             <a:endParaRPr lang="en-US"/>
           </a:p>
@@ -718,7 +743,471 @@
     </p:spTree>
     <p:extLst>
       <p:ext uri="{BB962C8B-B14F-4D97-AF65-F5344CB8AC3E}">
-        <p14:creationId xmlns:p14="http://schemas.microsoft.com/office/powerpoint/2010/main" val="1088711496"/>
+        <p14:creationId xmlns:p14="http://schemas.microsoft.com/office/powerpoint/2010/main" val="180611100"/>
+      </p:ext>
+    </p:extLst>
+  </p:cSld>
+  <p:clrMapOvr>
+    <a:masterClrMapping/>
+  </p:clrMapOvr>
+</p:notes>
+</file>
+
+<file path=ppt/notesSlides/notesSlide10.xml><?xml version="1.0" encoding="utf-8"?>
+<p:notes xmlns:a="http://schemas.openxmlformats.org/drawingml/2006/main" xmlns:r="http://schemas.openxmlformats.org/officeDocument/2006/relationships" xmlns:p="http://schemas.openxmlformats.org/presentationml/2006/main">
+  <p:cSld>
+    <p:spTree>
+      <p:nvGrpSpPr>
+        <p:cNvPr id="1" name=""/>
+        <p:cNvGrpSpPr/>
+        <p:nvPr/>
+      </p:nvGrpSpPr>
+      <p:grpSpPr>
+        <a:xfrm>
+          <a:off x="0" y="0"/>
+          <a:ext cx="0" cy="0"/>
+          <a:chOff x="0" y="0"/>
+          <a:chExt cx="0" cy="0"/>
+        </a:xfrm>
+      </p:grpSpPr>
+      <p:sp>
+        <p:nvSpPr>
+          <p:cNvPr id="2" name="Slide Image Placeholder 1"/>
+          <p:cNvSpPr>
+            <a:spLocks noGrp="1" noRot="1" noChangeAspect="1"/>
+          </p:cNvSpPr>
+          <p:nvPr>
+            <p:ph type="sldImg"/>
+          </p:nvPr>
+        </p:nvSpPr>
+        <p:spPr/>
+      </p:sp>
+      <p:sp>
+        <p:nvSpPr>
+          <p:cNvPr id="3" name="Notes Placeholder 2"/>
+          <p:cNvSpPr>
+            <a:spLocks noGrp="1"/>
+          </p:cNvSpPr>
+          <p:nvPr>
+            <p:ph type="body" idx="1"/>
+          </p:nvPr>
+        </p:nvSpPr>
+        <p:spPr/>
+        <p:txBody>
+          <a:bodyPr/>
+          <a:lstStyle/>
+          <a:p>
+            <a:r>
+              <a:rPr lang="en-US" dirty="0" smtClean="0"/>
+              <a:t>To build batch</a:t>
+            </a:r>
+            <a:r>
+              <a:rPr lang="en-US" baseline="0" dirty="0" smtClean="0"/>
+              <a:t> ourselves we would need to have a pool of virtual machines. They would need to use blob storage to contain the inputs and outputs from each task. We would also need to tie in some form of automatic </a:t>
+            </a:r>
+            <a:r>
+              <a:rPr lang="en-US" baseline="0" dirty="0" err="1" smtClean="0"/>
+              <a:t>scalling</a:t>
+            </a:r>
+            <a:endParaRPr lang="en-US" dirty="0"/>
+          </a:p>
+        </p:txBody>
+      </p:sp>
+      <p:sp>
+        <p:nvSpPr>
+          <p:cNvPr id="4" name="Slide Number Placeholder 3"/>
+          <p:cNvSpPr>
+            <a:spLocks noGrp="1"/>
+          </p:cNvSpPr>
+          <p:nvPr>
+            <p:ph type="sldNum" sz="quarter" idx="10"/>
+          </p:nvPr>
+        </p:nvSpPr>
+        <p:spPr/>
+        <p:txBody>
+          <a:bodyPr/>
+          <a:lstStyle/>
+          <a:p>
+            <a:fld id="{4CFD207A-07DF-40AD-A916-9872E089CE7A}" type="slidenum">
+              <a:rPr lang="en-US" smtClean="0"/>
+              <a:t>10</a:t>
+            </a:fld>
+            <a:endParaRPr lang="en-US"/>
+          </a:p>
+        </p:txBody>
+      </p:sp>
+    </p:spTree>
+    <p:extLst>
+      <p:ext uri="{BB962C8B-B14F-4D97-AF65-F5344CB8AC3E}">
+        <p14:creationId xmlns:p14="http://schemas.microsoft.com/office/powerpoint/2010/main" val="2943292502"/>
+      </p:ext>
+    </p:extLst>
+  </p:cSld>
+  <p:clrMapOvr>
+    <a:masterClrMapping/>
+  </p:clrMapOvr>
+</p:notes>
+</file>
+
+<file path=ppt/notesSlides/notesSlide11.xml><?xml version="1.0" encoding="utf-8"?>
+<p:notes xmlns:a="http://schemas.openxmlformats.org/drawingml/2006/main" xmlns:r="http://schemas.openxmlformats.org/officeDocument/2006/relationships" xmlns:p="http://schemas.openxmlformats.org/presentationml/2006/main">
+  <p:cSld>
+    <p:spTree>
+      <p:nvGrpSpPr>
+        <p:cNvPr id="1" name=""/>
+        <p:cNvGrpSpPr/>
+        <p:nvPr/>
+      </p:nvGrpSpPr>
+      <p:grpSpPr>
+        <a:xfrm>
+          <a:off x="0" y="0"/>
+          <a:ext cx="0" cy="0"/>
+          <a:chOff x="0" y="0"/>
+          <a:chExt cx="0" cy="0"/>
+        </a:xfrm>
+      </p:grpSpPr>
+      <p:sp>
+        <p:nvSpPr>
+          <p:cNvPr id="2" name="Slide Image Placeholder 1"/>
+          <p:cNvSpPr>
+            <a:spLocks noGrp="1" noRot="1" noChangeAspect="1"/>
+          </p:cNvSpPr>
+          <p:nvPr>
+            <p:ph type="sldImg"/>
+          </p:nvPr>
+        </p:nvSpPr>
+        <p:spPr/>
+      </p:sp>
+      <p:sp>
+        <p:nvSpPr>
+          <p:cNvPr id="3" name="Notes Placeholder 2"/>
+          <p:cNvSpPr>
+            <a:spLocks noGrp="1"/>
+          </p:cNvSpPr>
+          <p:nvPr>
+            <p:ph type="body" idx="1"/>
+          </p:nvPr>
+        </p:nvSpPr>
+        <p:spPr/>
+        <p:txBody>
+          <a:bodyPr/>
+          <a:lstStyle/>
+          <a:p>
+            <a:r>
+              <a:rPr lang="en-US" dirty="0" smtClean="0"/>
+              <a:t>To build batch</a:t>
+            </a:r>
+            <a:r>
+              <a:rPr lang="en-US" baseline="0" dirty="0" smtClean="0"/>
+              <a:t> ourselves we would need to have a pool of virtual machines. They would need to use blob storage to contain the inputs and outputs from each task. We would also need to tie in some form of automatic scaling</a:t>
+            </a:r>
+            <a:endParaRPr lang="en-US" dirty="0"/>
+          </a:p>
+        </p:txBody>
+      </p:sp>
+      <p:sp>
+        <p:nvSpPr>
+          <p:cNvPr id="4" name="Slide Number Placeholder 3"/>
+          <p:cNvSpPr>
+            <a:spLocks noGrp="1"/>
+          </p:cNvSpPr>
+          <p:nvPr>
+            <p:ph type="sldNum" sz="quarter" idx="10"/>
+          </p:nvPr>
+        </p:nvSpPr>
+        <p:spPr/>
+        <p:txBody>
+          <a:bodyPr/>
+          <a:lstStyle/>
+          <a:p>
+            <a:fld id="{4CFD207A-07DF-40AD-A916-9872E089CE7A}" type="slidenum">
+              <a:rPr lang="en-US" smtClean="0"/>
+              <a:t>11</a:t>
+            </a:fld>
+            <a:endParaRPr lang="en-US"/>
+          </a:p>
+        </p:txBody>
+      </p:sp>
+    </p:spTree>
+    <p:extLst>
+      <p:ext uri="{BB962C8B-B14F-4D97-AF65-F5344CB8AC3E}">
+        <p14:creationId xmlns:p14="http://schemas.microsoft.com/office/powerpoint/2010/main" val="2968583330"/>
+      </p:ext>
+    </p:extLst>
+  </p:cSld>
+  <p:clrMapOvr>
+    <a:masterClrMapping/>
+  </p:clrMapOvr>
+</p:notes>
+</file>
+
+<file path=ppt/notesSlides/notesSlide12.xml><?xml version="1.0" encoding="utf-8"?>
+<p:notes xmlns:a="http://schemas.openxmlformats.org/drawingml/2006/main" xmlns:r="http://schemas.openxmlformats.org/officeDocument/2006/relationships" xmlns:p="http://schemas.openxmlformats.org/presentationml/2006/main">
+  <p:cSld>
+    <p:spTree>
+      <p:nvGrpSpPr>
+        <p:cNvPr id="1" name=""/>
+        <p:cNvGrpSpPr/>
+        <p:nvPr/>
+      </p:nvGrpSpPr>
+      <p:grpSpPr>
+        <a:xfrm>
+          <a:off x="0" y="0"/>
+          <a:ext cx="0" cy="0"/>
+          <a:chOff x="0" y="0"/>
+          <a:chExt cx="0" cy="0"/>
+        </a:xfrm>
+      </p:grpSpPr>
+      <p:sp>
+        <p:nvSpPr>
+          <p:cNvPr id="2" name="Slide Image Placeholder 1"/>
+          <p:cNvSpPr>
+            <a:spLocks noGrp="1" noRot="1" noChangeAspect="1"/>
+          </p:cNvSpPr>
+          <p:nvPr>
+            <p:ph type="sldImg"/>
+          </p:nvPr>
+        </p:nvSpPr>
+        <p:spPr/>
+      </p:sp>
+      <p:sp>
+        <p:nvSpPr>
+          <p:cNvPr id="3" name="Notes Placeholder 2"/>
+          <p:cNvSpPr>
+            <a:spLocks noGrp="1"/>
+          </p:cNvSpPr>
+          <p:nvPr>
+            <p:ph type="body" idx="1"/>
+          </p:nvPr>
+        </p:nvSpPr>
+        <p:spPr/>
+        <p:txBody>
+          <a:bodyPr/>
+          <a:lstStyle/>
+          <a:p>
+            <a:r>
+              <a:rPr lang="en-US" dirty="0" smtClean="0"/>
+              <a:t>After this we’re going to drop to code to see setting up a pool</a:t>
+            </a:r>
+            <a:r>
+              <a:rPr lang="en-US" baseline="0" dirty="0" smtClean="0"/>
+              <a:t> and jobs and tasks</a:t>
+            </a:r>
+            <a:endParaRPr lang="en-US" dirty="0"/>
+          </a:p>
+        </p:txBody>
+      </p:sp>
+      <p:sp>
+        <p:nvSpPr>
+          <p:cNvPr id="4" name="Slide Number Placeholder 3"/>
+          <p:cNvSpPr>
+            <a:spLocks noGrp="1"/>
+          </p:cNvSpPr>
+          <p:nvPr>
+            <p:ph type="sldNum" sz="quarter" idx="10"/>
+          </p:nvPr>
+        </p:nvSpPr>
+        <p:spPr/>
+        <p:txBody>
+          <a:bodyPr/>
+          <a:lstStyle/>
+          <a:p>
+            <a:fld id="{4CFD207A-07DF-40AD-A916-9872E089CE7A}" type="slidenum">
+              <a:rPr lang="en-US" smtClean="0"/>
+              <a:t>12</a:t>
+            </a:fld>
+            <a:endParaRPr lang="en-US"/>
+          </a:p>
+        </p:txBody>
+      </p:sp>
+    </p:spTree>
+    <p:extLst>
+      <p:ext uri="{BB962C8B-B14F-4D97-AF65-F5344CB8AC3E}">
+        <p14:creationId xmlns:p14="http://schemas.microsoft.com/office/powerpoint/2010/main" val="226504828"/>
+      </p:ext>
+    </p:extLst>
+  </p:cSld>
+  <p:clrMapOvr>
+    <a:masterClrMapping/>
+  </p:clrMapOvr>
+</p:notes>
+</file>
+
+<file path=ppt/notesSlides/notesSlide13.xml><?xml version="1.0" encoding="utf-8"?>
+<p:notes xmlns:a="http://schemas.openxmlformats.org/drawingml/2006/main" xmlns:r="http://schemas.openxmlformats.org/officeDocument/2006/relationships" xmlns:p="http://schemas.openxmlformats.org/presentationml/2006/main">
+  <p:cSld>
+    <p:spTree>
+      <p:nvGrpSpPr>
+        <p:cNvPr id="1" name=""/>
+        <p:cNvGrpSpPr/>
+        <p:nvPr/>
+      </p:nvGrpSpPr>
+      <p:grpSpPr>
+        <a:xfrm>
+          <a:off x="0" y="0"/>
+          <a:ext cx="0" cy="0"/>
+          <a:chOff x="0" y="0"/>
+          <a:chExt cx="0" cy="0"/>
+        </a:xfrm>
+      </p:grpSpPr>
+      <p:sp>
+        <p:nvSpPr>
+          <p:cNvPr id="2" name="Slide Image Placeholder 1"/>
+          <p:cNvSpPr>
+            <a:spLocks noGrp="1" noRot="1" noChangeAspect="1"/>
+          </p:cNvSpPr>
+          <p:nvPr>
+            <p:ph type="sldImg"/>
+          </p:nvPr>
+        </p:nvSpPr>
+        <p:spPr/>
+      </p:sp>
+      <p:sp>
+        <p:nvSpPr>
+          <p:cNvPr id="3" name="Notes Placeholder 2"/>
+          <p:cNvSpPr>
+            <a:spLocks noGrp="1"/>
+          </p:cNvSpPr>
+          <p:nvPr>
+            <p:ph type="body" idx="1"/>
+          </p:nvPr>
+        </p:nvSpPr>
+        <p:spPr/>
+        <p:txBody>
+          <a:bodyPr/>
+          <a:lstStyle/>
+          <a:p>
+            <a:r>
+              <a:rPr lang="en-US" dirty="0" smtClean="0"/>
+              <a:t>We can schedule tasks to run at a particular time. You might</a:t>
+            </a:r>
+            <a:r>
+              <a:rPr lang="en-US" baseline="0" dirty="0" smtClean="0"/>
+              <a:t> want to do this if you’re doing month end processing or year end processing or even if you have a task that can run when the pool isn’t so hot. Say you do 90% of your traffic during the working day then you could schedule maintenance tasks after the work day when the pool isn’t so hot but you don’t want to spin down all the instances</a:t>
+            </a:r>
+            <a:endParaRPr lang="en-US" dirty="0"/>
+          </a:p>
+        </p:txBody>
+      </p:sp>
+      <p:sp>
+        <p:nvSpPr>
+          <p:cNvPr id="4" name="Slide Number Placeholder 3"/>
+          <p:cNvSpPr>
+            <a:spLocks noGrp="1"/>
+          </p:cNvSpPr>
+          <p:nvPr>
+            <p:ph type="sldNum" sz="quarter" idx="10"/>
+          </p:nvPr>
+        </p:nvSpPr>
+        <p:spPr/>
+        <p:txBody>
+          <a:bodyPr/>
+          <a:lstStyle/>
+          <a:p>
+            <a:fld id="{4CFD207A-07DF-40AD-A916-9872E089CE7A}" type="slidenum">
+              <a:rPr lang="en-US" smtClean="0"/>
+              <a:t>14</a:t>
+            </a:fld>
+            <a:endParaRPr lang="en-US"/>
+          </a:p>
+        </p:txBody>
+      </p:sp>
+    </p:spTree>
+    <p:extLst>
+      <p:ext uri="{BB962C8B-B14F-4D97-AF65-F5344CB8AC3E}">
+        <p14:creationId xmlns:p14="http://schemas.microsoft.com/office/powerpoint/2010/main" val="1541042620"/>
+      </p:ext>
+    </p:extLst>
+  </p:cSld>
+  <p:clrMapOvr>
+    <a:masterClrMapping/>
+  </p:clrMapOvr>
+</p:notes>
+</file>
+
+<file path=ppt/notesSlides/notesSlide14.xml><?xml version="1.0" encoding="utf-8"?>
+<p:notes xmlns:a="http://schemas.openxmlformats.org/drawingml/2006/main" xmlns:r="http://schemas.openxmlformats.org/officeDocument/2006/relationships" xmlns:p="http://schemas.openxmlformats.org/presentationml/2006/main">
+  <p:cSld>
+    <p:spTree>
+      <p:nvGrpSpPr>
+        <p:cNvPr id="1" name=""/>
+        <p:cNvGrpSpPr/>
+        <p:nvPr/>
+      </p:nvGrpSpPr>
+      <p:grpSpPr>
+        <a:xfrm>
+          <a:off x="0" y="0"/>
+          <a:ext cx="0" cy="0"/>
+          <a:chOff x="0" y="0"/>
+          <a:chExt cx="0" cy="0"/>
+        </a:xfrm>
+      </p:grpSpPr>
+      <p:sp>
+        <p:nvSpPr>
+          <p:cNvPr id="2" name="Slide Image Placeholder 1"/>
+          <p:cNvSpPr>
+            <a:spLocks noGrp="1" noRot="1" noChangeAspect="1"/>
+          </p:cNvSpPr>
+          <p:nvPr>
+            <p:ph type="sldImg"/>
+          </p:nvPr>
+        </p:nvSpPr>
+        <p:spPr/>
+      </p:sp>
+      <p:sp>
+        <p:nvSpPr>
+          <p:cNvPr id="3" name="Notes Placeholder 2"/>
+          <p:cNvSpPr>
+            <a:spLocks noGrp="1"/>
+          </p:cNvSpPr>
+          <p:nvPr>
+            <p:ph type="body" idx="1"/>
+          </p:nvPr>
+        </p:nvSpPr>
+        <p:spPr/>
+        <p:txBody>
+          <a:bodyPr/>
+          <a:lstStyle/>
+          <a:p>
+            <a:r>
+              <a:rPr lang="en-US" dirty="0" smtClean="0"/>
+              <a:t>Can</a:t>
+            </a:r>
+            <a:r>
+              <a:rPr lang="en-US" baseline="0" dirty="0" smtClean="0"/>
+              <a:t> be scaled right to the moon. Literally 10s of thousands of nodes. I can’t imagine many scenarios where you would need that but something like protein folding would be a good example. Really doesn’t cost you any more to run experiments quickly on many nodes than slowly on few nodes. All you’re paying is the startup time</a:t>
+            </a:r>
+            <a:endParaRPr lang="en-US" dirty="0"/>
+          </a:p>
+        </p:txBody>
+      </p:sp>
+      <p:sp>
+        <p:nvSpPr>
+          <p:cNvPr id="4" name="Slide Number Placeholder 3"/>
+          <p:cNvSpPr>
+            <a:spLocks noGrp="1"/>
+          </p:cNvSpPr>
+          <p:nvPr>
+            <p:ph type="sldNum" sz="quarter" idx="10"/>
+          </p:nvPr>
+        </p:nvSpPr>
+        <p:spPr/>
+        <p:txBody>
+          <a:bodyPr/>
+          <a:lstStyle/>
+          <a:p>
+            <a:fld id="{4CFD207A-07DF-40AD-A916-9872E089CE7A}" type="slidenum">
+              <a:rPr lang="en-US" smtClean="0"/>
+              <a:t>15</a:t>
+            </a:fld>
+            <a:endParaRPr lang="en-US"/>
+          </a:p>
+        </p:txBody>
+      </p:sp>
+    </p:spTree>
+    <p:extLst>
+      <p:ext uri="{BB962C8B-B14F-4D97-AF65-F5344CB8AC3E}">
+        <p14:creationId xmlns:p14="http://schemas.microsoft.com/office/powerpoint/2010/main" val="1559743551"/>
       </p:ext>
     </p:extLst>
   </p:cSld>
@@ -769,17 +1258,10 @@
         </p:nvSpPr>
         <p:spPr/>
         <p:txBody>
-          <a:bodyPr>
-            <a:noAutofit/>
-          </a:bodyPr>
+          <a:bodyPr/>
           <a:lstStyle/>
           <a:p>
-            <a:endParaRPr lang="en-GB" dirty="0">
-              <a:solidFill>
-                <a:schemeClr val="tx2"/>
-              </a:solidFill>
-              <a:latin typeface="Segoe" pitchFamily="34" charset="0"/>
-            </a:endParaRPr>
+            <a:endParaRPr lang="en-US" dirty="0"/>
           </a:p>
         </p:txBody>
       </p:sp>
@@ -810,7 +1292,7 @@
     </p:spTree>
     <p:extLst>
       <p:ext uri="{BB962C8B-B14F-4D97-AF65-F5344CB8AC3E}">
-        <p14:creationId xmlns:p14="http://schemas.microsoft.com/office/powerpoint/2010/main" val="1542757562"/>
+        <p14:creationId xmlns:p14="http://schemas.microsoft.com/office/powerpoint/2010/main" val="2595756465"/>
       </p:ext>
     </p:extLst>
   </p:cSld>
@@ -864,7 +1346,7 @@
           <a:bodyPr/>
           <a:lstStyle/>
           <a:p>
-            <a:endParaRPr lang="en-US"/>
+            <a:endParaRPr lang="en-US" dirty="0"/>
           </a:p>
         </p:txBody>
       </p:sp>
@@ -883,18 +1365,654 @@
           <a:bodyPr/>
           <a:lstStyle/>
           <a:p>
-            <a:fld id="{4CFD207A-07DF-40AD-A916-9872E089CE7A}" type="slidenum">
+            <a:fld id="{13F0F35F-DD44-4607-AEC1-49D7A4BC4066}" type="slidenum">
               <a:rPr lang="en-US" smtClean="0"/>
+              <a:pPr/>
               <a:t>3</a:t>
             </a:fld>
-            <a:endParaRPr lang="en-US"/>
+            <a:endParaRPr lang="en-US" dirty="0"/>
           </a:p>
         </p:txBody>
       </p:sp>
     </p:spTree>
     <p:extLst>
       <p:ext uri="{BB962C8B-B14F-4D97-AF65-F5344CB8AC3E}">
-        <p14:creationId xmlns:p14="http://schemas.microsoft.com/office/powerpoint/2010/main" val="1692121609"/>
+        <p14:creationId xmlns:p14="http://schemas.microsoft.com/office/powerpoint/2010/main" val="2595756465"/>
+      </p:ext>
+    </p:extLst>
+  </p:cSld>
+  <p:clrMapOvr>
+    <a:masterClrMapping/>
+  </p:clrMapOvr>
+</p:notes>
+</file>
+
+<file path=ppt/notesSlides/notesSlide4.xml><?xml version="1.0" encoding="utf-8"?>
+<p:notes xmlns:a="http://schemas.openxmlformats.org/drawingml/2006/main" xmlns:r="http://schemas.openxmlformats.org/officeDocument/2006/relationships" xmlns:p="http://schemas.openxmlformats.org/presentationml/2006/main">
+  <p:cSld>
+    <p:spTree>
+      <p:nvGrpSpPr>
+        <p:cNvPr id="1" name=""/>
+        <p:cNvGrpSpPr/>
+        <p:nvPr/>
+      </p:nvGrpSpPr>
+      <p:grpSpPr>
+        <a:xfrm>
+          <a:off x="0" y="0"/>
+          <a:ext cx="0" cy="0"/>
+          <a:chOff x="0" y="0"/>
+          <a:chExt cx="0" cy="0"/>
+        </a:xfrm>
+      </p:grpSpPr>
+      <p:sp>
+        <p:nvSpPr>
+          <p:cNvPr id="2" name="Slide Image Placeholder 1"/>
+          <p:cNvSpPr>
+            <a:spLocks noGrp="1" noRot="1" noChangeAspect="1"/>
+          </p:cNvSpPr>
+          <p:nvPr>
+            <p:ph type="sldImg"/>
+          </p:nvPr>
+        </p:nvSpPr>
+        <p:spPr>
+          <a:xfrm>
+            <a:off x="381000" y="685800"/>
+            <a:ext cx="6096000" cy="3429000"/>
+          </a:xfrm>
+        </p:spPr>
+      </p:sp>
+      <p:sp>
+        <p:nvSpPr>
+          <p:cNvPr id="3" name="Notes Placeholder 2"/>
+          <p:cNvSpPr>
+            <a:spLocks noGrp="1"/>
+          </p:cNvSpPr>
+          <p:nvPr>
+            <p:ph type="body" idx="1"/>
+          </p:nvPr>
+        </p:nvSpPr>
+        <p:spPr/>
+        <p:txBody>
+          <a:bodyPr>
+            <a:normAutofit/>
+          </a:bodyPr>
+          <a:lstStyle/>
+          <a:p>
+            <a:endParaRPr lang="en-CA" b="0" dirty="0" smtClean="0"/>
+          </a:p>
+        </p:txBody>
+      </p:sp>
+      <p:sp>
+        <p:nvSpPr>
+          <p:cNvPr id="4" name="Slide Number Placeholder 3"/>
+          <p:cNvSpPr>
+            <a:spLocks noGrp="1"/>
+          </p:cNvSpPr>
+          <p:nvPr>
+            <p:ph type="sldNum" sz="quarter" idx="10"/>
+          </p:nvPr>
+        </p:nvSpPr>
+        <p:spPr/>
+        <p:txBody>
+          <a:bodyPr/>
+          <a:lstStyle/>
+          <a:p>
+            <a:fld id="{13F0F35F-DD44-4607-AEC1-49D7A4BC4066}" type="slidenum">
+              <a:rPr lang="en-US" smtClean="0"/>
+              <a:pPr/>
+              <a:t>4</a:t>
+            </a:fld>
+            <a:endParaRPr lang="en-US" dirty="0"/>
+          </a:p>
+        </p:txBody>
+      </p:sp>
+    </p:spTree>
+    <p:extLst>
+      <p:ext uri="{BB962C8B-B14F-4D97-AF65-F5344CB8AC3E}">
+        <p14:creationId xmlns:p14="http://schemas.microsoft.com/office/powerpoint/2010/main" val="2911304509"/>
+      </p:ext>
+    </p:extLst>
+  </p:cSld>
+  <p:clrMapOvr>
+    <a:masterClrMapping/>
+  </p:clrMapOvr>
+</p:notes>
+</file>
+
+<file path=ppt/notesSlides/notesSlide5.xml><?xml version="1.0" encoding="utf-8"?>
+<p:notes xmlns:a="http://schemas.openxmlformats.org/drawingml/2006/main" xmlns:r="http://schemas.openxmlformats.org/officeDocument/2006/relationships" xmlns:p="http://schemas.openxmlformats.org/presentationml/2006/main">
+  <p:cSld>
+    <p:spTree>
+      <p:nvGrpSpPr>
+        <p:cNvPr id="1" name=""/>
+        <p:cNvGrpSpPr/>
+        <p:nvPr/>
+      </p:nvGrpSpPr>
+      <p:grpSpPr>
+        <a:xfrm>
+          <a:off x="0" y="0"/>
+          <a:ext cx="0" cy="0"/>
+          <a:chOff x="0" y="0"/>
+          <a:chExt cx="0" cy="0"/>
+        </a:xfrm>
+      </p:grpSpPr>
+      <p:sp>
+        <p:nvSpPr>
+          <p:cNvPr id="2" name="Slide Image Placeholder 1"/>
+          <p:cNvSpPr>
+            <a:spLocks noGrp="1" noRot="1" noChangeAspect="1"/>
+          </p:cNvSpPr>
+          <p:nvPr>
+            <p:ph type="sldImg"/>
+          </p:nvPr>
+        </p:nvSpPr>
+        <p:spPr/>
+      </p:sp>
+      <p:sp>
+        <p:nvSpPr>
+          <p:cNvPr id="3" name="Notes Placeholder 2"/>
+          <p:cNvSpPr>
+            <a:spLocks noGrp="1"/>
+          </p:cNvSpPr>
+          <p:nvPr>
+            <p:ph type="body" idx="1"/>
+          </p:nvPr>
+        </p:nvSpPr>
+        <p:spPr/>
+        <p:txBody>
+          <a:bodyPr/>
+          <a:lstStyle/>
+          <a:p>
+            <a:r>
+              <a:rPr lang="en-US" dirty="0" smtClean="0"/>
+              <a:t>This is an IBM 360 delivered between 1965 and 1978. This particular image is of an IBM 360-20 which is the smallest and cheapest member of the 360 family. It is only barely a mainframe and</a:t>
+            </a:r>
+            <a:r>
+              <a:rPr lang="en-US" baseline="0" dirty="0" smtClean="0"/>
+              <a:t> would later be classified as a microcomputer. Notice on the right the pink stacks of cards. Those are being fed into an IBM 2560 MFCM or multi function card machine. You would write a program </a:t>
+            </a:r>
+            <a:endParaRPr lang="en-US" dirty="0"/>
+          </a:p>
+        </p:txBody>
+      </p:sp>
+      <p:sp>
+        <p:nvSpPr>
+          <p:cNvPr id="4" name="Slide Number Placeholder 3"/>
+          <p:cNvSpPr>
+            <a:spLocks noGrp="1"/>
+          </p:cNvSpPr>
+          <p:nvPr>
+            <p:ph type="sldNum" sz="quarter" idx="10"/>
+          </p:nvPr>
+        </p:nvSpPr>
+        <p:spPr/>
+        <p:txBody>
+          <a:bodyPr/>
+          <a:lstStyle/>
+          <a:p>
+            <a:fld id="{4CFD207A-07DF-40AD-A916-9872E089CE7A}" type="slidenum">
+              <a:rPr lang="en-US" smtClean="0"/>
+              <a:t>5</a:t>
+            </a:fld>
+            <a:endParaRPr lang="en-US"/>
+          </a:p>
+        </p:txBody>
+      </p:sp>
+    </p:spTree>
+    <p:extLst>
+      <p:ext uri="{BB962C8B-B14F-4D97-AF65-F5344CB8AC3E}">
+        <p14:creationId xmlns:p14="http://schemas.microsoft.com/office/powerpoint/2010/main" val="3536417517"/>
+      </p:ext>
+    </p:extLst>
+  </p:cSld>
+  <p:clrMapOvr>
+    <a:masterClrMapping/>
+  </p:clrMapOvr>
+</p:notes>
+</file>
+
+<file path=ppt/notesSlides/notesSlide6.xml><?xml version="1.0" encoding="utf-8"?>
+<p:notes xmlns:a="http://schemas.openxmlformats.org/drawingml/2006/main" xmlns:r="http://schemas.openxmlformats.org/officeDocument/2006/relationships" xmlns:p="http://schemas.openxmlformats.org/presentationml/2006/main">
+  <p:cSld>
+    <p:spTree>
+      <p:nvGrpSpPr>
+        <p:cNvPr id="1" name=""/>
+        <p:cNvGrpSpPr/>
+        <p:nvPr/>
+      </p:nvGrpSpPr>
+      <p:grpSpPr>
+        <a:xfrm>
+          <a:off x="0" y="0"/>
+          <a:ext cx="0" cy="0"/>
+          <a:chOff x="0" y="0"/>
+          <a:chExt cx="0" cy="0"/>
+        </a:xfrm>
+      </p:grpSpPr>
+      <p:sp>
+        <p:nvSpPr>
+          <p:cNvPr id="2" name="Slide Image Placeholder 1"/>
+          <p:cNvSpPr>
+            <a:spLocks noGrp="1" noRot="1" noChangeAspect="1"/>
+          </p:cNvSpPr>
+          <p:nvPr>
+            <p:ph type="sldImg"/>
+          </p:nvPr>
+        </p:nvSpPr>
+        <p:spPr>
+          <a:xfrm>
+            <a:off x="381000" y="685800"/>
+            <a:ext cx="6096000" cy="3429000"/>
+          </a:xfrm>
+        </p:spPr>
+      </p:sp>
+      <p:sp>
+        <p:nvSpPr>
+          <p:cNvPr id="3" name="Notes Placeholder 2"/>
+          <p:cNvSpPr>
+            <a:spLocks noGrp="1"/>
+          </p:cNvSpPr>
+          <p:nvPr>
+            <p:ph type="body" idx="1"/>
+          </p:nvPr>
+        </p:nvSpPr>
+        <p:spPr/>
+        <p:txBody>
+          <a:bodyPr>
+            <a:normAutofit/>
+          </a:bodyPr>
+          <a:lstStyle/>
+          <a:p>
+            <a:r>
+              <a:rPr lang="en-CA" b="0" dirty="0" smtClean="0"/>
+              <a:t>Talk about oil well accounting. Generating</a:t>
+            </a:r>
+            <a:r>
+              <a:rPr lang="en-CA" b="0" baseline="0" dirty="0" smtClean="0"/>
+              <a:t> bills for customers is a great example of a batch process. Every month you get a cell phone bill which is likely generated through a batch process. Batches are great for easily divisible very large scale jobs. </a:t>
+            </a:r>
+            <a:endParaRPr lang="en-CA" b="0" dirty="0" smtClean="0"/>
+          </a:p>
+        </p:txBody>
+      </p:sp>
+      <p:sp>
+        <p:nvSpPr>
+          <p:cNvPr id="4" name="Slide Number Placeholder 3"/>
+          <p:cNvSpPr>
+            <a:spLocks noGrp="1"/>
+          </p:cNvSpPr>
+          <p:nvPr>
+            <p:ph type="sldNum" sz="quarter" idx="10"/>
+          </p:nvPr>
+        </p:nvSpPr>
+        <p:spPr/>
+        <p:txBody>
+          <a:bodyPr/>
+          <a:lstStyle/>
+          <a:p>
+            <a:fld id="{13F0F35F-DD44-4607-AEC1-49D7A4BC4066}" type="slidenum">
+              <a:rPr lang="en-US" smtClean="0"/>
+              <a:pPr/>
+              <a:t>6</a:t>
+            </a:fld>
+            <a:endParaRPr lang="en-US" dirty="0"/>
+          </a:p>
+        </p:txBody>
+      </p:sp>
+    </p:spTree>
+    <p:extLst>
+      <p:ext uri="{BB962C8B-B14F-4D97-AF65-F5344CB8AC3E}">
+        <p14:creationId xmlns:p14="http://schemas.microsoft.com/office/powerpoint/2010/main" val="2804331056"/>
+      </p:ext>
+    </p:extLst>
+  </p:cSld>
+  <p:clrMapOvr>
+    <a:masterClrMapping/>
+  </p:clrMapOvr>
+</p:notes>
+</file>
+
+<file path=ppt/notesSlides/notesSlide7.xml><?xml version="1.0" encoding="utf-8"?>
+<p:notes xmlns:a="http://schemas.openxmlformats.org/drawingml/2006/main" xmlns:r="http://schemas.openxmlformats.org/officeDocument/2006/relationships" xmlns:p="http://schemas.openxmlformats.org/presentationml/2006/main">
+  <p:cSld>
+    <p:spTree>
+      <p:nvGrpSpPr>
+        <p:cNvPr id="1" name=""/>
+        <p:cNvGrpSpPr/>
+        <p:nvPr/>
+      </p:nvGrpSpPr>
+      <p:grpSpPr>
+        <a:xfrm>
+          <a:off x="0" y="0"/>
+          <a:ext cx="0" cy="0"/>
+          <a:chOff x="0" y="0"/>
+          <a:chExt cx="0" cy="0"/>
+        </a:xfrm>
+      </p:grpSpPr>
+      <p:sp>
+        <p:nvSpPr>
+          <p:cNvPr id="2" name="Slide Image Placeholder 1"/>
+          <p:cNvSpPr>
+            <a:spLocks noGrp="1" noRot="1" noChangeAspect="1"/>
+          </p:cNvSpPr>
+          <p:nvPr>
+            <p:ph type="sldImg"/>
+          </p:nvPr>
+        </p:nvSpPr>
+        <p:spPr>
+          <a:xfrm>
+            <a:off x="381000" y="685800"/>
+            <a:ext cx="6096000" cy="3429000"/>
+          </a:xfrm>
+        </p:spPr>
+      </p:sp>
+      <p:sp>
+        <p:nvSpPr>
+          <p:cNvPr id="3" name="Notes Placeholder 2"/>
+          <p:cNvSpPr>
+            <a:spLocks noGrp="1"/>
+          </p:cNvSpPr>
+          <p:nvPr>
+            <p:ph type="body" idx="1"/>
+          </p:nvPr>
+        </p:nvSpPr>
+        <p:spPr/>
+        <p:txBody>
+          <a:bodyPr>
+            <a:normAutofit/>
+          </a:bodyPr>
+          <a:lstStyle/>
+          <a:p>
+            <a:pPr marL="0" marR="0" indent="0" algn="l" defTabSz="914400" rtl="0" eaLnBrk="1" fontAlgn="auto" latinLnBrk="0" hangingPunct="1">
+              <a:lnSpc>
+                <a:spcPct val="100000"/>
+              </a:lnSpc>
+              <a:spcBef>
+                <a:spcPts val="0"/>
+              </a:spcBef>
+              <a:spcAft>
+                <a:spcPts val="0"/>
+              </a:spcAft>
+              <a:buClrTx/>
+              <a:buSzTx/>
+              <a:buFontTx/>
+              <a:buNone/>
+              <a:tabLst/>
+              <a:defRPr/>
+            </a:pPr>
+            <a:r>
+              <a:rPr lang="en-CA" b="0" dirty="0" smtClean="0"/>
+              <a:t>If you’re of a certain age.</a:t>
+            </a:r>
+            <a:r>
+              <a:rPr lang="en-CA" b="0" baseline="0" dirty="0" smtClean="0"/>
+              <a:t> </a:t>
+            </a:r>
+            <a:r>
+              <a:rPr lang="en-US" sz="1200" b="0" i="0" kern="1200" dirty="0" smtClean="0">
+                <a:solidFill>
+                  <a:schemeClr val="tx1"/>
+                </a:solidFill>
+                <a:effectLst/>
+                <a:latin typeface="+mn-lt"/>
+                <a:ea typeface="+mn-ea"/>
+                <a:cs typeface="+mn-cs"/>
+              </a:rPr>
+              <a:t>Arecibo </a:t>
+            </a:r>
+            <a:r>
+              <a:rPr lang="en-CA" b="0" baseline="0" dirty="0" smtClean="0"/>
+              <a:t>space telescope </a:t>
+            </a:r>
+            <a:endParaRPr lang="en-CA" b="0" dirty="0" smtClean="0"/>
+          </a:p>
+        </p:txBody>
+      </p:sp>
+      <p:sp>
+        <p:nvSpPr>
+          <p:cNvPr id="4" name="Slide Number Placeholder 3"/>
+          <p:cNvSpPr>
+            <a:spLocks noGrp="1"/>
+          </p:cNvSpPr>
+          <p:nvPr>
+            <p:ph type="sldNum" sz="quarter" idx="10"/>
+          </p:nvPr>
+        </p:nvSpPr>
+        <p:spPr/>
+        <p:txBody>
+          <a:bodyPr/>
+          <a:lstStyle/>
+          <a:p>
+            <a:fld id="{13F0F35F-DD44-4607-AEC1-49D7A4BC4066}" type="slidenum">
+              <a:rPr lang="en-US" smtClean="0"/>
+              <a:pPr/>
+              <a:t>7</a:t>
+            </a:fld>
+            <a:endParaRPr lang="en-US" dirty="0"/>
+          </a:p>
+        </p:txBody>
+      </p:sp>
+    </p:spTree>
+    <p:extLst>
+      <p:ext uri="{BB962C8B-B14F-4D97-AF65-F5344CB8AC3E}">
+        <p14:creationId xmlns:p14="http://schemas.microsoft.com/office/powerpoint/2010/main" val="1613641889"/>
+      </p:ext>
+    </p:extLst>
+  </p:cSld>
+  <p:clrMapOvr>
+    <a:masterClrMapping/>
+  </p:clrMapOvr>
+</p:notes>
+</file>
+
+<file path=ppt/notesSlides/notesSlide8.xml><?xml version="1.0" encoding="utf-8"?>
+<p:notes xmlns:a="http://schemas.openxmlformats.org/drawingml/2006/main" xmlns:r="http://schemas.openxmlformats.org/officeDocument/2006/relationships" xmlns:p="http://schemas.openxmlformats.org/presentationml/2006/main">
+  <p:cSld>
+    <p:spTree>
+      <p:nvGrpSpPr>
+        <p:cNvPr id="1" name=""/>
+        <p:cNvGrpSpPr/>
+        <p:nvPr/>
+      </p:nvGrpSpPr>
+      <p:grpSpPr>
+        <a:xfrm>
+          <a:off x="0" y="0"/>
+          <a:ext cx="0" cy="0"/>
+          <a:chOff x="0" y="0"/>
+          <a:chExt cx="0" cy="0"/>
+        </a:xfrm>
+      </p:grpSpPr>
+      <p:sp>
+        <p:nvSpPr>
+          <p:cNvPr id="2" name="Slide Image Placeholder 1"/>
+          <p:cNvSpPr>
+            <a:spLocks noGrp="1" noRot="1" noChangeAspect="1"/>
+          </p:cNvSpPr>
+          <p:nvPr>
+            <p:ph type="sldImg"/>
+          </p:nvPr>
+        </p:nvSpPr>
+        <p:spPr>
+          <a:xfrm>
+            <a:off x="381000" y="685800"/>
+            <a:ext cx="6096000" cy="3429000"/>
+          </a:xfrm>
+        </p:spPr>
+      </p:sp>
+      <p:sp>
+        <p:nvSpPr>
+          <p:cNvPr id="3" name="Notes Placeholder 2"/>
+          <p:cNvSpPr>
+            <a:spLocks noGrp="1"/>
+          </p:cNvSpPr>
+          <p:nvPr>
+            <p:ph type="body" idx="1"/>
+          </p:nvPr>
+        </p:nvSpPr>
+        <p:spPr/>
+        <p:txBody>
+          <a:bodyPr>
+            <a:normAutofit/>
+          </a:bodyPr>
+          <a:lstStyle/>
+          <a:p>
+            <a:pPr marL="0" marR="0" indent="0" algn="l" defTabSz="914400" rtl="0" eaLnBrk="1" fontAlgn="auto" latinLnBrk="0" hangingPunct="1">
+              <a:lnSpc>
+                <a:spcPct val="100000"/>
+              </a:lnSpc>
+              <a:spcBef>
+                <a:spcPts val="0"/>
+              </a:spcBef>
+              <a:spcAft>
+                <a:spcPts val="0"/>
+              </a:spcAft>
+              <a:buClrTx/>
+              <a:buSzTx/>
+              <a:buFontTx/>
+              <a:buNone/>
+              <a:tabLst/>
+              <a:defRPr/>
+            </a:pPr>
+            <a:endParaRPr lang="en-CA" b="0" dirty="0" smtClean="0"/>
+          </a:p>
+        </p:txBody>
+      </p:sp>
+      <p:sp>
+        <p:nvSpPr>
+          <p:cNvPr id="4" name="Slide Number Placeholder 3"/>
+          <p:cNvSpPr>
+            <a:spLocks noGrp="1"/>
+          </p:cNvSpPr>
+          <p:nvPr>
+            <p:ph type="sldNum" sz="quarter" idx="10"/>
+          </p:nvPr>
+        </p:nvSpPr>
+        <p:spPr/>
+        <p:txBody>
+          <a:bodyPr/>
+          <a:lstStyle/>
+          <a:p>
+            <a:fld id="{13F0F35F-DD44-4607-AEC1-49D7A4BC4066}" type="slidenum">
+              <a:rPr lang="en-US" smtClean="0"/>
+              <a:pPr/>
+              <a:t>8</a:t>
+            </a:fld>
+            <a:endParaRPr lang="en-US" dirty="0"/>
+          </a:p>
+        </p:txBody>
+      </p:sp>
+    </p:spTree>
+    <p:extLst>
+      <p:ext uri="{BB962C8B-B14F-4D97-AF65-F5344CB8AC3E}">
+        <p14:creationId xmlns:p14="http://schemas.microsoft.com/office/powerpoint/2010/main" val="1911596928"/>
+      </p:ext>
+    </p:extLst>
+  </p:cSld>
+  <p:clrMapOvr>
+    <a:masterClrMapping/>
+  </p:clrMapOvr>
+</p:notes>
+</file>
+
+<file path=ppt/notesSlides/notesSlide9.xml><?xml version="1.0" encoding="utf-8"?>
+<p:notes xmlns:a="http://schemas.openxmlformats.org/drawingml/2006/main" xmlns:r="http://schemas.openxmlformats.org/officeDocument/2006/relationships" xmlns:p="http://schemas.openxmlformats.org/presentationml/2006/main">
+  <p:cSld>
+    <p:spTree>
+      <p:nvGrpSpPr>
+        <p:cNvPr id="1" name=""/>
+        <p:cNvGrpSpPr/>
+        <p:nvPr/>
+      </p:nvGrpSpPr>
+      <p:grpSpPr>
+        <a:xfrm>
+          <a:off x="0" y="0"/>
+          <a:ext cx="0" cy="0"/>
+          <a:chOff x="0" y="0"/>
+          <a:chExt cx="0" cy="0"/>
+        </a:xfrm>
+      </p:grpSpPr>
+      <p:sp>
+        <p:nvSpPr>
+          <p:cNvPr id="2" name="Slide Image Placeholder 1"/>
+          <p:cNvSpPr>
+            <a:spLocks noGrp="1" noRot="1" noChangeAspect="1"/>
+          </p:cNvSpPr>
+          <p:nvPr>
+            <p:ph type="sldImg"/>
+          </p:nvPr>
+        </p:nvSpPr>
+        <p:spPr>
+          <a:xfrm>
+            <a:off x="381000" y="685800"/>
+            <a:ext cx="6096000" cy="3429000"/>
+          </a:xfrm>
+        </p:spPr>
+      </p:sp>
+      <p:sp>
+        <p:nvSpPr>
+          <p:cNvPr id="3" name="Notes Placeholder 2"/>
+          <p:cNvSpPr>
+            <a:spLocks noGrp="1"/>
+          </p:cNvSpPr>
+          <p:nvPr>
+            <p:ph type="body" idx="1"/>
+          </p:nvPr>
+        </p:nvSpPr>
+        <p:spPr/>
+        <p:txBody>
+          <a:bodyPr>
+            <a:normAutofit/>
+          </a:bodyPr>
+          <a:lstStyle/>
+          <a:p>
+            <a:pPr marL="0" marR="0" indent="0" algn="l" defTabSz="914400" rtl="0" eaLnBrk="1" fontAlgn="auto" latinLnBrk="0" hangingPunct="1">
+              <a:lnSpc>
+                <a:spcPct val="100000"/>
+              </a:lnSpc>
+              <a:spcBef>
+                <a:spcPts val="0"/>
+              </a:spcBef>
+              <a:spcAft>
+                <a:spcPts val="0"/>
+              </a:spcAft>
+              <a:buClrTx/>
+              <a:buSzTx/>
+              <a:buFontTx/>
+              <a:buNone/>
+              <a:tabLst/>
+              <a:defRPr/>
+            </a:pPr>
+            <a:endParaRPr lang="en-CA" b="0" dirty="0" smtClean="0"/>
+          </a:p>
+        </p:txBody>
+      </p:sp>
+      <p:sp>
+        <p:nvSpPr>
+          <p:cNvPr id="4" name="Slide Number Placeholder 3"/>
+          <p:cNvSpPr>
+            <a:spLocks noGrp="1"/>
+          </p:cNvSpPr>
+          <p:nvPr>
+            <p:ph type="sldNum" sz="quarter" idx="10"/>
+          </p:nvPr>
+        </p:nvSpPr>
+        <p:spPr/>
+        <p:txBody>
+          <a:bodyPr/>
+          <a:lstStyle/>
+          <a:p>
+            <a:fld id="{13F0F35F-DD44-4607-AEC1-49D7A4BC4066}" type="slidenum">
+              <a:rPr lang="en-US" smtClean="0"/>
+              <a:pPr/>
+              <a:t>9</a:t>
+            </a:fld>
+            <a:endParaRPr lang="en-US" dirty="0"/>
+          </a:p>
+        </p:txBody>
+      </p:sp>
+    </p:spTree>
+    <p:extLst>
+      <p:ext uri="{BB962C8B-B14F-4D97-AF65-F5344CB8AC3E}">
+        <p14:creationId xmlns:p14="http://schemas.microsoft.com/office/powerpoint/2010/main" val="1269308922"/>
       </p:ext>
     </p:extLst>
   </p:cSld>
@@ -1321,660 +2439,6 @@
 </file>
 
 <file path=ppt/slideLayouts/slideLayout2.xml><?xml version="1.0" encoding="utf-8"?>
-<p:sldLayout xmlns:a="http://schemas.openxmlformats.org/drawingml/2006/main" xmlns:r="http://schemas.openxmlformats.org/officeDocument/2006/relationships" xmlns:p="http://schemas.openxmlformats.org/presentationml/2006/main" userDrawn="1">
-  <p:cSld name="1_Section Header">
-    <p:spTree>
-      <p:nvGrpSpPr>
-        <p:cNvPr id="1" name=""/>
-        <p:cNvGrpSpPr/>
-        <p:nvPr/>
-      </p:nvGrpSpPr>
-      <p:grpSpPr>
-        <a:xfrm>
-          <a:off x="0" y="0"/>
-          <a:ext cx="0" cy="0"/>
-          <a:chOff x="0" y="0"/>
-          <a:chExt cx="0" cy="0"/>
-        </a:xfrm>
-      </p:grpSpPr>
-      <p:sp>
-        <p:nvSpPr>
-          <p:cNvPr id="9" name="Subtitle 2"/>
-          <p:cNvSpPr txBox="1">
-            <a:spLocks/>
-          </p:cNvSpPr>
-          <p:nvPr userDrawn="1"/>
-        </p:nvSpPr>
-        <p:spPr>
-          <a:xfrm>
-            <a:off x="8738733" y="2685050"/>
-            <a:ext cx="2241224" cy="2355337"/>
-          </a:xfrm>
-          <a:prstGeom prst="rect">
-            <a:avLst/>
-          </a:prstGeom>
-        </p:spPr>
-        <p:txBody>
-          <a:bodyPr vert="horz" lIns="91409" tIns="45705" rIns="91409" bIns="45705" rtlCol="0" anchor="ctr" anchorCtr="0">
-            <a:normAutofit/>
-          </a:bodyPr>
-          <a:lstStyle>
-            <a:lvl1pPr marL="0" indent="0" algn="l" defTabSz="914052" rtl="0" eaLnBrk="1" latinLnBrk="0" hangingPunct="1">
-              <a:lnSpc>
-                <a:spcPct val="100000"/>
-              </a:lnSpc>
-              <a:spcBef>
-                <a:spcPts val="0"/>
-              </a:spcBef>
-              <a:buSzPct val="90000"/>
-              <a:buFont typeface="Arial" pitchFamily="34" charset="0"/>
-              <a:buNone/>
-              <a:defRPr lang="en-US" sz="1800" b="1" kern="1200" spc="-30" baseline="0" dirty="0">
-                <a:gradFill>
-                  <a:gsLst>
-                    <a:gs pos="1250">
-                      <a:srgbClr val="FFFFFF"/>
-                    </a:gs>
-                    <a:gs pos="6250">
-                      <a:srgbClr val="FFFFFF"/>
-                    </a:gs>
-                  </a:gsLst>
-                  <a:lin ang="5400000" scaled="0"/>
-                </a:gradFill>
-                <a:latin typeface="Segoe UI" pitchFamily="34" charset="0"/>
-                <a:ea typeface="Segoe UI" pitchFamily="34" charset="0"/>
-                <a:cs typeface="Segoe UI" pitchFamily="34" charset="0"/>
-              </a:defRPr>
-            </a:lvl1pPr>
-            <a:lvl2pPr marL="457044" indent="0" algn="ctr" defTabSz="914088" rtl="0" eaLnBrk="1" latinLnBrk="0" hangingPunct="1">
-              <a:spcBef>
-                <a:spcPts val="300"/>
-              </a:spcBef>
-              <a:spcAft>
-                <a:spcPts val="300"/>
-              </a:spcAft>
-              <a:buFont typeface="Arial" pitchFamily="34" charset="0"/>
-              <a:buNone/>
-              <a:defRPr sz="2800" kern="1200">
-                <a:solidFill>
-                  <a:schemeClr val="tx1">
-                    <a:tint val="75000"/>
-                  </a:schemeClr>
-                </a:solidFill>
-                <a:latin typeface="Segoe UI" pitchFamily="34" charset="0"/>
-                <a:ea typeface="Segoe UI" pitchFamily="34" charset="0"/>
-                <a:cs typeface="Segoe UI" pitchFamily="34" charset="0"/>
-              </a:defRPr>
-            </a:lvl2pPr>
-            <a:lvl3pPr marL="914088" indent="0" algn="ctr" defTabSz="914088" rtl="0" eaLnBrk="1" latinLnBrk="0" hangingPunct="1">
-              <a:spcBef>
-                <a:spcPts val="200"/>
-              </a:spcBef>
-              <a:spcAft>
-                <a:spcPts val="200"/>
-              </a:spcAft>
-              <a:buFont typeface="Arial" pitchFamily="34" charset="0"/>
-              <a:buNone/>
-              <a:defRPr sz="2400" kern="1200">
-                <a:solidFill>
-                  <a:schemeClr val="tx1">
-                    <a:tint val="75000"/>
-                  </a:schemeClr>
-                </a:solidFill>
-                <a:latin typeface="Segoe UI" pitchFamily="34" charset="0"/>
-                <a:ea typeface="Segoe UI" pitchFamily="34" charset="0"/>
-                <a:cs typeface="Segoe UI" pitchFamily="34" charset="0"/>
-              </a:defRPr>
-            </a:lvl3pPr>
-            <a:lvl4pPr marL="1371133" indent="0" algn="ctr" defTabSz="914088" rtl="0" eaLnBrk="1" latinLnBrk="0" hangingPunct="1">
-              <a:spcBef>
-                <a:spcPct val="20000"/>
-              </a:spcBef>
-              <a:buFont typeface="Arial" pitchFamily="34" charset="0"/>
-              <a:buNone/>
-              <a:defRPr sz="2000" kern="1200">
-                <a:solidFill>
-                  <a:schemeClr val="tx1">
-                    <a:tint val="75000"/>
-                  </a:schemeClr>
-                </a:solidFill>
-                <a:latin typeface="Segoe UI" pitchFamily="34" charset="0"/>
-                <a:ea typeface="Segoe UI" pitchFamily="34" charset="0"/>
-                <a:cs typeface="Segoe UI" pitchFamily="34" charset="0"/>
-              </a:defRPr>
-            </a:lvl4pPr>
-            <a:lvl5pPr marL="1828178" indent="0" algn="ctr" defTabSz="914088" rtl="0" eaLnBrk="1" latinLnBrk="0" hangingPunct="1">
-              <a:spcBef>
-                <a:spcPct val="20000"/>
-              </a:spcBef>
-              <a:buFont typeface="Arial" pitchFamily="34" charset="0"/>
-              <a:buNone/>
-              <a:defRPr sz="2000" kern="1200">
-                <a:solidFill>
-                  <a:schemeClr val="tx1">
-                    <a:tint val="75000"/>
-                  </a:schemeClr>
-                </a:solidFill>
-                <a:latin typeface="Segoe UI" pitchFamily="34" charset="0"/>
-                <a:ea typeface="Segoe UI" pitchFamily="34" charset="0"/>
-                <a:cs typeface="Segoe UI" pitchFamily="34" charset="0"/>
-              </a:defRPr>
-            </a:lvl5pPr>
-            <a:lvl6pPr marL="2285222" indent="0" algn="ctr" defTabSz="914088" rtl="0" eaLnBrk="1" latinLnBrk="0" hangingPunct="1">
-              <a:spcBef>
-                <a:spcPct val="20000"/>
-              </a:spcBef>
-              <a:buFont typeface="Arial" pitchFamily="34" charset="0"/>
-              <a:buNone/>
-              <a:defRPr sz="2000" kern="1200">
-                <a:solidFill>
-                  <a:schemeClr val="tx1">
-                    <a:tint val="75000"/>
-                  </a:schemeClr>
-                </a:solidFill>
-                <a:latin typeface="+mn-lt"/>
-                <a:ea typeface="+mn-ea"/>
-                <a:cs typeface="+mn-cs"/>
-              </a:defRPr>
-            </a:lvl6pPr>
-            <a:lvl7pPr marL="2742267" indent="0" algn="ctr" defTabSz="914088" rtl="0" eaLnBrk="1" latinLnBrk="0" hangingPunct="1">
-              <a:spcBef>
-                <a:spcPct val="20000"/>
-              </a:spcBef>
-              <a:buFont typeface="Arial" pitchFamily="34" charset="0"/>
-              <a:buNone/>
-              <a:defRPr sz="2000" kern="1200">
-                <a:solidFill>
-                  <a:schemeClr val="tx1">
-                    <a:tint val="75000"/>
-                  </a:schemeClr>
-                </a:solidFill>
-                <a:latin typeface="+mn-lt"/>
-                <a:ea typeface="+mn-ea"/>
-                <a:cs typeface="+mn-cs"/>
-              </a:defRPr>
-            </a:lvl7pPr>
-            <a:lvl8pPr marL="3199311" indent="0" algn="ctr" defTabSz="914088" rtl="0" eaLnBrk="1" latinLnBrk="0" hangingPunct="1">
-              <a:spcBef>
-                <a:spcPct val="20000"/>
-              </a:spcBef>
-              <a:buFont typeface="Arial" pitchFamily="34" charset="0"/>
-              <a:buNone/>
-              <a:defRPr sz="2000" kern="1200">
-                <a:solidFill>
-                  <a:schemeClr val="tx1">
-                    <a:tint val="75000"/>
-                  </a:schemeClr>
-                </a:solidFill>
-                <a:latin typeface="+mn-lt"/>
-                <a:ea typeface="+mn-ea"/>
-                <a:cs typeface="+mn-cs"/>
-              </a:defRPr>
-            </a:lvl8pPr>
-            <a:lvl9pPr marL="3656358" indent="0" algn="ctr" defTabSz="914088" rtl="0" eaLnBrk="1" latinLnBrk="0" hangingPunct="1">
-              <a:spcBef>
-                <a:spcPct val="20000"/>
-              </a:spcBef>
-              <a:buFont typeface="Arial" pitchFamily="34" charset="0"/>
-              <a:buNone/>
-              <a:defRPr sz="2000" kern="1200">
-                <a:solidFill>
-                  <a:schemeClr val="tx1">
-                    <a:tint val="75000"/>
-                  </a:schemeClr>
-                </a:solidFill>
-                <a:latin typeface="+mn-lt"/>
-                <a:ea typeface="+mn-ea"/>
-                <a:cs typeface="+mn-cs"/>
-              </a:defRPr>
-            </a:lvl9pPr>
-          </a:lstStyle>
-          <a:p>
-            <a:r>
-              <a:rPr lang="en-US" smtClean="0"/>
-              <a:t>Click to edit Master subtitle style</a:t>
-            </a:r>
-            <a:endParaRPr lang="en-US"/>
-          </a:p>
-        </p:txBody>
-      </p:sp>
-      <p:sp>
-        <p:nvSpPr>
-          <p:cNvPr id="13" name="Title 1"/>
-          <p:cNvSpPr txBox="1">
-            <a:spLocks/>
-          </p:cNvSpPr>
-          <p:nvPr userDrawn="1"/>
-        </p:nvSpPr>
-        <p:spPr>
-          <a:xfrm>
-            <a:off x="193271" y="3376350"/>
-            <a:ext cx="8409867" cy="1692617"/>
-          </a:xfrm>
-          <a:prstGeom prst="rect">
-            <a:avLst/>
-          </a:prstGeom>
-          <a:solidFill>
-            <a:srgbClr val="007233"/>
-          </a:solidFill>
-          <a:effectLst/>
-        </p:spPr>
-        <p:txBody>
-          <a:bodyPr vert="horz" lIns="137160" tIns="137160" rIns="91409" bIns="137160" rtlCol="0" anchor="b" anchorCtr="0">
-            <a:noAutofit/>
-          </a:bodyPr>
-          <a:lstStyle>
-            <a:lvl1pPr algn="l" defTabSz="914088" rtl="0" eaLnBrk="1" latinLnBrk="0" hangingPunct="1">
-              <a:spcBef>
-                <a:spcPct val="0"/>
-              </a:spcBef>
-              <a:buNone/>
-              <a:defRPr lang="en-US" sz="4000" kern="0" dirty="0">
-                <a:ln w="3175">
-                  <a:noFill/>
-                </a:ln>
-                <a:gradFill flip="none" rotWithShape="1">
-                  <a:gsLst>
-                    <a:gs pos="4583">
-                      <a:srgbClr val="FFFFFF"/>
-                    </a:gs>
-                    <a:gs pos="100000">
-                      <a:srgbClr val="FFFFFF"/>
-                    </a:gs>
-                  </a:gsLst>
-                  <a:lin ang="5400000" scaled="0"/>
-                  <a:tileRect/>
-                </a:gradFill>
-                <a:latin typeface="Segoe UI" pitchFamily="34" charset="0"/>
-                <a:ea typeface="Segoe UI" pitchFamily="34" charset="0"/>
-                <a:cs typeface="Segoe UI" pitchFamily="34" charset="0"/>
-              </a:defRPr>
-            </a:lvl1pPr>
-          </a:lstStyle>
-          <a:p>
-            <a:endParaRPr lang="en-US" sz="4000" dirty="0"/>
-          </a:p>
-        </p:txBody>
-      </p:sp>
-      <p:sp>
-        <p:nvSpPr>
-          <p:cNvPr id="14" name="top right small rectangle"/>
-          <p:cNvSpPr/>
-          <p:nvPr userDrawn="1"/>
-        </p:nvSpPr>
-        <p:spPr bwMode="auto">
-          <a:xfrm>
-            <a:off x="8682790" y="3374967"/>
-            <a:ext cx="3257419" cy="1694322"/>
-          </a:xfrm>
-          <a:prstGeom prst="rect">
-            <a:avLst/>
-          </a:prstGeom>
-          <a:solidFill>
-            <a:schemeClr val="tx2"/>
-          </a:solidFill>
-          <a:ln>
-            <a:noFill/>
-            <a:headEnd type="none" w="med" len="med"/>
-            <a:tailEnd type="none" w="med" len="med"/>
-          </a:ln>
-        </p:spPr>
-        <p:style>
-          <a:lnRef idx="2">
-            <a:schemeClr val="accent5">
-              <a:shade val="50000"/>
-            </a:schemeClr>
-          </a:lnRef>
-          <a:fillRef idx="1">
-            <a:schemeClr val="accent5"/>
-          </a:fillRef>
-          <a:effectRef idx="0">
-            <a:schemeClr val="accent5"/>
-          </a:effectRef>
-          <a:fontRef idx="minor">
-            <a:schemeClr val="lt1"/>
-          </a:fontRef>
-        </p:style>
-        <p:txBody>
-          <a:bodyPr vert="horz" wrap="square" lIns="91404" tIns="45703" rIns="91404" bIns="45703" numCol="1" rtlCol="0" anchor="ctr" anchorCtr="0" compatLnSpc="1">
-            <a:prstTxWarp prst="textNoShape">
-              <a:avLst/>
-            </a:prstTxWarp>
-          </a:bodyPr>
-          <a:lstStyle/>
-          <a:p>
-            <a:pPr algn="ctr" defTabSz="913788" fontAlgn="base">
-              <a:spcBef>
-                <a:spcPct val="0"/>
-              </a:spcBef>
-              <a:spcAft>
-                <a:spcPct val="0"/>
-              </a:spcAft>
-            </a:pPr>
-            <a:endParaRPr lang="en-US" sz="2200" dirty="0">
-              <a:gradFill>
-                <a:gsLst>
-                  <a:gs pos="0">
-                    <a:srgbClr val="FFFFFF"/>
-                  </a:gs>
-                  <a:gs pos="100000">
-                    <a:srgbClr val="FFFFFF"/>
-                  </a:gs>
-                </a:gsLst>
-                <a:lin ang="5400000" scaled="0"/>
-              </a:gradFill>
-            </a:endParaRPr>
-          </a:p>
-        </p:txBody>
-      </p:sp>
-      <p:pic>
-        <p:nvPicPr>
-          <p:cNvPr id="15" name="Picture 14"/>
-          <p:cNvPicPr>
-            <a:picLocks noChangeAspect="1"/>
-          </p:cNvPicPr>
-          <p:nvPr userDrawn="1"/>
-        </p:nvPicPr>
-        <p:blipFill rotWithShape="1">
-          <a:blip r:embed="rId2" cstate="print">
-            <a:extLst>
-              <a:ext uri="{28A0092B-C50C-407E-A947-70E740481C1C}">
-                <a14:useLocalDpi xmlns:a14="http://schemas.microsoft.com/office/drawing/2010/main" val="0"/>
-              </a:ext>
-            </a:extLst>
-          </a:blip>
-          <a:srcRect l="9720" t="16544" r="7275" b="16691"/>
-          <a:stretch/>
-        </p:blipFill>
-        <p:spPr>
-          <a:xfrm>
-            <a:off x="11181757" y="4821401"/>
-            <a:ext cx="740346" cy="218986"/>
-          </a:xfrm>
-          <a:prstGeom prst="rect">
-            <a:avLst/>
-          </a:prstGeom>
-        </p:spPr>
-      </p:pic>
-      <p:sp>
-        <p:nvSpPr>
-          <p:cNvPr id="16" name="Text Placeholder 10"/>
-          <p:cNvSpPr>
-            <a:spLocks noGrp="1"/>
-          </p:cNvSpPr>
-          <p:nvPr>
-            <p:ph type="body" sz="quarter" idx="10" hasCustomPrompt="1"/>
-          </p:nvPr>
-        </p:nvSpPr>
-        <p:spPr>
-          <a:xfrm>
-            <a:off x="292101" y="3466407"/>
-            <a:ext cx="8215796" cy="1485524"/>
-          </a:xfrm>
-          <a:prstGeom prst="rect">
-            <a:avLst/>
-          </a:prstGeom>
-        </p:spPr>
-        <p:txBody>
-          <a:bodyPr anchor="b" anchorCtr="0">
-            <a:normAutofit/>
-          </a:bodyPr>
-          <a:lstStyle>
-            <a:lvl1pPr marL="0" indent="0">
-              <a:buNone/>
-              <a:defRPr sz="3600" b="0" baseline="0">
-                <a:solidFill>
-                  <a:schemeClr val="bg1"/>
-                </a:solidFill>
-                <a:latin typeface="Segoe UI Light" panose="020B0502040204020203" pitchFamily="34" charset="0"/>
-                <a:cs typeface="Segoe UI Light" panose="020B0502040204020203" pitchFamily="34" charset="0"/>
-              </a:defRPr>
-            </a:lvl1pPr>
-          </a:lstStyle>
-          <a:p>
-            <a:pPr lvl="0"/>
-            <a:r>
-              <a:rPr lang="en-US" dirty="0" smtClean="0"/>
-              <a:t>Module or Section transition style</a:t>
-            </a:r>
-          </a:p>
-        </p:txBody>
-      </p:sp>
-      <p:sp>
-        <p:nvSpPr>
-          <p:cNvPr id="11" name="Subtitle 2"/>
-          <p:cNvSpPr>
-            <a:spLocks noGrp="1"/>
-          </p:cNvSpPr>
-          <p:nvPr>
-            <p:ph type="subTitle" idx="1"/>
-          </p:nvPr>
-        </p:nvSpPr>
-        <p:spPr>
-          <a:xfrm>
-            <a:off x="193271" y="5132437"/>
-            <a:ext cx="8409867" cy="1460779"/>
-          </a:xfrm>
-          <a:prstGeom prst="rect">
-            <a:avLst/>
-          </a:prstGeom>
-        </p:spPr>
-        <p:txBody>
-          <a:bodyPr lIns="137160" tIns="137160" rIns="137160" bIns="137160" anchor="b" anchorCtr="0">
-            <a:normAutofit/>
-          </a:bodyPr>
-          <a:lstStyle>
-            <a:lvl1pPr marL="0" indent="0" algn="l" defTabSz="914052" rtl="0" eaLnBrk="1" latinLnBrk="0" hangingPunct="1">
-              <a:lnSpc>
-                <a:spcPct val="100000"/>
-              </a:lnSpc>
-              <a:spcBef>
-                <a:spcPts val="0"/>
-              </a:spcBef>
-              <a:buSzPct val="90000"/>
-              <a:buFont typeface="Arial" pitchFamily="34" charset="0"/>
-              <a:buNone/>
-              <a:defRPr lang="en-US" sz="2400" b="0" kern="0" spc="0" baseline="0" dirty="0">
-                <a:solidFill>
-                  <a:schemeClr val="tx1"/>
-                </a:solidFill>
-                <a:latin typeface="Segoe UI Light" panose="020B0502040204020203" pitchFamily="34" charset="0"/>
-                <a:ea typeface="Segoe UI Light" panose="020B0502040204020203" pitchFamily="34" charset="0"/>
-                <a:cs typeface="Segoe UI Light" panose="020B0502040204020203" pitchFamily="34" charset="0"/>
-              </a:defRPr>
-            </a:lvl1pPr>
-            <a:lvl2pPr marL="457044" indent="0" algn="ctr">
-              <a:buNone/>
-              <a:defRPr>
-                <a:solidFill>
-                  <a:schemeClr val="tx1">
-                    <a:tint val="75000"/>
-                  </a:schemeClr>
-                </a:solidFill>
-              </a:defRPr>
-            </a:lvl2pPr>
-            <a:lvl3pPr marL="914088" indent="0" algn="ctr">
-              <a:buNone/>
-              <a:defRPr>
-                <a:solidFill>
-                  <a:schemeClr val="tx1">
-                    <a:tint val="75000"/>
-                  </a:schemeClr>
-                </a:solidFill>
-              </a:defRPr>
-            </a:lvl3pPr>
-            <a:lvl4pPr marL="1371133" indent="0" algn="ctr">
-              <a:buNone/>
-              <a:defRPr>
-                <a:solidFill>
-                  <a:schemeClr val="tx1">
-                    <a:tint val="75000"/>
-                  </a:schemeClr>
-                </a:solidFill>
-              </a:defRPr>
-            </a:lvl4pPr>
-            <a:lvl5pPr marL="1828178" indent="0" algn="ctr">
-              <a:buNone/>
-              <a:defRPr>
-                <a:solidFill>
-                  <a:schemeClr val="tx1">
-                    <a:tint val="75000"/>
-                  </a:schemeClr>
-                </a:solidFill>
-              </a:defRPr>
-            </a:lvl5pPr>
-            <a:lvl6pPr marL="2285222" indent="0" algn="ctr">
-              <a:buNone/>
-              <a:defRPr>
-                <a:solidFill>
-                  <a:schemeClr val="tx1">
-                    <a:tint val="75000"/>
-                  </a:schemeClr>
-                </a:solidFill>
-              </a:defRPr>
-            </a:lvl6pPr>
-            <a:lvl7pPr marL="2742267" indent="0" algn="ctr">
-              <a:buNone/>
-              <a:defRPr>
-                <a:solidFill>
-                  <a:schemeClr val="tx1">
-                    <a:tint val="75000"/>
-                  </a:schemeClr>
-                </a:solidFill>
-              </a:defRPr>
-            </a:lvl7pPr>
-            <a:lvl8pPr marL="3199311" indent="0" algn="ctr">
-              <a:buNone/>
-              <a:defRPr>
-                <a:solidFill>
-                  <a:schemeClr val="tx1">
-                    <a:tint val="75000"/>
-                  </a:schemeClr>
-                </a:solidFill>
-              </a:defRPr>
-            </a:lvl8pPr>
-            <a:lvl9pPr marL="3656358" indent="0" algn="ctr">
-              <a:buNone/>
-              <a:defRPr>
-                <a:solidFill>
-                  <a:schemeClr val="tx1">
-                    <a:tint val="75000"/>
-                  </a:schemeClr>
-                </a:solidFill>
-              </a:defRPr>
-            </a:lvl9pPr>
-          </a:lstStyle>
-          <a:p>
-            <a:r>
-              <a:rPr lang="en-US" dirty="0" smtClean="0"/>
-              <a:t>Click to edit Master subtitle style</a:t>
-            </a:r>
-            <a:endParaRPr lang="en-US" dirty="0"/>
-          </a:p>
-        </p:txBody>
-      </p:sp>
-      <p:sp>
-        <p:nvSpPr>
-          <p:cNvPr id="10" name="TextBox 9"/>
-          <p:cNvSpPr txBox="1"/>
-          <p:nvPr userDrawn="1"/>
-        </p:nvSpPr>
-        <p:spPr>
-          <a:xfrm>
-            <a:off x="193271" y="164177"/>
-            <a:ext cx="3691466" cy="246221"/>
-          </a:xfrm>
-          <a:prstGeom prst="rect">
-            <a:avLst/>
-          </a:prstGeom>
-          <a:noFill/>
-        </p:spPr>
-        <p:txBody>
-          <a:bodyPr wrap="square" lIns="0" tIns="0" rIns="0" bIns="0" rtlCol="0" anchor="ctr">
-            <a:spAutoFit/>
-          </a:bodyPr>
-          <a:lstStyle/>
-          <a:p>
-            <a:pPr algn="l"/>
-            <a:r>
-              <a:rPr lang="en-US" sz="1600" dirty="0" smtClean="0">
-                <a:solidFill>
-                  <a:schemeClr val="tx1">
-                    <a:lumMod val="75000"/>
-                    <a:lumOff val="25000"/>
-                    <a:alpha val="99000"/>
-                  </a:schemeClr>
-                </a:solidFill>
-                <a:latin typeface="Segoe UI" panose="020B0502040204020203" pitchFamily="34" charset="0"/>
-                <a:cs typeface="Segoe UI" panose="020B0502040204020203" pitchFamily="34" charset="0"/>
-              </a:rPr>
-              <a:t>Microsoft</a:t>
-            </a:r>
-            <a:r>
-              <a:rPr lang="en-US" sz="1600" baseline="0" dirty="0" smtClean="0">
-                <a:solidFill>
-                  <a:schemeClr val="tx1">
-                    <a:lumMod val="75000"/>
-                    <a:lumOff val="25000"/>
-                    <a:alpha val="99000"/>
-                  </a:schemeClr>
-                </a:solidFill>
-                <a:latin typeface="Segoe UI" panose="020B0502040204020203" pitchFamily="34" charset="0"/>
-                <a:cs typeface="Segoe UI" panose="020B0502040204020203" pitchFamily="34" charset="0"/>
-              </a:rPr>
-              <a:t> Virtual Academy</a:t>
-            </a:r>
-            <a:endParaRPr lang="en-US" sz="1600" dirty="0" smtClean="0">
-              <a:solidFill>
-                <a:schemeClr val="tx1">
-                  <a:lumMod val="75000"/>
-                  <a:lumOff val="25000"/>
-                  <a:alpha val="99000"/>
-                </a:schemeClr>
-              </a:solidFill>
-              <a:latin typeface="Segoe UI" panose="020B0502040204020203" pitchFamily="34" charset="0"/>
-              <a:cs typeface="Segoe UI" panose="020B0502040204020203" pitchFamily="34" charset="0"/>
-            </a:endParaRPr>
-          </a:p>
-        </p:txBody>
-      </p:sp>
-    </p:spTree>
-    <p:extLst>
-      <p:ext uri="{BB962C8B-B14F-4D97-AF65-F5344CB8AC3E}">
-        <p14:creationId xmlns:p14="http://schemas.microsoft.com/office/powerpoint/2010/main" val="3891348690"/>
-      </p:ext>
-    </p:extLst>
-  </p:cSld>
-  <p:clrMapOvr>
-    <a:masterClrMapping/>
-  </p:clrMapOvr>
-  <p:timing>
-    <p:tnLst>
-      <p:par>
-        <p:cTn id="1" dur="indefinite" restart="never" nodeType="tmRoot"/>
-      </p:par>
-    </p:tnLst>
-  </p:timing>
-  <p:extLst mod="1">
-    <p:ext uri="{DCECCB84-F9BA-43D5-87BE-67443E8EF086}">
-      <p15:sldGuideLst xmlns:p15="http://schemas.microsoft.com/office/powerpoint/2012/main">
-        <p15:guide id="1" orient="horz" pos="2160">
-          <p15:clr>
-            <a:srgbClr val="FBAE40"/>
-          </p15:clr>
-        </p15:guide>
-        <p15:guide id="2" pos="3840">
-          <p15:clr>
-            <a:srgbClr val="FBAE40"/>
-          </p15:clr>
-        </p15:guide>
-      </p15:sldGuideLst>
-    </p:ext>
-  </p:extLst>
-</p:sldLayout>
-</file>
-
-<file path=ppt/slideLayouts/slideLayout3.xml><?xml version="1.0" encoding="utf-8"?>
 <p:sldLayout xmlns:a="http://schemas.openxmlformats.org/drawingml/2006/main" xmlns:r="http://schemas.openxmlformats.org/officeDocument/2006/relationships" xmlns:p="http://schemas.openxmlformats.org/presentationml/2006/main" preserve="1" userDrawn="1">
   <p:cSld name="DEMO Layout">
     <p:spTree>
@@ -2192,7 +2656,7 @@
 </p:sldLayout>
 </file>
 
-<file path=ppt/slideLayouts/slideLayout4.xml><?xml version="1.0" encoding="utf-8"?>
+<file path=ppt/slideLayouts/slideLayout3.xml><?xml version="1.0" encoding="utf-8"?>
 <p:sldLayout xmlns:a="http://schemas.openxmlformats.org/drawingml/2006/main" xmlns:r="http://schemas.openxmlformats.org/officeDocument/2006/relationships" xmlns:p="http://schemas.openxmlformats.org/presentationml/2006/main" preserve="1" userDrawn="1">
   <p:cSld name="Title and Content">
     <p:spTree>
@@ -2351,7 +2815,7 @@
 </p:sldLayout>
 </file>
 
-<file path=ppt/slideLayouts/slideLayout5.xml><?xml version="1.0" encoding="utf-8"?>
+<file path=ppt/slideLayouts/slideLayout4.xml><?xml version="1.0" encoding="utf-8"?>
 <p:sldLayout xmlns:a="http://schemas.openxmlformats.org/drawingml/2006/main" xmlns:r="http://schemas.openxmlformats.org/officeDocument/2006/relationships" xmlns:p="http://schemas.openxmlformats.org/presentationml/2006/main" preserve="1" userDrawn="1">
   <p:cSld name="Two Content">
     <p:spTree>
@@ -2591,7 +3055,7 @@
 </p:sldLayout>
 </file>
 
-<file path=ppt/slideLayouts/slideLayout6.xml><?xml version="1.0" encoding="utf-8"?>
+<file path=ppt/slideLayouts/slideLayout5.xml><?xml version="1.0" encoding="utf-8"?>
 <p:sldLayout xmlns:a="http://schemas.openxmlformats.org/drawingml/2006/main" xmlns:r="http://schemas.openxmlformats.org/officeDocument/2006/relationships" xmlns:p="http://schemas.openxmlformats.org/presentationml/2006/main" preserve="1" userDrawn="1">
   <p:cSld name="Comparison">
     <p:spTree>
@@ -2983,7 +3447,7 @@
 </p:sldLayout>
 </file>
 
-<file path=ppt/slideLayouts/slideLayout7.xml><?xml version="1.0" encoding="utf-8"?>
+<file path=ppt/slideLayouts/slideLayout6.xml><?xml version="1.0" encoding="utf-8"?>
 <p:sldLayout xmlns:a="http://schemas.openxmlformats.org/drawingml/2006/main" xmlns:r="http://schemas.openxmlformats.org/officeDocument/2006/relationships" xmlns:p="http://schemas.openxmlformats.org/presentationml/2006/main" preserve="1" userDrawn="1">
   <p:cSld name="Title Only">
     <p:spTree>
@@ -3043,7 +3507,7 @@
 </p:sldLayout>
 </file>
 
-<file path=ppt/slideLayouts/slideLayout8.xml><?xml version="1.0" encoding="utf-8"?>
+<file path=ppt/slideLayouts/slideLayout7.xml><?xml version="1.0" encoding="utf-8"?>
 <p:sldLayout xmlns:a="http://schemas.openxmlformats.org/drawingml/2006/main" xmlns:r="http://schemas.openxmlformats.org/officeDocument/2006/relationships" xmlns:p="http://schemas.openxmlformats.org/presentationml/2006/main" type="blank" preserve="1">
   <p:cSld name="Blank">
     <p:spTree>
@@ -3080,7 +3544,7 @@
 </p:sldLayout>
 </file>
 
-<file path=ppt/slideLayouts/slideLayout9.xml><?xml version="1.0" encoding="utf-8"?>
+<file path=ppt/slideLayouts/slideLayout8.xml><?xml version="1.0" encoding="utf-8"?>
 <p:sldLayout xmlns:a="http://schemas.openxmlformats.org/drawingml/2006/main" xmlns:r="http://schemas.openxmlformats.org/officeDocument/2006/relationships" xmlns:p="http://schemas.openxmlformats.org/presentationml/2006/main" preserve="1" userDrawn="1">
   <p:cSld name="5_Blank Color 1 Layout">
     <p:spTree>
@@ -3356,14 +3820,13 @@
   <p:clrMap bg1="lt1" tx1="dk1" bg2="lt2" tx2="dk2" accent1="accent1" accent2="accent2" accent3="accent3" accent4="accent4" accent5="accent5" accent6="accent6" hlink="hlink" folHlink="folHlink"/>
   <p:sldLayoutIdLst>
     <p:sldLayoutId id="2147483661" r:id="rId1"/>
-    <p:sldLayoutId id="2147483671" r:id="rId2"/>
-    <p:sldLayoutId id="2147483667" r:id="rId3"/>
-    <p:sldLayoutId id="2147483663" r:id="rId4"/>
-    <p:sldLayoutId id="2147483664" r:id="rId5"/>
-    <p:sldLayoutId id="2147483665" r:id="rId6"/>
-    <p:sldLayoutId id="2147483666" r:id="rId7"/>
-    <p:sldLayoutId id="2147483668" r:id="rId8"/>
-    <p:sldLayoutId id="2147483669" r:id="rId9"/>
+    <p:sldLayoutId id="2147483667" r:id="rId2"/>
+    <p:sldLayoutId id="2147483663" r:id="rId3"/>
+    <p:sldLayoutId id="2147483664" r:id="rId4"/>
+    <p:sldLayoutId id="2147483665" r:id="rId5"/>
+    <p:sldLayoutId id="2147483666" r:id="rId6"/>
+    <p:sldLayoutId id="2147483668" r:id="rId7"/>
+    <p:sldLayoutId id="2147483669" r:id="rId8"/>
   </p:sldLayoutIdLst>
   <p:timing>
     <p:tnLst>
@@ -3653,77 +4116,297 @@
       </p:grpSpPr>
       <p:sp>
         <p:nvSpPr>
-          <p:cNvPr id="5" name="Text Placeholder 4"/>
+          <p:cNvPr id="4" name="Subtitle 3"/>
           <p:cNvSpPr>
             <a:spLocks noGrp="1"/>
           </p:cNvSpPr>
           <p:nvPr>
-            <p:ph type="body" sz="quarter" idx="10"/>
+            <p:ph type="subTitle" idx="1"/>
+          </p:nvPr>
+        </p:nvSpPr>
+        <p:spPr/>
+        <p:txBody>
+          <a:bodyPr/>
+          <a:lstStyle/>
+          <a:p>
+            <a:r>
+              <a:rPr lang="en-US" dirty="0" smtClean="0"/>
+              <a:t>James Chambers| Senior Software Developer</a:t>
+            </a:r>
+          </a:p>
+          <a:p>
+            <a:r>
+              <a:rPr lang="en-US" dirty="0" smtClean="0"/>
+              <a:t>Simon Timms| Senior Software Developer</a:t>
+            </a:r>
+            <a:endParaRPr lang="en-US" dirty="0"/>
+          </a:p>
+        </p:txBody>
+      </p:sp>
+      <p:sp>
+        <p:nvSpPr>
+          <p:cNvPr id="2" name="Title 1"/>
+          <p:cNvSpPr>
+            <a:spLocks noGrp="1"/>
+          </p:cNvSpPr>
+          <p:nvPr>
+            <p:ph type="ctrTitle"/>
           </p:nvPr>
         </p:nvSpPr>
         <p:spPr>
           <a:solidFill>
             <a:srgbClr val="007233"/>
+          </a:solidFill>
+        </p:spPr>
+        <p:txBody>
+          <a:bodyPr/>
+          <a:lstStyle/>
+          <a:p>
+            <a:r>
+              <a:rPr lang="en-US" sz="4000" dirty="0" smtClean="0"/>
+              <a:t>Application Architecture</a:t>
+            </a:r>
+            <a:endParaRPr lang="en-US" sz="4000" dirty="0"/>
+          </a:p>
+        </p:txBody>
+      </p:sp>
+    </p:spTree>
+    <p:extLst>
+      <p:ext uri="{BB962C8B-B14F-4D97-AF65-F5344CB8AC3E}">
+        <p14:creationId xmlns:p14="http://schemas.microsoft.com/office/powerpoint/2010/main" val="1665733023"/>
+      </p:ext>
+    </p:extLst>
+  </p:cSld>
+  <p:clrMapOvr>
+    <a:masterClrMapping/>
+  </p:clrMapOvr>
+  <p:timing>
+    <p:tnLst>
+      <p:par>
+        <p:cTn id="1" dur="indefinite" restart="never" nodeType="tmRoot"/>
+      </p:par>
+    </p:tnLst>
+  </p:timing>
+</p:sld>
+</file>
+
+<file path=ppt/slides/slide10.xml><?xml version="1.0" encoding="utf-8"?>
+<p:sld xmlns:a="http://schemas.openxmlformats.org/drawingml/2006/main" xmlns:r="http://schemas.openxmlformats.org/officeDocument/2006/relationships" xmlns:p="http://schemas.openxmlformats.org/presentationml/2006/main">
+  <p:cSld>
+    <p:spTree>
+      <p:nvGrpSpPr>
+        <p:cNvPr id="1" name=""/>
+        <p:cNvGrpSpPr/>
+        <p:nvPr/>
+      </p:nvGrpSpPr>
+      <p:grpSpPr>
+        <a:xfrm>
+          <a:off x="0" y="0"/>
+          <a:ext cx="0" cy="0"/>
+          <a:chOff x="0" y="0"/>
+          <a:chExt cx="0" cy="0"/>
+        </a:xfrm>
+      </p:grpSpPr>
+      <p:sp>
+        <p:nvSpPr>
+          <p:cNvPr id="2" name="Title 1"/>
+          <p:cNvSpPr>
+            <a:spLocks noGrp="1"/>
+          </p:cNvSpPr>
+          <p:nvPr>
+            <p:ph type="title"/>
+          </p:nvPr>
+        </p:nvSpPr>
+        <p:spPr/>
+        <p:txBody>
+          <a:bodyPr/>
+          <a:lstStyle/>
+          <a:p>
+            <a:r>
+              <a:rPr lang="en-US" dirty="0" smtClean="0"/>
+              <a:t>Putting it together yourself</a:t>
+            </a:r>
+            <a:endParaRPr lang="en-US" dirty="0"/>
+          </a:p>
+        </p:txBody>
+      </p:sp>
+      <p:pic>
+        <p:nvPicPr>
+          <p:cNvPr id="4" name="Picture 3"/>
+          <p:cNvPicPr>
+            <a:picLocks noChangeAspect="1"/>
+          </p:cNvPicPr>
+          <p:nvPr/>
+        </p:nvPicPr>
+        <p:blipFill>
+          <a:blip r:embed="rId3"/>
+          <a:stretch>
+            <a:fillRect/>
+          </a:stretch>
+        </p:blipFill>
+        <p:spPr>
+          <a:xfrm>
+            <a:off x="3253828" y="1762812"/>
+            <a:ext cx="1584874" cy="1002368"/>
+          </a:xfrm>
+          <a:prstGeom prst="rect">
+            <a:avLst/>
+          </a:prstGeom>
+        </p:spPr>
+      </p:pic>
+      <p:pic>
+        <p:nvPicPr>
+          <p:cNvPr id="5" name="Picture 4"/>
+          <p:cNvPicPr>
+            <a:picLocks noChangeAspect="1"/>
+          </p:cNvPicPr>
+          <p:nvPr/>
+        </p:nvPicPr>
+        <p:blipFill>
+          <a:blip r:embed="rId4"/>
+          <a:stretch>
+            <a:fillRect/>
+          </a:stretch>
+        </p:blipFill>
+        <p:spPr>
+          <a:xfrm>
+            <a:off x="3420609" y="3148552"/>
+            <a:ext cx="1251311" cy="894569"/>
+          </a:xfrm>
+          <a:prstGeom prst="rect">
+            <a:avLst/>
+          </a:prstGeom>
+        </p:spPr>
+      </p:pic>
+      <p:pic>
+        <p:nvPicPr>
+          <p:cNvPr id="6" name="Picture 5"/>
+          <p:cNvPicPr>
+            <a:picLocks noChangeAspect="1"/>
+          </p:cNvPicPr>
+          <p:nvPr/>
+        </p:nvPicPr>
+        <p:blipFill>
+          <a:blip r:embed="rId5"/>
+          <a:stretch>
+            <a:fillRect/>
+          </a:stretch>
+        </p:blipFill>
+        <p:spPr>
+          <a:xfrm>
+            <a:off x="5420411" y="3040224"/>
+            <a:ext cx="1307801" cy="1002897"/>
+          </a:xfrm>
+          <a:prstGeom prst="rect">
+            <a:avLst/>
+          </a:prstGeom>
+        </p:spPr>
+      </p:pic>
+      <p:pic>
+        <p:nvPicPr>
+          <p:cNvPr id="7" name="Picture 6"/>
+          <p:cNvPicPr>
+            <a:picLocks noChangeAspect="1"/>
+          </p:cNvPicPr>
+          <p:nvPr/>
+        </p:nvPicPr>
+        <p:blipFill>
+          <a:blip r:embed="rId6"/>
+          <a:stretch>
+            <a:fillRect/>
+          </a:stretch>
+        </p:blipFill>
+        <p:spPr>
+          <a:xfrm>
+            <a:off x="3346408" y="4560598"/>
+            <a:ext cx="1399711" cy="968943"/>
+          </a:xfrm>
+          <a:prstGeom prst="rect">
+            <a:avLst/>
+          </a:prstGeom>
+        </p:spPr>
+      </p:pic>
+      <p:sp>
+        <p:nvSpPr>
+          <p:cNvPr id="8" name="TextBox 7"/>
+          <p:cNvSpPr txBox="1"/>
+          <p:nvPr/>
+        </p:nvSpPr>
+        <p:spPr>
+          <a:xfrm>
+            <a:off x="7470909" y="2893992"/>
+            <a:ext cx="978153" cy="1015663"/>
+          </a:xfrm>
+          <a:prstGeom prst="rect">
+            <a:avLst/>
+          </a:prstGeom>
+          <a:noFill/>
+        </p:spPr>
+        <p:txBody>
+          <a:bodyPr wrap="none" rtlCol="0">
+            <a:spAutoFit/>
+          </a:bodyPr>
+          <a:lstStyle/>
+          <a:p>
+            <a:r>
+              <a:rPr lang="en-US" sz="6000" dirty="0" smtClean="0">
+                <a:solidFill>
+                  <a:schemeClr val="accent1"/>
+                </a:solidFill>
+              </a:rPr>
+              <a:t>C#</a:t>
+            </a:r>
+            <a:endParaRPr lang="en-US" sz="6000" dirty="0">
+              <a:solidFill>
+                <a:schemeClr val="accent1"/>
+              </a:solidFill>
+            </a:endParaRPr>
+          </a:p>
+        </p:txBody>
+      </p:sp>
+      <p:sp>
+        <p:nvSpPr>
+          <p:cNvPr id="9" name="TextBox 8"/>
+          <p:cNvSpPr txBox="1"/>
+          <p:nvPr/>
+        </p:nvSpPr>
+        <p:spPr>
+          <a:xfrm>
+            <a:off x="9906000" y="-1"/>
+            <a:ext cx="2286000" cy="2031325"/>
+          </a:xfrm>
+          <a:prstGeom prst="rect">
+            <a:avLst/>
+          </a:prstGeom>
+          <a:solidFill>
+            <a:srgbClr val="FFFF00"/>
           </a:solidFill>
           <a:ln>
             <a:noFill/>
           </a:ln>
         </p:spPr>
         <p:txBody>
-          <a:bodyPr/>
+          <a:bodyPr wrap="square" rtlCol="0">
+            <a:spAutoFit/>
+          </a:bodyPr>
           <a:lstStyle/>
           <a:p>
-            <a:pPr marL="914400" indent="-914400"/>
+            <a:pPr algn="ctr"/>
+            <a:endParaRPr lang="en-US" dirty="0" smtClean="0"/>
+          </a:p>
+          <a:p>
+            <a:pPr algn="ctr"/>
+            <a:endParaRPr lang="en-US" dirty="0"/>
+          </a:p>
+          <a:p>
+            <a:pPr algn="ctr"/>
             <a:r>
               <a:rPr lang="en-US" dirty="0" smtClean="0"/>
-              <a:t>04 </a:t>
-            </a:r>
-            <a:r>
-              <a:rPr lang="en-US" smtClean="0"/>
-              <a:t>| </a:t>
-            </a:r>
-            <a:r>
-              <a:rPr lang="en-US"/>
-              <a:t>Executing Large Tasks in the Cloud</a:t>
-            </a:r>
-            <a:endParaRPr lang="en-US" dirty="0"/>
-          </a:p>
-        </p:txBody>
-      </p:sp>
-      <p:sp>
-        <p:nvSpPr>
-          <p:cNvPr id="4" name="Subtitle 3"/>
-          <p:cNvSpPr>
-            <a:spLocks noGrp="1"/>
-          </p:cNvSpPr>
-          <p:nvPr>
-            <p:ph type="subTitle" idx="1"/>
-          </p:nvPr>
-        </p:nvSpPr>
-        <p:spPr/>
-        <p:txBody>
-          <a:bodyPr/>
-          <a:lstStyle/>
-          <a:p>
-            <a:r>
-              <a:rPr lang="en-US" dirty="0" smtClean="0"/>
-              <a:t>James Chambers | @</a:t>
-            </a:r>
-            <a:r>
-              <a:rPr lang="en-US" dirty="0" err="1" smtClean="0"/>
-              <a:t>CanadianJames</a:t>
-            </a:r>
-            <a:endParaRPr lang="en-US" dirty="0"/>
-          </a:p>
-          <a:p>
-            <a:r>
-              <a:rPr lang="en-US" dirty="0" smtClean="0"/>
-              <a:t>Simon Timms | @</a:t>
-            </a:r>
-            <a:r>
-              <a:rPr lang="en-US" dirty="0" err="1" smtClean="0"/>
-              <a:t>stimms</a:t>
-            </a:r>
+              <a:t>Please leave this area blank to allow for picture in picture recording</a:t>
+            </a:r>
+          </a:p>
+          <a:p>
+            <a:pPr algn="ctr"/>
             <a:endParaRPr lang="en-US" dirty="0"/>
           </a:p>
         </p:txBody>
@@ -3731,7 +4414,839 @@
     </p:spTree>
     <p:extLst>
       <p:ext uri="{BB962C8B-B14F-4D97-AF65-F5344CB8AC3E}">
-        <p14:creationId xmlns:p14="http://schemas.microsoft.com/office/powerpoint/2010/main" val="897692544"/>
+        <p14:creationId xmlns:p14="http://schemas.microsoft.com/office/powerpoint/2010/main" val="3496868585"/>
+      </p:ext>
+    </p:extLst>
+  </p:cSld>
+  <p:clrMapOvr>
+    <a:masterClrMapping/>
+  </p:clrMapOvr>
+  <p:timing>
+    <p:tnLst>
+      <p:par>
+        <p:cTn id="1" dur="indefinite" restart="never" nodeType="tmRoot"/>
+      </p:par>
+    </p:tnLst>
+  </p:timing>
+</p:sld>
+</file>
+
+<file path=ppt/slides/slide11.xml><?xml version="1.0" encoding="utf-8"?>
+<p:sld xmlns:a="http://schemas.openxmlformats.org/drawingml/2006/main" xmlns:r="http://schemas.openxmlformats.org/officeDocument/2006/relationships" xmlns:p="http://schemas.openxmlformats.org/presentationml/2006/main">
+  <p:cSld>
+    <p:spTree>
+      <p:nvGrpSpPr>
+        <p:cNvPr id="1" name=""/>
+        <p:cNvGrpSpPr/>
+        <p:nvPr/>
+      </p:nvGrpSpPr>
+      <p:grpSpPr>
+        <a:xfrm>
+          <a:off x="0" y="0"/>
+          <a:ext cx="0" cy="0"/>
+          <a:chOff x="0" y="0"/>
+          <a:chExt cx="0" cy="0"/>
+        </a:xfrm>
+      </p:grpSpPr>
+      <p:sp>
+        <p:nvSpPr>
+          <p:cNvPr id="2" name="Title 1"/>
+          <p:cNvSpPr>
+            <a:spLocks noGrp="1"/>
+          </p:cNvSpPr>
+          <p:nvPr>
+            <p:ph type="title"/>
+          </p:nvPr>
+        </p:nvSpPr>
+        <p:spPr/>
+        <p:txBody>
+          <a:bodyPr/>
+          <a:lstStyle/>
+          <a:p>
+            <a:r>
+              <a:rPr lang="en-US" dirty="0" smtClean="0"/>
+              <a:t>Things to consider</a:t>
+            </a:r>
+            <a:endParaRPr lang="en-US" dirty="0"/>
+          </a:p>
+        </p:txBody>
+      </p:sp>
+      <p:sp>
+        <p:nvSpPr>
+          <p:cNvPr id="9" name="TextBox 8"/>
+          <p:cNvSpPr txBox="1"/>
+          <p:nvPr/>
+        </p:nvSpPr>
+        <p:spPr>
+          <a:xfrm>
+            <a:off x="9906000" y="-1"/>
+            <a:ext cx="2286000" cy="2031325"/>
+          </a:xfrm>
+          <a:prstGeom prst="rect">
+            <a:avLst/>
+          </a:prstGeom>
+          <a:solidFill>
+            <a:srgbClr val="FFFF00"/>
+          </a:solidFill>
+          <a:ln>
+            <a:noFill/>
+          </a:ln>
+        </p:spPr>
+        <p:txBody>
+          <a:bodyPr wrap="square" rtlCol="0">
+            <a:spAutoFit/>
+          </a:bodyPr>
+          <a:lstStyle/>
+          <a:p>
+            <a:pPr algn="ctr"/>
+            <a:endParaRPr lang="en-US" dirty="0" smtClean="0"/>
+          </a:p>
+          <a:p>
+            <a:pPr algn="ctr"/>
+            <a:endParaRPr lang="en-US" dirty="0"/>
+          </a:p>
+          <a:p>
+            <a:pPr algn="ctr"/>
+            <a:r>
+              <a:rPr lang="en-US" dirty="0" smtClean="0"/>
+              <a:t>Please leave this area blank to allow for picture in picture recording</a:t>
+            </a:r>
+          </a:p>
+          <a:p>
+            <a:pPr algn="ctr"/>
+            <a:endParaRPr lang="en-US" dirty="0"/>
+          </a:p>
+        </p:txBody>
+      </p:sp>
+      <p:sp>
+        <p:nvSpPr>
+          <p:cNvPr id="10" name="Content Placeholder 3"/>
+          <p:cNvSpPr>
+            <a:spLocks noGrp="1"/>
+          </p:cNvSpPr>
+          <p:nvPr>
+            <p:ph sz="quarter" idx="10"/>
+          </p:nvPr>
+        </p:nvSpPr>
+        <p:spPr>
+          <a:xfrm>
+            <a:off x="379413" y="1388226"/>
+            <a:ext cx="11525250" cy="5290388"/>
+          </a:xfrm>
+        </p:spPr>
+        <p:txBody>
+          <a:bodyPr/>
+          <a:lstStyle/>
+          <a:p>
+            <a:r>
+              <a:rPr lang="en-US" dirty="0" smtClean="0"/>
+              <a:t>Retry logic</a:t>
+            </a:r>
+          </a:p>
+          <a:p>
+            <a:r>
+              <a:rPr lang="en-US" dirty="0" smtClean="0"/>
+              <a:t>How to scale up and down</a:t>
+            </a:r>
+          </a:p>
+          <a:p>
+            <a:r>
+              <a:rPr lang="en-US" dirty="0" smtClean="0"/>
+              <a:t>Storage of artifacts</a:t>
+            </a:r>
+            <a:endParaRPr lang="en-US" dirty="0"/>
+          </a:p>
+        </p:txBody>
+      </p:sp>
+    </p:spTree>
+    <p:extLst>
+      <p:ext uri="{BB962C8B-B14F-4D97-AF65-F5344CB8AC3E}">
+        <p14:creationId xmlns:p14="http://schemas.microsoft.com/office/powerpoint/2010/main" val="1479709985"/>
+      </p:ext>
+    </p:extLst>
+  </p:cSld>
+  <p:clrMapOvr>
+    <a:masterClrMapping/>
+  </p:clrMapOvr>
+  <p:timing>
+    <p:tnLst>
+      <p:par>
+        <p:cTn id="1" dur="indefinite" restart="never" nodeType="tmRoot"/>
+      </p:par>
+    </p:tnLst>
+  </p:timing>
+</p:sld>
+</file>
+
+<file path=ppt/slides/slide12.xml><?xml version="1.0" encoding="utf-8"?>
+<p:sld xmlns:a="http://schemas.openxmlformats.org/drawingml/2006/main" xmlns:r="http://schemas.openxmlformats.org/officeDocument/2006/relationships" xmlns:p="http://schemas.openxmlformats.org/presentationml/2006/main">
+  <p:cSld>
+    <p:spTree>
+      <p:nvGrpSpPr>
+        <p:cNvPr id="1" name=""/>
+        <p:cNvGrpSpPr/>
+        <p:nvPr/>
+      </p:nvGrpSpPr>
+      <p:grpSpPr>
+        <a:xfrm>
+          <a:off x="0" y="0"/>
+          <a:ext cx="0" cy="0"/>
+          <a:chOff x="0" y="0"/>
+          <a:chExt cx="0" cy="0"/>
+        </a:xfrm>
+      </p:grpSpPr>
+      <p:sp>
+        <p:nvSpPr>
+          <p:cNvPr id="2" name="Title 1"/>
+          <p:cNvSpPr>
+            <a:spLocks noGrp="1"/>
+          </p:cNvSpPr>
+          <p:nvPr>
+            <p:ph type="title"/>
+          </p:nvPr>
+        </p:nvSpPr>
+        <p:spPr/>
+        <p:txBody>
+          <a:bodyPr/>
+          <a:lstStyle/>
+          <a:p>
+            <a:r>
+              <a:rPr lang="en-US" dirty="0" smtClean="0"/>
+              <a:t>Batches on Azure</a:t>
+            </a:r>
+            <a:endParaRPr lang="en-US" dirty="0"/>
+          </a:p>
+        </p:txBody>
+      </p:sp>
+      <p:pic>
+        <p:nvPicPr>
+          <p:cNvPr id="4" name="Content Placeholder 3"/>
+          <p:cNvPicPr>
+            <a:picLocks noGrp="1" noChangeAspect="1"/>
+          </p:cNvPicPr>
+          <p:nvPr>
+            <p:ph sz="quarter" idx="10"/>
+          </p:nvPr>
+        </p:nvPicPr>
+        <p:blipFill>
+          <a:blip r:embed="rId3">
+            <a:extLst>
+              <a:ext uri="{28A0092B-C50C-407E-A947-70E740481C1C}">
+                <a14:useLocalDpi xmlns:a14="http://schemas.microsoft.com/office/drawing/2010/main" val="0"/>
+              </a:ext>
+            </a:extLst>
+          </a:blip>
+          <a:stretch>
+            <a:fillRect/>
+          </a:stretch>
+        </p:blipFill>
+        <p:spPr>
+          <a:xfrm>
+            <a:off x="2155269" y="2675542"/>
+            <a:ext cx="7973538" cy="2715004"/>
+          </a:xfrm>
+        </p:spPr>
+      </p:pic>
+      <p:sp>
+        <p:nvSpPr>
+          <p:cNvPr id="5" name="TextBox 4"/>
+          <p:cNvSpPr txBox="1"/>
+          <p:nvPr/>
+        </p:nvSpPr>
+        <p:spPr>
+          <a:xfrm>
+            <a:off x="9906000" y="-1"/>
+            <a:ext cx="2286000" cy="2031325"/>
+          </a:xfrm>
+          <a:prstGeom prst="rect">
+            <a:avLst/>
+          </a:prstGeom>
+          <a:solidFill>
+            <a:srgbClr val="FFFF00"/>
+          </a:solidFill>
+          <a:ln>
+            <a:noFill/>
+          </a:ln>
+        </p:spPr>
+        <p:txBody>
+          <a:bodyPr wrap="square" rtlCol="0">
+            <a:spAutoFit/>
+          </a:bodyPr>
+          <a:lstStyle/>
+          <a:p>
+            <a:pPr algn="ctr"/>
+            <a:endParaRPr lang="en-US" dirty="0" smtClean="0"/>
+          </a:p>
+          <a:p>
+            <a:pPr algn="ctr"/>
+            <a:endParaRPr lang="en-US" dirty="0"/>
+          </a:p>
+          <a:p>
+            <a:pPr algn="ctr"/>
+            <a:r>
+              <a:rPr lang="en-US" dirty="0" smtClean="0"/>
+              <a:t>Please leave this area blank to allow for picture in picture recording</a:t>
+            </a:r>
+          </a:p>
+          <a:p>
+            <a:pPr algn="ctr"/>
+            <a:endParaRPr lang="en-US" dirty="0"/>
+          </a:p>
+        </p:txBody>
+      </p:sp>
+    </p:spTree>
+    <p:extLst>
+      <p:ext uri="{BB962C8B-B14F-4D97-AF65-F5344CB8AC3E}">
+        <p14:creationId xmlns:p14="http://schemas.microsoft.com/office/powerpoint/2010/main" val="4286229792"/>
+      </p:ext>
+    </p:extLst>
+  </p:cSld>
+  <p:clrMapOvr>
+    <a:masterClrMapping/>
+  </p:clrMapOvr>
+  <p:timing>
+    <p:tnLst>
+      <p:par>
+        <p:cTn id="1" dur="indefinite" restart="never" nodeType="tmRoot"/>
+      </p:par>
+    </p:tnLst>
+  </p:timing>
+</p:sld>
+</file>
+
+<file path=ppt/slides/slide13.xml><?xml version="1.0" encoding="utf-8"?>
+<p:sld xmlns:a="http://schemas.openxmlformats.org/drawingml/2006/main" xmlns:r="http://schemas.openxmlformats.org/officeDocument/2006/relationships" xmlns:p="http://schemas.openxmlformats.org/presentationml/2006/main">
+  <p:cSld>
+    <p:spTree>
+      <p:nvGrpSpPr>
+        <p:cNvPr id="1" name=""/>
+        <p:cNvGrpSpPr/>
+        <p:nvPr/>
+      </p:nvGrpSpPr>
+      <p:grpSpPr>
+        <a:xfrm>
+          <a:off x="0" y="0"/>
+          <a:ext cx="0" cy="0"/>
+          <a:chOff x="0" y="0"/>
+          <a:chExt cx="0" cy="0"/>
+        </a:xfrm>
+      </p:grpSpPr>
+      <p:sp>
+        <p:nvSpPr>
+          <p:cNvPr id="2" name="Title 1"/>
+          <p:cNvSpPr>
+            <a:spLocks noGrp="1"/>
+          </p:cNvSpPr>
+          <p:nvPr>
+            <p:ph type="title"/>
+          </p:nvPr>
+        </p:nvSpPr>
+        <p:spPr/>
+        <p:txBody>
+          <a:bodyPr/>
+          <a:lstStyle/>
+          <a:p>
+            <a:r>
+              <a:rPr lang="en-US" dirty="0" smtClean="0"/>
+              <a:t>Lifecycle</a:t>
+            </a:r>
+            <a:endParaRPr lang="en-US" dirty="0"/>
+          </a:p>
+        </p:txBody>
+      </p:sp>
+      <p:pic>
+        <p:nvPicPr>
+          <p:cNvPr id="4" name="Content Placeholder 3"/>
+          <p:cNvPicPr>
+            <a:picLocks noGrp="1" noChangeAspect="1"/>
+          </p:cNvPicPr>
+          <p:nvPr>
+            <p:ph sz="quarter" idx="10"/>
+          </p:nvPr>
+        </p:nvPicPr>
+        <p:blipFill>
+          <a:blip r:embed="rId2">
+            <a:extLst>
+              <a:ext uri="{28A0092B-C50C-407E-A947-70E740481C1C}">
+                <a14:useLocalDpi xmlns:a14="http://schemas.microsoft.com/office/drawing/2010/main" val="0"/>
+              </a:ext>
+            </a:extLst>
+          </a:blip>
+          <a:stretch>
+            <a:fillRect/>
+          </a:stretch>
+        </p:blipFill>
+        <p:spPr>
+          <a:xfrm>
+            <a:off x="965958" y="1819373"/>
+            <a:ext cx="10701195" cy="3328650"/>
+          </a:xfrm>
+        </p:spPr>
+      </p:pic>
+      <p:sp>
+        <p:nvSpPr>
+          <p:cNvPr id="5" name="TextBox 4"/>
+          <p:cNvSpPr txBox="1"/>
+          <p:nvPr/>
+        </p:nvSpPr>
+        <p:spPr>
+          <a:xfrm>
+            <a:off x="9906000" y="-1"/>
+            <a:ext cx="2286000" cy="2031325"/>
+          </a:xfrm>
+          <a:prstGeom prst="rect">
+            <a:avLst/>
+          </a:prstGeom>
+          <a:solidFill>
+            <a:srgbClr val="FFFF00"/>
+          </a:solidFill>
+          <a:ln>
+            <a:noFill/>
+          </a:ln>
+        </p:spPr>
+        <p:txBody>
+          <a:bodyPr wrap="square" rtlCol="0">
+            <a:spAutoFit/>
+          </a:bodyPr>
+          <a:lstStyle/>
+          <a:p>
+            <a:pPr algn="ctr"/>
+            <a:endParaRPr lang="en-US" dirty="0" smtClean="0"/>
+          </a:p>
+          <a:p>
+            <a:pPr algn="ctr"/>
+            <a:endParaRPr lang="en-US" dirty="0"/>
+          </a:p>
+          <a:p>
+            <a:pPr algn="ctr"/>
+            <a:r>
+              <a:rPr lang="en-US" dirty="0" smtClean="0"/>
+              <a:t>Please leave this area blank to allow for picture in picture recording</a:t>
+            </a:r>
+          </a:p>
+          <a:p>
+            <a:pPr algn="ctr"/>
+            <a:endParaRPr lang="en-US" dirty="0"/>
+          </a:p>
+        </p:txBody>
+      </p:sp>
+    </p:spTree>
+    <p:extLst>
+      <p:ext uri="{BB962C8B-B14F-4D97-AF65-F5344CB8AC3E}">
+        <p14:creationId xmlns:p14="http://schemas.microsoft.com/office/powerpoint/2010/main" val="778148500"/>
+      </p:ext>
+    </p:extLst>
+  </p:cSld>
+  <p:clrMapOvr>
+    <a:masterClrMapping/>
+  </p:clrMapOvr>
+  <p:timing>
+    <p:tnLst>
+      <p:par>
+        <p:cTn id="1" dur="indefinite" restart="never" nodeType="tmRoot"/>
+      </p:par>
+    </p:tnLst>
+  </p:timing>
+</p:sld>
+</file>
+
+<file path=ppt/slides/slide14.xml><?xml version="1.0" encoding="utf-8"?>
+<p:sld xmlns:a="http://schemas.openxmlformats.org/drawingml/2006/main" xmlns:r="http://schemas.openxmlformats.org/officeDocument/2006/relationships" xmlns:p="http://schemas.openxmlformats.org/presentationml/2006/main">
+  <p:cSld>
+    <p:spTree>
+      <p:nvGrpSpPr>
+        <p:cNvPr id="1" name=""/>
+        <p:cNvGrpSpPr/>
+        <p:nvPr/>
+      </p:nvGrpSpPr>
+      <p:grpSpPr>
+        <a:xfrm>
+          <a:off x="0" y="0"/>
+          <a:ext cx="0" cy="0"/>
+          <a:chOff x="0" y="0"/>
+          <a:chExt cx="0" cy="0"/>
+        </a:xfrm>
+      </p:grpSpPr>
+      <p:sp>
+        <p:nvSpPr>
+          <p:cNvPr id="2" name="Title 1"/>
+          <p:cNvSpPr>
+            <a:spLocks noGrp="1"/>
+          </p:cNvSpPr>
+          <p:nvPr>
+            <p:ph type="title"/>
+          </p:nvPr>
+        </p:nvSpPr>
+        <p:spPr/>
+        <p:txBody>
+          <a:bodyPr/>
+          <a:lstStyle/>
+          <a:p>
+            <a:r>
+              <a:rPr lang="en-US" dirty="0" smtClean="0"/>
+              <a:t>Scheduling</a:t>
+            </a:r>
+            <a:endParaRPr lang="en-US" dirty="0"/>
+          </a:p>
+        </p:txBody>
+      </p:sp>
+      <p:pic>
+        <p:nvPicPr>
+          <p:cNvPr id="5" name="Content Placeholder 4"/>
+          <p:cNvPicPr>
+            <a:picLocks noGrp="1" noChangeAspect="1"/>
+          </p:cNvPicPr>
+          <p:nvPr>
+            <p:ph sz="quarter" idx="10"/>
+          </p:nvPr>
+        </p:nvPicPr>
+        <p:blipFill>
+          <a:blip r:embed="rId3">
+            <a:extLst>
+              <a:ext uri="{28A0092B-C50C-407E-A947-70E740481C1C}">
+                <a14:useLocalDpi xmlns:a14="http://schemas.microsoft.com/office/drawing/2010/main" val="0"/>
+              </a:ext>
+            </a:extLst>
+          </a:blip>
+          <a:stretch>
+            <a:fillRect/>
+          </a:stretch>
+        </p:blipFill>
+        <p:spPr>
+          <a:xfrm>
+            <a:off x="4099681" y="1076390"/>
+            <a:ext cx="4084097" cy="5291138"/>
+          </a:xfrm>
+        </p:spPr>
+      </p:pic>
+      <p:sp>
+        <p:nvSpPr>
+          <p:cNvPr id="6" name="TextBox 5"/>
+          <p:cNvSpPr txBox="1"/>
+          <p:nvPr/>
+        </p:nvSpPr>
+        <p:spPr>
+          <a:xfrm>
+            <a:off x="9906000" y="-1"/>
+            <a:ext cx="2286000" cy="2031325"/>
+          </a:xfrm>
+          <a:prstGeom prst="rect">
+            <a:avLst/>
+          </a:prstGeom>
+          <a:solidFill>
+            <a:srgbClr val="FFFF00"/>
+          </a:solidFill>
+          <a:ln>
+            <a:noFill/>
+          </a:ln>
+        </p:spPr>
+        <p:txBody>
+          <a:bodyPr wrap="square" rtlCol="0">
+            <a:spAutoFit/>
+          </a:bodyPr>
+          <a:lstStyle/>
+          <a:p>
+            <a:pPr algn="ctr"/>
+            <a:endParaRPr lang="en-US" dirty="0" smtClean="0"/>
+          </a:p>
+          <a:p>
+            <a:pPr algn="ctr"/>
+            <a:endParaRPr lang="en-US" dirty="0"/>
+          </a:p>
+          <a:p>
+            <a:pPr algn="ctr"/>
+            <a:r>
+              <a:rPr lang="en-US" dirty="0" smtClean="0"/>
+              <a:t>Please leave this area blank to allow for picture in picture recording</a:t>
+            </a:r>
+          </a:p>
+          <a:p>
+            <a:pPr algn="ctr"/>
+            <a:endParaRPr lang="en-US" dirty="0"/>
+          </a:p>
+        </p:txBody>
+      </p:sp>
+    </p:spTree>
+    <p:extLst>
+      <p:ext uri="{BB962C8B-B14F-4D97-AF65-F5344CB8AC3E}">
+        <p14:creationId xmlns:p14="http://schemas.microsoft.com/office/powerpoint/2010/main" val="3832879683"/>
+      </p:ext>
+    </p:extLst>
+  </p:cSld>
+  <p:clrMapOvr>
+    <a:masterClrMapping/>
+  </p:clrMapOvr>
+  <p:timing>
+    <p:tnLst>
+      <p:par>
+        <p:cTn id="1" dur="indefinite" restart="never" nodeType="tmRoot"/>
+      </p:par>
+    </p:tnLst>
+  </p:timing>
+</p:sld>
+</file>
+
+<file path=ppt/slides/slide15.xml><?xml version="1.0" encoding="utf-8"?>
+<p:sld xmlns:a="http://schemas.openxmlformats.org/drawingml/2006/main" xmlns:r="http://schemas.openxmlformats.org/officeDocument/2006/relationships" xmlns:p="http://schemas.openxmlformats.org/presentationml/2006/main">
+  <p:cSld>
+    <p:spTree>
+      <p:nvGrpSpPr>
+        <p:cNvPr id="1" name=""/>
+        <p:cNvGrpSpPr/>
+        <p:nvPr/>
+      </p:nvGrpSpPr>
+      <p:grpSpPr>
+        <a:xfrm>
+          <a:off x="0" y="0"/>
+          <a:ext cx="0" cy="0"/>
+          <a:chOff x="0" y="0"/>
+          <a:chExt cx="0" cy="0"/>
+        </a:xfrm>
+      </p:grpSpPr>
+      <p:sp>
+        <p:nvSpPr>
+          <p:cNvPr id="2" name="Title 1"/>
+          <p:cNvSpPr>
+            <a:spLocks noGrp="1"/>
+          </p:cNvSpPr>
+          <p:nvPr>
+            <p:ph type="title"/>
+          </p:nvPr>
+        </p:nvSpPr>
+        <p:spPr/>
+        <p:txBody>
+          <a:bodyPr/>
+          <a:lstStyle/>
+          <a:p>
+            <a:r>
+              <a:rPr lang="en-US" dirty="0" smtClean="0"/>
+              <a:t>Scaling</a:t>
+            </a:r>
+            <a:endParaRPr lang="en-US" dirty="0"/>
+          </a:p>
+        </p:txBody>
+      </p:sp>
+      <p:sp>
+        <p:nvSpPr>
+          <p:cNvPr id="6" name="TextBox 5"/>
+          <p:cNvSpPr txBox="1"/>
+          <p:nvPr/>
+        </p:nvSpPr>
+        <p:spPr>
+          <a:xfrm>
+            <a:off x="9906000" y="-1"/>
+            <a:ext cx="2286000" cy="2031325"/>
+          </a:xfrm>
+          <a:prstGeom prst="rect">
+            <a:avLst/>
+          </a:prstGeom>
+          <a:solidFill>
+            <a:srgbClr val="FFFF00"/>
+          </a:solidFill>
+          <a:ln>
+            <a:noFill/>
+          </a:ln>
+        </p:spPr>
+        <p:txBody>
+          <a:bodyPr wrap="square" rtlCol="0">
+            <a:spAutoFit/>
+          </a:bodyPr>
+          <a:lstStyle/>
+          <a:p>
+            <a:pPr algn="ctr"/>
+            <a:endParaRPr lang="en-US" dirty="0" smtClean="0"/>
+          </a:p>
+          <a:p>
+            <a:pPr algn="ctr"/>
+            <a:endParaRPr lang="en-US" dirty="0"/>
+          </a:p>
+          <a:p>
+            <a:pPr algn="ctr"/>
+            <a:r>
+              <a:rPr lang="en-US" dirty="0" smtClean="0"/>
+              <a:t>Please leave this area blank to allow for picture in picture recording</a:t>
+            </a:r>
+          </a:p>
+          <a:p>
+            <a:pPr algn="ctr"/>
+            <a:endParaRPr lang="en-US" dirty="0"/>
+          </a:p>
+        </p:txBody>
+      </p:sp>
+      <p:pic>
+        <p:nvPicPr>
+          <p:cNvPr id="4" name="Content Placeholder 3"/>
+          <p:cNvPicPr>
+            <a:picLocks noGrp="1" noChangeAspect="1"/>
+          </p:cNvPicPr>
+          <p:nvPr>
+            <p:ph sz="quarter" idx="10"/>
+          </p:nvPr>
+        </p:nvPicPr>
+        <p:blipFill>
+          <a:blip r:embed="rId3">
+            <a:extLst>
+              <a:ext uri="{28A0092B-C50C-407E-A947-70E740481C1C}">
+                <a14:useLocalDpi xmlns:a14="http://schemas.microsoft.com/office/drawing/2010/main" val="0"/>
+              </a:ext>
+            </a:extLst>
+          </a:blip>
+          <a:stretch>
+            <a:fillRect/>
+          </a:stretch>
+        </p:blipFill>
+        <p:spPr>
+          <a:xfrm>
+            <a:off x="3112892" y="531183"/>
+            <a:ext cx="6096000" cy="4533900"/>
+          </a:xfrm>
+        </p:spPr>
+      </p:pic>
+    </p:spTree>
+    <p:extLst>
+      <p:ext uri="{BB962C8B-B14F-4D97-AF65-F5344CB8AC3E}">
+        <p14:creationId xmlns:p14="http://schemas.microsoft.com/office/powerpoint/2010/main" val="1044138173"/>
+      </p:ext>
+    </p:extLst>
+  </p:cSld>
+  <p:clrMapOvr>
+    <a:masterClrMapping/>
+  </p:clrMapOvr>
+  <p:timing>
+    <p:tnLst>
+      <p:par>
+        <p:cTn id="1" dur="indefinite" restart="never" nodeType="tmRoot"/>
+      </p:par>
+    </p:tnLst>
+  </p:timing>
+</p:sld>
+</file>
+
+<file path=ppt/slides/slide16.xml><?xml version="1.0" encoding="utf-8"?>
+<p:sld xmlns:a="http://schemas.openxmlformats.org/drawingml/2006/main" xmlns:r="http://schemas.openxmlformats.org/officeDocument/2006/relationships" xmlns:p="http://schemas.openxmlformats.org/presentationml/2006/main">
+  <p:cSld>
+    <p:spTree>
+      <p:nvGrpSpPr>
+        <p:cNvPr id="1" name=""/>
+        <p:cNvGrpSpPr/>
+        <p:nvPr/>
+      </p:nvGrpSpPr>
+      <p:grpSpPr>
+        <a:xfrm>
+          <a:off x="0" y="0"/>
+          <a:ext cx="0" cy="0"/>
+          <a:chOff x="0" y="0"/>
+          <a:chExt cx="0" cy="0"/>
+        </a:xfrm>
+      </p:grpSpPr>
+      <p:sp>
+        <p:nvSpPr>
+          <p:cNvPr id="2" name="Title 1"/>
+          <p:cNvSpPr>
+            <a:spLocks noGrp="1"/>
+          </p:cNvSpPr>
+          <p:nvPr>
+            <p:ph type="title"/>
+          </p:nvPr>
+        </p:nvSpPr>
+        <p:spPr/>
+        <p:txBody>
+          <a:bodyPr/>
+          <a:lstStyle/>
+          <a:p>
+            <a:r>
+              <a:rPr lang="en-US" dirty="0" smtClean="0"/>
+              <a:t>Cost</a:t>
+            </a:r>
+            <a:endParaRPr lang="en-US" dirty="0"/>
+          </a:p>
+        </p:txBody>
+      </p:sp>
+      <p:sp>
+        <p:nvSpPr>
+          <p:cNvPr id="3" name="Content Placeholder 2"/>
+          <p:cNvSpPr>
+            <a:spLocks noGrp="1"/>
+          </p:cNvSpPr>
+          <p:nvPr>
+            <p:ph sz="quarter" idx="10"/>
+          </p:nvPr>
+        </p:nvSpPr>
+        <p:spPr/>
+        <p:txBody>
+          <a:bodyPr/>
+          <a:lstStyle/>
+          <a:p>
+            <a:r>
+              <a:rPr lang="en-US" dirty="0" smtClean="0"/>
+              <a:t>Only the cost of the underlying resources</a:t>
+            </a:r>
+          </a:p>
+          <a:p>
+            <a:pPr lvl="1"/>
+            <a:r>
+              <a:rPr lang="en-US" dirty="0" smtClean="0"/>
+              <a:t>Blob storage</a:t>
+            </a:r>
+          </a:p>
+          <a:p>
+            <a:pPr lvl="1"/>
+            <a:r>
+              <a:rPr lang="en-US" dirty="0" smtClean="0"/>
+              <a:t>Compute </a:t>
+            </a:r>
+          </a:p>
+          <a:p>
+            <a:pPr lvl="1"/>
+            <a:r>
+              <a:rPr lang="en-US" dirty="0" smtClean="0"/>
+              <a:t>Anything else used by the tasks</a:t>
+            </a:r>
+            <a:endParaRPr lang="en-US" dirty="0"/>
+          </a:p>
+        </p:txBody>
+      </p:sp>
+    </p:spTree>
+    <p:extLst>
+      <p:ext uri="{BB962C8B-B14F-4D97-AF65-F5344CB8AC3E}">
+        <p14:creationId xmlns:p14="http://schemas.microsoft.com/office/powerpoint/2010/main" val="2759521972"/>
+      </p:ext>
+    </p:extLst>
+  </p:cSld>
+  <p:clrMapOvr>
+    <a:masterClrMapping/>
+  </p:clrMapOvr>
+  <p:timing>
+    <p:tnLst>
+      <p:par>
+        <p:cTn id="1" dur="indefinite" restart="never" nodeType="tmRoot"/>
+      </p:par>
+    </p:tnLst>
+  </p:timing>
+</p:sld>
+</file>
+
+<file path=ppt/slides/slide17.xml><?xml version="1.0" encoding="utf-8"?>
+<p:sld xmlns:a="http://schemas.openxmlformats.org/drawingml/2006/main" xmlns:r="http://schemas.openxmlformats.org/officeDocument/2006/relationships" xmlns:p="http://schemas.openxmlformats.org/presentationml/2006/main">
+  <p:cSld>
+    <p:spTree>
+      <p:nvGrpSpPr>
+        <p:cNvPr id="1" name=""/>
+        <p:cNvGrpSpPr/>
+        <p:nvPr/>
+      </p:nvGrpSpPr>
+      <p:grpSpPr>
+        <a:xfrm>
+          <a:off x="0" y="0"/>
+          <a:ext cx="0" cy="0"/>
+          <a:chOff x="0" y="0"/>
+          <a:chExt cx="0" cy="0"/>
+        </a:xfrm>
+      </p:grpSpPr>
+    </p:spTree>
+    <p:extLst>
+      <p:ext uri="{BB962C8B-B14F-4D97-AF65-F5344CB8AC3E}">
+        <p14:creationId xmlns:p14="http://schemas.microsoft.com/office/powerpoint/2010/main" val="898363405"/>
       </p:ext>
     </p:extLst>
   </p:cSld>
@@ -3767,12 +5282,12 @@
       </p:grpSpPr>
       <p:sp>
         <p:nvSpPr>
-          <p:cNvPr id="7" name="Content Placeholder 6"/>
+          <p:cNvPr id="2" name="Title 1"/>
           <p:cNvSpPr>
             <a:spLocks noGrp="1"/>
           </p:cNvSpPr>
           <p:nvPr>
-            <p:ph sz="quarter" idx="10"/>
+            <p:ph type="title"/>
           </p:nvPr>
         </p:nvSpPr>
         <p:spPr/>
@@ -3782,138 +5297,382 @@
           </a:bodyPr>
           <a:lstStyle/>
           <a:p>
-            <a:r>
-              <a:rPr lang="en-GB" dirty="0" smtClean="0"/>
-              <a:t>Topic One</a:t>
-            </a:r>
-          </a:p>
-          <a:p>
-            <a:r>
-              <a:rPr lang="en-GB" dirty="0" smtClean="0"/>
-              <a:t>Topic Two</a:t>
-            </a:r>
-          </a:p>
-          <a:p>
-            <a:r>
-              <a:rPr lang="en-GB" dirty="0" smtClean="0"/>
-              <a:t>Topic Three</a:t>
-            </a:r>
-            <a:endParaRPr lang="en-GB" dirty="0"/>
-          </a:p>
-        </p:txBody>
-      </p:sp>
-      <p:sp>
-        <p:nvSpPr>
-          <p:cNvPr id="2" name="Title 1"/>
-          <p:cNvSpPr>
-            <a:spLocks noGrp="1"/>
-          </p:cNvSpPr>
-          <p:nvPr>
-            <p:ph type="title"/>
-          </p:nvPr>
-        </p:nvSpPr>
-        <p:spPr/>
-        <p:txBody>
-          <a:bodyPr/>
-          <a:lstStyle/>
-          <a:p>
-            <a:r>
-              <a:rPr lang="en-US" smtClean="0"/>
-              <a:t>Module Overview</a:t>
+            <a:pPr lvl="0"/>
+            <a:r>
+              <a:rPr lang="en-US" dirty="0" smtClean="0"/>
+              <a:t>Course Topics</a:t>
             </a:r>
             <a:endParaRPr lang="en-US" dirty="0"/>
           </a:p>
         </p:txBody>
       </p:sp>
-      <p:sp>
-        <p:nvSpPr>
-          <p:cNvPr id="4" name="TextBox 3"/>
-          <p:cNvSpPr txBox="1"/>
-          <p:nvPr/>
-        </p:nvSpPr>
-        <p:spPr>
-          <a:xfrm>
-            <a:off x="4432363" y="1155171"/>
-            <a:ext cx="3671248" cy="646331"/>
-          </a:xfrm>
-          <a:prstGeom prst="rect">
-            <a:avLst/>
-          </a:prstGeom>
-          <a:solidFill>
-            <a:srgbClr val="FFFF00"/>
-          </a:solidFill>
-        </p:spPr>
-        <p:txBody>
-          <a:bodyPr wrap="square" rtlCol="0">
-            <a:spAutoFit/>
-          </a:bodyPr>
-          <a:lstStyle/>
-          <a:p>
-            <a:r>
-              <a:rPr lang="en-US" dirty="0" smtClean="0"/>
-              <a:t>Please make sure there’s a “Module Overview” slide for every module</a:t>
-            </a:r>
-            <a:endParaRPr lang="en-US" dirty="0"/>
-          </a:p>
-        </p:txBody>
-      </p:sp>
-      <p:sp>
-        <p:nvSpPr>
-          <p:cNvPr id="5" name="TextBox 4"/>
-          <p:cNvSpPr txBox="1"/>
-          <p:nvPr/>
-        </p:nvSpPr>
-        <p:spPr>
-          <a:xfrm>
-            <a:off x="9906000" y="-1"/>
-            <a:ext cx="2286000" cy="2031325"/>
-          </a:xfrm>
-          <a:prstGeom prst="rect">
-            <a:avLst/>
-          </a:prstGeom>
-          <a:solidFill>
-            <a:srgbClr val="FFFF00"/>
-          </a:solidFill>
-          <a:ln>
-            <a:noFill/>
-          </a:ln>
-        </p:spPr>
-        <p:txBody>
-          <a:bodyPr wrap="square" rtlCol="0">
-            <a:spAutoFit/>
-          </a:bodyPr>
-          <a:lstStyle/>
-          <a:p>
-            <a:pPr algn="ctr"/>
-            <a:endParaRPr lang="en-US" dirty="0" smtClean="0"/>
-          </a:p>
-          <a:p>
-            <a:pPr algn="ctr"/>
-            <a:endParaRPr lang="en-US" dirty="0"/>
-          </a:p>
-          <a:p>
-            <a:pPr algn="ctr"/>
-            <a:r>
-              <a:rPr lang="en-US" dirty="0" smtClean="0"/>
-              <a:t>Please leave this area blank to allow for picture in picture recording</a:t>
-            </a:r>
-          </a:p>
-          <a:p>
-            <a:pPr algn="ctr"/>
-            <a:endParaRPr lang="en-US" dirty="0"/>
-          </a:p>
-        </p:txBody>
-      </p:sp>
+      <p:graphicFrame>
+        <p:nvGraphicFramePr>
+          <p:cNvPr id="4" name="Content Placeholder 3"/>
+          <p:cNvGraphicFramePr>
+            <a:graphicFrameLocks noGrp="1"/>
+          </p:cNvGraphicFramePr>
+          <p:nvPr>
+            <p:ph sz="quarter" idx="10"/>
+            <p:extLst>
+              <p:ext uri="{D42A27DB-BD31-4B8C-83A1-F6EECF244321}">
+                <p14:modId xmlns:p14="http://schemas.microsoft.com/office/powerpoint/2010/main" val="444760236"/>
+              </p:ext>
+            </p:extLst>
+          </p:nvPr>
+        </p:nvGraphicFramePr>
+        <p:xfrm>
+          <a:off x="379413" y="1417636"/>
+          <a:ext cx="11525250" cy="3838160"/>
+        </p:xfrm>
+        <a:graphic>
+          <a:graphicData uri="http://schemas.openxmlformats.org/drawingml/2006/table">
+            <a:tbl>
+              <a:tblPr firstRow="1" bandRow="1">
+                <a:tableStyleId>{5C22544A-7EE6-4342-B048-85BDC9FD1C3A}</a:tableStyleId>
+              </a:tblPr>
+              <a:tblGrid>
+                <a:gridCol w="5762625">
+                  <a:extLst>
+                    <a:ext uri="{9D8B030D-6E8A-4147-A177-3AD203B41FA5}">
+                      <a16:colId xmlns:a16="http://schemas.microsoft.com/office/drawing/2014/main" xmlns="" val="1632794655"/>
+                    </a:ext>
+                  </a:extLst>
+                </a:gridCol>
+                <a:gridCol w="5762625">
+                  <a:extLst>
+                    <a:ext uri="{9D8B030D-6E8A-4147-A177-3AD203B41FA5}">
+                      <a16:colId xmlns:a16="http://schemas.microsoft.com/office/drawing/2014/main" xmlns="" val="2011313899"/>
+                    </a:ext>
+                  </a:extLst>
+                </a:gridCol>
+              </a:tblGrid>
+              <a:tr h="767632">
+                <a:tc gridSpan="2">
+                  <a:txBody>
+                    <a:bodyPr/>
+                    <a:lstStyle/>
+                    <a:p>
+                      <a:r>
+                        <a:rPr lang="en-US" sz="3600" dirty="0" smtClean="0">
+                          <a:latin typeface="Segoe UI Light" panose="020B0502040204020203" pitchFamily="34" charset="0"/>
+                          <a:cs typeface="Segoe UI Light" panose="020B0502040204020203" pitchFamily="34" charset="0"/>
+                        </a:rPr>
+                        <a:t>Applications on</a:t>
+                      </a:r>
+                      <a:r>
+                        <a:rPr lang="en-US" sz="3600" baseline="0" dirty="0" smtClean="0">
+                          <a:latin typeface="Segoe UI Light" panose="020B0502040204020203" pitchFamily="34" charset="0"/>
+                          <a:cs typeface="Segoe UI Light" panose="020B0502040204020203" pitchFamily="34" charset="0"/>
+                        </a:rPr>
+                        <a:t> Azure: Putting the Pieces Together</a:t>
+                      </a:r>
+                      <a:endParaRPr lang="en-US" sz="3600" dirty="0">
+                        <a:latin typeface="Segoe UI Light" panose="020B0502040204020203" pitchFamily="34" charset="0"/>
+                        <a:cs typeface="Segoe UI Light" panose="020B0502040204020203" pitchFamily="34" charset="0"/>
+                      </a:endParaRPr>
+                    </a:p>
+                  </a:txBody>
+                  <a:tcPr anchor="ctr"/>
+                </a:tc>
+                <a:tc hMerge="1">
+                  <a:txBody>
+                    <a:bodyPr/>
+                    <a:lstStyle/>
+                    <a:p>
+                      <a:endParaRPr lang="en-US" dirty="0"/>
+                    </a:p>
+                  </a:txBody>
+                  <a:tcPr/>
+                </a:tc>
+                <a:extLst>
+                  <a:ext uri="{0D108BD9-81ED-4DB2-BD59-A6C34878D82A}">
+                    <a16:rowId xmlns:a16="http://schemas.microsoft.com/office/drawing/2014/main" xmlns="" val="1789177411"/>
+                  </a:ext>
+                </a:extLst>
+              </a:tr>
+              <a:tr h="767632">
+                <a:tc>
+                  <a:txBody>
+                    <a:bodyPr/>
+                    <a:lstStyle/>
+                    <a:p>
+                      <a:r>
+                        <a:rPr lang="en-US" sz="2400" dirty="0" smtClean="0">
+                          <a:latin typeface="Segoe UI Light" panose="020B0502040204020203" pitchFamily="34" charset="0"/>
+                          <a:cs typeface="Segoe UI Light" panose="020B0502040204020203" pitchFamily="34" charset="0"/>
+                        </a:rPr>
+                        <a:t>01 | Introduction</a:t>
+                      </a:r>
+                      <a:endParaRPr lang="en-US" sz="2400" dirty="0">
+                        <a:latin typeface="Segoe UI Light" panose="020B0502040204020203" pitchFamily="34" charset="0"/>
+                        <a:cs typeface="Segoe UI Light" panose="020B0502040204020203" pitchFamily="34" charset="0"/>
+                      </a:endParaRPr>
+                    </a:p>
+                  </a:txBody>
+                  <a:tcPr anchor="ctr"/>
+                </a:tc>
+                <a:tc>
+                  <a:txBody>
+                    <a:bodyPr/>
+                    <a:lstStyle/>
+                    <a:p>
+                      <a:pPr marL="0" marR="0" indent="0" algn="l" defTabSz="914088" rtl="0" eaLnBrk="1" fontAlgn="auto" latinLnBrk="0" hangingPunct="1">
+                        <a:lnSpc>
+                          <a:spcPct val="100000"/>
+                        </a:lnSpc>
+                        <a:spcBef>
+                          <a:spcPts val="0"/>
+                        </a:spcBef>
+                        <a:spcAft>
+                          <a:spcPts val="0"/>
+                        </a:spcAft>
+                        <a:buClrTx/>
+                        <a:buSzTx/>
+                        <a:buFontTx/>
+                        <a:buNone/>
+                        <a:tabLst/>
+                        <a:defRPr/>
+                      </a:pPr>
+                      <a:r>
+                        <a:rPr lang="en-US" sz="2400" dirty="0" smtClean="0">
+                          <a:latin typeface="Segoe UI Light" panose="020B0502040204020203" pitchFamily="34" charset="0"/>
+                          <a:cs typeface="Segoe UI Light" panose="020B0502040204020203" pitchFamily="34" charset="0"/>
+                        </a:rPr>
+                        <a:t>05</a:t>
+                      </a:r>
+                      <a:r>
+                        <a:rPr lang="en-US" sz="2400" baseline="0" dirty="0" smtClean="0">
+                          <a:latin typeface="Segoe UI Light" panose="020B0502040204020203" pitchFamily="34" charset="0"/>
+                          <a:cs typeface="Segoe UI Light" panose="020B0502040204020203" pitchFamily="34" charset="0"/>
+                        </a:rPr>
+                        <a:t> | Azure Storage</a:t>
+                      </a:r>
+                      <a:endParaRPr lang="en-US" sz="2400" dirty="0" smtClean="0">
+                        <a:latin typeface="Segoe UI Light" panose="020B0502040204020203" pitchFamily="34" charset="0"/>
+                        <a:cs typeface="Segoe UI Light" panose="020B0502040204020203" pitchFamily="34" charset="0"/>
+                      </a:endParaRPr>
+                    </a:p>
+                  </a:txBody>
+                  <a:tcPr anchor="ctr"/>
+                </a:tc>
+                <a:extLst>
+                  <a:ext uri="{0D108BD9-81ED-4DB2-BD59-A6C34878D82A}">
+                    <a16:rowId xmlns:a16="http://schemas.microsoft.com/office/drawing/2014/main" xmlns="" val="3842815335"/>
+                  </a:ext>
+                </a:extLst>
+              </a:tr>
+              <a:tr h="767632">
+                <a:tc>
+                  <a:txBody>
+                    <a:bodyPr/>
+                    <a:lstStyle/>
+                    <a:p>
+                      <a:r>
+                        <a:rPr lang="en-US" sz="2400" dirty="0" smtClean="0">
+                          <a:latin typeface="Segoe UI Light" panose="020B0502040204020203" pitchFamily="34" charset="0"/>
+                          <a:cs typeface="Segoe UI Light" panose="020B0502040204020203" pitchFamily="34" charset="0"/>
+                        </a:rPr>
+                        <a:t>02 | Application Architecture</a:t>
+                      </a:r>
+                      <a:endParaRPr lang="en-US" sz="2400" dirty="0">
+                        <a:latin typeface="Segoe UI Light" panose="020B0502040204020203" pitchFamily="34" charset="0"/>
+                        <a:cs typeface="Segoe UI Light" panose="020B0502040204020203" pitchFamily="34" charset="0"/>
+                      </a:endParaRPr>
+                    </a:p>
+                  </a:txBody>
+                  <a:tcPr anchor="ctr"/>
+                </a:tc>
+                <a:tc>
+                  <a:txBody>
+                    <a:bodyPr/>
+                    <a:lstStyle/>
+                    <a:p>
+                      <a:r>
+                        <a:rPr lang="en-US" sz="2400" dirty="0" smtClean="0">
+                          <a:latin typeface="Segoe UI Light" panose="020B0502040204020203" pitchFamily="34" charset="0"/>
+                          <a:cs typeface="Segoe UI Light" panose="020B0502040204020203" pitchFamily="34" charset="0"/>
+                        </a:rPr>
+                        <a:t>06 | </a:t>
+                      </a:r>
+                      <a:r>
+                        <a:rPr lang="en-US" sz="2400" dirty="0" err="1" smtClean="0">
+                          <a:latin typeface="Segoe UI Light" panose="020B0502040204020203" pitchFamily="34" charset="0"/>
+                          <a:cs typeface="Segoe UI Light" panose="020B0502040204020203" pitchFamily="34" charset="0"/>
+                        </a:rPr>
+                        <a:t>Docker</a:t>
+                      </a:r>
+                      <a:r>
+                        <a:rPr lang="en-US" sz="2400" dirty="0" smtClean="0">
+                          <a:latin typeface="Segoe UI Light" panose="020B0502040204020203" pitchFamily="34" charset="0"/>
+                          <a:cs typeface="Segoe UI Light" panose="020B0502040204020203" pitchFamily="34" charset="0"/>
+                        </a:rPr>
+                        <a:t> and Log Management</a:t>
+                      </a:r>
+                    </a:p>
+                  </a:txBody>
+                  <a:tcPr anchor="ctr"/>
+                </a:tc>
+                <a:extLst>
+                  <a:ext uri="{0D108BD9-81ED-4DB2-BD59-A6C34878D82A}">
+                    <a16:rowId xmlns:a16="http://schemas.microsoft.com/office/drawing/2014/main" xmlns="" val="321066646"/>
+                  </a:ext>
+                </a:extLst>
+              </a:tr>
+              <a:tr h="767632">
+                <a:tc>
+                  <a:txBody>
+                    <a:bodyPr/>
+                    <a:lstStyle/>
+                    <a:p>
+                      <a:pPr marL="0" marR="0" indent="0" algn="l" defTabSz="914088" rtl="0" eaLnBrk="1" fontAlgn="auto" latinLnBrk="0" hangingPunct="1">
+                        <a:lnSpc>
+                          <a:spcPct val="100000"/>
+                        </a:lnSpc>
+                        <a:spcBef>
+                          <a:spcPts val="0"/>
+                        </a:spcBef>
+                        <a:spcAft>
+                          <a:spcPts val="0"/>
+                        </a:spcAft>
+                        <a:buClrTx/>
+                        <a:buSzTx/>
+                        <a:buFontTx/>
+                        <a:buNone/>
+                        <a:tabLst/>
+                        <a:defRPr/>
+                      </a:pPr>
+                      <a:r>
+                        <a:rPr lang="en-US" sz="2400" dirty="0" smtClean="0">
+                          <a:latin typeface="Segoe UI Light" panose="020B0502040204020203" pitchFamily="34" charset="0"/>
+                          <a:cs typeface="Segoe UI Light" panose="020B0502040204020203" pitchFamily="34" charset="0"/>
+                        </a:rPr>
+                        <a:t>03</a:t>
+                      </a:r>
+                      <a:r>
+                        <a:rPr lang="en-US" sz="2400" baseline="0" dirty="0" smtClean="0">
+                          <a:latin typeface="Segoe UI Light" panose="020B0502040204020203" pitchFamily="34" charset="0"/>
+                          <a:cs typeface="Segoe UI Light" panose="020B0502040204020203" pitchFamily="34" charset="0"/>
+                        </a:rPr>
+                        <a:t> | DNS</a:t>
+                      </a:r>
+                      <a:endParaRPr lang="en-US" sz="2400" dirty="0" smtClean="0">
+                        <a:latin typeface="Segoe UI Light" panose="020B0502040204020203" pitchFamily="34" charset="0"/>
+                        <a:cs typeface="Segoe UI Light" panose="020B0502040204020203" pitchFamily="34" charset="0"/>
+                      </a:endParaRPr>
+                    </a:p>
+                  </a:txBody>
+                  <a:tcPr anchor="ctr"/>
+                </a:tc>
+                <a:tc>
+                  <a:txBody>
+                    <a:bodyPr/>
+                    <a:lstStyle/>
+                    <a:p>
+                      <a:r>
+                        <a:rPr lang="en-US" sz="2400" dirty="0" smtClean="0">
+                          <a:latin typeface="Segoe UI Light" panose="020B0502040204020203" pitchFamily="34" charset="0"/>
+                          <a:cs typeface="Segoe UI Light" panose="020B0502040204020203" pitchFamily="34" charset="0"/>
+                        </a:rPr>
+                        <a:t>07 | </a:t>
+                      </a:r>
+                      <a:r>
+                        <a:rPr lang="en-US" sz="2400" dirty="0" err="1" smtClean="0">
+                          <a:latin typeface="Segoe UI Light" panose="020B0502040204020203" pitchFamily="34" charset="0"/>
+                          <a:cs typeface="Segoe UI Light" panose="020B0502040204020203" pitchFamily="34" charset="0"/>
+                        </a:rPr>
+                        <a:t>AutoScale</a:t>
+                      </a:r>
+                      <a:r>
+                        <a:rPr lang="en-US" sz="2400" dirty="0" smtClean="0">
+                          <a:latin typeface="Segoe UI Light" panose="020B0502040204020203" pitchFamily="34" charset="0"/>
+                          <a:cs typeface="Segoe UI Light" panose="020B0502040204020203" pitchFamily="34" charset="0"/>
+                        </a:rPr>
+                        <a:t> </a:t>
+                      </a:r>
+                      <a:endParaRPr lang="en-US" sz="2400" dirty="0">
+                        <a:latin typeface="Segoe UI Light" panose="020B0502040204020203" pitchFamily="34" charset="0"/>
+                        <a:cs typeface="Segoe UI Light" panose="020B0502040204020203" pitchFamily="34" charset="0"/>
+                      </a:endParaRPr>
+                    </a:p>
+                  </a:txBody>
+                  <a:tcPr anchor="ctr"/>
+                </a:tc>
+                <a:extLst>
+                  <a:ext uri="{0D108BD9-81ED-4DB2-BD59-A6C34878D82A}">
+                    <a16:rowId xmlns:a16="http://schemas.microsoft.com/office/drawing/2014/main" xmlns="" val="3812060533"/>
+                  </a:ext>
+                </a:extLst>
+              </a:tr>
+              <a:tr h="767632">
+                <a:tc>
+                  <a:txBody>
+                    <a:bodyPr/>
+                    <a:lstStyle/>
+                    <a:p>
+                      <a:r>
+                        <a:rPr lang="en-US" sz="2400" dirty="0" smtClean="0">
+                          <a:latin typeface="Segoe UI Light" panose="020B0502040204020203" pitchFamily="34" charset="0"/>
+                          <a:cs typeface="Segoe UI Light" panose="020B0502040204020203" pitchFamily="34" charset="0"/>
+                        </a:rPr>
+                        <a:t>04 | Batch</a:t>
+                      </a:r>
+                      <a:endParaRPr lang="en-US" sz="2400" dirty="0">
+                        <a:latin typeface="Segoe UI Light" panose="020B0502040204020203" pitchFamily="34" charset="0"/>
+                        <a:cs typeface="Segoe UI Light" panose="020B0502040204020203" pitchFamily="34" charset="0"/>
+                      </a:endParaRPr>
+                    </a:p>
+                  </a:txBody>
+                  <a:tcPr anchor="ctr"/>
+                </a:tc>
+                <a:tc>
+                  <a:txBody>
+                    <a:bodyPr/>
+                    <a:lstStyle/>
+                    <a:p>
+                      <a:r>
+                        <a:rPr lang="en-US" sz="2400" dirty="0" smtClean="0">
+                          <a:latin typeface="Segoe UI Light" panose="020B0502040204020203" pitchFamily="34" charset="0"/>
+                          <a:cs typeface="Segoe UI Light" panose="020B0502040204020203" pitchFamily="34" charset="0"/>
+                        </a:rPr>
+                        <a:t>08 | Review and Summary</a:t>
+                      </a:r>
+                      <a:endParaRPr lang="en-US" sz="2400" dirty="0">
+                        <a:latin typeface="Segoe UI Light" panose="020B0502040204020203" pitchFamily="34" charset="0"/>
+                        <a:cs typeface="Segoe UI Light" panose="020B0502040204020203" pitchFamily="34" charset="0"/>
+                      </a:endParaRPr>
+                    </a:p>
+                  </a:txBody>
+                  <a:tcPr anchor="ctr"/>
+                </a:tc>
+                <a:extLst>
+                  <a:ext uri="{0D108BD9-81ED-4DB2-BD59-A6C34878D82A}">
+                    <a16:rowId xmlns:a16="http://schemas.microsoft.com/office/drawing/2014/main" xmlns="" val="733235577"/>
+                  </a:ext>
+                </a:extLst>
+              </a:tr>
+            </a:tbl>
+          </a:graphicData>
+        </a:graphic>
+      </p:graphicFrame>
     </p:spTree>
     <p:extLst>
       <p:ext uri="{BB962C8B-B14F-4D97-AF65-F5344CB8AC3E}">
-        <p14:creationId xmlns:p14="http://schemas.microsoft.com/office/powerpoint/2010/main" val="318349970"/>
+        <p14:creationId xmlns:p14="http://schemas.microsoft.com/office/powerpoint/2010/main" val="4178564752"/>
       </p:ext>
     </p:extLst>
   </p:cSld>
   <p:clrMapOvr>
     <a:masterClrMapping/>
   </p:clrMapOvr>
+  <mc:AlternateContent xmlns:mc="http://schemas.openxmlformats.org/markup-compatibility/2006" xmlns:p14="http://schemas.microsoft.com/office/powerpoint/2010/main">
+    <mc:Choice Requires="p14">
+      <p:transition spd="slow" p14:dur="2000"/>
+    </mc:Choice>
+    <mc:Fallback xmlns="">
+      <p:transition spd="slow"/>
+    </mc:Fallback>
+  </mc:AlternateContent>
   <p:timing>
     <p:tnLst>
       <p:par>
@@ -3953,12 +5712,433 @@
         </p:nvSpPr>
         <p:spPr/>
         <p:txBody>
+          <a:bodyPr>
+            <a:normAutofit/>
+          </a:bodyPr>
+          <a:lstStyle/>
+          <a:p>
+            <a:pPr lvl="0"/>
+            <a:r>
+              <a:rPr lang="en-US" dirty="0" smtClean="0"/>
+              <a:t>Course Topics</a:t>
+            </a:r>
+            <a:endParaRPr lang="en-US" dirty="0"/>
+          </a:p>
+        </p:txBody>
+      </p:sp>
+      <p:graphicFrame>
+        <p:nvGraphicFramePr>
+          <p:cNvPr id="4" name="Content Placeholder 3"/>
+          <p:cNvGraphicFramePr>
+            <a:graphicFrameLocks noGrp="1"/>
+          </p:cNvGraphicFramePr>
+          <p:nvPr>
+            <p:ph sz="quarter" idx="10"/>
+            <p:extLst>
+              <p:ext uri="{D42A27DB-BD31-4B8C-83A1-F6EECF244321}">
+                <p14:modId xmlns:p14="http://schemas.microsoft.com/office/powerpoint/2010/main" val="1101719070"/>
+              </p:ext>
+            </p:extLst>
+          </p:nvPr>
+        </p:nvGraphicFramePr>
+        <p:xfrm>
+          <a:off x="379413" y="1417636"/>
+          <a:ext cx="11525250" cy="3838160"/>
+        </p:xfrm>
+        <a:graphic>
+          <a:graphicData uri="http://schemas.openxmlformats.org/drawingml/2006/table">
+            <a:tbl>
+              <a:tblPr firstRow="1" bandRow="1">
+                <a:tableStyleId>{5C22544A-7EE6-4342-B048-85BDC9FD1C3A}</a:tableStyleId>
+              </a:tblPr>
+              <a:tblGrid>
+                <a:gridCol w="5762625">
+                  <a:extLst>
+                    <a:ext uri="{9D8B030D-6E8A-4147-A177-3AD203B41FA5}">
+                      <a16:colId xmlns:a16="http://schemas.microsoft.com/office/drawing/2014/main" xmlns="" val="1632794655"/>
+                    </a:ext>
+                  </a:extLst>
+                </a:gridCol>
+                <a:gridCol w="5762625">
+                  <a:extLst>
+                    <a:ext uri="{9D8B030D-6E8A-4147-A177-3AD203B41FA5}">
+                      <a16:colId xmlns:a16="http://schemas.microsoft.com/office/drawing/2014/main" xmlns="" val="2011313899"/>
+                    </a:ext>
+                  </a:extLst>
+                </a:gridCol>
+              </a:tblGrid>
+              <a:tr h="767632">
+                <a:tc gridSpan="2">
+                  <a:txBody>
+                    <a:bodyPr/>
+                    <a:lstStyle/>
+                    <a:p>
+                      <a:r>
+                        <a:rPr lang="en-US" sz="3600" dirty="0" smtClean="0">
+                          <a:latin typeface="Segoe UI Light" panose="020B0502040204020203" pitchFamily="34" charset="0"/>
+                          <a:cs typeface="Segoe UI Light" panose="020B0502040204020203" pitchFamily="34" charset="0"/>
+                        </a:rPr>
+                        <a:t>Applications on</a:t>
+                      </a:r>
+                      <a:r>
+                        <a:rPr lang="en-US" sz="3600" baseline="0" dirty="0" smtClean="0">
+                          <a:latin typeface="Segoe UI Light" panose="020B0502040204020203" pitchFamily="34" charset="0"/>
+                          <a:cs typeface="Segoe UI Light" panose="020B0502040204020203" pitchFamily="34" charset="0"/>
+                        </a:rPr>
+                        <a:t> Azure: Putting the Pieces Together</a:t>
+                      </a:r>
+                      <a:endParaRPr lang="en-US" sz="3600" dirty="0">
+                        <a:latin typeface="Segoe UI Light" panose="020B0502040204020203" pitchFamily="34" charset="0"/>
+                        <a:cs typeface="Segoe UI Light" panose="020B0502040204020203" pitchFamily="34" charset="0"/>
+                      </a:endParaRPr>
+                    </a:p>
+                  </a:txBody>
+                  <a:tcPr anchor="ctr"/>
+                </a:tc>
+                <a:tc hMerge="1">
+                  <a:txBody>
+                    <a:bodyPr/>
+                    <a:lstStyle/>
+                    <a:p>
+                      <a:endParaRPr lang="en-US" dirty="0"/>
+                    </a:p>
+                  </a:txBody>
+                  <a:tcPr/>
+                </a:tc>
+                <a:extLst>
+                  <a:ext uri="{0D108BD9-81ED-4DB2-BD59-A6C34878D82A}">
+                    <a16:rowId xmlns:a16="http://schemas.microsoft.com/office/drawing/2014/main" xmlns="" val="1789177411"/>
+                  </a:ext>
+                </a:extLst>
+              </a:tr>
+              <a:tr h="767632">
+                <a:tc>
+                  <a:txBody>
+                    <a:bodyPr/>
+                    <a:lstStyle/>
+                    <a:p>
+                      <a:r>
+                        <a:rPr lang="en-US" sz="2400" dirty="0" smtClean="0">
+                          <a:latin typeface="Segoe UI Light" panose="020B0502040204020203" pitchFamily="34" charset="0"/>
+                          <a:cs typeface="Segoe UI Light" panose="020B0502040204020203" pitchFamily="34" charset="0"/>
+                        </a:rPr>
+                        <a:t>01 | Introduction</a:t>
+                      </a:r>
+                      <a:endParaRPr lang="en-US" sz="2400" dirty="0">
+                        <a:latin typeface="Segoe UI Light" panose="020B0502040204020203" pitchFamily="34" charset="0"/>
+                        <a:cs typeface="Segoe UI Light" panose="020B0502040204020203" pitchFamily="34" charset="0"/>
+                      </a:endParaRPr>
+                    </a:p>
+                  </a:txBody>
+                  <a:tcPr anchor="ctr"/>
+                </a:tc>
+                <a:tc>
+                  <a:txBody>
+                    <a:bodyPr/>
+                    <a:lstStyle/>
+                    <a:p>
+                      <a:pPr marL="0" marR="0" indent="0" algn="l" defTabSz="914088" rtl="0" eaLnBrk="1" fontAlgn="auto" latinLnBrk="0" hangingPunct="1">
+                        <a:lnSpc>
+                          <a:spcPct val="100000"/>
+                        </a:lnSpc>
+                        <a:spcBef>
+                          <a:spcPts val="0"/>
+                        </a:spcBef>
+                        <a:spcAft>
+                          <a:spcPts val="0"/>
+                        </a:spcAft>
+                        <a:buClrTx/>
+                        <a:buSzTx/>
+                        <a:buFontTx/>
+                        <a:buNone/>
+                        <a:tabLst/>
+                        <a:defRPr/>
+                      </a:pPr>
+                      <a:r>
+                        <a:rPr lang="en-US" sz="2400" dirty="0" smtClean="0">
+                          <a:latin typeface="Segoe UI Light" panose="020B0502040204020203" pitchFamily="34" charset="0"/>
+                          <a:cs typeface="Segoe UI Light" panose="020B0502040204020203" pitchFamily="34" charset="0"/>
+                        </a:rPr>
+                        <a:t>05</a:t>
+                      </a:r>
+                      <a:r>
+                        <a:rPr lang="en-US" sz="2400" baseline="0" dirty="0" smtClean="0">
+                          <a:latin typeface="Segoe UI Light" panose="020B0502040204020203" pitchFamily="34" charset="0"/>
+                          <a:cs typeface="Segoe UI Light" panose="020B0502040204020203" pitchFamily="34" charset="0"/>
+                        </a:rPr>
+                        <a:t> | Azure Storage</a:t>
+                      </a:r>
+                      <a:endParaRPr lang="en-US" sz="2400" dirty="0" smtClean="0">
+                        <a:latin typeface="Segoe UI Light" panose="020B0502040204020203" pitchFamily="34" charset="0"/>
+                        <a:cs typeface="Segoe UI Light" panose="020B0502040204020203" pitchFamily="34" charset="0"/>
+                      </a:endParaRPr>
+                    </a:p>
+                  </a:txBody>
+                  <a:tcPr anchor="ctr"/>
+                </a:tc>
+                <a:extLst>
+                  <a:ext uri="{0D108BD9-81ED-4DB2-BD59-A6C34878D82A}">
+                    <a16:rowId xmlns:a16="http://schemas.microsoft.com/office/drawing/2014/main" xmlns="" val="3842815335"/>
+                  </a:ext>
+                </a:extLst>
+              </a:tr>
+              <a:tr h="767632">
+                <a:tc>
+                  <a:txBody>
+                    <a:bodyPr/>
+                    <a:lstStyle/>
+                    <a:p>
+                      <a:r>
+                        <a:rPr lang="en-US" sz="2400" b="0" dirty="0" smtClean="0">
+                          <a:latin typeface="Segoe UI Light" panose="020B0502040204020203" pitchFamily="34" charset="0"/>
+                          <a:cs typeface="Segoe UI Light" panose="020B0502040204020203" pitchFamily="34" charset="0"/>
+                        </a:rPr>
+                        <a:t>02 | Application Architecture</a:t>
+                      </a:r>
+                      <a:endParaRPr lang="en-US" sz="2400" b="0" dirty="0">
+                        <a:latin typeface="Segoe UI Light" panose="020B0502040204020203" pitchFamily="34" charset="0"/>
+                        <a:cs typeface="Segoe UI Light" panose="020B0502040204020203" pitchFamily="34" charset="0"/>
+                      </a:endParaRPr>
+                    </a:p>
+                  </a:txBody>
+                  <a:tcPr anchor="ctr"/>
+                </a:tc>
+                <a:tc>
+                  <a:txBody>
+                    <a:bodyPr/>
+                    <a:lstStyle/>
+                    <a:p>
+                      <a:r>
+                        <a:rPr lang="en-US" sz="2400" dirty="0" smtClean="0">
+                          <a:latin typeface="Segoe UI Light" panose="020B0502040204020203" pitchFamily="34" charset="0"/>
+                          <a:cs typeface="Segoe UI Light" panose="020B0502040204020203" pitchFamily="34" charset="0"/>
+                        </a:rPr>
+                        <a:t>06 | </a:t>
+                      </a:r>
+                      <a:r>
+                        <a:rPr lang="en-US" sz="2400" dirty="0" err="1" smtClean="0">
+                          <a:latin typeface="Segoe UI Light" panose="020B0502040204020203" pitchFamily="34" charset="0"/>
+                          <a:cs typeface="Segoe UI Light" panose="020B0502040204020203" pitchFamily="34" charset="0"/>
+                        </a:rPr>
+                        <a:t>Docker</a:t>
+                      </a:r>
+                      <a:r>
+                        <a:rPr lang="en-US" sz="2400" dirty="0" smtClean="0">
+                          <a:latin typeface="Segoe UI Light" panose="020B0502040204020203" pitchFamily="34" charset="0"/>
+                          <a:cs typeface="Segoe UI Light" panose="020B0502040204020203" pitchFamily="34" charset="0"/>
+                        </a:rPr>
+                        <a:t> and Log Management</a:t>
+                      </a:r>
+                    </a:p>
+                  </a:txBody>
+                  <a:tcPr anchor="ctr"/>
+                </a:tc>
+                <a:extLst>
+                  <a:ext uri="{0D108BD9-81ED-4DB2-BD59-A6C34878D82A}">
+                    <a16:rowId xmlns:a16="http://schemas.microsoft.com/office/drawing/2014/main" xmlns="" val="321066646"/>
+                  </a:ext>
+                </a:extLst>
+              </a:tr>
+              <a:tr h="767632">
+                <a:tc>
+                  <a:txBody>
+                    <a:bodyPr/>
+                    <a:lstStyle/>
+                    <a:p>
+                      <a:pPr marL="0" marR="0" indent="0" algn="l" defTabSz="914088" rtl="0" eaLnBrk="1" fontAlgn="auto" latinLnBrk="0" hangingPunct="1">
+                        <a:lnSpc>
+                          <a:spcPct val="100000"/>
+                        </a:lnSpc>
+                        <a:spcBef>
+                          <a:spcPts val="0"/>
+                        </a:spcBef>
+                        <a:spcAft>
+                          <a:spcPts val="0"/>
+                        </a:spcAft>
+                        <a:buClrTx/>
+                        <a:buSzTx/>
+                        <a:buFontTx/>
+                        <a:buNone/>
+                        <a:tabLst/>
+                        <a:defRPr/>
+                      </a:pPr>
+                      <a:r>
+                        <a:rPr lang="en-US" sz="2400" dirty="0" smtClean="0">
+                          <a:latin typeface="Segoe UI Light" panose="020B0502040204020203" pitchFamily="34" charset="0"/>
+                          <a:cs typeface="Segoe UI Light" panose="020B0502040204020203" pitchFamily="34" charset="0"/>
+                        </a:rPr>
+                        <a:t>03</a:t>
+                      </a:r>
+                      <a:r>
+                        <a:rPr lang="en-US" sz="2400" baseline="0" dirty="0" smtClean="0">
+                          <a:latin typeface="Segoe UI Light" panose="020B0502040204020203" pitchFamily="34" charset="0"/>
+                          <a:cs typeface="Segoe UI Light" panose="020B0502040204020203" pitchFamily="34" charset="0"/>
+                        </a:rPr>
+                        <a:t> | DNS</a:t>
+                      </a:r>
+                      <a:endParaRPr lang="en-US" sz="2400" dirty="0" smtClean="0">
+                        <a:latin typeface="Segoe UI Light" panose="020B0502040204020203" pitchFamily="34" charset="0"/>
+                        <a:cs typeface="Segoe UI Light" panose="020B0502040204020203" pitchFamily="34" charset="0"/>
+                      </a:endParaRPr>
+                    </a:p>
+                  </a:txBody>
+                  <a:tcPr anchor="ctr"/>
+                </a:tc>
+                <a:tc>
+                  <a:txBody>
+                    <a:bodyPr/>
+                    <a:lstStyle/>
+                    <a:p>
+                      <a:r>
+                        <a:rPr lang="en-US" sz="2400" dirty="0" smtClean="0">
+                          <a:latin typeface="Segoe UI Light" panose="020B0502040204020203" pitchFamily="34" charset="0"/>
+                          <a:cs typeface="Segoe UI Light" panose="020B0502040204020203" pitchFamily="34" charset="0"/>
+                        </a:rPr>
+                        <a:t>07 | </a:t>
+                      </a:r>
+                      <a:r>
+                        <a:rPr lang="en-US" sz="2400" dirty="0" err="1" smtClean="0">
+                          <a:latin typeface="Segoe UI Light" panose="020B0502040204020203" pitchFamily="34" charset="0"/>
+                          <a:cs typeface="Segoe UI Light" panose="020B0502040204020203" pitchFamily="34" charset="0"/>
+                        </a:rPr>
+                        <a:t>AutoScale</a:t>
+                      </a:r>
+                      <a:r>
+                        <a:rPr lang="en-US" sz="2400" dirty="0" smtClean="0">
+                          <a:latin typeface="Segoe UI Light" panose="020B0502040204020203" pitchFamily="34" charset="0"/>
+                          <a:cs typeface="Segoe UI Light" panose="020B0502040204020203" pitchFamily="34" charset="0"/>
+                        </a:rPr>
+                        <a:t> </a:t>
+                      </a:r>
+                      <a:endParaRPr lang="en-US" sz="2400" dirty="0">
+                        <a:latin typeface="Segoe UI Light" panose="020B0502040204020203" pitchFamily="34" charset="0"/>
+                        <a:cs typeface="Segoe UI Light" panose="020B0502040204020203" pitchFamily="34" charset="0"/>
+                      </a:endParaRPr>
+                    </a:p>
+                  </a:txBody>
+                  <a:tcPr anchor="ctr"/>
+                </a:tc>
+                <a:extLst>
+                  <a:ext uri="{0D108BD9-81ED-4DB2-BD59-A6C34878D82A}">
+                    <a16:rowId xmlns:a16="http://schemas.microsoft.com/office/drawing/2014/main" xmlns="" val="3812060533"/>
+                  </a:ext>
+                </a:extLst>
+              </a:tr>
+              <a:tr h="767632">
+                <a:tc>
+                  <a:txBody>
+                    <a:bodyPr/>
+                    <a:lstStyle/>
+                    <a:p>
+                      <a:r>
+                        <a:rPr lang="en-US" sz="2400" b="1" dirty="0" smtClean="0">
+                          <a:latin typeface="Segoe UI Light" panose="020B0502040204020203" pitchFamily="34" charset="0"/>
+                          <a:cs typeface="Segoe UI Light" panose="020B0502040204020203" pitchFamily="34" charset="0"/>
+                        </a:rPr>
+                        <a:t>04 | Batch</a:t>
+                      </a:r>
+                      <a:endParaRPr lang="en-US" sz="2400" b="1" dirty="0">
+                        <a:latin typeface="Segoe UI Light" panose="020B0502040204020203" pitchFamily="34" charset="0"/>
+                        <a:cs typeface="Segoe UI Light" panose="020B0502040204020203" pitchFamily="34" charset="0"/>
+                      </a:endParaRPr>
+                    </a:p>
+                  </a:txBody>
+                  <a:tcPr anchor="ctr"/>
+                </a:tc>
+                <a:tc>
+                  <a:txBody>
+                    <a:bodyPr/>
+                    <a:lstStyle/>
+                    <a:p>
+                      <a:r>
+                        <a:rPr lang="en-US" sz="2400" dirty="0" smtClean="0">
+                          <a:latin typeface="Segoe UI Light" panose="020B0502040204020203" pitchFamily="34" charset="0"/>
+                          <a:cs typeface="Segoe UI Light" panose="020B0502040204020203" pitchFamily="34" charset="0"/>
+                        </a:rPr>
+                        <a:t>08 | Review and Summary</a:t>
+                      </a:r>
+                      <a:endParaRPr lang="en-US" sz="2400" dirty="0">
+                        <a:latin typeface="Segoe UI Light" panose="020B0502040204020203" pitchFamily="34" charset="0"/>
+                        <a:cs typeface="Segoe UI Light" panose="020B0502040204020203" pitchFamily="34" charset="0"/>
+                      </a:endParaRPr>
+                    </a:p>
+                  </a:txBody>
+                  <a:tcPr anchor="ctr"/>
+                </a:tc>
+                <a:extLst>
+                  <a:ext uri="{0D108BD9-81ED-4DB2-BD59-A6C34878D82A}">
+                    <a16:rowId xmlns:a16="http://schemas.microsoft.com/office/drawing/2014/main" xmlns="" val="733235577"/>
+                  </a:ext>
+                </a:extLst>
+              </a:tr>
+            </a:tbl>
+          </a:graphicData>
+        </a:graphic>
+      </p:graphicFrame>
+    </p:spTree>
+    <p:extLst>
+      <p:ext uri="{BB962C8B-B14F-4D97-AF65-F5344CB8AC3E}">
+        <p14:creationId xmlns:p14="http://schemas.microsoft.com/office/powerpoint/2010/main" val="101470949"/>
+      </p:ext>
+    </p:extLst>
+  </p:cSld>
+  <p:clrMapOvr>
+    <a:masterClrMapping/>
+  </p:clrMapOvr>
+  <mc:AlternateContent xmlns:mc="http://schemas.openxmlformats.org/markup-compatibility/2006" xmlns:p14="http://schemas.microsoft.com/office/powerpoint/2010/main">
+    <mc:Choice Requires="p14">
+      <p:transition spd="slow" p14:dur="2000"/>
+    </mc:Choice>
+    <mc:Fallback xmlns="">
+      <p:transition spd="slow"/>
+    </mc:Fallback>
+  </mc:AlternateContent>
+  <p:timing>
+    <p:tnLst>
+      <p:par>
+        <p:cTn id="1" dur="indefinite" restart="never" nodeType="tmRoot"/>
+      </p:par>
+    </p:tnLst>
+  </p:timing>
+</p:sld>
+</file>
+
+<file path=ppt/slides/slide4.xml><?xml version="1.0" encoding="utf-8"?>
+<p:sld xmlns:a="http://schemas.openxmlformats.org/drawingml/2006/main" xmlns:r="http://schemas.openxmlformats.org/officeDocument/2006/relationships" xmlns:p="http://schemas.openxmlformats.org/presentationml/2006/main">
+  <p:cSld>
+    <p:spTree>
+      <p:nvGrpSpPr>
+        <p:cNvPr id="1" name=""/>
+        <p:cNvGrpSpPr/>
+        <p:nvPr/>
+      </p:nvGrpSpPr>
+      <p:grpSpPr>
+        <a:xfrm>
+          <a:off x="0" y="0"/>
+          <a:ext cx="0" cy="0"/>
+          <a:chOff x="0" y="0"/>
+          <a:chExt cx="0" cy="0"/>
+        </a:xfrm>
+      </p:grpSpPr>
+      <p:sp>
+        <p:nvSpPr>
+          <p:cNvPr id="2" name="Title 1"/>
+          <p:cNvSpPr>
+            <a:spLocks noGrp="1"/>
+          </p:cNvSpPr>
+          <p:nvPr>
+            <p:ph type="title"/>
+          </p:nvPr>
+        </p:nvSpPr>
+        <p:spPr/>
+        <p:txBody>
           <a:bodyPr/>
           <a:lstStyle/>
           <a:p>
+            <a:pPr lvl="0"/>
             <a:r>
               <a:rPr lang="en-US" dirty="0" smtClean="0"/>
-              <a:t>Lesson slide</a:t>
+              <a:t>Batch</a:t>
             </a:r>
             <a:endParaRPr lang="en-US" dirty="0"/>
           </a:p>
@@ -3979,13 +6159,14 @@
           <a:bodyPr/>
           <a:lstStyle/>
           <a:p>
-            <a:endParaRPr lang="en-US" dirty="0"/>
-          </a:p>
-        </p:txBody>
-      </p:sp>
-      <p:sp>
-        <p:nvSpPr>
-          <p:cNvPr id="4" name="TextBox 3"/>
+            <a:pPr lvl="1"/>
+            <a:endParaRPr lang="en-US" dirty="0" smtClean="0"/>
+          </a:p>
+        </p:txBody>
+      </p:sp>
+      <p:sp>
+        <p:nvSpPr>
+          <p:cNvPr id="5" name="TextBox 4"/>
           <p:cNvSpPr txBox="1"/>
           <p:nvPr/>
         </p:nvSpPr>
@@ -4030,10 +6211,867 @@
           </a:p>
         </p:txBody>
       </p:sp>
+      <p:pic>
+        <p:nvPicPr>
+          <p:cNvPr id="4" name="Picture 3"/>
+          <p:cNvPicPr>
+            <a:picLocks noChangeAspect="1"/>
+          </p:cNvPicPr>
+          <p:nvPr/>
+        </p:nvPicPr>
+        <p:blipFill>
+          <a:blip r:embed="rId3"/>
+          <a:stretch>
+            <a:fillRect/>
+          </a:stretch>
+        </p:blipFill>
+        <p:spPr>
+          <a:xfrm>
+            <a:off x="5042718" y="2478600"/>
+            <a:ext cx="2106563" cy="1900800"/>
+          </a:xfrm>
+          <a:prstGeom prst="rect">
+            <a:avLst/>
+          </a:prstGeom>
+        </p:spPr>
+      </p:pic>
     </p:spTree>
     <p:extLst>
       <p:ext uri="{BB962C8B-B14F-4D97-AF65-F5344CB8AC3E}">
-        <p14:creationId xmlns:p14="http://schemas.microsoft.com/office/powerpoint/2010/main" val="255798916"/>
+        <p14:creationId xmlns:p14="http://schemas.microsoft.com/office/powerpoint/2010/main" val="1967407312"/>
+      </p:ext>
+    </p:extLst>
+  </p:cSld>
+  <p:clrMapOvr>
+    <a:masterClrMapping/>
+  </p:clrMapOvr>
+  <p:timing>
+    <p:tnLst>
+      <p:par>
+        <p:cTn id="1" dur="indefinite" restart="never" nodeType="tmRoot"/>
+      </p:par>
+    </p:tnLst>
+  </p:timing>
+</p:sld>
+</file>
+
+<file path=ppt/slides/slide5.xml><?xml version="1.0" encoding="utf-8"?>
+<p:sld xmlns:a="http://schemas.openxmlformats.org/drawingml/2006/main" xmlns:r="http://schemas.openxmlformats.org/officeDocument/2006/relationships" xmlns:p="http://schemas.openxmlformats.org/presentationml/2006/main">
+  <p:cSld>
+    <p:spTree>
+      <p:nvGrpSpPr>
+        <p:cNvPr id="1" name=""/>
+        <p:cNvGrpSpPr/>
+        <p:nvPr/>
+      </p:nvGrpSpPr>
+      <p:grpSpPr>
+        <a:xfrm>
+          <a:off x="0" y="0"/>
+          <a:ext cx="0" cy="0"/>
+          <a:chOff x="0" y="0"/>
+          <a:chExt cx="0" cy="0"/>
+        </a:xfrm>
+      </p:grpSpPr>
+      <p:sp>
+        <p:nvSpPr>
+          <p:cNvPr id="2" name="Title 1"/>
+          <p:cNvSpPr>
+            <a:spLocks noGrp="1"/>
+          </p:cNvSpPr>
+          <p:nvPr>
+            <p:ph type="title"/>
+          </p:nvPr>
+        </p:nvSpPr>
+        <p:spPr>
+          <a:xfrm>
+            <a:off x="2141237" y="3214686"/>
+            <a:ext cx="7519129" cy="489606"/>
+          </a:xfrm>
+        </p:spPr>
+        <p:txBody>
+          <a:bodyPr>
+            <a:normAutofit fontScale="90000"/>
+          </a:bodyPr>
+          <a:lstStyle/>
+          <a:p>
+            <a:r>
+              <a:rPr lang="en-US" dirty="0" smtClean="0"/>
+              <a:t>Historically</a:t>
+            </a:r>
+            <a:endParaRPr lang="en-US" dirty="0"/>
+          </a:p>
+        </p:txBody>
+      </p:sp>
+      <p:sp>
+        <p:nvSpPr>
+          <p:cNvPr id="3" name="Content Placeholder 2"/>
+          <p:cNvSpPr>
+            <a:spLocks noGrp="1"/>
+          </p:cNvSpPr>
+          <p:nvPr>
+            <p:ph sz="quarter" idx="10"/>
+          </p:nvPr>
+        </p:nvSpPr>
+        <p:spPr/>
+        <p:txBody>
+          <a:bodyPr/>
+          <a:lstStyle/>
+          <a:p>
+            <a:endParaRPr lang="en-US"/>
+          </a:p>
+        </p:txBody>
+      </p:sp>
+      <p:pic>
+        <p:nvPicPr>
+          <p:cNvPr id="1026" name="Picture 2" descr="https://upload.wikimedia.org/wikipedia/commons/thumb/a/af/DM_IBM_S360.jpg/1280px-DM_IBM_S360.jpg"/>
+          <p:cNvPicPr>
+            <a:picLocks noChangeAspect="1" noChangeArrowheads="1"/>
+          </p:cNvPicPr>
+          <p:nvPr/>
+        </p:nvPicPr>
+        <p:blipFill>
+          <a:blip r:embed="rId3">
+            <a:extLst>
+              <a:ext uri="{28A0092B-C50C-407E-A947-70E740481C1C}">
+                <a14:useLocalDpi xmlns:a14="http://schemas.microsoft.com/office/drawing/2010/main" val="0"/>
+              </a:ext>
+            </a:extLst>
+          </a:blip>
+          <a:srcRect/>
+          <a:stretch>
+            <a:fillRect/>
+          </a:stretch>
+        </p:blipFill>
+        <p:spPr bwMode="auto">
+          <a:xfrm>
+            <a:off x="2118658" y="1192896"/>
+            <a:ext cx="7954684" cy="5301052"/>
+          </a:xfrm>
+          <a:prstGeom prst="rect">
+            <a:avLst/>
+          </a:prstGeom>
+          <a:noFill/>
+          <a:extLst>
+            <a:ext uri="{909E8E84-426E-40DD-AFC4-6F175D3DCCD1}">
+              <a14:hiddenFill xmlns:a14="http://schemas.microsoft.com/office/drawing/2010/main">
+                <a:solidFill>
+                  <a:srgbClr val="FFFFFF"/>
+                </a:solidFill>
+              </a14:hiddenFill>
+            </a:ext>
+          </a:extLst>
+        </p:spPr>
+      </p:pic>
+      <p:sp>
+        <p:nvSpPr>
+          <p:cNvPr id="4" name="Rectangle 3"/>
+          <p:cNvSpPr/>
+          <p:nvPr/>
+        </p:nvSpPr>
+        <p:spPr>
+          <a:xfrm>
+            <a:off x="0" y="6504612"/>
+            <a:ext cx="6096000" cy="369332"/>
+          </a:xfrm>
+          <a:prstGeom prst="rect">
+            <a:avLst/>
+          </a:prstGeom>
+        </p:spPr>
+        <p:txBody>
+          <a:bodyPr>
+            <a:spAutoFit/>
+          </a:bodyPr>
+          <a:lstStyle/>
+          <a:p>
+            <a:r>
+              <a:rPr lang="en-US" sz="900" dirty="0"/>
+              <a:t>"DM IBM S360" by Ben </a:t>
+            </a:r>
+            <a:r>
+              <a:rPr lang="en-US" sz="900" dirty="0" err="1"/>
+              <a:t>Franske</a:t>
+            </a:r>
+            <a:r>
+              <a:rPr lang="en-US" sz="900" dirty="0"/>
+              <a:t> - DM IBM S360.jpg on </a:t>
+            </a:r>
+            <a:r>
+              <a:rPr lang="en-US" sz="900" dirty="0" err="1"/>
+              <a:t>en.wiki</a:t>
+            </a:r>
+            <a:r>
+              <a:rPr lang="en-US" sz="900" dirty="0"/>
+              <a:t>. Licensed under CC BY 2.5 via Commons - https://commons.wikimedia.org/wiki/File:DM_IBM_S360.jpg#/media/File:DM_IBM_S360.jpg</a:t>
+            </a:r>
+          </a:p>
+        </p:txBody>
+      </p:sp>
+      <p:sp>
+        <p:nvSpPr>
+          <p:cNvPr id="6" name="Title 1"/>
+          <p:cNvSpPr txBox="1">
+            <a:spLocks/>
+          </p:cNvSpPr>
+          <p:nvPr/>
+        </p:nvSpPr>
+        <p:spPr>
+          <a:xfrm>
+            <a:off x="379514" y="182215"/>
+            <a:ext cx="11524432" cy="1063487"/>
+          </a:xfrm>
+          <a:prstGeom prst="rect">
+            <a:avLst/>
+          </a:prstGeom>
+        </p:spPr>
+        <p:txBody>
+          <a:bodyPr vert="horz" lIns="91409" tIns="45705" rIns="91409" bIns="45705" rtlCol="0" anchor="t" anchorCtr="0">
+            <a:normAutofit/>
+          </a:bodyPr>
+          <a:lstStyle>
+            <a:lvl1pPr algn="l" defTabSz="914088" rtl="0" eaLnBrk="1" latinLnBrk="0" hangingPunct="1">
+              <a:lnSpc>
+                <a:spcPct val="80000"/>
+              </a:lnSpc>
+              <a:spcBef>
+                <a:spcPct val="0"/>
+              </a:spcBef>
+              <a:buNone/>
+              <a:defRPr sz="4400" kern="1200">
+                <a:solidFill>
+                  <a:schemeClr val="tx1"/>
+                </a:solidFill>
+                <a:latin typeface="Segoe UI Light" panose="020B0502040204020203" pitchFamily="34" charset="0"/>
+                <a:ea typeface="Segoe UI Light" panose="020B0502040204020203" pitchFamily="34" charset="0"/>
+                <a:cs typeface="Segoe UI Light" panose="020B0502040204020203" pitchFamily="34" charset="0"/>
+              </a:defRPr>
+            </a:lvl1pPr>
+          </a:lstStyle>
+          <a:p>
+            <a:r>
+              <a:rPr lang="en-US" dirty="0" smtClean="0"/>
+              <a:t>Historically</a:t>
+            </a:r>
+            <a:endParaRPr lang="en-US" dirty="0"/>
+          </a:p>
+        </p:txBody>
+      </p:sp>
+    </p:spTree>
+    <p:extLst>
+      <p:ext uri="{BB962C8B-B14F-4D97-AF65-F5344CB8AC3E}">
+        <p14:creationId xmlns:p14="http://schemas.microsoft.com/office/powerpoint/2010/main" val="1927484171"/>
+      </p:ext>
+    </p:extLst>
+  </p:cSld>
+  <p:clrMapOvr>
+    <a:masterClrMapping/>
+  </p:clrMapOvr>
+  <p:timing>
+    <p:tnLst>
+      <p:par>
+        <p:cTn id="1" dur="indefinite" restart="never" nodeType="tmRoot"/>
+      </p:par>
+    </p:tnLst>
+  </p:timing>
+</p:sld>
+</file>
+
+<file path=ppt/slides/slide6.xml><?xml version="1.0" encoding="utf-8"?>
+<p:sld xmlns:a="http://schemas.openxmlformats.org/drawingml/2006/main" xmlns:r="http://schemas.openxmlformats.org/officeDocument/2006/relationships" xmlns:p="http://schemas.openxmlformats.org/presentationml/2006/main">
+  <p:cSld>
+    <p:spTree>
+      <p:nvGrpSpPr>
+        <p:cNvPr id="1" name=""/>
+        <p:cNvGrpSpPr/>
+        <p:nvPr/>
+      </p:nvGrpSpPr>
+      <p:grpSpPr>
+        <a:xfrm>
+          <a:off x="0" y="0"/>
+          <a:ext cx="0" cy="0"/>
+          <a:chOff x="0" y="0"/>
+          <a:chExt cx="0" cy="0"/>
+        </a:xfrm>
+      </p:grpSpPr>
+      <p:sp>
+        <p:nvSpPr>
+          <p:cNvPr id="2" name="Title 1"/>
+          <p:cNvSpPr>
+            <a:spLocks noGrp="1"/>
+          </p:cNvSpPr>
+          <p:nvPr>
+            <p:ph type="title"/>
+          </p:nvPr>
+        </p:nvSpPr>
+        <p:spPr/>
+        <p:txBody>
+          <a:bodyPr/>
+          <a:lstStyle/>
+          <a:p>
+            <a:pPr lvl="0"/>
+            <a:r>
+              <a:rPr lang="en-US" dirty="0" smtClean="0"/>
+              <a:t>Examples of batches</a:t>
+            </a:r>
+            <a:endParaRPr lang="en-US" dirty="0"/>
+          </a:p>
+        </p:txBody>
+      </p:sp>
+      <p:sp>
+        <p:nvSpPr>
+          <p:cNvPr id="3" name="Content Placeholder 2"/>
+          <p:cNvSpPr>
+            <a:spLocks noGrp="1"/>
+          </p:cNvSpPr>
+          <p:nvPr>
+            <p:ph sz="quarter" idx="10"/>
+          </p:nvPr>
+        </p:nvSpPr>
+        <p:spPr/>
+        <p:txBody>
+          <a:bodyPr/>
+          <a:lstStyle/>
+          <a:p>
+            <a:pPr lvl="1"/>
+            <a:r>
+              <a:rPr lang="en-US" dirty="0" smtClean="0"/>
+              <a:t>Month end processing</a:t>
+            </a:r>
+          </a:p>
+          <a:p>
+            <a:pPr lvl="1"/>
+            <a:r>
+              <a:rPr lang="en-US" dirty="0" smtClean="0"/>
+              <a:t>Nightly reports</a:t>
+            </a:r>
+          </a:p>
+          <a:p>
+            <a:pPr lvl="1"/>
+            <a:r>
+              <a:rPr lang="en-US" dirty="0" smtClean="0"/>
+              <a:t>Encoding of videos</a:t>
+            </a:r>
+          </a:p>
+          <a:p>
+            <a:pPr lvl="1"/>
+            <a:r>
+              <a:rPr lang="en-US" dirty="0" smtClean="0"/>
+              <a:t>File format conversions</a:t>
+            </a:r>
+          </a:p>
+          <a:p>
+            <a:pPr lvl="1"/>
+            <a:r>
+              <a:rPr lang="en-US" dirty="0" smtClean="0"/>
+              <a:t>Scientific applications such as SETI or protein folding</a:t>
+            </a:r>
+            <a:endParaRPr lang="en-US" dirty="0" smtClean="0"/>
+          </a:p>
+        </p:txBody>
+      </p:sp>
+      <p:sp>
+        <p:nvSpPr>
+          <p:cNvPr id="5" name="TextBox 4"/>
+          <p:cNvSpPr txBox="1"/>
+          <p:nvPr/>
+        </p:nvSpPr>
+        <p:spPr>
+          <a:xfrm>
+            <a:off x="9906000" y="-1"/>
+            <a:ext cx="2286000" cy="2031325"/>
+          </a:xfrm>
+          <a:prstGeom prst="rect">
+            <a:avLst/>
+          </a:prstGeom>
+          <a:solidFill>
+            <a:srgbClr val="FFFF00"/>
+          </a:solidFill>
+          <a:ln>
+            <a:noFill/>
+          </a:ln>
+        </p:spPr>
+        <p:txBody>
+          <a:bodyPr wrap="square" rtlCol="0">
+            <a:spAutoFit/>
+          </a:bodyPr>
+          <a:lstStyle/>
+          <a:p>
+            <a:pPr algn="ctr"/>
+            <a:endParaRPr lang="en-US" dirty="0" smtClean="0"/>
+          </a:p>
+          <a:p>
+            <a:pPr algn="ctr"/>
+            <a:endParaRPr lang="en-US" dirty="0"/>
+          </a:p>
+          <a:p>
+            <a:pPr algn="ctr"/>
+            <a:r>
+              <a:rPr lang="en-US" dirty="0" smtClean="0"/>
+              <a:t>Please leave this area blank to allow for picture in picture recording</a:t>
+            </a:r>
+          </a:p>
+          <a:p>
+            <a:pPr algn="ctr"/>
+            <a:endParaRPr lang="en-US" dirty="0"/>
+          </a:p>
+        </p:txBody>
+      </p:sp>
+    </p:spTree>
+    <p:extLst>
+      <p:ext uri="{BB962C8B-B14F-4D97-AF65-F5344CB8AC3E}">
+        <p14:creationId xmlns:p14="http://schemas.microsoft.com/office/powerpoint/2010/main" val="3597305009"/>
+      </p:ext>
+    </p:extLst>
+  </p:cSld>
+  <p:clrMapOvr>
+    <a:masterClrMapping/>
+  </p:clrMapOvr>
+  <p:timing>
+    <p:tnLst>
+      <p:par>
+        <p:cTn id="1" dur="indefinite" restart="never" nodeType="tmRoot"/>
+      </p:par>
+    </p:tnLst>
+  </p:timing>
+</p:sld>
+</file>
+
+<file path=ppt/slides/slide7.xml><?xml version="1.0" encoding="utf-8"?>
+<p:sld xmlns:a="http://schemas.openxmlformats.org/drawingml/2006/main" xmlns:r="http://schemas.openxmlformats.org/officeDocument/2006/relationships" xmlns:p="http://schemas.openxmlformats.org/presentationml/2006/main">
+  <p:cSld>
+    <p:spTree>
+      <p:nvGrpSpPr>
+        <p:cNvPr id="1" name=""/>
+        <p:cNvGrpSpPr/>
+        <p:nvPr/>
+      </p:nvGrpSpPr>
+      <p:grpSpPr>
+        <a:xfrm>
+          <a:off x="0" y="0"/>
+          <a:ext cx="0" cy="0"/>
+          <a:chOff x="0" y="0"/>
+          <a:chExt cx="0" cy="0"/>
+        </a:xfrm>
+      </p:grpSpPr>
+      <p:sp>
+        <p:nvSpPr>
+          <p:cNvPr id="2" name="Title 1"/>
+          <p:cNvSpPr>
+            <a:spLocks noGrp="1"/>
+          </p:cNvSpPr>
+          <p:nvPr>
+            <p:ph type="title"/>
+          </p:nvPr>
+        </p:nvSpPr>
+        <p:spPr/>
+        <p:txBody>
+          <a:bodyPr/>
+          <a:lstStyle/>
+          <a:p>
+            <a:pPr lvl="0"/>
+            <a:r>
+              <a:rPr lang="en-US" dirty="0" smtClean="0"/>
+              <a:t>Examples of batches</a:t>
+            </a:r>
+            <a:endParaRPr lang="en-US" dirty="0"/>
+          </a:p>
+        </p:txBody>
+      </p:sp>
+      <p:sp>
+        <p:nvSpPr>
+          <p:cNvPr id="5" name="TextBox 4"/>
+          <p:cNvSpPr txBox="1"/>
+          <p:nvPr/>
+        </p:nvSpPr>
+        <p:spPr>
+          <a:xfrm>
+            <a:off x="9906000" y="-1"/>
+            <a:ext cx="2286000" cy="2031325"/>
+          </a:xfrm>
+          <a:prstGeom prst="rect">
+            <a:avLst/>
+          </a:prstGeom>
+          <a:solidFill>
+            <a:srgbClr val="FFFF00"/>
+          </a:solidFill>
+          <a:ln>
+            <a:noFill/>
+          </a:ln>
+        </p:spPr>
+        <p:txBody>
+          <a:bodyPr wrap="square" rtlCol="0">
+            <a:spAutoFit/>
+          </a:bodyPr>
+          <a:lstStyle/>
+          <a:p>
+            <a:pPr algn="ctr"/>
+            <a:endParaRPr lang="en-US" dirty="0" smtClean="0"/>
+          </a:p>
+          <a:p>
+            <a:pPr algn="ctr"/>
+            <a:endParaRPr lang="en-US" dirty="0"/>
+          </a:p>
+          <a:p>
+            <a:pPr algn="ctr"/>
+            <a:r>
+              <a:rPr lang="en-US" dirty="0" smtClean="0"/>
+              <a:t>Please leave this area blank to allow for picture in picture recording</a:t>
+            </a:r>
+          </a:p>
+          <a:p>
+            <a:pPr algn="ctr"/>
+            <a:endParaRPr lang="en-US" dirty="0"/>
+          </a:p>
+        </p:txBody>
+      </p:sp>
+      <p:pic>
+        <p:nvPicPr>
+          <p:cNvPr id="2050" name="Picture 2" descr="http://www.josef-graef.de/zukunft/seti.gif"/>
+          <p:cNvPicPr>
+            <a:picLocks noChangeAspect="1" noChangeArrowheads="1"/>
+          </p:cNvPicPr>
+          <p:nvPr/>
+        </p:nvPicPr>
+        <p:blipFill>
+          <a:blip r:embed="rId3">
+            <a:extLst>
+              <a:ext uri="{28A0092B-C50C-407E-A947-70E740481C1C}">
+                <a14:useLocalDpi xmlns:a14="http://schemas.microsoft.com/office/drawing/2010/main" val="0"/>
+              </a:ext>
+            </a:extLst>
+          </a:blip>
+          <a:srcRect/>
+          <a:stretch>
+            <a:fillRect/>
+          </a:stretch>
+        </p:blipFill>
+        <p:spPr bwMode="auto">
+          <a:xfrm>
+            <a:off x="2964763" y="1918869"/>
+            <a:ext cx="6762750" cy="4229101"/>
+          </a:xfrm>
+          <a:prstGeom prst="rect">
+            <a:avLst/>
+          </a:prstGeom>
+          <a:noFill/>
+          <a:extLst>
+            <a:ext uri="{909E8E84-426E-40DD-AFC4-6F175D3DCCD1}">
+              <a14:hiddenFill xmlns:a14="http://schemas.microsoft.com/office/drawing/2010/main">
+                <a:solidFill>
+                  <a:srgbClr val="FFFFFF"/>
+                </a:solidFill>
+              </a14:hiddenFill>
+            </a:ext>
+          </a:extLst>
+        </p:spPr>
+      </p:pic>
+      <p:sp>
+        <p:nvSpPr>
+          <p:cNvPr id="4" name="Content Placeholder 3"/>
+          <p:cNvSpPr>
+            <a:spLocks noGrp="1"/>
+          </p:cNvSpPr>
+          <p:nvPr>
+            <p:ph sz="quarter" idx="10"/>
+          </p:nvPr>
+        </p:nvSpPr>
+        <p:spPr/>
+        <p:txBody>
+          <a:bodyPr/>
+          <a:lstStyle/>
+          <a:p>
+            <a:endParaRPr lang="en-US"/>
+          </a:p>
+        </p:txBody>
+      </p:sp>
+    </p:spTree>
+    <p:extLst>
+      <p:ext uri="{BB962C8B-B14F-4D97-AF65-F5344CB8AC3E}">
+        <p14:creationId xmlns:p14="http://schemas.microsoft.com/office/powerpoint/2010/main" val="781360447"/>
+      </p:ext>
+    </p:extLst>
+  </p:cSld>
+  <p:clrMapOvr>
+    <a:masterClrMapping/>
+  </p:clrMapOvr>
+  <p:timing>
+    <p:tnLst>
+      <p:par>
+        <p:cTn id="1" dur="indefinite" restart="never" nodeType="tmRoot"/>
+      </p:par>
+    </p:tnLst>
+  </p:timing>
+</p:sld>
+</file>
+
+<file path=ppt/slides/slide8.xml><?xml version="1.0" encoding="utf-8"?>
+<p:sld xmlns:a="http://schemas.openxmlformats.org/drawingml/2006/main" xmlns:r="http://schemas.openxmlformats.org/officeDocument/2006/relationships" xmlns:p="http://schemas.openxmlformats.org/presentationml/2006/main">
+  <p:cSld>
+    <p:spTree>
+      <p:nvGrpSpPr>
+        <p:cNvPr id="1" name=""/>
+        <p:cNvGrpSpPr/>
+        <p:nvPr/>
+      </p:nvGrpSpPr>
+      <p:grpSpPr>
+        <a:xfrm>
+          <a:off x="0" y="0"/>
+          <a:ext cx="0" cy="0"/>
+          <a:chOff x="0" y="0"/>
+          <a:chExt cx="0" cy="0"/>
+        </a:xfrm>
+      </p:grpSpPr>
+      <p:sp>
+        <p:nvSpPr>
+          <p:cNvPr id="2" name="Title 1"/>
+          <p:cNvSpPr>
+            <a:spLocks noGrp="1"/>
+          </p:cNvSpPr>
+          <p:nvPr>
+            <p:ph type="title"/>
+          </p:nvPr>
+        </p:nvSpPr>
+        <p:spPr/>
+        <p:txBody>
+          <a:bodyPr/>
+          <a:lstStyle/>
+          <a:p>
+            <a:pPr lvl="0"/>
+            <a:r>
+              <a:rPr lang="en-US" dirty="0" smtClean="0"/>
+              <a:t>Azure Management Portal </a:t>
+            </a:r>
+            <a:endParaRPr lang="en-US" dirty="0"/>
+          </a:p>
+        </p:txBody>
+      </p:sp>
+      <p:sp>
+        <p:nvSpPr>
+          <p:cNvPr id="5" name="TextBox 4"/>
+          <p:cNvSpPr txBox="1"/>
+          <p:nvPr/>
+        </p:nvSpPr>
+        <p:spPr>
+          <a:xfrm>
+            <a:off x="9906000" y="-1"/>
+            <a:ext cx="2286000" cy="2031325"/>
+          </a:xfrm>
+          <a:prstGeom prst="rect">
+            <a:avLst/>
+          </a:prstGeom>
+          <a:solidFill>
+            <a:srgbClr val="FFFF00"/>
+          </a:solidFill>
+          <a:ln>
+            <a:noFill/>
+          </a:ln>
+        </p:spPr>
+        <p:txBody>
+          <a:bodyPr wrap="square" rtlCol="0">
+            <a:spAutoFit/>
+          </a:bodyPr>
+          <a:lstStyle/>
+          <a:p>
+            <a:pPr algn="ctr"/>
+            <a:endParaRPr lang="en-US" dirty="0" smtClean="0"/>
+          </a:p>
+          <a:p>
+            <a:pPr algn="ctr"/>
+            <a:endParaRPr lang="en-US" dirty="0"/>
+          </a:p>
+          <a:p>
+            <a:pPr algn="ctr"/>
+            <a:r>
+              <a:rPr lang="en-US" dirty="0" smtClean="0"/>
+              <a:t>Please leave this area blank to allow for picture in picture recording</a:t>
+            </a:r>
+          </a:p>
+          <a:p>
+            <a:pPr algn="ctr"/>
+            <a:endParaRPr lang="en-US" dirty="0"/>
+          </a:p>
+        </p:txBody>
+      </p:sp>
+      <p:pic>
+        <p:nvPicPr>
+          <p:cNvPr id="3" name="Content Placeholder 2"/>
+          <p:cNvPicPr>
+            <a:picLocks noGrp="1" noChangeAspect="1"/>
+          </p:cNvPicPr>
+          <p:nvPr>
+            <p:ph sz="quarter" idx="10"/>
+          </p:nvPr>
+        </p:nvPicPr>
+        <p:blipFill>
+          <a:blip r:embed="rId3"/>
+          <a:stretch>
+            <a:fillRect/>
+          </a:stretch>
+        </p:blipFill>
+        <p:spPr>
+          <a:xfrm>
+            <a:off x="2756915" y="1015661"/>
+            <a:ext cx="6769629" cy="5291138"/>
+          </a:xfrm>
+          <a:prstGeom prst="rect">
+            <a:avLst/>
+          </a:prstGeom>
+        </p:spPr>
+      </p:pic>
+    </p:spTree>
+    <p:extLst>
+      <p:ext uri="{BB962C8B-B14F-4D97-AF65-F5344CB8AC3E}">
+        <p14:creationId xmlns:p14="http://schemas.microsoft.com/office/powerpoint/2010/main" val="1748946386"/>
+      </p:ext>
+    </p:extLst>
+  </p:cSld>
+  <p:clrMapOvr>
+    <a:masterClrMapping/>
+  </p:clrMapOvr>
+  <p:timing>
+    <p:tnLst>
+      <p:par>
+        <p:cTn id="1" dur="indefinite" restart="never" nodeType="tmRoot"/>
+      </p:par>
+    </p:tnLst>
+  </p:timing>
+</p:sld>
+</file>
+
+<file path=ppt/slides/slide9.xml><?xml version="1.0" encoding="utf-8"?>
+<p:sld xmlns:a="http://schemas.openxmlformats.org/drawingml/2006/main" xmlns:r="http://schemas.openxmlformats.org/officeDocument/2006/relationships" xmlns:p="http://schemas.openxmlformats.org/presentationml/2006/main">
+  <p:cSld>
+    <p:spTree>
+      <p:nvGrpSpPr>
+        <p:cNvPr id="1" name=""/>
+        <p:cNvGrpSpPr/>
+        <p:nvPr/>
+      </p:nvGrpSpPr>
+      <p:grpSpPr>
+        <a:xfrm>
+          <a:off x="0" y="0"/>
+          <a:ext cx="0" cy="0"/>
+          <a:chOff x="0" y="0"/>
+          <a:chExt cx="0" cy="0"/>
+        </a:xfrm>
+      </p:grpSpPr>
+      <p:sp>
+        <p:nvSpPr>
+          <p:cNvPr id="2" name="Title 1"/>
+          <p:cNvSpPr>
+            <a:spLocks noGrp="1"/>
+          </p:cNvSpPr>
+          <p:nvPr>
+            <p:ph type="title"/>
+          </p:nvPr>
+        </p:nvSpPr>
+        <p:spPr/>
+        <p:txBody>
+          <a:bodyPr/>
+          <a:lstStyle/>
+          <a:p>
+            <a:pPr lvl="0"/>
+            <a:r>
+              <a:rPr lang="en-US" dirty="0" smtClean="0"/>
+              <a:t>Azure Portal </a:t>
+            </a:r>
+            <a:endParaRPr lang="en-US" dirty="0"/>
+          </a:p>
+        </p:txBody>
+      </p:sp>
+      <p:sp>
+        <p:nvSpPr>
+          <p:cNvPr id="5" name="TextBox 4"/>
+          <p:cNvSpPr txBox="1"/>
+          <p:nvPr/>
+        </p:nvSpPr>
+        <p:spPr>
+          <a:xfrm>
+            <a:off x="9896573" y="18853"/>
+            <a:ext cx="2286000" cy="2031325"/>
+          </a:xfrm>
+          <a:prstGeom prst="rect">
+            <a:avLst/>
+          </a:prstGeom>
+          <a:solidFill>
+            <a:srgbClr val="FFFF00"/>
+          </a:solidFill>
+          <a:ln>
+            <a:noFill/>
+          </a:ln>
+        </p:spPr>
+        <p:txBody>
+          <a:bodyPr wrap="square" rtlCol="0">
+            <a:spAutoFit/>
+          </a:bodyPr>
+          <a:lstStyle/>
+          <a:p>
+            <a:pPr algn="ctr"/>
+            <a:endParaRPr lang="en-US" dirty="0" smtClean="0"/>
+          </a:p>
+          <a:p>
+            <a:pPr algn="ctr"/>
+            <a:endParaRPr lang="en-US" dirty="0"/>
+          </a:p>
+          <a:p>
+            <a:pPr algn="ctr"/>
+            <a:r>
+              <a:rPr lang="en-US" dirty="0" smtClean="0"/>
+              <a:t>Please leave this area blank to allow for picture in picture recording</a:t>
+            </a:r>
+          </a:p>
+          <a:p>
+            <a:pPr algn="ctr"/>
+            <a:endParaRPr lang="en-US" dirty="0"/>
+          </a:p>
+        </p:txBody>
+      </p:sp>
+      <p:sp>
+        <p:nvSpPr>
+          <p:cNvPr id="4" name="Content Placeholder 3"/>
+          <p:cNvSpPr>
+            <a:spLocks noGrp="1"/>
+          </p:cNvSpPr>
+          <p:nvPr>
+            <p:ph sz="quarter" idx="10"/>
+          </p:nvPr>
+        </p:nvSpPr>
+        <p:spPr/>
+        <p:txBody>
+          <a:bodyPr/>
+          <a:lstStyle/>
+          <a:p>
+            <a:endParaRPr lang="en-US" dirty="0"/>
+          </a:p>
+        </p:txBody>
+      </p:sp>
+      <p:pic>
+        <p:nvPicPr>
+          <p:cNvPr id="6" name="Picture 5"/>
+          <p:cNvPicPr>
+            <a:picLocks noChangeAspect="1"/>
+          </p:cNvPicPr>
+          <p:nvPr/>
+        </p:nvPicPr>
+        <p:blipFill>
+          <a:blip r:embed="rId3"/>
+          <a:stretch>
+            <a:fillRect/>
+          </a:stretch>
+        </p:blipFill>
+        <p:spPr>
+          <a:xfrm>
+            <a:off x="2488676" y="1015661"/>
+            <a:ext cx="6899705" cy="5635684"/>
+          </a:xfrm>
+          <a:prstGeom prst="rect">
+            <a:avLst/>
+          </a:prstGeom>
+        </p:spPr>
+      </p:pic>
+    </p:spTree>
+    <p:extLst>
+      <p:ext uri="{BB962C8B-B14F-4D97-AF65-F5344CB8AC3E}">
+        <p14:creationId xmlns:p14="http://schemas.microsoft.com/office/powerpoint/2010/main" val="2994528411"/>
       </p:ext>
     </p:extLst>
   </p:cSld>
@@ -4378,7 +7416,7 @@
     </a:clrScheme>
     <a:fontScheme name="Office">
       <a:majorFont>
-        <a:latin typeface="Calibri Light" panose="020F0302020204030204"/>
+        <a:latin typeface="Calibri Light"/>
         <a:ea typeface=""/>
         <a:cs typeface=""/>
         <a:font script="Jpan" typeface="ＭＳ Ｐゴシック"/>
@@ -4413,7 +7451,7 @@
         <a:font script="Geor" typeface="Sylfaen"/>
       </a:majorFont>
       <a:minorFont>
-        <a:latin typeface="Calibri" panose="020F0502020204030204"/>
+        <a:latin typeface="Calibri"/>
         <a:ea typeface=""/>
         <a:cs typeface=""/>
         <a:font script="Jpan" typeface="ＭＳ Ｐゴシック"/>
@@ -4639,7 +7677,7 @@
     </a:clrScheme>
     <a:fontScheme name="Office">
       <a:majorFont>
-        <a:latin typeface="Calibri Light" panose="020F0302020204030204"/>
+        <a:latin typeface="Calibri Light"/>
         <a:ea typeface=""/>
         <a:cs typeface=""/>
         <a:font script="Jpan" typeface="ＭＳ Ｐゴシック"/>
@@ -4674,7 +7712,7 @@
         <a:font script="Geor" typeface="Sylfaen"/>
       </a:majorFont>
       <a:minorFont>
-        <a:latin typeface="Calibri" panose="020F0502020204030204"/>
+        <a:latin typeface="Calibri"/>
         <a:ea typeface=""/>
         <a:cs typeface=""/>
         <a:font script="Jpan" typeface="ＭＳ Ｐゴシック"/>
@@ -4858,6 +7896,49 @@
 </file>
 
 <file path=customXml/item1.xml><?xml version="1.0" encoding="utf-8"?>
+<p:properties xmlns:p="http://schemas.microsoft.com/office/2006/metadata/properties" xmlns:xsi="http://www.w3.org/2001/XMLSchema-instance" xmlns:pc="http://schemas.microsoft.com/office/infopath/2007/PartnerControls">
+  <documentManagement>
+    <TaxCatchAll xmlns="230e9df3-be65-4c73-a93b-d1236ebd677e"/>
+    <PublishingExpirationDate xmlns="http://schemas.microsoft.com/sharepoint/v3" xsi:nil="true"/>
+    <PublishingStartDate xmlns="http://schemas.microsoft.com/sharepoint/v3" xsi:nil="true"/>
+    <TaxKeywordTaxHTField xmlns="230e9df3-be65-4c73-a93b-d1236ebd677e">
+      <Terms xmlns="http://schemas.microsoft.com/office/infopath/2007/PartnerControls"/>
+    </TaxKeywordTaxHTField>
+    <SharedWithUsers xmlns="27aa9422-7f1f-4c84-9cdf-302b1a67e513">
+      <UserInfo>
+        <DisplayName>Shriram Natarajan (SHRI)</DisplayName>
+        <AccountId>3899</AccountId>
+        <AccountType/>
+      </UserInfo>
+      <UserInfo>
+        <DisplayName>Andrew Nickels</DisplayName>
+        <AccountId>24014</AccountId>
+        <AccountType/>
+      </UserInfo>
+      <UserInfo>
+        <DisplayName>Steven Goddard (WSSC)</DisplayName>
+        <AccountId>29711</AccountId>
+        <AccountType/>
+      </UserInfo>
+      <UserInfo>
+        <DisplayName>Jim Clark (LEARNING)</DisplayName>
+        <AccountId>86</AccountId>
+        <AccountType/>
+      </UserInfo>
+      <UserInfo>
+        <DisplayName>Vijay Kumar</DisplayName>
+        <AccountId>53758</AccountId>
+        <AccountType/>
+      </UserInfo>
+    </SharedWithUsers>
+    <SharingHintHash xmlns="27aa9422-7f1f-4c84-9cdf-302b1a67e513">1366665793</SharingHintHash>
+    <_ip_UnifiedCompliancePolicyUIAction xmlns="http://schemas.microsoft.com/sharepoint/v3" xsi:nil="true"/>
+    <_ip_UnifiedCompliancePolicyProperties xmlns="http://schemas.microsoft.com/sharepoint/v3" xsi:nil="true"/>
+  </documentManagement>
+</p:properties>
+</file>
+
+<file path=customXml/item2.xml><?xml version="1.0" encoding="utf-8"?>
 <?mso-contentType ?>
 <FormTemplates xmlns="http://schemas.microsoft.com/sharepoint/v3/contenttype/forms">
   <Display>DocumentLibraryForm</Display>
@@ -4866,7 +7947,7 @@
 </FormTemplates>
 </file>
 
-<file path=customXml/item2.xml><?xml version="1.0" encoding="utf-8"?>
+<file path=customXml/item3.xml><?xml version="1.0" encoding="utf-8"?>
 <ct:contentTypeSchema xmlns:ct="http://schemas.microsoft.com/office/2006/metadata/contentType" xmlns:ma="http://schemas.microsoft.com/office/2006/metadata/properties/metaAttributes" ct:_="" ma:_="" ma:contentTypeName="Document" ma:contentTypeID="0x010100496889825850D44592AC5D2F43187AE4" ma:contentTypeVersion="9" ma:contentTypeDescription="Create a new document." ma:contentTypeScope="" ma:versionID="fa7e7aa81c9af57d0e724452ff5695cd">
   <xsd:schema xmlns:xsd="http://www.w3.org/2001/XMLSchema" xmlns:xs="http://www.w3.org/2001/XMLSchema" xmlns:p="http://schemas.microsoft.com/office/2006/metadata/properties" xmlns:ns1="http://schemas.microsoft.com/sharepoint/v3" xmlns:ns2="230e9df3-be65-4c73-a93b-d1236ebd677e" xmlns:ns3="27aa9422-7f1f-4c84-9cdf-302b1a67e513" targetNamespace="http://schemas.microsoft.com/office/2006/metadata/properties" ma:root="true" ma:fieldsID="ef7d28e69d816f0a5e355ee49f463c96" ns1:_="" ns2:_="" ns3:_="">
     <xsd:import namespace="http://schemas.microsoft.com/sharepoint/v3"/>
@@ -5074,50 +8155,25 @@
 </ct:contentTypeSchema>
 </file>
 
-<file path=customXml/item3.xml><?xml version="1.0" encoding="utf-8"?>
-<p:properties xmlns:p="http://schemas.microsoft.com/office/2006/metadata/properties" xmlns:xsi="http://www.w3.org/2001/XMLSchema-instance" xmlns:pc="http://schemas.microsoft.com/office/infopath/2007/PartnerControls">
-  <documentManagement>
-    <TaxCatchAll xmlns="230e9df3-be65-4c73-a93b-d1236ebd677e"/>
-    <PublishingExpirationDate xmlns="http://schemas.microsoft.com/sharepoint/v3" xsi:nil="true"/>
-    <PublishingStartDate xmlns="http://schemas.microsoft.com/sharepoint/v3" xsi:nil="true"/>
-    <TaxKeywordTaxHTField xmlns="230e9df3-be65-4c73-a93b-d1236ebd677e">
-      <Terms xmlns="http://schemas.microsoft.com/office/infopath/2007/PartnerControls"/>
-    </TaxKeywordTaxHTField>
-    <SharedWithUsers xmlns="27aa9422-7f1f-4c84-9cdf-302b1a67e513">
-      <UserInfo>
-        <DisplayName>Shriram Natarajan (SHRI)</DisplayName>
-        <AccountId>3899</AccountId>
-        <AccountType/>
-      </UserInfo>
-      <UserInfo>
-        <DisplayName>Andrew Nickels</DisplayName>
-        <AccountId>24014</AccountId>
-        <AccountType/>
-      </UserInfo>
-      <UserInfo>
-        <DisplayName>Steven Goddard (WSSC)</DisplayName>
-        <AccountId>29711</AccountId>
-        <AccountType/>
-      </UserInfo>
-      <UserInfo>
-        <DisplayName>Jim Clark (LEARNING)</DisplayName>
-        <AccountId>86</AccountId>
-        <AccountType/>
-      </UserInfo>
-      <UserInfo>
-        <DisplayName>Vijay Kumar</DisplayName>
-        <AccountId>53758</AccountId>
-        <AccountType/>
-      </UserInfo>
-    </SharedWithUsers>
-    <SharingHintHash xmlns="27aa9422-7f1f-4c84-9cdf-302b1a67e513">1366665793</SharingHintHash>
-    <_ip_UnifiedCompliancePolicyUIAction xmlns="http://schemas.microsoft.com/sharepoint/v3" xsi:nil="true"/>
-    <_ip_UnifiedCompliancePolicyProperties xmlns="http://schemas.microsoft.com/sharepoint/v3" xsi:nil="true"/>
-  </documentManagement>
-</p:properties>
+<file path=customXml/itemProps1.xml><?xml version="1.0" encoding="utf-8"?>
+<ds:datastoreItem xmlns:ds="http://schemas.openxmlformats.org/officeDocument/2006/customXml" ds:itemID="{7025FDD9-4C58-4084-9F89-0E6ADD6FFF55}">
+  <ds:schemaRefs>
+    <ds:schemaRef ds:uri="http://schemas.microsoft.com/office/2006/documentManagement/types"/>
+    <ds:schemaRef ds:uri="http://www.w3.org/XML/1998/namespace"/>
+    <ds:schemaRef ds:uri="http://schemas.microsoft.com/office/infopath/2007/PartnerControls"/>
+    <ds:schemaRef ds:uri="http://purl.org/dc/elements/1.1/"/>
+    <ds:schemaRef ds:uri="http://schemas.microsoft.com/office/2006/metadata/properties"/>
+    <ds:schemaRef ds:uri="http://purl.org/dc/terms/"/>
+    <ds:schemaRef ds:uri="230e9df3-be65-4c73-a93b-d1236ebd677e"/>
+    <ds:schemaRef ds:uri="http://schemas.openxmlformats.org/package/2006/metadata/core-properties"/>
+    <ds:schemaRef ds:uri="27aa9422-7f1f-4c84-9cdf-302b1a67e513"/>
+    <ds:schemaRef ds:uri="http://schemas.microsoft.com/sharepoint/v3"/>
+    <ds:schemaRef ds:uri="http://purl.org/dc/dcmitype/"/>
+  </ds:schemaRefs>
+</ds:datastoreItem>
 </file>
 
-<file path=customXml/itemProps1.xml><?xml version="1.0" encoding="utf-8"?>
+<file path=customXml/itemProps2.xml><?xml version="1.0" encoding="utf-8"?>
 <ds:datastoreItem xmlns:ds="http://schemas.openxmlformats.org/officeDocument/2006/customXml" ds:itemID="{B0CA13EC-1D3C-4D6F-8D1C-E8A452CFC79A}">
   <ds:schemaRefs>
     <ds:schemaRef ds:uri="http://schemas.microsoft.com/sharepoint/v3/contenttype/forms"/>
@@ -5125,7 +8181,7 @@
 </ds:datastoreItem>
 </file>
 
-<file path=customXml/itemProps2.xml><?xml version="1.0" encoding="utf-8"?>
+<file path=customXml/itemProps3.xml><?xml version="1.0" encoding="utf-8"?>
 <ds:datastoreItem xmlns:ds="http://schemas.openxmlformats.org/officeDocument/2006/customXml" ds:itemID="{B8E57EAE-DEC5-48ED-98EA-03E186D6E9F9}">
   <ds:schemaRefs>
     <ds:schemaRef ds:uri="http://schemas.microsoft.com/office/2006/metadata/contentType"/>
@@ -5143,22 +8199,4 @@
     <ds:schemaRef ds:uri="http://schemas.microsoft.com/internal/obd"/>
   </ds:schemaRefs>
 </ds:datastoreItem>
-</file>
-
-<file path=customXml/itemProps3.xml><?xml version="1.0" encoding="utf-8"?>
-<ds:datastoreItem xmlns:ds="http://schemas.openxmlformats.org/officeDocument/2006/customXml" ds:itemID="{7025FDD9-4C58-4084-9F89-0E6ADD6FFF55}">
-  <ds:schemaRefs>
-    <ds:schemaRef ds:uri="http://www.w3.org/XML/1998/namespace"/>
-    <ds:schemaRef ds:uri="http://schemas.microsoft.com/sharepoint/v3"/>
-    <ds:schemaRef ds:uri="http://schemas.microsoft.com/office/2006/documentManagement/types"/>
-    <ds:schemaRef ds:uri="http://purl.org/dc/terms/"/>
-    <ds:schemaRef ds:uri="27aa9422-7f1f-4c84-9cdf-302b1a67e513"/>
-    <ds:schemaRef ds:uri="http://purl.org/dc/dcmitype/"/>
-    <ds:schemaRef ds:uri="http://schemas.microsoft.com/office/infopath/2007/PartnerControls"/>
-    <ds:schemaRef ds:uri="http://schemas.microsoft.com/office/2006/metadata/properties"/>
-    <ds:schemaRef ds:uri="http://schemas.openxmlformats.org/package/2006/metadata/core-properties"/>
-    <ds:schemaRef ds:uri="230e9df3-be65-4c73-a93b-d1236ebd677e"/>
-    <ds:schemaRef ds:uri="http://purl.org/dc/elements/1.1/"/>
-  </ds:schemaRefs>
-</ds:datastoreItem>
 </file>
--- a/Presentation Materials/MVA-ApplicationsOnAzure-04.pptx
+++ b/Presentation Materials/MVA-ApplicationsOnAzure-04.pptx
@@ -5,29 +5,31 @@
     <p:sldMasterId id="2147483660" r:id="rId4"/>
   </p:sldMasterIdLst>
   <p:notesMasterIdLst>
-    <p:notesMasterId r:id="rId22"/>
+    <p:notesMasterId r:id="rId24"/>
   </p:notesMasterIdLst>
   <p:handoutMasterIdLst>
-    <p:handoutMasterId r:id="rId23"/>
+    <p:handoutMasterId r:id="rId25"/>
   </p:handoutMasterIdLst>
   <p:sldIdLst>
     <p:sldId id="271" r:id="rId5"/>
     <p:sldId id="274" r:id="rId6"/>
     <p:sldId id="284" r:id="rId7"/>
     <p:sldId id="275" r:id="rId8"/>
-    <p:sldId id="285" r:id="rId9"/>
-    <p:sldId id="286" r:id="rId10"/>
-    <p:sldId id="287" r:id="rId11"/>
-    <p:sldId id="288" r:id="rId12"/>
-    <p:sldId id="289" r:id="rId13"/>
-    <p:sldId id="291" r:id="rId14"/>
-    <p:sldId id="292" r:id="rId15"/>
-    <p:sldId id="290" r:id="rId16"/>
-    <p:sldId id="294" r:id="rId17"/>
-    <p:sldId id="295" r:id="rId18"/>
-    <p:sldId id="296" r:id="rId19"/>
-    <p:sldId id="293" r:id="rId20"/>
-    <p:sldId id="269" r:id="rId21"/>
+    <p:sldId id="297" r:id="rId9"/>
+    <p:sldId id="285" r:id="rId10"/>
+    <p:sldId id="286" r:id="rId11"/>
+    <p:sldId id="287" r:id="rId12"/>
+    <p:sldId id="298" r:id="rId13"/>
+    <p:sldId id="288" r:id="rId14"/>
+    <p:sldId id="289" r:id="rId15"/>
+    <p:sldId id="291" r:id="rId16"/>
+    <p:sldId id="292" r:id="rId17"/>
+    <p:sldId id="290" r:id="rId18"/>
+    <p:sldId id="294" r:id="rId19"/>
+    <p:sldId id="295" r:id="rId20"/>
+    <p:sldId id="296" r:id="rId21"/>
+    <p:sldId id="293" r:id="rId22"/>
+    <p:sldId id="269" r:id="rId23"/>
   </p:sldIdLst>
   <p:sldSz cx="12192000" cy="6858000"/>
   <p:notesSz cx="6858000" cy="9144000"/>
@@ -128,7 +130,7 @@
   </p:defaultTextStyle>
   <p:extLst>
     <p:ext uri="{EFAFB233-063F-42B5-8137-9DF3F51BA10A}">
-      <p15:sldGuideLst xmlns:p15="http://schemas.microsoft.com/office/powerpoint/2012/main">
+      <p15:sldGuideLst xmlns:p15="http://schemas.microsoft.com/office/powerpoint/2012/main" xmlns="">
         <p15:guide id="1" orient="horz" pos="2160">
           <p15:clr>
             <a:srgbClr val="A4A3A4"/>
@@ -142,7 +144,7 @@
       </p15:sldGuideLst>
     </p:ext>
     <p:ext uri="{2D200454-40CA-4A62-9FC3-DE9A4176ACB9}">
-      <p15:notesGuideLst xmlns:p15="http://schemas.microsoft.com/office/powerpoint/2012/main"/>
+      <p15:notesGuideLst xmlns:p15="http://schemas.microsoft.com/office/powerpoint/2012/main" xmlns=""/>
     </p:ext>
   </p:extLst>
 </p:presentation>
@@ -230,7 +232,7 @@
           <a:p>
             <a:fld id="{312E7B4A-039C-48A2-9B2C-AF16AA3873D8}" type="datetimeFigureOut">
               <a:rPr lang="en-US" smtClean="0"/>
-              <a:t>11/4/2015</a:t>
+              <a:t>2015-11-08</a:t>
             </a:fld>
             <a:endParaRPr lang="en-US"/>
           </a:p>
@@ -395,7 +397,7 @@
           <a:p>
             <a:fld id="{DA005A0C-54D9-45AA-87D4-C551D08DFCE1}" type="datetimeFigureOut">
               <a:rPr lang="en-US" smtClean="0"/>
-              <a:t>11/4/2015</a:t>
+              <a:t>2015-11-08</a:t>
             </a:fld>
             <a:endParaRPr lang="en-US"/>
           </a:p>
@@ -780,16 +782,59 @@
             <p:ph type="sldImg"/>
           </p:nvPr>
         </p:nvSpPr>
+        <p:spPr>
+          <a:xfrm>
+            <a:off x="381000" y="685800"/>
+            <a:ext cx="6096000" cy="3429000"/>
+          </a:xfrm>
+        </p:spPr>
+      </p:sp>
+      <p:sp>
+        <p:nvSpPr>
+          <p:cNvPr id="3" name="Notes Placeholder 2"/>
+          <p:cNvSpPr>
+            <a:spLocks noGrp="1"/>
+          </p:cNvSpPr>
+          <p:nvPr>
+            <p:ph type="body" idx="1"/>
+          </p:nvPr>
+        </p:nvSpPr>
         <p:spPr/>
-      </p:sp>
-      <p:sp>
-        <p:nvSpPr>
-          <p:cNvPr id="3" name="Notes Placeholder 2"/>
+        <p:txBody>
+          <a:bodyPr>
+            <a:normAutofit/>
+          </a:bodyPr>
+          <a:lstStyle/>
+          <a:p>
+            <a:pPr marL="0" marR="0" indent="0" algn="l" defTabSz="914400" rtl="0" eaLnBrk="1" fontAlgn="auto" latinLnBrk="0" hangingPunct="1">
+              <a:lnSpc>
+                <a:spcPct val="100000"/>
+              </a:lnSpc>
+              <a:spcBef>
+                <a:spcPts val="0"/>
+              </a:spcBef>
+              <a:spcAft>
+                <a:spcPts val="0"/>
+              </a:spcAft>
+              <a:buClrTx/>
+              <a:buSzTx/>
+              <a:buFontTx/>
+              <a:buNone/>
+              <a:tabLst/>
+              <a:defRPr/>
+            </a:pPr>
+            <a:endParaRPr lang="en-CA" b="0" dirty="0" smtClean="0"/>
+          </a:p>
+        </p:txBody>
+      </p:sp>
+      <p:sp>
+        <p:nvSpPr>
+          <p:cNvPr id="4" name="Slide Number Placeholder 3"/>
           <p:cNvSpPr>
             <a:spLocks noGrp="1"/>
           </p:cNvSpPr>
           <p:nvPr>
-            <p:ph type="body" idx="1"/>
+            <p:ph type="sldNum" sz="quarter" idx="10"/>
           </p:nvPr>
         </p:nvSpPr>
         <p:spPr/>
@@ -797,49 +842,19 @@
           <a:bodyPr/>
           <a:lstStyle/>
           <a:p>
-            <a:r>
-              <a:rPr lang="en-US" dirty="0" smtClean="0"/>
-              <a:t>To build batch</a:t>
-            </a:r>
-            <a:r>
-              <a:rPr lang="en-US" baseline="0" dirty="0" smtClean="0"/>
-              <a:t> ourselves we would need to have a pool of virtual machines. They would need to use blob storage to contain the inputs and outputs from each task. We would also need to tie in some form of automatic </a:t>
-            </a:r>
-            <a:r>
-              <a:rPr lang="en-US" baseline="0" dirty="0" err="1" smtClean="0"/>
-              <a:t>scalling</a:t>
-            </a:r>
-            <a:endParaRPr lang="en-US" dirty="0"/>
-          </a:p>
-        </p:txBody>
-      </p:sp>
-      <p:sp>
-        <p:nvSpPr>
-          <p:cNvPr id="4" name="Slide Number Placeholder 3"/>
-          <p:cNvSpPr>
-            <a:spLocks noGrp="1"/>
-          </p:cNvSpPr>
-          <p:nvPr>
-            <p:ph type="sldNum" sz="quarter" idx="10"/>
-          </p:nvPr>
-        </p:nvSpPr>
-        <p:spPr/>
-        <p:txBody>
-          <a:bodyPr/>
-          <a:lstStyle/>
-          <a:p>
-            <a:fld id="{4CFD207A-07DF-40AD-A916-9872E089CE7A}" type="slidenum">
+            <a:fld id="{13F0F35F-DD44-4607-AEC1-49D7A4BC4066}" type="slidenum">
               <a:rPr lang="en-US" smtClean="0"/>
+              <a:pPr/>
               <a:t>10</a:t>
             </a:fld>
-            <a:endParaRPr lang="en-US"/>
+            <a:endParaRPr lang="en-US" dirty="0"/>
           </a:p>
         </p:txBody>
       </p:sp>
     </p:spTree>
     <p:extLst>
       <p:ext uri="{BB962C8B-B14F-4D97-AF65-F5344CB8AC3E}">
-        <p14:creationId xmlns:p14="http://schemas.microsoft.com/office/powerpoint/2010/main" val="2943292502"/>
+        <p14:creationId xmlns:p14="http://schemas.microsoft.com/office/powerpoint/2010/main" val="1911596928"/>
       </p:ext>
     </p:extLst>
   </p:cSld>
@@ -876,16 +891,59 @@
             <p:ph type="sldImg"/>
           </p:nvPr>
         </p:nvSpPr>
+        <p:spPr>
+          <a:xfrm>
+            <a:off x="381000" y="685800"/>
+            <a:ext cx="6096000" cy="3429000"/>
+          </a:xfrm>
+        </p:spPr>
+      </p:sp>
+      <p:sp>
+        <p:nvSpPr>
+          <p:cNvPr id="3" name="Notes Placeholder 2"/>
+          <p:cNvSpPr>
+            <a:spLocks noGrp="1"/>
+          </p:cNvSpPr>
+          <p:nvPr>
+            <p:ph type="body" idx="1"/>
+          </p:nvPr>
+        </p:nvSpPr>
         <p:spPr/>
-      </p:sp>
-      <p:sp>
-        <p:nvSpPr>
-          <p:cNvPr id="3" name="Notes Placeholder 2"/>
+        <p:txBody>
+          <a:bodyPr>
+            <a:normAutofit/>
+          </a:bodyPr>
+          <a:lstStyle/>
+          <a:p>
+            <a:pPr marL="0" marR="0" indent="0" algn="l" defTabSz="914400" rtl="0" eaLnBrk="1" fontAlgn="auto" latinLnBrk="0" hangingPunct="1">
+              <a:lnSpc>
+                <a:spcPct val="100000"/>
+              </a:lnSpc>
+              <a:spcBef>
+                <a:spcPts val="0"/>
+              </a:spcBef>
+              <a:spcAft>
+                <a:spcPts val="0"/>
+              </a:spcAft>
+              <a:buClrTx/>
+              <a:buSzTx/>
+              <a:buFontTx/>
+              <a:buNone/>
+              <a:tabLst/>
+              <a:defRPr/>
+            </a:pPr>
+            <a:endParaRPr lang="en-CA" b="0" dirty="0" smtClean="0"/>
+          </a:p>
+        </p:txBody>
+      </p:sp>
+      <p:sp>
+        <p:nvSpPr>
+          <p:cNvPr id="4" name="Slide Number Placeholder 3"/>
           <p:cNvSpPr>
             <a:spLocks noGrp="1"/>
           </p:cNvSpPr>
           <p:nvPr>
-            <p:ph type="body" idx="1"/>
+            <p:ph type="sldNum" sz="quarter" idx="10"/>
           </p:nvPr>
         </p:nvSpPr>
         <p:spPr/>
@@ -893,45 +951,19 @@
           <a:bodyPr/>
           <a:lstStyle/>
           <a:p>
-            <a:r>
-              <a:rPr lang="en-US" dirty="0" smtClean="0"/>
-              <a:t>To build batch</a:t>
-            </a:r>
-            <a:r>
-              <a:rPr lang="en-US" baseline="0" dirty="0" smtClean="0"/>
-              <a:t> ourselves we would need to have a pool of virtual machines. They would need to use blob storage to contain the inputs and outputs from each task. We would also need to tie in some form of automatic scaling</a:t>
-            </a:r>
-            <a:endParaRPr lang="en-US" dirty="0"/>
-          </a:p>
-        </p:txBody>
-      </p:sp>
-      <p:sp>
-        <p:nvSpPr>
-          <p:cNvPr id="4" name="Slide Number Placeholder 3"/>
-          <p:cNvSpPr>
-            <a:spLocks noGrp="1"/>
-          </p:cNvSpPr>
-          <p:nvPr>
-            <p:ph type="sldNum" sz="quarter" idx="10"/>
-          </p:nvPr>
-        </p:nvSpPr>
-        <p:spPr/>
-        <p:txBody>
-          <a:bodyPr/>
-          <a:lstStyle/>
-          <a:p>
-            <a:fld id="{4CFD207A-07DF-40AD-A916-9872E089CE7A}" type="slidenum">
+            <a:fld id="{13F0F35F-DD44-4607-AEC1-49D7A4BC4066}" type="slidenum">
               <a:rPr lang="en-US" smtClean="0"/>
+              <a:pPr/>
               <a:t>11</a:t>
             </a:fld>
-            <a:endParaRPr lang="en-US"/>
+            <a:endParaRPr lang="en-US" dirty="0"/>
           </a:p>
         </p:txBody>
       </p:sp>
     </p:spTree>
     <p:extLst>
       <p:ext uri="{BB962C8B-B14F-4D97-AF65-F5344CB8AC3E}">
-        <p14:creationId xmlns:p14="http://schemas.microsoft.com/office/powerpoint/2010/main" val="2968583330"/>
+        <p14:creationId xmlns:p14="http://schemas.microsoft.com/office/powerpoint/2010/main" val="1269308922"/>
       </p:ext>
     </p:extLst>
   </p:cSld>
@@ -987,11 +1019,15 @@
           <a:p>
             <a:r>
               <a:rPr lang="en-US" dirty="0" smtClean="0"/>
-              <a:t>After this we’re going to drop to code to see setting up a pool</a:t>
+              <a:t>To build batch</a:t>
             </a:r>
             <a:r>
               <a:rPr lang="en-US" baseline="0" dirty="0" smtClean="0"/>
-              <a:t> and jobs and tasks</a:t>
+              <a:t> ourselves we would need to have a pool of virtual machines. They would need to use blob storage to contain the inputs and outputs from each task. We would also need to tie in some form of automatic </a:t>
+            </a:r>
+            <a:r>
+              <a:rPr lang="en-US" baseline="0" dirty="0" err="1" smtClean="0"/>
+              <a:t>scalling</a:t>
             </a:r>
             <a:endParaRPr lang="en-US" dirty="0"/>
           </a:p>
@@ -1023,7 +1059,7 @@
     </p:spTree>
     <p:extLst>
       <p:ext uri="{BB962C8B-B14F-4D97-AF65-F5344CB8AC3E}">
-        <p14:creationId xmlns:p14="http://schemas.microsoft.com/office/powerpoint/2010/main" val="226504828"/>
+        <p14:creationId xmlns:p14="http://schemas.microsoft.com/office/powerpoint/2010/main" val="2943292502"/>
       </p:ext>
     </p:extLst>
   </p:cSld>
@@ -1079,11 +1115,11 @@
           <a:p>
             <a:r>
               <a:rPr lang="en-US" dirty="0" smtClean="0"/>
-              <a:t>We can schedule tasks to run at a particular time. You might</a:t>
+              <a:t>To build batch</a:t>
             </a:r>
             <a:r>
               <a:rPr lang="en-US" baseline="0" dirty="0" smtClean="0"/>
-              <a:t> want to do this if you’re doing month end processing or year end processing or even if you have a task that can run when the pool isn’t so hot. Say you do 90% of your traffic during the working day then you could schedule maintenance tasks after the work day when the pool isn’t so hot but you don’t want to spin down all the instances</a:t>
+              <a:t> ourselves we would need to have a pool of virtual machines. They would need to use blob storage to contain the inputs and outputs from each task. We would also need to tie in some form of automatic scaling</a:t>
             </a:r>
             <a:endParaRPr lang="en-US" dirty="0"/>
           </a:p>
@@ -1106,7 +1142,7 @@
           <a:p>
             <a:fld id="{4CFD207A-07DF-40AD-A916-9872E089CE7A}" type="slidenum">
               <a:rPr lang="en-US" smtClean="0"/>
-              <a:t>14</a:t>
+              <a:t>13</a:t>
             </a:fld>
             <a:endParaRPr lang="en-US"/>
           </a:p>
@@ -1115,7 +1151,7 @@
     </p:spTree>
     <p:extLst>
       <p:ext uri="{BB962C8B-B14F-4D97-AF65-F5344CB8AC3E}">
-        <p14:creationId xmlns:p14="http://schemas.microsoft.com/office/powerpoint/2010/main" val="1541042620"/>
+        <p14:creationId xmlns:p14="http://schemas.microsoft.com/office/powerpoint/2010/main" val="2968583330"/>
       </p:ext>
     </p:extLst>
   </p:cSld>
@@ -1171,6 +1207,190 @@
           <a:p>
             <a:r>
               <a:rPr lang="en-US" dirty="0" smtClean="0"/>
+              <a:t>After this we’re going to drop to code to see setting up a pool</a:t>
+            </a:r>
+            <a:r>
+              <a:rPr lang="en-US" baseline="0" dirty="0" smtClean="0"/>
+              <a:t> and jobs and tasks</a:t>
+            </a:r>
+            <a:endParaRPr lang="en-US" dirty="0"/>
+          </a:p>
+        </p:txBody>
+      </p:sp>
+      <p:sp>
+        <p:nvSpPr>
+          <p:cNvPr id="4" name="Slide Number Placeholder 3"/>
+          <p:cNvSpPr>
+            <a:spLocks noGrp="1"/>
+          </p:cNvSpPr>
+          <p:nvPr>
+            <p:ph type="sldNum" sz="quarter" idx="10"/>
+          </p:nvPr>
+        </p:nvSpPr>
+        <p:spPr/>
+        <p:txBody>
+          <a:bodyPr/>
+          <a:lstStyle/>
+          <a:p>
+            <a:fld id="{4CFD207A-07DF-40AD-A916-9872E089CE7A}" type="slidenum">
+              <a:rPr lang="en-US" smtClean="0"/>
+              <a:t>14</a:t>
+            </a:fld>
+            <a:endParaRPr lang="en-US"/>
+          </a:p>
+        </p:txBody>
+      </p:sp>
+    </p:spTree>
+    <p:extLst>
+      <p:ext uri="{BB962C8B-B14F-4D97-AF65-F5344CB8AC3E}">
+        <p14:creationId xmlns:p14="http://schemas.microsoft.com/office/powerpoint/2010/main" val="226504828"/>
+      </p:ext>
+    </p:extLst>
+  </p:cSld>
+  <p:clrMapOvr>
+    <a:masterClrMapping/>
+  </p:clrMapOvr>
+</p:notes>
+</file>
+
+<file path=ppt/notesSlides/notesSlide15.xml><?xml version="1.0" encoding="utf-8"?>
+<p:notes xmlns:a="http://schemas.openxmlformats.org/drawingml/2006/main" xmlns:r="http://schemas.openxmlformats.org/officeDocument/2006/relationships" xmlns:p="http://schemas.openxmlformats.org/presentationml/2006/main">
+  <p:cSld>
+    <p:spTree>
+      <p:nvGrpSpPr>
+        <p:cNvPr id="1" name=""/>
+        <p:cNvGrpSpPr/>
+        <p:nvPr/>
+      </p:nvGrpSpPr>
+      <p:grpSpPr>
+        <a:xfrm>
+          <a:off x="0" y="0"/>
+          <a:ext cx="0" cy="0"/>
+          <a:chOff x="0" y="0"/>
+          <a:chExt cx="0" cy="0"/>
+        </a:xfrm>
+      </p:grpSpPr>
+      <p:sp>
+        <p:nvSpPr>
+          <p:cNvPr id="2" name="Slide Image Placeholder 1"/>
+          <p:cNvSpPr>
+            <a:spLocks noGrp="1" noRot="1" noChangeAspect="1"/>
+          </p:cNvSpPr>
+          <p:nvPr>
+            <p:ph type="sldImg"/>
+          </p:nvPr>
+        </p:nvSpPr>
+        <p:spPr/>
+      </p:sp>
+      <p:sp>
+        <p:nvSpPr>
+          <p:cNvPr id="3" name="Notes Placeholder 2"/>
+          <p:cNvSpPr>
+            <a:spLocks noGrp="1"/>
+          </p:cNvSpPr>
+          <p:nvPr>
+            <p:ph type="body" idx="1"/>
+          </p:nvPr>
+        </p:nvSpPr>
+        <p:spPr/>
+        <p:txBody>
+          <a:bodyPr/>
+          <a:lstStyle/>
+          <a:p>
+            <a:r>
+              <a:rPr lang="en-US" dirty="0" smtClean="0"/>
+              <a:t>We can schedule tasks to run at a particular time. You might</a:t>
+            </a:r>
+            <a:r>
+              <a:rPr lang="en-US" baseline="0" dirty="0" smtClean="0"/>
+              <a:t> want to do this if you’re doing month end processing or year end processing or even if you have a task that can run when the pool isn’t so hot. Say you do 90% of your traffic during the working day then you could schedule maintenance tasks after the work day when the pool isn’t so hot but you don’t want to spin down all the instances</a:t>
+            </a:r>
+            <a:endParaRPr lang="en-US" dirty="0"/>
+          </a:p>
+        </p:txBody>
+      </p:sp>
+      <p:sp>
+        <p:nvSpPr>
+          <p:cNvPr id="4" name="Slide Number Placeholder 3"/>
+          <p:cNvSpPr>
+            <a:spLocks noGrp="1"/>
+          </p:cNvSpPr>
+          <p:nvPr>
+            <p:ph type="sldNum" sz="quarter" idx="10"/>
+          </p:nvPr>
+        </p:nvSpPr>
+        <p:spPr/>
+        <p:txBody>
+          <a:bodyPr/>
+          <a:lstStyle/>
+          <a:p>
+            <a:fld id="{4CFD207A-07DF-40AD-A916-9872E089CE7A}" type="slidenum">
+              <a:rPr lang="en-US" smtClean="0"/>
+              <a:t>16</a:t>
+            </a:fld>
+            <a:endParaRPr lang="en-US"/>
+          </a:p>
+        </p:txBody>
+      </p:sp>
+    </p:spTree>
+    <p:extLst>
+      <p:ext uri="{BB962C8B-B14F-4D97-AF65-F5344CB8AC3E}">
+        <p14:creationId xmlns:p14="http://schemas.microsoft.com/office/powerpoint/2010/main" val="1541042620"/>
+      </p:ext>
+    </p:extLst>
+  </p:cSld>
+  <p:clrMapOvr>
+    <a:masterClrMapping/>
+  </p:clrMapOvr>
+</p:notes>
+</file>
+
+<file path=ppt/notesSlides/notesSlide16.xml><?xml version="1.0" encoding="utf-8"?>
+<p:notes xmlns:a="http://schemas.openxmlformats.org/drawingml/2006/main" xmlns:r="http://schemas.openxmlformats.org/officeDocument/2006/relationships" xmlns:p="http://schemas.openxmlformats.org/presentationml/2006/main">
+  <p:cSld>
+    <p:spTree>
+      <p:nvGrpSpPr>
+        <p:cNvPr id="1" name=""/>
+        <p:cNvGrpSpPr/>
+        <p:nvPr/>
+      </p:nvGrpSpPr>
+      <p:grpSpPr>
+        <a:xfrm>
+          <a:off x="0" y="0"/>
+          <a:ext cx="0" cy="0"/>
+          <a:chOff x="0" y="0"/>
+          <a:chExt cx="0" cy="0"/>
+        </a:xfrm>
+      </p:grpSpPr>
+      <p:sp>
+        <p:nvSpPr>
+          <p:cNvPr id="2" name="Slide Image Placeholder 1"/>
+          <p:cNvSpPr>
+            <a:spLocks noGrp="1" noRot="1" noChangeAspect="1"/>
+          </p:cNvSpPr>
+          <p:nvPr>
+            <p:ph type="sldImg"/>
+          </p:nvPr>
+        </p:nvSpPr>
+        <p:spPr/>
+      </p:sp>
+      <p:sp>
+        <p:nvSpPr>
+          <p:cNvPr id="3" name="Notes Placeholder 2"/>
+          <p:cNvSpPr>
+            <a:spLocks noGrp="1"/>
+          </p:cNvSpPr>
+          <p:nvPr>
+            <p:ph type="body" idx="1"/>
+          </p:nvPr>
+        </p:nvSpPr>
+        <p:spPr/>
+        <p:txBody>
+          <a:bodyPr/>
+          <a:lstStyle/>
+          <a:p>
+            <a:r>
+              <a:rPr lang="en-US" dirty="0" smtClean="0"/>
               <a:t>Can</a:t>
             </a:r>
             <a:r>
@@ -1198,7 +1418,7 @@
           <a:p>
             <a:fld id="{4CFD207A-07DF-40AD-A916-9872E089CE7A}" type="slidenum">
               <a:rPr lang="en-US" smtClean="0"/>
-              <a:t>15</a:t>
+              <a:t>17</a:t>
             </a:fld>
             <a:endParaRPr lang="en-US"/>
           </a:p>
@@ -1506,16 +1726,21 @@
             <p:ph type="sldImg"/>
           </p:nvPr>
         </p:nvSpPr>
-        <p:spPr/>
-      </p:sp>
-      <p:sp>
-        <p:nvSpPr>
-          <p:cNvPr id="3" name="Notes Placeholder 2"/>
+        <p:spPr>
+          <a:xfrm>
+            <a:off x="381000" y="685800"/>
+            <a:ext cx="6096000" cy="3429000"/>
+          </a:xfrm>
+        </p:spPr>
+      </p:sp>
+      <p:sp>
+        <p:nvSpPr>
+          <p:cNvPr id="4" name="Slide Number Placeholder 3"/>
           <p:cNvSpPr>
             <a:spLocks noGrp="1"/>
           </p:cNvSpPr>
           <p:nvPr>
-            <p:ph type="body" idx="1"/>
+            <p:ph type="sldNum" sz="quarter" idx="10"/>
           </p:nvPr>
         </p:nvSpPr>
         <p:spPr/>
@@ -1523,26 +1748,23 @@
           <a:bodyPr/>
           <a:lstStyle/>
           <a:p>
-            <a:r>
-              <a:rPr lang="en-US" dirty="0" smtClean="0"/>
-              <a:t>This is an IBM 360 delivered between 1965 and 1978. This particular image is of an IBM 360-20 which is the smallest and cheapest member of the 360 family. It is only barely a mainframe and</a:t>
-            </a:r>
-            <a:r>
-              <a:rPr lang="en-US" baseline="0" dirty="0" smtClean="0"/>
-              <a:t> would later be classified as a microcomputer. Notice on the right the pink stacks of cards. Those are being fed into an IBM 2560 MFCM or multi function card machine. You would write a program </a:t>
-            </a:r>
+            <a:fld id="{13F0F35F-DD44-4607-AEC1-49D7A4BC4066}" type="slidenum">
+              <a:rPr lang="en-US" smtClean="0"/>
+              <a:pPr/>
+              <a:t>5</a:t>
+            </a:fld>
             <a:endParaRPr lang="en-US" dirty="0"/>
           </a:p>
         </p:txBody>
       </p:sp>
       <p:sp>
         <p:nvSpPr>
-          <p:cNvPr id="4" name="Slide Number Placeholder 3"/>
+          <p:cNvPr id="3" name="Notes Placeholder 2"/>
           <p:cNvSpPr>
             <a:spLocks noGrp="1"/>
           </p:cNvSpPr>
           <p:nvPr>
-            <p:ph type="sldNum" sz="quarter" idx="10"/>
+            <p:ph type="body" idx="1"/>
           </p:nvPr>
         </p:nvSpPr>
         <p:spPr/>
@@ -1550,18 +1772,14 @@
           <a:bodyPr/>
           <a:lstStyle/>
           <a:p>
-            <a:fld id="{4CFD207A-07DF-40AD-A916-9872E089CE7A}" type="slidenum">
-              <a:rPr lang="en-US" smtClean="0"/>
-              <a:t>5</a:t>
-            </a:fld>
-            <a:endParaRPr lang="en-US"/>
+            <a:endParaRPr lang="en-US" dirty="0"/>
           </a:p>
         </p:txBody>
       </p:sp>
     </p:spTree>
     <p:extLst>
       <p:ext uri="{BB962C8B-B14F-4D97-AF65-F5344CB8AC3E}">
-        <p14:creationId xmlns:p14="http://schemas.microsoft.com/office/powerpoint/2010/main" val="3536417517"/>
+        <p14:creationId xmlns:p14="http://schemas.microsoft.com/office/powerpoint/2010/main" val="1686092717"/>
       </p:ext>
     </p:extLst>
   </p:cSld>
@@ -1598,12 +1816,7 @@
             <p:ph type="sldImg"/>
           </p:nvPr>
         </p:nvSpPr>
-        <p:spPr>
-          <a:xfrm>
-            <a:off x="381000" y="685800"/>
-            <a:ext cx="6096000" cy="3429000"/>
-          </a:xfrm>
-        </p:spPr>
+        <p:spPr/>
       </p:sp>
       <p:sp>
         <p:nvSpPr>
@@ -1613,35 +1826,6 @@
           </p:cNvSpPr>
           <p:nvPr>
             <p:ph type="body" idx="1"/>
-          </p:nvPr>
-        </p:nvSpPr>
-        <p:spPr/>
-        <p:txBody>
-          <a:bodyPr>
-            <a:normAutofit/>
-          </a:bodyPr>
-          <a:lstStyle/>
-          <a:p>
-            <a:r>
-              <a:rPr lang="en-CA" b="0" dirty="0" smtClean="0"/>
-              <a:t>Talk about oil well accounting. Generating</a:t>
-            </a:r>
-            <a:r>
-              <a:rPr lang="en-CA" b="0" baseline="0" dirty="0" smtClean="0"/>
-              <a:t> bills for customers is a great example of a batch process. Every month you get a cell phone bill which is likely generated through a batch process. Batches are great for easily divisible very large scale jobs. </a:t>
-            </a:r>
-            <a:endParaRPr lang="en-CA" b="0" dirty="0" smtClean="0"/>
-          </a:p>
-        </p:txBody>
-      </p:sp>
-      <p:sp>
-        <p:nvSpPr>
-          <p:cNvPr id="4" name="Slide Number Placeholder 3"/>
-          <p:cNvSpPr>
-            <a:spLocks noGrp="1"/>
-          </p:cNvSpPr>
-          <p:nvPr>
-            <p:ph type="sldNum" sz="quarter" idx="10"/>
           </p:nvPr>
         </p:nvSpPr>
         <p:spPr/>
@@ -1649,19 +1833,45 @@
           <a:bodyPr/>
           <a:lstStyle/>
           <a:p>
-            <a:fld id="{13F0F35F-DD44-4607-AEC1-49D7A4BC4066}" type="slidenum">
+            <a:r>
+              <a:rPr lang="en-US" dirty="0" smtClean="0"/>
+              <a:t>This is an IBM 360 delivered between 1965 and 1978. This particular image is of an IBM 360-20 which is the smallest and cheapest member of the 360 family. It is only barely a mainframe and</a:t>
+            </a:r>
+            <a:r>
+              <a:rPr lang="en-US" baseline="0" dirty="0" smtClean="0"/>
+              <a:t> would later be classified as a microcomputer. Notice on the right the pink stacks of cards. Those are being fed into an IBM 2560 MFCM or multi function card machine. You would write a program </a:t>
+            </a:r>
+            <a:endParaRPr lang="en-US" dirty="0"/>
+          </a:p>
+        </p:txBody>
+      </p:sp>
+      <p:sp>
+        <p:nvSpPr>
+          <p:cNvPr id="4" name="Slide Number Placeholder 3"/>
+          <p:cNvSpPr>
+            <a:spLocks noGrp="1"/>
+          </p:cNvSpPr>
+          <p:nvPr>
+            <p:ph type="sldNum" sz="quarter" idx="10"/>
+          </p:nvPr>
+        </p:nvSpPr>
+        <p:spPr/>
+        <p:txBody>
+          <a:bodyPr/>
+          <a:lstStyle/>
+          <a:p>
+            <a:fld id="{4CFD207A-07DF-40AD-A916-9872E089CE7A}" type="slidenum">
               <a:rPr lang="en-US" smtClean="0"/>
-              <a:pPr/>
               <a:t>6</a:t>
             </a:fld>
-            <a:endParaRPr lang="en-US" dirty="0"/>
+            <a:endParaRPr lang="en-US"/>
           </a:p>
         </p:txBody>
       </p:sp>
     </p:spTree>
     <p:extLst>
       <p:ext uri="{BB962C8B-B14F-4D97-AF65-F5344CB8AC3E}">
-        <p14:creationId xmlns:p14="http://schemas.microsoft.com/office/powerpoint/2010/main" val="2804331056"/>
+        <p14:creationId xmlns:p14="http://schemas.microsoft.com/office/powerpoint/2010/main" val="3536417517"/>
       </p:ext>
     </p:extLst>
   </p:cSld>
@@ -1722,46 +1932,13 @@
           </a:bodyPr>
           <a:lstStyle/>
           <a:p>
-            <a:pPr marL="0" marR="0" indent="0" algn="l" defTabSz="914400" rtl="0" eaLnBrk="1" fontAlgn="auto" latinLnBrk="0" hangingPunct="1">
-              <a:lnSpc>
-                <a:spcPct val="100000"/>
-              </a:lnSpc>
-              <a:spcBef>
-                <a:spcPts val="0"/>
-              </a:spcBef>
-              <a:spcAft>
-                <a:spcPts val="0"/>
-              </a:spcAft>
-              <a:buClrTx/>
-              <a:buSzTx/>
-              <a:buFontTx/>
-              <a:buNone/>
-              <a:tabLst/>
-              <a:defRPr/>
-            </a:pPr>
             <a:r>
               <a:rPr lang="en-CA" b="0" dirty="0" smtClean="0"/>
-              <a:t>If you’re of a certain age.</a:t>
+              <a:t>Talk about oil well accounting. Generating</a:t>
             </a:r>
             <a:r>
               <a:rPr lang="en-CA" b="0" baseline="0" dirty="0" smtClean="0"/>
-              <a:t> </a:t>
-            </a:r>
-            <a:r>
-              <a:rPr lang="en-US" sz="1200" b="0" i="0" kern="1200" dirty="0" smtClean="0">
-                <a:solidFill>
-                  <a:schemeClr val="tx1"/>
-                </a:solidFill>
-                <a:effectLst/>
-                <a:latin typeface="+mn-lt"/>
-                <a:ea typeface="+mn-ea"/>
-                <a:cs typeface="+mn-cs"/>
-              </a:rPr>
-              <a:t>Arecibo </a:t>
-            </a:r>
-            <a:r>
-              <a:rPr lang="en-CA" b="0" baseline="0" dirty="0" smtClean="0"/>
-              <a:t>space telescope </a:t>
+              <a:t> bills for customers is a great example of a batch process. Every month you get a cell phone bill which is likely generated through a batch process. Batches are great for easily divisible very large scale jobs. </a:t>
             </a:r>
             <a:endParaRPr lang="en-CA" b="0" dirty="0" smtClean="0"/>
           </a:p>
@@ -1794,7 +1971,7 @@
     </p:spTree>
     <p:extLst>
       <p:ext uri="{BB962C8B-B14F-4D97-AF65-F5344CB8AC3E}">
-        <p14:creationId xmlns:p14="http://schemas.microsoft.com/office/powerpoint/2010/main" val="1613641889"/>
+        <p14:creationId xmlns:p14="http://schemas.microsoft.com/office/powerpoint/2010/main" val="2804331056"/>
       </p:ext>
     </p:extLst>
   </p:cSld>
@@ -1872,6 +2049,30 @@
               <a:tabLst/>
               <a:defRPr/>
             </a:pPr>
+            <a:r>
+              <a:rPr lang="en-CA" b="0" dirty="0" smtClean="0"/>
+              <a:t>If you’re of a certain age.</a:t>
+            </a:r>
+            <a:r>
+              <a:rPr lang="en-CA" b="0" baseline="0" dirty="0" smtClean="0"/>
+              <a:t> </a:t>
+            </a:r>
+            <a:r>
+              <a:rPr lang="en-US" sz="1200" b="0" i="0" kern="1200" dirty="0" smtClean="0">
+                <a:solidFill>
+                  <a:schemeClr val="tx1"/>
+                </a:solidFill>
+                <a:effectLst/>
+                <a:latin typeface="+mn-lt"/>
+                <a:ea typeface="+mn-ea"/>
+                <a:cs typeface="+mn-cs"/>
+              </a:rPr>
+              <a:t>Arecibo </a:t>
+            </a:r>
+            <a:r>
+              <a:rPr lang="en-CA" b="0" baseline="0" dirty="0" smtClean="0"/>
+              <a:t>space telescope </a:t>
+            </a:r>
             <a:endParaRPr lang="en-CA" b="0" dirty="0" smtClean="0"/>
           </a:p>
         </p:txBody>
@@ -1903,7 +2104,7 @@
     </p:spTree>
     <p:extLst>
       <p:ext uri="{BB962C8B-B14F-4D97-AF65-F5344CB8AC3E}">
-        <p14:creationId xmlns:p14="http://schemas.microsoft.com/office/powerpoint/2010/main" val="1911596928"/>
+        <p14:creationId xmlns:p14="http://schemas.microsoft.com/office/powerpoint/2010/main" val="1613641889"/>
       </p:ext>
     </p:extLst>
   </p:cSld>
@@ -1949,44 +2150,6 @@
       </p:sp>
       <p:sp>
         <p:nvSpPr>
-          <p:cNvPr id="3" name="Notes Placeholder 2"/>
-          <p:cNvSpPr>
-            <a:spLocks noGrp="1"/>
-          </p:cNvSpPr>
-          <p:nvPr>
-            <p:ph type="body" idx="1"/>
-          </p:nvPr>
-        </p:nvSpPr>
-        <p:spPr/>
-        <p:txBody>
-          <a:bodyPr>
-            <a:normAutofit/>
-          </a:bodyPr>
-          <a:lstStyle/>
-          <a:p>
-            <a:pPr marL="0" marR="0" indent="0" algn="l" defTabSz="914400" rtl="0" eaLnBrk="1" fontAlgn="auto" latinLnBrk="0" hangingPunct="1">
-              <a:lnSpc>
-                <a:spcPct val="100000"/>
-              </a:lnSpc>
-              <a:spcBef>
-                <a:spcPts val="0"/>
-              </a:spcBef>
-              <a:spcAft>
-                <a:spcPts val="0"/>
-              </a:spcAft>
-              <a:buClrTx/>
-              <a:buSzTx/>
-              <a:buFontTx/>
-              <a:buNone/>
-              <a:tabLst/>
-              <a:defRPr/>
-            </a:pPr>
-            <a:endParaRPr lang="en-CA" b="0" dirty="0" smtClean="0"/>
-          </a:p>
-        </p:txBody>
-      </p:sp>
-      <p:sp>
-        <p:nvSpPr>
           <p:cNvPr id="4" name="Slide Number Placeholder 3"/>
           <p:cNvSpPr>
             <a:spLocks noGrp="1"/>
@@ -2009,10 +2172,29 @@
           </a:p>
         </p:txBody>
       </p:sp>
+      <p:sp>
+        <p:nvSpPr>
+          <p:cNvPr id="3" name="Notes Placeholder 2"/>
+          <p:cNvSpPr>
+            <a:spLocks noGrp="1"/>
+          </p:cNvSpPr>
+          <p:nvPr>
+            <p:ph type="body" idx="1"/>
+          </p:nvPr>
+        </p:nvSpPr>
+        <p:spPr/>
+        <p:txBody>
+          <a:bodyPr/>
+          <a:lstStyle/>
+          <a:p>
+            <a:endParaRPr lang="en-US" dirty="0"/>
+          </a:p>
+        </p:txBody>
+      </p:sp>
     </p:spTree>
     <p:extLst>
       <p:ext uri="{BB962C8B-B14F-4D97-AF65-F5344CB8AC3E}">
-        <p14:creationId xmlns:p14="http://schemas.microsoft.com/office/powerpoint/2010/main" val="1269308922"/>
+        <p14:creationId xmlns:p14="http://schemas.microsoft.com/office/powerpoint/2010/main" val="1686092717"/>
       </p:ext>
     </p:extLst>
   </p:cSld>
@@ -2410,13 +2592,13 @@
   <p:timing>
     <p:tnLst>
       <p:par>
-        <p:cTn id="1" dur="indefinite" restart="never" nodeType="tmRoot"/>
+        <p:cTn xmlns:p14="http://schemas.microsoft.com/office/powerpoint/2010/main" id="1" dur="indefinite" restart="never" nodeType="tmRoot"/>
       </p:par>
     </p:tnLst>
   </p:timing>
   <p:extLst mod="1">
     <p:ext uri="{DCECCB84-F9BA-43D5-87BE-67443E8EF086}">
-      <p15:sldGuideLst xmlns:p15="http://schemas.microsoft.com/office/powerpoint/2012/main">
+      <p15:sldGuideLst xmlns:p15="http://schemas.microsoft.com/office/powerpoint/2012/main" xmlns="">
         <p15:guide id="1" orient="horz" pos="3792">
           <p15:clr>
             <a:srgbClr val="FBAE40"/>
@@ -2649,7 +2831,7 @@
   <p:timing>
     <p:tnLst>
       <p:par>
-        <p:cTn id="1" dur="indefinite" restart="never" nodeType="tmRoot"/>
+        <p:cTn xmlns:p14="http://schemas.microsoft.com/office/powerpoint/2010/main" id="1" dur="indefinite" restart="never" nodeType="tmRoot"/>
       </p:par>
     </p:tnLst>
   </p:timing>
@@ -2808,7 +2990,7 @@
   <p:timing>
     <p:tnLst>
       <p:par>
-        <p:cTn id="1" dur="indefinite" restart="never" nodeType="tmRoot"/>
+        <p:cTn xmlns:p14="http://schemas.microsoft.com/office/powerpoint/2010/main" id="1" dur="indefinite" restart="never" nodeType="tmRoot"/>
       </p:par>
     </p:tnLst>
   </p:timing>
@@ -3048,7 +3230,7 @@
   <p:timing>
     <p:tnLst>
       <p:par>
-        <p:cTn id="1" dur="indefinite" restart="never" nodeType="tmRoot"/>
+        <p:cTn xmlns:p14="http://schemas.microsoft.com/office/powerpoint/2010/main" id="1" dur="indefinite" restart="never" nodeType="tmRoot"/>
       </p:par>
     </p:tnLst>
   </p:timing>
@@ -3440,7 +3622,7 @@
   <p:timing>
     <p:tnLst>
       <p:par>
-        <p:cTn id="1" dur="indefinite" restart="never" nodeType="tmRoot"/>
+        <p:cTn xmlns:p14="http://schemas.microsoft.com/office/powerpoint/2010/main" id="1" dur="indefinite" restart="never" nodeType="tmRoot"/>
       </p:par>
     </p:tnLst>
   </p:timing>
@@ -3500,7 +3682,7 @@
   <p:timing>
     <p:tnLst>
       <p:par>
-        <p:cTn id="1" dur="indefinite" restart="never" nodeType="tmRoot"/>
+        <p:cTn xmlns:p14="http://schemas.microsoft.com/office/powerpoint/2010/main" id="1" dur="indefinite" restart="never" nodeType="tmRoot"/>
       </p:par>
     </p:tnLst>
   </p:timing>
@@ -3537,7 +3719,7 @@
   <p:timing>
     <p:tnLst>
       <p:par>
-        <p:cTn id="1" dur="indefinite" restart="never" nodeType="tmRoot"/>
+        <p:cTn xmlns:p14="http://schemas.microsoft.com/office/powerpoint/2010/main" id="1" dur="indefinite" restart="never" nodeType="tmRoot"/>
       </p:par>
     </p:tnLst>
   </p:timing>
@@ -3748,10 +3930,664 @@
   <p:timing>
     <p:tnLst>
       <p:par>
-        <p:cTn id="1" dur="indefinite" restart="never" nodeType="tmRoot"/>
+        <p:cTn xmlns:p14="http://schemas.microsoft.com/office/powerpoint/2010/main" id="1" dur="indefinite" restart="never" nodeType="tmRoot"/>
       </p:par>
     </p:tnLst>
   </p:timing>
+</p:sldLayout>
+</file>
+
+<file path=ppt/slideLayouts/slideLayout9.xml><?xml version="1.0" encoding="utf-8"?>
+<p:sldLayout xmlns:a="http://schemas.openxmlformats.org/drawingml/2006/main" xmlns:r="http://schemas.openxmlformats.org/officeDocument/2006/relationships" xmlns:p="http://schemas.openxmlformats.org/presentationml/2006/main" userDrawn="1">
+  <p:cSld name="1_Section Header">
+    <p:spTree>
+      <p:nvGrpSpPr>
+        <p:cNvPr id="1" name=""/>
+        <p:cNvGrpSpPr/>
+        <p:nvPr/>
+      </p:nvGrpSpPr>
+      <p:grpSpPr>
+        <a:xfrm>
+          <a:off x="0" y="0"/>
+          <a:ext cx="0" cy="0"/>
+          <a:chOff x="0" y="0"/>
+          <a:chExt cx="0" cy="0"/>
+        </a:xfrm>
+      </p:grpSpPr>
+      <p:sp>
+        <p:nvSpPr>
+          <p:cNvPr id="9" name="Subtitle 2"/>
+          <p:cNvSpPr txBox="1">
+            <a:spLocks/>
+          </p:cNvSpPr>
+          <p:nvPr userDrawn="1"/>
+        </p:nvSpPr>
+        <p:spPr>
+          <a:xfrm>
+            <a:off x="8738733" y="2685050"/>
+            <a:ext cx="2241224" cy="2355337"/>
+          </a:xfrm>
+          <a:prstGeom prst="rect">
+            <a:avLst/>
+          </a:prstGeom>
+        </p:spPr>
+        <p:txBody>
+          <a:bodyPr vert="horz" lIns="91409" tIns="45705" rIns="91409" bIns="45705" rtlCol="0" anchor="ctr" anchorCtr="0">
+            <a:normAutofit/>
+          </a:bodyPr>
+          <a:lstStyle>
+            <a:lvl1pPr marL="0" indent="0" algn="l" defTabSz="914052" rtl="0" eaLnBrk="1" latinLnBrk="0" hangingPunct="1">
+              <a:lnSpc>
+                <a:spcPct val="100000"/>
+              </a:lnSpc>
+              <a:spcBef>
+                <a:spcPts val="0"/>
+              </a:spcBef>
+              <a:buSzPct val="90000"/>
+              <a:buFont typeface="Arial" pitchFamily="34" charset="0"/>
+              <a:buNone/>
+              <a:defRPr lang="en-US" sz="1800" b="1" kern="1200" spc="-30" baseline="0" dirty="0">
+                <a:gradFill>
+                  <a:gsLst>
+                    <a:gs pos="1250">
+                      <a:srgbClr val="FFFFFF"/>
+                    </a:gs>
+                    <a:gs pos="6250">
+                      <a:srgbClr val="FFFFFF"/>
+                    </a:gs>
+                  </a:gsLst>
+                  <a:lin ang="5400000" scaled="0"/>
+                </a:gradFill>
+                <a:latin typeface="Segoe UI" pitchFamily="34" charset="0"/>
+                <a:ea typeface="Segoe UI" pitchFamily="34" charset="0"/>
+                <a:cs typeface="Segoe UI" pitchFamily="34" charset="0"/>
+              </a:defRPr>
+            </a:lvl1pPr>
+            <a:lvl2pPr marL="457044" indent="0" algn="ctr" defTabSz="914088" rtl="0" eaLnBrk="1" latinLnBrk="0" hangingPunct="1">
+              <a:spcBef>
+                <a:spcPts val="300"/>
+              </a:spcBef>
+              <a:spcAft>
+                <a:spcPts val="300"/>
+              </a:spcAft>
+              <a:buFont typeface="Arial" pitchFamily="34" charset="0"/>
+              <a:buNone/>
+              <a:defRPr sz="2800" kern="1200">
+                <a:solidFill>
+                  <a:schemeClr val="tx1">
+                    <a:tint val="75000"/>
+                  </a:schemeClr>
+                </a:solidFill>
+                <a:latin typeface="Segoe UI" pitchFamily="34" charset="0"/>
+                <a:ea typeface="Segoe UI" pitchFamily="34" charset="0"/>
+                <a:cs typeface="Segoe UI" pitchFamily="34" charset="0"/>
+              </a:defRPr>
+            </a:lvl2pPr>
+            <a:lvl3pPr marL="914088" indent="0" algn="ctr" defTabSz="914088" rtl="0" eaLnBrk="1" latinLnBrk="0" hangingPunct="1">
+              <a:spcBef>
+                <a:spcPts val="200"/>
+              </a:spcBef>
+              <a:spcAft>
+                <a:spcPts val="200"/>
+              </a:spcAft>
+              <a:buFont typeface="Arial" pitchFamily="34" charset="0"/>
+              <a:buNone/>
+              <a:defRPr sz="2400" kern="1200">
+                <a:solidFill>
+                  <a:schemeClr val="tx1">
+                    <a:tint val="75000"/>
+                  </a:schemeClr>
+                </a:solidFill>
+                <a:latin typeface="Segoe UI" pitchFamily="34" charset="0"/>
+                <a:ea typeface="Segoe UI" pitchFamily="34" charset="0"/>
+                <a:cs typeface="Segoe UI" pitchFamily="34" charset="0"/>
+              </a:defRPr>
+            </a:lvl3pPr>
+            <a:lvl4pPr marL="1371133" indent="0" algn="ctr" defTabSz="914088" rtl="0" eaLnBrk="1" latinLnBrk="0" hangingPunct="1">
+              <a:spcBef>
+                <a:spcPct val="20000"/>
+              </a:spcBef>
+              <a:buFont typeface="Arial" pitchFamily="34" charset="0"/>
+              <a:buNone/>
+              <a:defRPr sz="2000" kern="1200">
+                <a:solidFill>
+                  <a:schemeClr val="tx1">
+                    <a:tint val="75000"/>
+                  </a:schemeClr>
+                </a:solidFill>
+                <a:latin typeface="Segoe UI" pitchFamily="34" charset="0"/>
+                <a:ea typeface="Segoe UI" pitchFamily="34" charset="0"/>
+                <a:cs typeface="Segoe UI" pitchFamily="34" charset="0"/>
+              </a:defRPr>
+            </a:lvl4pPr>
+            <a:lvl5pPr marL="1828178" indent="0" algn="ctr" defTabSz="914088" rtl="0" eaLnBrk="1" latinLnBrk="0" hangingPunct="1">
+              <a:spcBef>
+                <a:spcPct val="20000"/>
+              </a:spcBef>
+              <a:buFont typeface="Arial" pitchFamily="34" charset="0"/>
+              <a:buNone/>
+              <a:defRPr sz="2000" kern="1200">
+                <a:solidFill>
+                  <a:schemeClr val="tx1">
+                    <a:tint val="75000"/>
+                  </a:schemeClr>
+                </a:solidFill>
+                <a:latin typeface="Segoe UI" pitchFamily="34" charset="0"/>
+                <a:ea typeface="Segoe UI" pitchFamily="34" charset="0"/>
+                <a:cs typeface="Segoe UI" pitchFamily="34" charset="0"/>
+              </a:defRPr>
+            </a:lvl5pPr>
+            <a:lvl6pPr marL="2285222" indent="0" algn="ctr" defTabSz="914088" rtl="0" eaLnBrk="1" latinLnBrk="0" hangingPunct="1">
+              <a:spcBef>
+                <a:spcPct val="20000"/>
+              </a:spcBef>
+              <a:buFont typeface="Arial" pitchFamily="34" charset="0"/>
+              <a:buNone/>
+              <a:defRPr sz="2000" kern="1200">
+                <a:solidFill>
+                  <a:schemeClr val="tx1">
+                    <a:tint val="75000"/>
+                  </a:schemeClr>
+                </a:solidFill>
+                <a:latin typeface="+mn-lt"/>
+                <a:ea typeface="+mn-ea"/>
+                <a:cs typeface="+mn-cs"/>
+              </a:defRPr>
+            </a:lvl6pPr>
+            <a:lvl7pPr marL="2742267" indent="0" algn="ctr" defTabSz="914088" rtl="0" eaLnBrk="1" latinLnBrk="0" hangingPunct="1">
+              <a:spcBef>
+                <a:spcPct val="20000"/>
+              </a:spcBef>
+              <a:buFont typeface="Arial" pitchFamily="34" charset="0"/>
+              <a:buNone/>
+              <a:defRPr sz="2000" kern="1200">
+                <a:solidFill>
+                  <a:schemeClr val="tx1">
+                    <a:tint val="75000"/>
+                  </a:schemeClr>
+                </a:solidFill>
+                <a:latin typeface="+mn-lt"/>
+                <a:ea typeface="+mn-ea"/>
+                <a:cs typeface="+mn-cs"/>
+              </a:defRPr>
+            </a:lvl7pPr>
+            <a:lvl8pPr marL="3199311" indent="0" algn="ctr" defTabSz="914088" rtl="0" eaLnBrk="1" latinLnBrk="0" hangingPunct="1">
+              <a:spcBef>
+                <a:spcPct val="20000"/>
+              </a:spcBef>
+              <a:buFont typeface="Arial" pitchFamily="34" charset="0"/>
+              <a:buNone/>
+              <a:defRPr sz="2000" kern="1200">
+                <a:solidFill>
+                  <a:schemeClr val="tx1">
+                    <a:tint val="75000"/>
+                  </a:schemeClr>
+                </a:solidFill>
+                <a:latin typeface="+mn-lt"/>
+                <a:ea typeface="+mn-ea"/>
+                <a:cs typeface="+mn-cs"/>
+              </a:defRPr>
+            </a:lvl8pPr>
+            <a:lvl9pPr marL="3656358" indent="0" algn="ctr" defTabSz="914088" rtl="0" eaLnBrk="1" latinLnBrk="0" hangingPunct="1">
+              <a:spcBef>
+                <a:spcPct val="20000"/>
+              </a:spcBef>
+              <a:buFont typeface="Arial" pitchFamily="34" charset="0"/>
+              <a:buNone/>
+              <a:defRPr sz="2000" kern="1200">
+                <a:solidFill>
+                  <a:schemeClr val="tx1">
+                    <a:tint val="75000"/>
+                  </a:schemeClr>
+                </a:solidFill>
+                <a:latin typeface="+mn-lt"/>
+                <a:ea typeface="+mn-ea"/>
+                <a:cs typeface="+mn-cs"/>
+              </a:defRPr>
+            </a:lvl9pPr>
+          </a:lstStyle>
+          <a:p>
+            <a:r>
+              <a:rPr lang="en-US" smtClean="0"/>
+              <a:t>Click to edit Master subtitle style</a:t>
+            </a:r>
+            <a:endParaRPr lang="en-US"/>
+          </a:p>
+        </p:txBody>
+      </p:sp>
+      <p:sp>
+        <p:nvSpPr>
+          <p:cNvPr id="13" name="Title 1"/>
+          <p:cNvSpPr txBox="1">
+            <a:spLocks/>
+          </p:cNvSpPr>
+          <p:nvPr userDrawn="1"/>
+        </p:nvSpPr>
+        <p:spPr>
+          <a:xfrm>
+            <a:off x="193271" y="3376350"/>
+            <a:ext cx="8409867" cy="1692617"/>
+          </a:xfrm>
+          <a:prstGeom prst="rect">
+            <a:avLst/>
+          </a:prstGeom>
+          <a:solidFill>
+            <a:srgbClr val="007233"/>
+          </a:solidFill>
+          <a:effectLst/>
+        </p:spPr>
+        <p:txBody>
+          <a:bodyPr vert="horz" lIns="137160" tIns="137160" rIns="91409" bIns="137160" rtlCol="0" anchor="b" anchorCtr="0">
+            <a:noAutofit/>
+          </a:bodyPr>
+          <a:lstStyle>
+            <a:lvl1pPr algn="l" defTabSz="914088" rtl="0" eaLnBrk="1" latinLnBrk="0" hangingPunct="1">
+              <a:spcBef>
+                <a:spcPct val="0"/>
+              </a:spcBef>
+              <a:buNone/>
+              <a:defRPr lang="en-US" sz="4000" kern="0" dirty="0">
+                <a:ln w="3175">
+                  <a:noFill/>
+                </a:ln>
+                <a:gradFill flip="none" rotWithShape="1">
+                  <a:gsLst>
+                    <a:gs pos="4583">
+                      <a:srgbClr val="FFFFFF"/>
+                    </a:gs>
+                    <a:gs pos="100000">
+                      <a:srgbClr val="FFFFFF"/>
+                    </a:gs>
+                  </a:gsLst>
+                  <a:lin ang="5400000" scaled="0"/>
+                  <a:tileRect/>
+                </a:gradFill>
+                <a:latin typeface="Segoe UI" pitchFamily="34" charset="0"/>
+                <a:ea typeface="Segoe UI" pitchFamily="34" charset="0"/>
+                <a:cs typeface="Segoe UI" pitchFamily="34" charset="0"/>
+              </a:defRPr>
+            </a:lvl1pPr>
+          </a:lstStyle>
+          <a:p>
+            <a:endParaRPr lang="en-US" sz="4000" dirty="0"/>
+          </a:p>
+        </p:txBody>
+      </p:sp>
+      <p:sp>
+        <p:nvSpPr>
+          <p:cNvPr id="14" name="top right small rectangle"/>
+          <p:cNvSpPr/>
+          <p:nvPr userDrawn="1"/>
+        </p:nvSpPr>
+        <p:spPr bwMode="auto">
+          <a:xfrm>
+            <a:off x="8682790" y="3374967"/>
+            <a:ext cx="3257419" cy="1694322"/>
+          </a:xfrm>
+          <a:prstGeom prst="rect">
+            <a:avLst/>
+          </a:prstGeom>
+          <a:solidFill>
+            <a:schemeClr val="tx2"/>
+          </a:solidFill>
+          <a:ln>
+            <a:noFill/>
+            <a:headEnd type="none" w="med" len="med"/>
+            <a:tailEnd type="none" w="med" len="med"/>
+          </a:ln>
+        </p:spPr>
+        <p:style>
+          <a:lnRef idx="2">
+            <a:schemeClr val="accent5">
+              <a:shade val="50000"/>
+            </a:schemeClr>
+          </a:lnRef>
+          <a:fillRef idx="1">
+            <a:schemeClr val="accent5"/>
+          </a:fillRef>
+          <a:effectRef idx="0">
+            <a:schemeClr val="accent5"/>
+          </a:effectRef>
+          <a:fontRef idx="minor">
+            <a:schemeClr val="lt1"/>
+          </a:fontRef>
+        </p:style>
+        <p:txBody>
+          <a:bodyPr vert="horz" wrap="square" lIns="91404" tIns="45703" rIns="91404" bIns="45703" numCol="1" rtlCol="0" anchor="ctr" anchorCtr="0" compatLnSpc="1">
+            <a:prstTxWarp prst="textNoShape">
+              <a:avLst/>
+            </a:prstTxWarp>
+          </a:bodyPr>
+          <a:lstStyle/>
+          <a:p>
+            <a:pPr algn="ctr" defTabSz="913788" fontAlgn="base">
+              <a:spcBef>
+                <a:spcPct val="0"/>
+              </a:spcBef>
+              <a:spcAft>
+                <a:spcPct val="0"/>
+              </a:spcAft>
+            </a:pPr>
+            <a:endParaRPr lang="en-US" sz="2200" dirty="0">
+              <a:gradFill>
+                <a:gsLst>
+                  <a:gs pos="0">
+                    <a:srgbClr val="FFFFFF"/>
+                  </a:gs>
+                  <a:gs pos="100000">
+                    <a:srgbClr val="FFFFFF"/>
+                  </a:gs>
+                </a:gsLst>
+                <a:lin ang="5400000" scaled="0"/>
+              </a:gradFill>
+            </a:endParaRPr>
+          </a:p>
+        </p:txBody>
+      </p:sp>
+      <p:pic>
+        <p:nvPicPr>
+          <p:cNvPr id="15" name="Picture 14"/>
+          <p:cNvPicPr>
+            <a:picLocks noChangeAspect="1"/>
+          </p:cNvPicPr>
+          <p:nvPr userDrawn="1"/>
+        </p:nvPicPr>
+        <p:blipFill rotWithShape="1">
+          <a:blip r:embed="rId2" cstate="print">
+            <a:extLst>
+              <a:ext uri="{28A0092B-C50C-407E-A947-70E740481C1C}">
+                <a14:useLocalDpi xmlns:a14="http://schemas.microsoft.com/office/drawing/2010/main" val="0"/>
+              </a:ext>
+            </a:extLst>
+          </a:blip>
+          <a:srcRect l="9720" t="16544" r="7275" b="16691"/>
+          <a:stretch/>
+        </p:blipFill>
+        <p:spPr>
+          <a:xfrm>
+            <a:off x="11181757" y="4821401"/>
+            <a:ext cx="740346" cy="218986"/>
+          </a:xfrm>
+          <a:prstGeom prst="rect">
+            <a:avLst/>
+          </a:prstGeom>
+        </p:spPr>
+      </p:pic>
+      <p:sp>
+        <p:nvSpPr>
+          <p:cNvPr id="16" name="Text Placeholder 10"/>
+          <p:cNvSpPr>
+            <a:spLocks noGrp="1"/>
+          </p:cNvSpPr>
+          <p:nvPr>
+            <p:ph type="body" sz="quarter" idx="10" hasCustomPrompt="1"/>
+          </p:nvPr>
+        </p:nvSpPr>
+        <p:spPr>
+          <a:xfrm>
+            <a:off x="292101" y="3466407"/>
+            <a:ext cx="8215796" cy="1485524"/>
+          </a:xfrm>
+          <a:prstGeom prst="rect">
+            <a:avLst/>
+          </a:prstGeom>
+        </p:spPr>
+        <p:txBody>
+          <a:bodyPr anchor="b" anchorCtr="0">
+            <a:normAutofit/>
+          </a:bodyPr>
+          <a:lstStyle>
+            <a:lvl1pPr marL="0" indent="0">
+              <a:buNone/>
+              <a:defRPr sz="3600" b="0" baseline="0">
+                <a:solidFill>
+                  <a:schemeClr val="bg1"/>
+                </a:solidFill>
+                <a:latin typeface="Segoe UI Light" panose="020B0502040204020203" pitchFamily="34" charset="0"/>
+                <a:cs typeface="Segoe UI Light" panose="020B0502040204020203" pitchFamily="34" charset="0"/>
+              </a:defRPr>
+            </a:lvl1pPr>
+          </a:lstStyle>
+          <a:p>
+            <a:pPr lvl="0"/>
+            <a:r>
+              <a:rPr lang="en-US" dirty="0" smtClean="0"/>
+              <a:t>Module or Section transition style</a:t>
+            </a:r>
+          </a:p>
+        </p:txBody>
+      </p:sp>
+      <p:sp>
+        <p:nvSpPr>
+          <p:cNvPr id="11" name="Subtitle 2"/>
+          <p:cNvSpPr>
+            <a:spLocks noGrp="1"/>
+          </p:cNvSpPr>
+          <p:nvPr>
+            <p:ph type="subTitle" idx="1"/>
+          </p:nvPr>
+        </p:nvSpPr>
+        <p:spPr>
+          <a:xfrm>
+            <a:off x="193271" y="5132437"/>
+            <a:ext cx="8409867" cy="1460779"/>
+          </a:xfrm>
+          <a:prstGeom prst="rect">
+            <a:avLst/>
+          </a:prstGeom>
+        </p:spPr>
+        <p:txBody>
+          <a:bodyPr lIns="137160" tIns="137160" rIns="137160" bIns="137160" anchor="b" anchorCtr="0">
+            <a:normAutofit/>
+          </a:bodyPr>
+          <a:lstStyle>
+            <a:lvl1pPr marL="0" indent="0" algn="l" defTabSz="914052" rtl="0" eaLnBrk="1" latinLnBrk="0" hangingPunct="1">
+              <a:lnSpc>
+                <a:spcPct val="100000"/>
+              </a:lnSpc>
+              <a:spcBef>
+                <a:spcPts val="0"/>
+              </a:spcBef>
+              <a:buSzPct val="90000"/>
+              <a:buFont typeface="Arial" pitchFamily="34" charset="0"/>
+              <a:buNone/>
+              <a:defRPr lang="en-US" sz="2400" b="0" kern="0" spc="0" baseline="0" dirty="0">
+                <a:solidFill>
+                  <a:schemeClr val="tx1"/>
+                </a:solidFill>
+                <a:latin typeface="Segoe UI Light" panose="020B0502040204020203" pitchFamily="34" charset="0"/>
+                <a:ea typeface="Segoe UI Light" panose="020B0502040204020203" pitchFamily="34" charset="0"/>
+                <a:cs typeface="Segoe UI Light" panose="020B0502040204020203" pitchFamily="34" charset="0"/>
+              </a:defRPr>
+            </a:lvl1pPr>
+            <a:lvl2pPr marL="457044" indent="0" algn="ctr">
+              <a:buNone/>
+              <a:defRPr>
+                <a:solidFill>
+                  <a:schemeClr val="tx1">
+                    <a:tint val="75000"/>
+                  </a:schemeClr>
+                </a:solidFill>
+              </a:defRPr>
+            </a:lvl2pPr>
+            <a:lvl3pPr marL="914088" indent="0" algn="ctr">
+              <a:buNone/>
+              <a:defRPr>
+                <a:solidFill>
+                  <a:schemeClr val="tx1">
+                    <a:tint val="75000"/>
+                  </a:schemeClr>
+                </a:solidFill>
+              </a:defRPr>
+            </a:lvl3pPr>
+            <a:lvl4pPr marL="1371133" indent="0" algn="ctr">
+              <a:buNone/>
+              <a:defRPr>
+                <a:solidFill>
+                  <a:schemeClr val="tx1">
+                    <a:tint val="75000"/>
+                  </a:schemeClr>
+                </a:solidFill>
+              </a:defRPr>
+            </a:lvl4pPr>
+            <a:lvl5pPr marL="1828178" indent="0" algn="ctr">
+              <a:buNone/>
+              <a:defRPr>
+                <a:solidFill>
+                  <a:schemeClr val="tx1">
+                    <a:tint val="75000"/>
+                  </a:schemeClr>
+                </a:solidFill>
+              </a:defRPr>
+            </a:lvl5pPr>
+            <a:lvl6pPr marL="2285222" indent="0" algn="ctr">
+              <a:buNone/>
+              <a:defRPr>
+                <a:solidFill>
+                  <a:schemeClr val="tx1">
+                    <a:tint val="75000"/>
+                  </a:schemeClr>
+                </a:solidFill>
+              </a:defRPr>
+            </a:lvl6pPr>
+            <a:lvl7pPr marL="2742267" indent="0" algn="ctr">
+              <a:buNone/>
+              <a:defRPr>
+                <a:solidFill>
+                  <a:schemeClr val="tx1">
+                    <a:tint val="75000"/>
+                  </a:schemeClr>
+                </a:solidFill>
+              </a:defRPr>
+            </a:lvl7pPr>
+            <a:lvl8pPr marL="3199311" indent="0" algn="ctr">
+              <a:buNone/>
+              <a:defRPr>
+                <a:solidFill>
+                  <a:schemeClr val="tx1">
+                    <a:tint val="75000"/>
+                  </a:schemeClr>
+                </a:solidFill>
+              </a:defRPr>
+            </a:lvl8pPr>
+            <a:lvl9pPr marL="3656358" indent="0" algn="ctr">
+              <a:buNone/>
+              <a:defRPr>
+                <a:solidFill>
+                  <a:schemeClr val="tx1">
+                    <a:tint val="75000"/>
+                  </a:schemeClr>
+                </a:solidFill>
+              </a:defRPr>
+            </a:lvl9pPr>
+          </a:lstStyle>
+          <a:p>
+            <a:r>
+              <a:rPr lang="en-US" dirty="0" smtClean="0"/>
+              <a:t>Click to edit Master subtitle style</a:t>
+            </a:r>
+            <a:endParaRPr lang="en-US" dirty="0"/>
+          </a:p>
+        </p:txBody>
+      </p:sp>
+      <p:sp>
+        <p:nvSpPr>
+          <p:cNvPr id="10" name="TextBox 9"/>
+          <p:cNvSpPr txBox="1"/>
+          <p:nvPr userDrawn="1"/>
+        </p:nvSpPr>
+        <p:spPr>
+          <a:xfrm>
+            <a:off x="193271" y="164177"/>
+            <a:ext cx="3691466" cy="246221"/>
+          </a:xfrm>
+          <a:prstGeom prst="rect">
+            <a:avLst/>
+          </a:prstGeom>
+          <a:noFill/>
+        </p:spPr>
+        <p:txBody>
+          <a:bodyPr wrap="square" lIns="0" tIns="0" rIns="0" bIns="0" rtlCol="0" anchor="ctr">
+            <a:spAutoFit/>
+          </a:bodyPr>
+          <a:lstStyle/>
+          <a:p>
+            <a:pPr algn="l"/>
+            <a:r>
+              <a:rPr lang="en-US" sz="1600" dirty="0" smtClean="0">
+                <a:solidFill>
+                  <a:schemeClr val="tx1">
+                    <a:lumMod val="75000"/>
+                    <a:lumOff val="25000"/>
+                    <a:alpha val="99000"/>
+                  </a:schemeClr>
+                </a:solidFill>
+                <a:latin typeface="Segoe UI" panose="020B0502040204020203" pitchFamily="34" charset="0"/>
+                <a:cs typeface="Segoe UI" panose="020B0502040204020203" pitchFamily="34" charset="0"/>
+              </a:rPr>
+              <a:t>Microsoft</a:t>
+            </a:r>
+            <a:r>
+              <a:rPr lang="en-US" sz="1600" baseline="0" dirty="0" smtClean="0">
+                <a:solidFill>
+                  <a:schemeClr val="tx1">
+                    <a:lumMod val="75000"/>
+                    <a:lumOff val="25000"/>
+                    <a:alpha val="99000"/>
+                  </a:schemeClr>
+                </a:solidFill>
+                <a:latin typeface="Segoe UI" panose="020B0502040204020203" pitchFamily="34" charset="0"/>
+                <a:cs typeface="Segoe UI" panose="020B0502040204020203" pitchFamily="34" charset="0"/>
+              </a:rPr>
+              <a:t> Virtual Academy</a:t>
+            </a:r>
+            <a:endParaRPr lang="en-US" sz="1600" dirty="0" smtClean="0">
+              <a:solidFill>
+                <a:schemeClr val="tx1">
+                  <a:lumMod val="75000"/>
+                  <a:lumOff val="25000"/>
+                  <a:alpha val="99000"/>
+                </a:schemeClr>
+              </a:solidFill>
+              <a:latin typeface="Segoe UI" panose="020B0502040204020203" pitchFamily="34" charset="0"/>
+              <a:cs typeface="Segoe UI" panose="020B0502040204020203" pitchFamily="34" charset="0"/>
+            </a:endParaRPr>
+          </a:p>
+        </p:txBody>
+      </p:sp>
+    </p:spTree>
+    <p:extLst>
+      <p:ext uri="{BB962C8B-B14F-4D97-AF65-F5344CB8AC3E}">
+        <p14:creationId xmlns:p14="http://schemas.microsoft.com/office/powerpoint/2010/main" val="671853356"/>
+      </p:ext>
+    </p:extLst>
+  </p:cSld>
+  <p:clrMapOvr>
+    <a:masterClrMapping/>
+  </p:clrMapOvr>
+  <p:timing>
+    <p:tnLst>
+      <p:par>
+        <p:cTn xmlns:p14="http://schemas.microsoft.com/office/powerpoint/2010/main" id="1" dur="indefinite" restart="never" nodeType="tmRoot"/>
+      </p:par>
+    </p:tnLst>
+  </p:timing>
+  <p:extLst mod="1">
+    <p:ext uri="{DCECCB84-F9BA-43D5-87BE-67443E8EF086}">
+      <p15:sldGuideLst xmlns:p15="http://schemas.microsoft.com/office/powerpoint/2012/main" xmlns="">
+        <p15:guide id="1" orient="horz" pos="2160">
+          <p15:clr>
+            <a:srgbClr val="FBAE40"/>
+          </p15:clr>
+        </p15:guide>
+        <p15:guide id="2" pos="3840">
+          <p15:clr>
+            <a:srgbClr val="FBAE40"/>
+          </p15:clr>
+        </p15:guide>
+      </p15:sldGuideLst>
+    </p:ext>
+  </p:extLst>
 </p:sldLayout>
 </file>
 
@@ -3827,11 +4663,12 @@
     <p:sldLayoutId id="2147483666" r:id="rId6"/>
     <p:sldLayoutId id="2147483668" r:id="rId7"/>
     <p:sldLayoutId id="2147483669" r:id="rId8"/>
+    <p:sldLayoutId id="2147483670" r:id="rId9"/>
   </p:sldLayoutIdLst>
   <p:timing>
     <p:tnLst>
       <p:par>
-        <p:cTn id="1" dur="indefinite" restart="never" nodeType="tmRoot"/>
+        <p:cTn xmlns:p14="http://schemas.microsoft.com/office/powerpoint/2010/main" id="1" dur="indefinite" restart="never" nodeType="tmRoot"/>
       </p:par>
     </p:tnLst>
   </p:timing>
@@ -4183,7 +5020,7 @@
   <p:timing>
     <p:tnLst>
       <p:par>
-        <p:cTn id="1" dur="indefinite" restart="never" nodeType="tmRoot"/>
+        <p:cTn xmlns:p14="http://schemas.microsoft.com/office/powerpoint/2010/main" id="1" dur="indefinite" restart="never" nodeType="tmRoot"/>
       </p:par>
     </p:tnLst>
   </p:timing>
@@ -4191,6 +5028,197 @@
 </file>
 
 <file path=ppt/slides/slide10.xml><?xml version="1.0" encoding="utf-8"?>
+<p:sld xmlns:a="http://schemas.openxmlformats.org/drawingml/2006/main" xmlns:r="http://schemas.openxmlformats.org/officeDocument/2006/relationships" xmlns:p="http://schemas.openxmlformats.org/presentationml/2006/main">
+  <p:cSld>
+    <p:spTree>
+      <p:nvGrpSpPr>
+        <p:cNvPr id="1" name=""/>
+        <p:cNvGrpSpPr/>
+        <p:nvPr/>
+      </p:nvGrpSpPr>
+      <p:grpSpPr>
+        <a:xfrm>
+          <a:off x="0" y="0"/>
+          <a:ext cx="0" cy="0"/>
+          <a:chOff x="0" y="0"/>
+          <a:chExt cx="0" cy="0"/>
+        </a:xfrm>
+      </p:grpSpPr>
+      <p:sp>
+        <p:nvSpPr>
+          <p:cNvPr id="2" name="Title 1"/>
+          <p:cNvSpPr>
+            <a:spLocks noGrp="1"/>
+          </p:cNvSpPr>
+          <p:nvPr>
+            <p:ph type="title"/>
+          </p:nvPr>
+        </p:nvSpPr>
+        <p:spPr/>
+        <p:txBody>
+          <a:bodyPr/>
+          <a:lstStyle/>
+          <a:p>
+            <a:pPr lvl="0"/>
+            <a:r>
+              <a:rPr lang="en-US" dirty="0" smtClean="0"/>
+              <a:t>Azure Management Portal </a:t>
+            </a:r>
+            <a:endParaRPr lang="en-US" dirty="0"/>
+          </a:p>
+        </p:txBody>
+      </p:sp>
+      <p:pic>
+        <p:nvPicPr>
+          <p:cNvPr id="3" name="Content Placeholder 2"/>
+          <p:cNvPicPr>
+            <a:picLocks noGrp="1" noChangeAspect="1"/>
+          </p:cNvPicPr>
+          <p:nvPr>
+            <p:ph sz="quarter" idx="10"/>
+          </p:nvPr>
+        </p:nvPicPr>
+        <p:blipFill>
+          <a:blip r:embed="rId3"/>
+          <a:stretch>
+            <a:fillRect/>
+          </a:stretch>
+        </p:blipFill>
+        <p:spPr>
+          <a:xfrm>
+            <a:off x="2756915" y="1015661"/>
+            <a:ext cx="6769629" cy="5291138"/>
+          </a:xfrm>
+          <a:prstGeom prst="rect">
+            <a:avLst/>
+          </a:prstGeom>
+        </p:spPr>
+      </p:pic>
+    </p:spTree>
+    <p:extLst>
+      <p:ext uri="{BB962C8B-B14F-4D97-AF65-F5344CB8AC3E}">
+        <p14:creationId xmlns:p14="http://schemas.microsoft.com/office/powerpoint/2010/main" val="1748946386"/>
+      </p:ext>
+    </p:extLst>
+  </p:cSld>
+  <p:clrMapOvr>
+    <a:masterClrMapping/>
+  </p:clrMapOvr>
+  <p:timing>
+    <p:tnLst>
+      <p:par>
+        <p:cTn xmlns:p14="http://schemas.microsoft.com/office/powerpoint/2010/main" id="1" dur="indefinite" restart="never" nodeType="tmRoot"/>
+      </p:par>
+    </p:tnLst>
+  </p:timing>
+</p:sld>
+</file>
+
+<file path=ppt/slides/slide11.xml><?xml version="1.0" encoding="utf-8"?>
+<p:sld xmlns:a="http://schemas.openxmlformats.org/drawingml/2006/main" xmlns:r="http://schemas.openxmlformats.org/officeDocument/2006/relationships" xmlns:p="http://schemas.openxmlformats.org/presentationml/2006/main">
+  <p:cSld>
+    <p:spTree>
+      <p:nvGrpSpPr>
+        <p:cNvPr id="1" name=""/>
+        <p:cNvGrpSpPr/>
+        <p:nvPr/>
+      </p:nvGrpSpPr>
+      <p:grpSpPr>
+        <a:xfrm>
+          <a:off x="0" y="0"/>
+          <a:ext cx="0" cy="0"/>
+          <a:chOff x="0" y="0"/>
+          <a:chExt cx="0" cy="0"/>
+        </a:xfrm>
+      </p:grpSpPr>
+      <p:sp>
+        <p:nvSpPr>
+          <p:cNvPr id="2" name="Title 1"/>
+          <p:cNvSpPr>
+            <a:spLocks noGrp="1"/>
+          </p:cNvSpPr>
+          <p:nvPr>
+            <p:ph type="title"/>
+          </p:nvPr>
+        </p:nvSpPr>
+        <p:spPr/>
+        <p:txBody>
+          <a:bodyPr/>
+          <a:lstStyle/>
+          <a:p>
+            <a:pPr lvl="0"/>
+            <a:r>
+              <a:rPr lang="en-US" dirty="0" smtClean="0"/>
+              <a:t>Azure Portal </a:t>
+            </a:r>
+            <a:endParaRPr lang="en-US" dirty="0"/>
+          </a:p>
+        </p:txBody>
+      </p:sp>
+      <p:sp>
+        <p:nvSpPr>
+          <p:cNvPr id="4" name="Content Placeholder 3"/>
+          <p:cNvSpPr>
+            <a:spLocks noGrp="1"/>
+          </p:cNvSpPr>
+          <p:nvPr>
+            <p:ph sz="quarter" idx="10"/>
+          </p:nvPr>
+        </p:nvSpPr>
+        <p:spPr/>
+        <p:txBody>
+          <a:bodyPr/>
+          <a:lstStyle/>
+          <a:p>
+            <a:endParaRPr lang="en-US" dirty="0"/>
+          </a:p>
+        </p:txBody>
+      </p:sp>
+      <p:pic>
+        <p:nvPicPr>
+          <p:cNvPr id="6" name="Picture 5"/>
+          <p:cNvPicPr>
+            <a:picLocks noChangeAspect="1"/>
+          </p:cNvPicPr>
+          <p:nvPr/>
+        </p:nvPicPr>
+        <p:blipFill>
+          <a:blip r:embed="rId3"/>
+          <a:stretch>
+            <a:fillRect/>
+          </a:stretch>
+        </p:blipFill>
+        <p:spPr>
+          <a:xfrm>
+            <a:off x="2488676" y="1015661"/>
+            <a:ext cx="6899705" cy="5635684"/>
+          </a:xfrm>
+          <a:prstGeom prst="rect">
+            <a:avLst/>
+          </a:prstGeom>
+        </p:spPr>
+      </p:pic>
+    </p:spTree>
+    <p:extLst>
+      <p:ext uri="{BB962C8B-B14F-4D97-AF65-F5344CB8AC3E}">
+        <p14:creationId xmlns:p14="http://schemas.microsoft.com/office/powerpoint/2010/main" val="2994528411"/>
+      </p:ext>
+    </p:extLst>
+  </p:cSld>
+  <p:clrMapOvr>
+    <a:masterClrMapping/>
+  </p:clrMapOvr>
+  <p:timing>
+    <p:tnLst>
+      <p:par>
+        <p:cTn xmlns:p14="http://schemas.microsoft.com/office/powerpoint/2010/main" id="1" dur="indefinite" restart="never" nodeType="tmRoot"/>
+      </p:par>
+    </p:tnLst>
+  </p:timing>
+</p:sld>
+</file>
+
+<file path=ppt/slides/slide12.xml><?xml version="1.0" encoding="utf-8"?>
 <p:sld xmlns:a="http://schemas.openxmlformats.org/drawingml/2006/main" xmlns:r="http://schemas.openxmlformats.org/officeDocument/2006/relationships" xmlns:p="http://schemas.openxmlformats.org/presentationml/2006/main">
   <p:cSld>
     <p:spTree>
@@ -4364,53 +5392,6 @@
           </a:p>
         </p:txBody>
       </p:sp>
-      <p:sp>
-        <p:nvSpPr>
-          <p:cNvPr id="9" name="TextBox 8"/>
-          <p:cNvSpPr txBox="1"/>
-          <p:nvPr/>
-        </p:nvSpPr>
-        <p:spPr>
-          <a:xfrm>
-            <a:off x="9906000" y="-1"/>
-            <a:ext cx="2286000" cy="2031325"/>
-          </a:xfrm>
-          <a:prstGeom prst="rect">
-            <a:avLst/>
-          </a:prstGeom>
-          <a:solidFill>
-            <a:srgbClr val="FFFF00"/>
-          </a:solidFill>
-          <a:ln>
-            <a:noFill/>
-          </a:ln>
-        </p:spPr>
-        <p:txBody>
-          <a:bodyPr wrap="square" rtlCol="0">
-            <a:spAutoFit/>
-          </a:bodyPr>
-          <a:lstStyle/>
-          <a:p>
-            <a:pPr algn="ctr"/>
-            <a:endParaRPr lang="en-US" dirty="0" smtClean="0"/>
-          </a:p>
-          <a:p>
-            <a:pPr algn="ctr"/>
-            <a:endParaRPr lang="en-US" dirty="0"/>
-          </a:p>
-          <a:p>
-            <a:pPr algn="ctr"/>
-            <a:r>
-              <a:rPr lang="en-US" dirty="0" smtClean="0"/>
-              <a:t>Please leave this area blank to allow for picture in picture recording</a:t>
-            </a:r>
-          </a:p>
-          <a:p>
-            <a:pPr algn="ctr"/>
-            <a:endParaRPr lang="en-US" dirty="0"/>
-          </a:p>
-        </p:txBody>
-      </p:sp>
     </p:spTree>
     <p:extLst>
       <p:ext uri="{BB962C8B-B14F-4D97-AF65-F5344CB8AC3E}">
@@ -4424,290 +5405,7 @@
   <p:timing>
     <p:tnLst>
       <p:par>
-        <p:cTn id="1" dur="indefinite" restart="never" nodeType="tmRoot"/>
-      </p:par>
-    </p:tnLst>
-  </p:timing>
-</p:sld>
-</file>
-
-<file path=ppt/slides/slide11.xml><?xml version="1.0" encoding="utf-8"?>
-<p:sld xmlns:a="http://schemas.openxmlformats.org/drawingml/2006/main" xmlns:r="http://schemas.openxmlformats.org/officeDocument/2006/relationships" xmlns:p="http://schemas.openxmlformats.org/presentationml/2006/main">
-  <p:cSld>
-    <p:spTree>
-      <p:nvGrpSpPr>
-        <p:cNvPr id="1" name=""/>
-        <p:cNvGrpSpPr/>
-        <p:nvPr/>
-      </p:nvGrpSpPr>
-      <p:grpSpPr>
-        <a:xfrm>
-          <a:off x="0" y="0"/>
-          <a:ext cx="0" cy="0"/>
-          <a:chOff x="0" y="0"/>
-          <a:chExt cx="0" cy="0"/>
-        </a:xfrm>
-      </p:grpSpPr>
-      <p:sp>
-        <p:nvSpPr>
-          <p:cNvPr id="2" name="Title 1"/>
-          <p:cNvSpPr>
-            <a:spLocks noGrp="1"/>
-          </p:cNvSpPr>
-          <p:nvPr>
-            <p:ph type="title"/>
-          </p:nvPr>
-        </p:nvSpPr>
-        <p:spPr/>
-        <p:txBody>
-          <a:bodyPr/>
-          <a:lstStyle/>
-          <a:p>
-            <a:r>
-              <a:rPr lang="en-US" dirty="0" smtClean="0"/>
-              <a:t>Things to consider</a:t>
-            </a:r>
-            <a:endParaRPr lang="en-US" dirty="0"/>
-          </a:p>
-        </p:txBody>
-      </p:sp>
-      <p:sp>
-        <p:nvSpPr>
-          <p:cNvPr id="9" name="TextBox 8"/>
-          <p:cNvSpPr txBox="1"/>
-          <p:nvPr/>
-        </p:nvSpPr>
-        <p:spPr>
-          <a:xfrm>
-            <a:off x="9906000" y="-1"/>
-            <a:ext cx="2286000" cy="2031325"/>
-          </a:xfrm>
-          <a:prstGeom prst="rect">
-            <a:avLst/>
-          </a:prstGeom>
-          <a:solidFill>
-            <a:srgbClr val="FFFF00"/>
-          </a:solidFill>
-          <a:ln>
-            <a:noFill/>
-          </a:ln>
-        </p:spPr>
-        <p:txBody>
-          <a:bodyPr wrap="square" rtlCol="0">
-            <a:spAutoFit/>
-          </a:bodyPr>
-          <a:lstStyle/>
-          <a:p>
-            <a:pPr algn="ctr"/>
-            <a:endParaRPr lang="en-US" dirty="0" smtClean="0"/>
-          </a:p>
-          <a:p>
-            <a:pPr algn="ctr"/>
-            <a:endParaRPr lang="en-US" dirty="0"/>
-          </a:p>
-          <a:p>
-            <a:pPr algn="ctr"/>
-            <a:r>
-              <a:rPr lang="en-US" dirty="0" smtClean="0"/>
-              <a:t>Please leave this area blank to allow for picture in picture recording</a:t>
-            </a:r>
-          </a:p>
-          <a:p>
-            <a:pPr algn="ctr"/>
-            <a:endParaRPr lang="en-US" dirty="0"/>
-          </a:p>
-        </p:txBody>
-      </p:sp>
-      <p:sp>
-        <p:nvSpPr>
-          <p:cNvPr id="10" name="Content Placeholder 3"/>
-          <p:cNvSpPr>
-            <a:spLocks noGrp="1"/>
-          </p:cNvSpPr>
-          <p:nvPr>
-            <p:ph sz="quarter" idx="10"/>
-          </p:nvPr>
-        </p:nvSpPr>
-        <p:spPr>
-          <a:xfrm>
-            <a:off x="379413" y="1388226"/>
-            <a:ext cx="11525250" cy="5290388"/>
-          </a:xfrm>
-        </p:spPr>
-        <p:txBody>
-          <a:bodyPr/>
-          <a:lstStyle/>
-          <a:p>
-            <a:r>
-              <a:rPr lang="en-US" dirty="0" smtClean="0"/>
-              <a:t>Retry logic</a:t>
-            </a:r>
-          </a:p>
-          <a:p>
-            <a:r>
-              <a:rPr lang="en-US" dirty="0" smtClean="0"/>
-              <a:t>How to scale up and down</a:t>
-            </a:r>
-          </a:p>
-          <a:p>
-            <a:r>
-              <a:rPr lang="en-US" dirty="0" smtClean="0"/>
-              <a:t>Storage of artifacts</a:t>
-            </a:r>
-            <a:endParaRPr lang="en-US" dirty="0"/>
-          </a:p>
-        </p:txBody>
-      </p:sp>
-    </p:spTree>
-    <p:extLst>
-      <p:ext uri="{BB962C8B-B14F-4D97-AF65-F5344CB8AC3E}">
-        <p14:creationId xmlns:p14="http://schemas.microsoft.com/office/powerpoint/2010/main" val="1479709985"/>
-      </p:ext>
-    </p:extLst>
-  </p:cSld>
-  <p:clrMapOvr>
-    <a:masterClrMapping/>
-  </p:clrMapOvr>
-  <p:timing>
-    <p:tnLst>
-      <p:par>
-        <p:cTn id="1" dur="indefinite" restart="never" nodeType="tmRoot"/>
-      </p:par>
-    </p:tnLst>
-  </p:timing>
-</p:sld>
-</file>
-
-<file path=ppt/slides/slide12.xml><?xml version="1.0" encoding="utf-8"?>
-<p:sld xmlns:a="http://schemas.openxmlformats.org/drawingml/2006/main" xmlns:r="http://schemas.openxmlformats.org/officeDocument/2006/relationships" xmlns:p="http://schemas.openxmlformats.org/presentationml/2006/main">
-  <p:cSld>
-    <p:spTree>
-      <p:nvGrpSpPr>
-        <p:cNvPr id="1" name=""/>
-        <p:cNvGrpSpPr/>
-        <p:nvPr/>
-      </p:nvGrpSpPr>
-      <p:grpSpPr>
-        <a:xfrm>
-          <a:off x="0" y="0"/>
-          <a:ext cx="0" cy="0"/>
-          <a:chOff x="0" y="0"/>
-          <a:chExt cx="0" cy="0"/>
-        </a:xfrm>
-      </p:grpSpPr>
-      <p:sp>
-        <p:nvSpPr>
-          <p:cNvPr id="2" name="Title 1"/>
-          <p:cNvSpPr>
-            <a:spLocks noGrp="1"/>
-          </p:cNvSpPr>
-          <p:nvPr>
-            <p:ph type="title"/>
-          </p:nvPr>
-        </p:nvSpPr>
-        <p:spPr/>
-        <p:txBody>
-          <a:bodyPr/>
-          <a:lstStyle/>
-          <a:p>
-            <a:r>
-              <a:rPr lang="en-US" dirty="0" smtClean="0"/>
-              <a:t>Batches on Azure</a:t>
-            </a:r>
-            <a:endParaRPr lang="en-US" dirty="0"/>
-          </a:p>
-        </p:txBody>
-      </p:sp>
-      <p:pic>
-        <p:nvPicPr>
-          <p:cNvPr id="4" name="Content Placeholder 3"/>
-          <p:cNvPicPr>
-            <a:picLocks noGrp="1" noChangeAspect="1"/>
-          </p:cNvPicPr>
-          <p:nvPr>
-            <p:ph sz="quarter" idx="10"/>
-          </p:nvPr>
-        </p:nvPicPr>
-        <p:blipFill>
-          <a:blip r:embed="rId3">
-            <a:extLst>
-              <a:ext uri="{28A0092B-C50C-407E-A947-70E740481C1C}">
-                <a14:useLocalDpi xmlns:a14="http://schemas.microsoft.com/office/drawing/2010/main" val="0"/>
-              </a:ext>
-            </a:extLst>
-          </a:blip>
-          <a:stretch>
-            <a:fillRect/>
-          </a:stretch>
-        </p:blipFill>
-        <p:spPr>
-          <a:xfrm>
-            <a:off x="2155269" y="2675542"/>
-            <a:ext cx="7973538" cy="2715004"/>
-          </a:xfrm>
-        </p:spPr>
-      </p:pic>
-      <p:sp>
-        <p:nvSpPr>
-          <p:cNvPr id="5" name="TextBox 4"/>
-          <p:cNvSpPr txBox="1"/>
-          <p:nvPr/>
-        </p:nvSpPr>
-        <p:spPr>
-          <a:xfrm>
-            <a:off x="9906000" y="-1"/>
-            <a:ext cx="2286000" cy="2031325"/>
-          </a:xfrm>
-          <a:prstGeom prst="rect">
-            <a:avLst/>
-          </a:prstGeom>
-          <a:solidFill>
-            <a:srgbClr val="FFFF00"/>
-          </a:solidFill>
-          <a:ln>
-            <a:noFill/>
-          </a:ln>
-        </p:spPr>
-        <p:txBody>
-          <a:bodyPr wrap="square" rtlCol="0">
-            <a:spAutoFit/>
-          </a:bodyPr>
-          <a:lstStyle/>
-          <a:p>
-            <a:pPr algn="ctr"/>
-            <a:endParaRPr lang="en-US" dirty="0" smtClean="0"/>
-          </a:p>
-          <a:p>
-            <a:pPr algn="ctr"/>
-            <a:endParaRPr lang="en-US" dirty="0"/>
-          </a:p>
-          <a:p>
-            <a:pPr algn="ctr"/>
-            <a:r>
-              <a:rPr lang="en-US" dirty="0" smtClean="0"/>
-              <a:t>Please leave this area blank to allow for picture in picture recording</a:t>
-            </a:r>
-          </a:p>
-          <a:p>
-            <a:pPr algn="ctr"/>
-            <a:endParaRPr lang="en-US" dirty="0"/>
-          </a:p>
-        </p:txBody>
-      </p:sp>
-    </p:spTree>
-    <p:extLst>
-      <p:ext uri="{BB962C8B-B14F-4D97-AF65-F5344CB8AC3E}">
-        <p14:creationId xmlns:p14="http://schemas.microsoft.com/office/powerpoint/2010/main" val="4286229792"/>
-      </p:ext>
-    </p:extLst>
-  </p:cSld>
-  <p:clrMapOvr>
-    <a:masterClrMapping/>
-  </p:clrMapOvr>
-  <p:timing>
-    <p:tnLst>
-      <p:par>
-        <p:cTn id="1" dur="indefinite" restart="never" nodeType="tmRoot"/>
+        <p:cTn xmlns:p14="http://schemas.microsoft.com/office/powerpoint/2010/main" id="1" dur="indefinite" restart="never" nodeType="tmRoot"/>
       </p:par>
     </p:tnLst>
   </p:timing>
@@ -4748,84 +5446,48 @@
           <a:p>
             <a:r>
               <a:rPr lang="en-US" dirty="0" smtClean="0"/>
-              <a:t>Lifecycle</a:t>
+              <a:t>Things to consider</a:t>
             </a:r>
             <a:endParaRPr lang="en-US" dirty="0"/>
           </a:p>
         </p:txBody>
       </p:sp>
-      <p:pic>
-        <p:nvPicPr>
-          <p:cNvPr id="4" name="Content Placeholder 3"/>
-          <p:cNvPicPr>
-            <a:picLocks noGrp="1" noChangeAspect="1"/>
-          </p:cNvPicPr>
+      <p:sp>
+        <p:nvSpPr>
+          <p:cNvPr id="10" name="Content Placeholder 3"/>
+          <p:cNvSpPr>
+            <a:spLocks noGrp="1"/>
+          </p:cNvSpPr>
           <p:nvPr>
             <p:ph sz="quarter" idx="10"/>
           </p:nvPr>
-        </p:nvPicPr>
-        <p:blipFill>
-          <a:blip r:embed="rId2">
-            <a:extLst>
-              <a:ext uri="{28A0092B-C50C-407E-A947-70E740481C1C}">
-                <a14:useLocalDpi xmlns:a14="http://schemas.microsoft.com/office/drawing/2010/main" val="0"/>
-              </a:ext>
-            </a:extLst>
-          </a:blip>
-          <a:stretch>
-            <a:fillRect/>
-          </a:stretch>
-        </p:blipFill>
+        </p:nvSpPr>
         <p:spPr>
           <a:xfrm>
-            <a:off x="965958" y="1819373"/>
-            <a:ext cx="10701195" cy="3328650"/>
+            <a:off x="379413" y="1388226"/>
+            <a:ext cx="11525250" cy="5290388"/>
           </a:xfrm>
         </p:spPr>
-      </p:pic>
-      <p:sp>
-        <p:nvSpPr>
-          <p:cNvPr id="5" name="TextBox 4"/>
-          <p:cNvSpPr txBox="1"/>
-          <p:nvPr/>
-        </p:nvSpPr>
-        <p:spPr>
-          <a:xfrm>
-            <a:off x="9906000" y="-1"/>
-            <a:ext cx="2286000" cy="2031325"/>
-          </a:xfrm>
-          <a:prstGeom prst="rect">
-            <a:avLst/>
-          </a:prstGeom>
-          <a:solidFill>
-            <a:srgbClr val="FFFF00"/>
-          </a:solidFill>
-          <a:ln>
-            <a:noFill/>
-          </a:ln>
-        </p:spPr>
-        <p:txBody>
-          <a:bodyPr wrap="square" rtlCol="0">
-            <a:spAutoFit/>
-          </a:bodyPr>
+        <p:txBody>
+          <a:bodyPr/>
           <a:lstStyle/>
           <a:p>
-            <a:pPr algn="ctr"/>
-            <a:endParaRPr lang="en-US" dirty="0" smtClean="0"/>
-          </a:p>
-          <a:p>
-            <a:pPr algn="ctr"/>
-            <a:endParaRPr lang="en-US" dirty="0"/>
-          </a:p>
-          <a:p>
-            <a:pPr algn="ctr"/>
             <a:r>
               <a:rPr lang="en-US" dirty="0" smtClean="0"/>
-              <a:t>Please leave this area blank to allow for picture in picture recording</a:t>
-            </a:r>
-          </a:p>
-          <a:p>
-            <a:pPr algn="ctr"/>
+              <a:t>Retry logic</a:t>
+            </a:r>
+          </a:p>
+          <a:p>
+            <a:r>
+              <a:rPr lang="en-US" dirty="0" smtClean="0"/>
+              <a:t>How to scale up and down</a:t>
+            </a:r>
+          </a:p>
+          <a:p>
+            <a:r>
+              <a:rPr lang="en-US" dirty="0" smtClean="0"/>
+              <a:t>Storage of artifacts</a:t>
+            </a:r>
             <a:endParaRPr lang="en-US" dirty="0"/>
           </a:p>
         </p:txBody>
@@ -4833,7 +5495,7 @@
     </p:spTree>
     <p:extLst>
       <p:ext uri="{BB962C8B-B14F-4D97-AF65-F5344CB8AC3E}">
-        <p14:creationId xmlns:p14="http://schemas.microsoft.com/office/powerpoint/2010/main" val="778148500"/>
+        <p14:creationId xmlns:p14="http://schemas.microsoft.com/office/powerpoint/2010/main" val="1479709985"/>
       </p:ext>
     </p:extLst>
   </p:cSld>
@@ -4843,7 +5505,7 @@
   <p:timing>
     <p:tnLst>
       <p:par>
-        <p:cTn id="1" dur="indefinite" restart="never" nodeType="tmRoot"/>
+        <p:cTn xmlns:p14="http://schemas.microsoft.com/office/powerpoint/2010/main" id="1" dur="indefinite" restart="never" nodeType="tmRoot"/>
       </p:par>
     </p:tnLst>
   </p:timing>
@@ -4884,7 +5546,7 @@
           <a:p>
             <a:r>
               <a:rPr lang="en-US" dirty="0" smtClean="0"/>
-              <a:t>Scheduling</a:t>
+              <a:t>Batches on Azure</a:t>
             </a:r>
             <a:endParaRPr lang="en-US" dirty="0"/>
           </a:p>
@@ -4892,7 +5554,7 @@
       </p:sp>
       <p:pic>
         <p:nvPicPr>
-          <p:cNvPr id="5" name="Content Placeholder 4"/>
+          <p:cNvPr id="4" name="Content Placeholder 3"/>
           <p:cNvPicPr>
             <a:picLocks noGrp="1" noChangeAspect="1"/>
           </p:cNvPicPr>
@@ -4914,62 +5576,15 @@
         </p:blipFill>
         <p:spPr>
           <a:xfrm>
-            <a:off x="4099681" y="1076390"/>
-            <a:ext cx="4084097" cy="5291138"/>
+            <a:off x="2155269" y="2675542"/>
+            <a:ext cx="7973538" cy="2715004"/>
           </a:xfrm>
         </p:spPr>
       </p:pic>
-      <p:sp>
-        <p:nvSpPr>
-          <p:cNvPr id="6" name="TextBox 5"/>
-          <p:cNvSpPr txBox="1"/>
-          <p:nvPr/>
-        </p:nvSpPr>
-        <p:spPr>
-          <a:xfrm>
-            <a:off x="9906000" y="-1"/>
-            <a:ext cx="2286000" cy="2031325"/>
-          </a:xfrm>
-          <a:prstGeom prst="rect">
-            <a:avLst/>
-          </a:prstGeom>
-          <a:solidFill>
-            <a:srgbClr val="FFFF00"/>
-          </a:solidFill>
-          <a:ln>
-            <a:noFill/>
-          </a:ln>
-        </p:spPr>
-        <p:txBody>
-          <a:bodyPr wrap="square" rtlCol="0">
-            <a:spAutoFit/>
-          </a:bodyPr>
-          <a:lstStyle/>
-          <a:p>
-            <a:pPr algn="ctr"/>
-            <a:endParaRPr lang="en-US" dirty="0" smtClean="0"/>
-          </a:p>
-          <a:p>
-            <a:pPr algn="ctr"/>
-            <a:endParaRPr lang="en-US" dirty="0"/>
-          </a:p>
-          <a:p>
-            <a:pPr algn="ctr"/>
-            <a:r>
-              <a:rPr lang="en-US" dirty="0" smtClean="0"/>
-              <a:t>Please leave this area blank to allow for picture in picture recording</a:t>
-            </a:r>
-          </a:p>
-          <a:p>
-            <a:pPr algn="ctr"/>
-            <a:endParaRPr lang="en-US" dirty="0"/>
-          </a:p>
-        </p:txBody>
-      </p:sp>
     </p:spTree>
     <p:extLst>
       <p:ext uri="{BB962C8B-B14F-4D97-AF65-F5344CB8AC3E}">
-        <p14:creationId xmlns:p14="http://schemas.microsoft.com/office/powerpoint/2010/main" val="3832879683"/>
+        <p14:creationId xmlns:p14="http://schemas.microsoft.com/office/powerpoint/2010/main" val="4286229792"/>
       </p:ext>
     </p:extLst>
   </p:cSld>
@@ -4979,7 +5594,7 @@
   <p:timing>
     <p:tnLst>
       <p:par>
-        <p:cTn id="1" dur="indefinite" restart="never" nodeType="tmRoot"/>
+        <p:cTn xmlns:p14="http://schemas.microsoft.com/office/powerpoint/2010/main" id="1" dur="indefinite" restart="never" nodeType="tmRoot"/>
       </p:par>
     </p:tnLst>
   </p:timing>
@@ -5020,55 +5635,186 @@
           <a:p>
             <a:r>
               <a:rPr lang="en-US" dirty="0" smtClean="0"/>
-              <a:t>Scaling</a:t>
+              <a:t>Lifecycle</a:t>
             </a:r>
             <a:endParaRPr lang="en-US" dirty="0"/>
           </a:p>
         </p:txBody>
       </p:sp>
-      <p:sp>
-        <p:nvSpPr>
-          <p:cNvPr id="6" name="TextBox 5"/>
-          <p:cNvSpPr txBox="1"/>
-          <p:nvPr/>
-        </p:nvSpPr>
+      <p:pic>
+        <p:nvPicPr>
+          <p:cNvPr id="4" name="Content Placeholder 3"/>
+          <p:cNvPicPr>
+            <a:picLocks noGrp="1" noChangeAspect="1"/>
+          </p:cNvPicPr>
+          <p:nvPr>
+            <p:ph sz="quarter" idx="10"/>
+          </p:nvPr>
+        </p:nvPicPr>
+        <p:blipFill>
+          <a:blip r:embed="rId2">
+            <a:extLst>
+              <a:ext uri="{28A0092B-C50C-407E-A947-70E740481C1C}">
+                <a14:useLocalDpi xmlns:a14="http://schemas.microsoft.com/office/drawing/2010/main" val="0"/>
+              </a:ext>
+            </a:extLst>
+          </a:blip>
+          <a:stretch>
+            <a:fillRect/>
+          </a:stretch>
+        </p:blipFill>
         <p:spPr>
           <a:xfrm>
-            <a:off x="9906000" y="-1"/>
-            <a:ext cx="2286000" cy="2031325"/>
+            <a:off x="965958" y="1819373"/>
+            <a:ext cx="10701195" cy="3328650"/>
           </a:xfrm>
-          <a:prstGeom prst="rect">
-            <a:avLst/>
-          </a:prstGeom>
-          <a:solidFill>
-            <a:srgbClr val="FFFF00"/>
-          </a:solidFill>
-          <a:ln>
-            <a:noFill/>
-          </a:ln>
         </p:spPr>
-        <p:txBody>
-          <a:bodyPr wrap="square" rtlCol="0">
-            <a:spAutoFit/>
-          </a:bodyPr>
+      </p:pic>
+    </p:spTree>
+    <p:extLst>
+      <p:ext uri="{BB962C8B-B14F-4D97-AF65-F5344CB8AC3E}">
+        <p14:creationId xmlns:p14="http://schemas.microsoft.com/office/powerpoint/2010/main" val="778148500"/>
+      </p:ext>
+    </p:extLst>
+  </p:cSld>
+  <p:clrMapOvr>
+    <a:masterClrMapping/>
+  </p:clrMapOvr>
+  <p:timing>
+    <p:tnLst>
+      <p:par>
+        <p:cTn xmlns:p14="http://schemas.microsoft.com/office/powerpoint/2010/main" id="1" dur="indefinite" restart="never" nodeType="tmRoot"/>
+      </p:par>
+    </p:tnLst>
+  </p:timing>
+</p:sld>
+</file>
+
+<file path=ppt/slides/slide16.xml><?xml version="1.0" encoding="utf-8"?>
+<p:sld xmlns:a="http://schemas.openxmlformats.org/drawingml/2006/main" xmlns:r="http://schemas.openxmlformats.org/officeDocument/2006/relationships" xmlns:p="http://schemas.openxmlformats.org/presentationml/2006/main">
+  <p:cSld>
+    <p:spTree>
+      <p:nvGrpSpPr>
+        <p:cNvPr id="1" name=""/>
+        <p:cNvGrpSpPr/>
+        <p:nvPr/>
+      </p:nvGrpSpPr>
+      <p:grpSpPr>
+        <a:xfrm>
+          <a:off x="0" y="0"/>
+          <a:ext cx="0" cy="0"/>
+          <a:chOff x="0" y="0"/>
+          <a:chExt cx="0" cy="0"/>
+        </a:xfrm>
+      </p:grpSpPr>
+      <p:sp>
+        <p:nvSpPr>
+          <p:cNvPr id="2" name="Title 1"/>
+          <p:cNvSpPr>
+            <a:spLocks noGrp="1"/>
+          </p:cNvSpPr>
+          <p:nvPr>
+            <p:ph type="title"/>
+          </p:nvPr>
+        </p:nvSpPr>
+        <p:spPr/>
+        <p:txBody>
+          <a:bodyPr/>
           <a:lstStyle/>
           <a:p>
-            <a:pPr algn="ctr"/>
-            <a:endParaRPr lang="en-US" dirty="0" smtClean="0"/>
-          </a:p>
-          <a:p>
-            <a:pPr algn="ctr"/>
+            <a:r>
+              <a:rPr lang="en-US" dirty="0" smtClean="0"/>
+              <a:t>Scheduling</a:t>
+            </a:r>
             <a:endParaRPr lang="en-US" dirty="0"/>
           </a:p>
-          <a:p>
-            <a:pPr algn="ctr"/>
+        </p:txBody>
+      </p:sp>
+      <p:pic>
+        <p:nvPicPr>
+          <p:cNvPr id="5" name="Content Placeholder 4"/>
+          <p:cNvPicPr>
+            <a:picLocks noGrp="1" noChangeAspect="1"/>
+          </p:cNvPicPr>
+          <p:nvPr>
+            <p:ph sz="quarter" idx="10"/>
+          </p:nvPr>
+        </p:nvPicPr>
+        <p:blipFill>
+          <a:blip r:embed="rId3">
+            <a:extLst>
+              <a:ext uri="{28A0092B-C50C-407E-A947-70E740481C1C}">
+                <a14:useLocalDpi xmlns:a14="http://schemas.microsoft.com/office/drawing/2010/main" val="0"/>
+              </a:ext>
+            </a:extLst>
+          </a:blip>
+          <a:stretch>
+            <a:fillRect/>
+          </a:stretch>
+        </p:blipFill>
+        <p:spPr>
+          <a:xfrm>
+            <a:off x="4099681" y="1076390"/>
+            <a:ext cx="4084097" cy="5291138"/>
+          </a:xfrm>
+        </p:spPr>
+      </p:pic>
+    </p:spTree>
+    <p:extLst>
+      <p:ext uri="{BB962C8B-B14F-4D97-AF65-F5344CB8AC3E}">
+        <p14:creationId xmlns:p14="http://schemas.microsoft.com/office/powerpoint/2010/main" val="3832879683"/>
+      </p:ext>
+    </p:extLst>
+  </p:cSld>
+  <p:clrMapOvr>
+    <a:masterClrMapping/>
+  </p:clrMapOvr>
+  <p:timing>
+    <p:tnLst>
+      <p:par>
+        <p:cTn xmlns:p14="http://schemas.microsoft.com/office/powerpoint/2010/main" id="1" dur="indefinite" restart="never" nodeType="tmRoot"/>
+      </p:par>
+    </p:tnLst>
+  </p:timing>
+</p:sld>
+</file>
+
+<file path=ppt/slides/slide17.xml><?xml version="1.0" encoding="utf-8"?>
+<p:sld xmlns:a="http://schemas.openxmlformats.org/drawingml/2006/main" xmlns:r="http://schemas.openxmlformats.org/officeDocument/2006/relationships" xmlns:p="http://schemas.openxmlformats.org/presentationml/2006/main">
+  <p:cSld>
+    <p:spTree>
+      <p:nvGrpSpPr>
+        <p:cNvPr id="1" name=""/>
+        <p:cNvGrpSpPr/>
+        <p:nvPr/>
+      </p:nvGrpSpPr>
+      <p:grpSpPr>
+        <a:xfrm>
+          <a:off x="0" y="0"/>
+          <a:ext cx="0" cy="0"/>
+          <a:chOff x="0" y="0"/>
+          <a:chExt cx="0" cy="0"/>
+        </a:xfrm>
+      </p:grpSpPr>
+      <p:sp>
+        <p:nvSpPr>
+          <p:cNvPr id="2" name="Title 1"/>
+          <p:cNvSpPr>
+            <a:spLocks noGrp="1"/>
+          </p:cNvSpPr>
+          <p:nvPr>
+            <p:ph type="title"/>
+          </p:nvPr>
+        </p:nvSpPr>
+        <p:spPr/>
+        <p:txBody>
+          <a:bodyPr/>
+          <a:lstStyle/>
+          <a:p>
             <a:r>
               <a:rPr lang="en-US" dirty="0" smtClean="0"/>
-              <a:t>Please leave this area blank to allow for picture in picture recording</a:t>
-            </a:r>
-          </a:p>
-          <a:p>
-            <a:pPr algn="ctr"/>
+              <a:t>Scaling</a:t>
+            </a:r>
             <a:endParaRPr lang="en-US" dirty="0"/>
           </a:p>
         </p:txBody>
@@ -5115,14 +5861,14 @@
   <p:timing>
     <p:tnLst>
       <p:par>
-        <p:cTn id="1" dur="indefinite" restart="never" nodeType="tmRoot"/>
+        <p:cTn xmlns:p14="http://schemas.microsoft.com/office/powerpoint/2010/main" id="1" dur="indefinite" restart="never" nodeType="tmRoot"/>
       </p:par>
     </p:tnLst>
   </p:timing>
 </p:sld>
 </file>
 
-<file path=ppt/slides/slide16.xml><?xml version="1.0" encoding="utf-8"?>
+<file path=ppt/slides/slide18.xml><?xml version="1.0" encoding="utf-8"?>
 <p:sld xmlns:a="http://schemas.openxmlformats.org/drawingml/2006/main" xmlns:r="http://schemas.openxmlformats.org/officeDocument/2006/relationships" xmlns:p="http://schemas.openxmlformats.org/presentationml/2006/main">
   <p:cSld>
     <p:spTree>
@@ -5219,14 +5965,14 @@
   <p:timing>
     <p:tnLst>
       <p:par>
-        <p:cTn id="1" dur="indefinite" restart="never" nodeType="tmRoot"/>
+        <p:cTn xmlns:p14="http://schemas.microsoft.com/office/powerpoint/2010/main" id="1" dur="indefinite" restart="never" nodeType="tmRoot"/>
       </p:par>
     </p:tnLst>
   </p:timing>
 </p:sld>
 </file>
 
-<file path=ppt/slides/slide17.xml><?xml version="1.0" encoding="utf-8"?>
+<file path=ppt/slides/slide19.xml><?xml version="1.0" encoding="utf-8"?>
 <p:sld xmlns:a="http://schemas.openxmlformats.org/drawingml/2006/main" xmlns:r="http://schemas.openxmlformats.org/officeDocument/2006/relationships" xmlns:p="http://schemas.openxmlformats.org/presentationml/2006/main">
   <p:cSld>
     <p:spTree>
@@ -5256,7 +6002,7 @@
   <p:timing>
     <p:tnLst>
       <p:par>
-        <p:cTn id="1" dur="indefinite" restart="never" nodeType="tmRoot"/>
+        <p:cTn xmlns:p14="http://schemas.microsoft.com/office/powerpoint/2010/main" id="1" dur="indefinite" restart="never" nodeType="tmRoot"/>
       </p:par>
     </p:tnLst>
   </p:timing>
@@ -5335,14 +6081,14 @@
                 <a:gridCol w="5762625">
                   <a:extLst>
                     <a:ext uri="{9D8B030D-6E8A-4147-A177-3AD203B41FA5}">
-                      <a16:colId xmlns:a16="http://schemas.microsoft.com/office/drawing/2014/main" xmlns="" val="1632794655"/>
+                      <a16:colId xmlns="" xmlns:a16="http://schemas.microsoft.com/office/drawing/2014/main" val="1632794655"/>
                     </a:ext>
                   </a:extLst>
                 </a:gridCol>
                 <a:gridCol w="5762625">
                   <a:extLst>
                     <a:ext uri="{9D8B030D-6E8A-4147-A177-3AD203B41FA5}">
-                      <a16:colId xmlns:a16="http://schemas.microsoft.com/office/drawing/2014/main" xmlns="" val="2011313899"/>
+                      <a16:colId xmlns="" xmlns:a16="http://schemas.microsoft.com/office/drawing/2014/main" val="2011313899"/>
                     </a:ext>
                   </a:extLst>
                 </a:gridCol>
@@ -5387,7 +6133,7 @@
                 </a:tc>
                 <a:extLst>
                   <a:ext uri="{0D108BD9-81ED-4DB2-BD59-A6C34878D82A}">
-                    <a16:rowId xmlns:a16="http://schemas.microsoft.com/office/drawing/2014/main" xmlns="" val="1789177411"/>
+                    <a16:rowId xmlns="" xmlns:a16="http://schemas.microsoft.com/office/drawing/2014/main" val="1789177411"/>
                   </a:ext>
                 </a:extLst>
               </a:tr>
@@ -5458,7 +6204,7 @@
                 </a:tc>
                 <a:extLst>
                   <a:ext uri="{0D108BD9-81ED-4DB2-BD59-A6C34878D82A}">
-                    <a16:rowId xmlns:a16="http://schemas.microsoft.com/office/drawing/2014/main" xmlns="" val="3842815335"/>
+                    <a16:rowId xmlns="" xmlns:a16="http://schemas.microsoft.com/office/drawing/2014/main" val="3842815335"/>
                   </a:ext>
                 </a:extLst>
               </a:tr>
@@ -5515,7 +6261,7 @@
                 </a:tc>
                 <a:extLst>
                   <a:ext uri="{0D108BD9-81ED-4DB2-BD59-A6C34878D82A}">
-                    <a16:rowId xmlns:a16="http://schemas.microsoft.com/office/drawing/2014/main" xmlns="" val="321066646"/>
+                    <a16:rowId xmlns="" xmlns:a16="http://schemas.microsoft.com/office/drawing/2014/main" val="321066646"/>
                   </a:ext>
                 </a:extLst>
               </a:tr>
@@ -5600,7 +6346,7 @@
                 </a:tc>
                 <a:extLst>
                   <a:ext uri="{0D108BD9-81ED-4DB2-BD59-A6C34878D82A}">
-                    <a16:rowId xmlns:a16="http://schemas.microsoft.com/office/drawing/2014/main" xmlns="" val="3812060533"/>
+                    <a16:rowId xmlns="" xmlns:a16="http://schemas.microsoft.com/office/drawing/2014/main" val="3812060533"/>
                   </a:ext>
                 </a:extLst>
               </a:tr>
@@ -5647,6 +6393,327 @@
                 </a:tc>
                 <a:extLst>
                   <a:ext uri="{0D108BD9-81ED-4DB2-BD59-A6C34878D82A}">
+                    <a16:rowId xmlns="" xmlns:a16="http://schemas.microsoft.com/office/drawing/2014/main" val="733235577"/>
+                  </a:ext>
+                </a:extLst>
+              </a:tr>
+            </a:tbl>
+          </a:graphicData>
+        </a:graphic>
+      </p:graphicFrame>
+      <p:graphicFrame>
+        <p:nvGraphicFramePr>
+          <p:cNvPr id="5" name="Content Placeholder 3"/>
+          <p:cNvGraphicFramePr>
+            <a:graphicFrameLocks/>
+          </p:cNvGraphicFramePr>
+          <p:nvPr>
+            <p:extLst>
+              <p:ext uri="{D42A27DB-BD31-4B8C-83A1-F6EECF244321}">
+                <p14:modId xmlns:p14="http://schemas.microsoft.com/office/powerpoint/2010/main" val="4198713798"/>
+              </p:ext>
+            </p:extLst>
+          </p:nvPr>
+        </p:nvGraphicFramePr>
+        <p:xfrm>
+          <a:off x="379413" y="1417636"/>
+          <a:ext cx="11525250" cy="4259248"/>
+        </p:xfrm>
+        <a:graphic>
+          <a:graphicData uri="http://schemas.openxmlformats.org/drawingml/2006/table">
+            <a:tbl>
+              <a:tblPr firstRow="1" bandRow="1">
+                <a:tableStyleId>{5C22544A-7EE6-4342-B048-85BDC9FD1C3A}</a:tableStyleId>
+              </a:tblPr>
+              <a:tblGrid>
+                <a:gridCol w="5762625">
+                  <a:extLst>
+                    <a:ext uri="{9D8B030D-6E8A-4147-A177-3AD203B41FA5}">
+                      <a16:colId xmlns:a16="http://schemas.microsoft.com/office/drawing/2014/main" xmlns="" val="1632794655"/>
+                    </a:ext>
+                  </a:extLst>
+                </a:gridCol>
+                <a:gridCol w="5762625">
+                  <a:extLst>
+                    <a:ext uri="{9D8B030D-6E8A-4147-A177-3AD203B41FA5}">
+                      <a16:colId xmlns:a16="http://schemas.microsoft.com/office/drawing/2014/main" xmlns="" val="2011313899"/>
+                    </a:ext>
+                  </a:extLst>
+                </a:gridCol>
+              </a:tblGrid>
+              <a:tr h="767632">
+                <a:tc gridSpan="2">
+                  <a:txBody>
+                    <a:bodyPr/>
+                    <a:lstStyle/>
+                    <a:p>
+                      <a:r>
+                        <a:rPr lang="en-US" sz="3600" dirty="0" smtClean="0">
+                          <a:latin typeface="Segoe UI Light" panose="020B0502040204020203" pitchFamily="34" charset="0"/>
+                          <a:cs typeface="Segoe UI Light" panose="020B0502040204020203" pitchFamily="34" charset="0"/>
+                        </a:rPr>
+                        <a:t>Applications on Azure: Putting All the Pieces Together</a:t>
+                      </a:r>
+                      <a:endParaRPr lang="en-US" sz="3600" dirty="0">
+                        <a:latin typeface="Segoe UI Light" panose="020B0502040204020203" pitchFamily="34" charset="0"/>
+                        <a:cs typeface="Segoe UI Light" panose="020B0502040204020203" pitchFamily="34" charset="0"/>
+                      </a:endParaRPr>
+                    </a:p>
+                  </a:txBody>
+                  <a:tcPr anchor="ctr"/>
+                </a:tc>
+                <a:tc hMerge="1">
+                  <a:txBody>
+                    <a:bodyPr/>
+                    <a:lstStyle/>
+                    <a:p>
+                      <a:endParaRPr lang="en-US" dirty="0"/>
+                    </a:p>
+                  </a:txBody>
+                  <a:tcPr/>
+                </a:tc>
+                <a:extLst>
+                  <a:ext uri="{0D108BD9-81ED-4DB2-BD59-A6C34878D82A}">
+                    <a16:rowId xmlns:a16="http://schemas.microsoft.com/office/drawing/2014/main" xmlns="" val="1789177411"/>
+                  </a:ext>
+                </a:extLst>
+              </a:tr>
+              <a:tr h="767632">
+                <a:tc>
+                  <a:txBody>
+                    <a:bodyPr/>
+                    <a:lstStyle/>
+                    <a:p>
+                      <a:r>
+                        <a:rPr lang="en-US" sz="2400" dirty="0" smtClean="0">
+                          <a:latin typeface="Segoe UI Light" panose="020B0502040204020203" pitchFamily="34" charset="0"/>
+                          <a:cs typeface="Segoe UI Light" panose="020B0502040204020203" pitchFamily="34" charset="0"/>
+                        </a:rPr>
+                        <a:t>01 | Intro</a:t>
+                      </a:r>
+                      <a:endParaRPr lang="en-US" sz="2400" dirty="0">
+                        <a:latin typeface="Segoe UI Light" panose="020B0502040204020203" pitchFamily="34" charset="0"/>
+                        <a:cs typeface="Segoe UI Light" panose="020B0502040204020203" pitchFamily="34" charset="0"/>
+                      </a:endParaRPr>
+                    </a:p>
+                  </a:txBody>
+                  <a:tcPr anchor="ctr"/>
+                </a:tc>
+                <a:tc>
+                  <a:txBody>
+                    <a:bodyPr/>
+                    <a:lstStyle/>
+                    <a:p>
+                      <a:r>
+                        <a:rPr lang="en-US" sz="2400" dirty="0" smtClean="0">
+                          <a:latin typeface="Segoe UI Light" panose="020B0502040204020203" pitchFamily="34" charset="0"/>
+                          <a:cs typeface="Segoe UI Light" panose="020B0502040204020203" pitchFamily="34" charset="0"/>
+                        </a:rPr>
+                        <a:t>05 | Storing Data and Objects in Azure</a:t>
+                      </a:r>
+                      <a:endParaRPr lang="en-US" sz="2400" dirty="0">
+                        <a:latin typeface="Segoe UI Light" panose="020B0502040204020203" pitchFamily="34" charset="0"/>
+                        <a:cs typeface="Segoe UI Light" panose="020B0502040204020203" pitchFamily="34" charset="0"/>
+                      </a:endParaRPr>
+                    </a:p>
+                  </a:txBody>
+                  <a:tcPr anchor="ctr"/>
+                </a:tc>
+                <a:extLst>
+                  <a:ext uri="{0D108BD9-81ED-4DB2-BD59-A6C34878D82A}">
+                    <a16:rowId xmlns:a16="http://schemas.microsoft.com/office/drawing/2014/main" xmlns="" val="3842815335"/>
+                  </a:ext>
+                </a:extLst>
+              </a:tr>
+              <a:tr h="767632">
+                <a:tc>
+                  <a:txBody>
+                    <a:bodyPr/>
+                    <a:lstStyle/>
+                    <a:p>
+                      <a:r>
+                        <a:rPr lang="en-US" sz="2400" dirty="0" smtClean="0">
+                          <a:latin typeface="Segoe UI Light" panose="020B0502040204020203" pitchFamily="34" charset="0"/>
+                          <a:cs typeface="Segoe UI Light" panose="020B0502040204020203" pitchFamily="34" charset="0"/>
+                        </a:rPr>
+                        <a:t>02 | Exploring Application Architecture</a:t>
+                      </a:r>
+                      <a:endParaRPr lang="en-US" sz="2400" dirty="0">
+                        <a:latin typeface="Segoe UI Light" panose="020B0502040204020203" pitchFamily="34" charset="0"/>
+                        <a:cs typeface="Segoe UI Light" panose="020B0502040204020203" pitchFamily="34" charset="0"/>
+                      </a:endParaRPr>
+                    </a:p>
+                  </a:txBody>
+                  <a:tcPr anchor="ctr"/>
+                </a:tc>
+                <a:tc>
+                  <a:txBody>
+                    <a:bodyPr/>
+                    <a:lstStyle/>
+                    <a:p>
+                      <a:r>
+                        <a:rPr lang="en-US" sz="2400" dirty="0" smtClean="0">
+                          <a:latin typeface="Segoe UI Light" panose="020B0502040204020203" pitchFamily="34" charset="0"/>
+                          <a:cs typeface="Segoe UI Light" panose="020B0502040204020203" pitchFamily="34" charset="0"/>
+                        </a:rPr>
+                        <a:t>06 | </a:t>
+                      </a:r>
+                      <a:r>
+                        <a:rPr lang="en-US" sz="2400" dirty="0" err="1" smtClean="0">
+                          <a:latin typeface="Segoe UI Light" panose="020B0502040204020203" pitchFamily="34" charset="0"/>
+                          <a:cs typeface="Segoe UI Light" panose="020B0502040204020203" pitchFamily="34" charset="0"/>
+                        </a:rPr>
+                        <a:t>ElasticSearch</a:t>
+                      </a:r>
+                      <a:r>
+                        <a:rPr lang="en-US" sz="2400" dirty="0" smtClean="0">
+                          <a:latin typeface="Segoe UI Light" panose="020B0502040204020203" pitchFamily="34" charset="0"/>
+                          <a:cs typeface="Segoe UI Light" panose="020B0502040204020203" pitchFamily="34" charset="0"/>
+                        </a:rPr>
+                        <a:t>,</a:t>
+                      </a:r>
+                      <a:r>
+                        <a:rPr lang="en-US" sz="2400" baseline="0" dirty="0" smtClean="0">
+                          <a:latin typeface="Segoe UI Light" panose="020B0502040204020203" pitchFamily="34" charset="0"/>
+                          <a:cs typeface="Segoe UI Light" panose="020B0502040204020203" pitchFamily="34" charset="0"/>
+                        </a:rPr>
+                        <a:t> </a:t>
+                      </a:r>
+                      <a:r>
+                        <a:rPr lang="en-US" sz="2400" dirty="0" smtClean="0">
+                          <a:latin typeface="Segoe UI Light" panose="020B0502040204020203" pitchFamily="34" charset="0"/>
+                          <a:cs typeface="Segoe UI Light" panose="020B0502040204020203" pitchFamily="34" charset="0"/>
+                        </a:rPr>
+                        <a:t>Docker and YOU</a:t>
+                      </a:r>
+                      <a:endParaRPr lang="en-US" sz="2400" dirty="0">
+                        <a:latin typeface="Segoe UI Light" panose="020B0502040204020203" pitchFamily="34" charset="0"/>
+                        <a:cs typeface="Segoe UI Light" panose="020B0502040204020203" pitchFamily="34" charset="0"/>
+                      </a:endParaRPr>
+                    </a:p>
+                  </a:txBody>
+                  <a:tcPr anchor="ctr"/>
+                </a:tc>
+                <a:extLst>
+                  <a:ext uri="{0D108BD9-81ED-4DB2-BD59-A6C34878D82A}">
+                    <a16:rowId xmlns:a16="http://schemas.microsoft.com/office/drawing/2014/main" xmlns="" val="321066646"/>
+                  </a:ext>
+                </a:extLst>
+              </a:tr>
+              <a:tr h="767632">
+                <a:tc>
+                  <a:txBody>
+                    <a:bodyPr/>
+                    <a:lstStyle/>
+                    <a:p>
+                      <a:pPr marL="0" marR="0" indent="0" algn="l" defTabSz="914088" rtl="0" eaLnBrk="1" fontAlgn="auto" latinLnBrk="0" hangingPunct="1">
+                        <a:lnSpc>
+                          <a:spcPct val="100000"/>
+                        </a:lnSpc>
+                        <a:spcBef>
+                          <a:spcPts val="0"/>
+                        </a:spcBef>
+                        <a:spcAft>
+                          <a:spcPts val="0"/>
+                        </a:spcAft>
+                        <a:buClrTx/>
+                        <a:buSzTx/>
+                        <a:buFontTx/>
+                        <a:buNone/>
+                        <a:tabLst/>
+                        <a:defRPr/>
+                      </a:pPr>
+                      <a:r>
+                        <a:rPr lang="en-US" sz="2400" dirty="0" smtClean="0">
+                          <a:latin typeface="Segoe UI Light" panose="020B0502040204020203" pitchFamily="34" charset="0"/>
+                          <a:cs typeface="Segoe UI Light" panose="020B0502040204020203" pitchFamily="34" charset="0"/>
+                        </a:rPr>
+                        <a:t>03</a:t>
+                      </a:r>
+                      <a:r>
+                        <a:rPr lang="en-US" sz="2400" baseline="0" dirty="0" smtClean="0">
+                          <a:latin typeface="Segoe UI Light" panose="020B0502040204020203" pitchFamily="34" charset="0"/>
+                          <a:cs typeface="Segoe UI Light" panose="020B0502040204020203" pitchFamily="34" charset="0"/>
+                        </a:rPr>
+                        <a:t> | Working with Azure DNS Services</a:t>
+                      </a:r>
+                      <a:endParaRPr lang="en-US" sz="2400" dirty="0" smtClean="0">
+                        <a:latin typeface="Segoe UI Light" panose="020B0502040204020203" pitchFamily="34" charset="0"/>
+                        <a:cs typeface="Segoe UI Light" panose="020B0502040204020203" pitchFamily="34" charset="0"/>
+                      </a:endParaRPr>
+                    </a:p>
+                  </a:txBody>
+                  <a:tcPr anchor="ctr"/>
+                </a:tc>
+                <a:tc>
+                  <a:txBody>
+                    <a:bodyPr/>
+                    <a:lstStyle/>
+                    <a:p>
+                      <a:r>
+                        <a:rPr lang="en-US" sz="2400" dirty="0" smtClean="0">
+                          <a:latin typeface="Segoe UI Light" panose="020B0502040204020203" pitchFamily="34" charset="0"/>
+                          <a:cs typeface="Segoe UI Light" panose="020B0502040204020203" pitchFamily="34" charset="0"/>
+                        </a:rPr>
+                        <a:t>07 | Scaling Your Application Under Load</a:t>
+                      </a:r>
+                      <a:endParaRPr lang="en-US" sz="2400" dirty="0">
+                        <a:latin typeface="Segoe UI Light" panose="020B0502040204020203" pitchFamily="34" charset="0"/>
+                        <a:cs typeface="Segoe UI Light" panose="020B0502040204020203" pitchFamily="34" charset="0"/>
+                      </a:endParaRPr>
+                    </a:p>
+                  </a:txBody>
+                  <a:tcPr anchor="ctr"/>
+                </a:tc>
+                <a:extLst>
+                  <a:ext uri="{0D108BD9-81ED-4DB2-BD59-A6C34878D82A}">
+                    <a16:rowId xmlns:a16="http://schemas.microsoft.com/office/drawing/2014/main" xmlns="" val="3812060533"/>
+                  </a:ext>
+                </a:extLst>
+              </a:tr>
+              <a:tr h="767632">
+                <a:tc>
+                  <a:txBody>
+                    <a:bodyPr/>
+                    <a:lstStyle/>
+                    <a:p>
+                      <a:r>
+                        <a:rPr lang="en-US" sz="2400" dirty="0" smtClean="0">
+                          <a:latin typeface="Segoe UI Light" panose="020B0502040204020203" pitchFamily="34" charset="0"/>
+                          <a:cs typeface="Segoe UI Light" panose="020B0502040204020203" pitchFamily="34" charset="0"/>
+                        </a:rPr>
+                        <a:t>04 | Executing Large Tasks in the Cloud</a:t>
+                      </a:r>
+                      <a:endParaRPr lang="en-US" sz="2400" dirty="0">
+                        <a:latin typeface="Segoe UI Light" panose="020B0502040204020203" pitchFamily="34" charset="0"/>
+                        <a:cs typeface="Segoe UI Light" panose="020B0502040204020203" pitchFamily="34" charset="0"/>
+                      </a:endParaRPr>
+                    </a:p>
+                  </a:txBody>
+                  <a:tcPr anchor="ctr"/>
+                </a:tc>
+                <a:tc>
+                  <a:txBody>
+                    <a:bodyPr/>
+                    <a:lstStyle/>
+                    <a:p>
+                      <a:r>
+                        <a:rPr lang="en-US" sz="2400" dirty="0" smtClean="0">
+                          <a:latin typeface="Segoe UI Light" panose="020B0502040204020203" pitchFamily="34" charset="0"/>
+                          <a:cs typeface="Segoe UI Light" panose="020B0502040204020203" pitchFamily="34" charset="0"/>
+                        </a:rPr>
+                        <a:t>08 | Rewind</a:t>
+                      </a:r>
+                      <a:endParaRPr lang="en-US" sz="2400" dirty="0">
+                        <a:latin typeface="Segoe UI Light" panose="020B0502040204020203" pitchFamily="34" charset="0"/>
+                        <a:cs typeface="Segoe UI Light" panose="020B0502040204020203" pitchFamily="34" charset="0"/>
+                      </a:endParaRPr>
+                    </a:p>
+                  </a:txBody>
+                  <a:tcPr anchor="ctr"/>
+                </a:tc>
+                <a:extLst>
+                  <a:ext uri="{0D108BD9-81ED-4DB2-BD59-A6C34878D82A}">
                     <a16:rowId xmlns:a16="http://schemas.microsoft.com/office/drawing/2014/main" xmlns="" val="733235577"/>
                   </a:ext>
                 </a:extLst>
@@ -5676,7 +6743,7 @@
   <p:timing>
     <p:tnLst>
       <p:par>
-        <p:cTn id="1" dur="indefinite" restart="never" nodeType="tmRoot"/>
+        <p:cTn xmlns:p14="http://schemas.microsoft.com/office/powerpoint/2010/main" id="1" dur="indefinite" restart="never" nodeType="tmRoot"/>
       </p:par>
     </p:tnLst>
   </p:timing>
@@ -5755,14 +6822,14 @@
                 <a:gridCol w="5762625">
                   <a:extLst>
                     <a:ext uri="{9D8B030D-6E8A-4147-A177-3AD203B41FA5}">
-                      <a16:colId xmlns:a16="http://schemas.microsoft.com/office/drawing/2014/main" xmlns="" val="1632794655"/>
+                      <a16:colId xmlns="" xmlns:a16="http://schemas.microsoft.com/office/drawing/2014/main" val="1632794655"/>
                     </a:ext>
                   </a:extLst>
                 </a:gridCol>
                 <a:gridCol w="5762625">
                   <a:extLst>
                     <a:ext uri="{9D8B030D-6E8A-4147-A177-3AD203B41FA5}">
-                      <a16:colId xmlns:a16="http://schemas.microsoft.com/office/drawing/2014/main" xmlns="" val="2011313899"/>
+                      <a16:colId xmlns="" xmlns:a16="http://schemas.microsoft.com/office/drawing/2014/main" val="2011313899"/>
                     </a:ext>
                   </a:extLst>
                 </a:gridCol>
@@ -5807,7 +6874,7 @@
                 </a:tc>
                 <a:extLst>
                   <a:ext uri="{0D108BD9-81ED-4DB2-BD59-A6C34878D82A}">
-                    <a16:rowId xmlns:a16="http://schemas.microsoft.com/office/drawing/2014/main" xmlns="" val="1789177411"/>
+                    <a16:rowId xmlns="" xmlns:a16="http://schemas.microsoft.com/office/drawing/2014/main" val="1789177411"/>
                   </a:ext>
                 </a:extLst>
               </a:tr>
@@ -5878,7 +6945,7 @@
                 </a:tc>
                 <a:extLst>
                   <a:ext uri="{0D108BD9-81ED-4DB2-BD59-A6C34878D82A}">
-                    <a16:rowId xmlns:a16="http://schemas.microsoft.com/office/drawing/2014/main" xmlns="" val="3842815335"/>
+                    <a16:rowId xmlns="" xmlns:a16="http://schemas.microsoft.com/office/drawing/2014/main" val="3842815335"/>
                   </a:ext>
                 </a:extLst>
               </a:tr>
@@ -5935,7 +7002,7 @@
                 </a:tc>
                 <a:extLst>
                   <a:ext uri="{0D108BD9-81ED-4DB2-BD59-A6C34878D82A}">
-                    <a16:rowId xmlns:a16="http://schemas.microsoft.com/office/drawing/2014/main" xmlns="" val="321066646"/>
+                    <a16:rowId xmlns="" xmlns:a16="http://schemas.microsoft.com/office/drawing/2014/main" val="321066646"/>
                   </a:ext>
                 </a:extLst>
               </a:tr>
@@ -6020,7 +7087,7 @@
                 </a:tc>
                 <a:extLst>
                   <a:ext uri="{0D108BD9-81ED-4DB2-BD59-A6C34878D82A}">
-                    <a16:rowId xmlns:a16="http://schemas.microsoft.com/office/drawing/2014/main" xmlns="" val="3812060533"/>
+                    <a16:rowId xmlns="" xmlns:a16="http://schemas.microsoft.com/office/drawing/2014/main" val="3812060533"/>
                   </a:ext>
                 </a:extLst>
               </a:tr>
@@ -6067,6 +7134,327 @@
                 </a:tc>
                 <a:extLst>
                   <a:ext uri="{0D108BD9-81ED-4DB2-BD59-A6C34878D82A}">
+                    <a16:rowId xmlns="" xmlns:a16="http://schemas.microsoft.com/office/drawing/2014/main" val="733235577"/>
+                  </a:ext>
+                </a:extLst>
+              </a:tr>
+            </a:tbl>
+          </a:graphicData>
+        </a:graphic>
+      </p:graphicFrame>
+      <p:graphicFrame>
+        <p:nvGraphicFramePr>
+          <p:cNvPr id="5" name="Content Placeholder 3"/>
+          <p:cNvGraphicFramePr>
+            <a:graphicFrameLocks/>
+          </p:cNvGraphicFramePr>
+          <p:nvPr>
+            <p:extLst>
+              <p:ext uri="{D42A27DB-BD31-4B8C-83A1-F6EECF244321}">
+                <p14:modId xmlns:p14="http://schemas.microsoft.com/office/powerpoint/2010/main" val="1556894735"/>
+              </p:ext>
+            </p:extLst>
+          </p:nvPr>
+        </p:nvGraphicFramePr>
+        <p:xfrm>
+          <a:off x="379413" y="1417636"/>
+          <a:ext cx="11525250" cy="4314576"/>
+        </p:xfrm>
+        <a:graphic>
+          <a:graphicData uri="http://schemas.openxmlformats.org/drawingml/2006/table">
+            <a:tbl>
+              <a:tblPr firstRow="1" bandRow="1">
+                <a:tableStyleId>{5C22544A-7EE6-4342-B048-85BDC9FD1C3A}</a:tableStyleId>
+              </a:tblPr>
+              <a:tblGrid>
+                <a:gridCol w="5762625">
+                  <a:extLst>
+                    <a:ext uri="{9D8B030D-6E8A-4147-A177-3AD203B41FA5}">
+                      <a16:colId xmlns:a16="http://schemas.microsoft.com/office/drawing/2014/main" xmlns="" val="1632794655"/>
+                    </a:ext>
+                  </a:extLst>
+                </a:gridCol>
+                <a:gridCol w="5762625">
+                  <a:extLst>
+                    <a:ext uri="{9D8B030D-6E8A-4147-A177-3AD203B41FA5}">
+                      <a16:colId xmlns:a16="http://schemas.microsoft.com/office/drawing/2014/main" xmlns="" val="2011313899"/>
+                    </a:ext>
+                  </a:extLst>
+                </a:gridCol>
+              </a:tblGrid>
+              <a:tr h="767632">
+                <a:tc gridSpan="2">
+                  <a:txBody>
+                    <a:bodyPr/>
+                    <a:lstStyle/>
+                    <a:p>
+                      <a:r>
+                        <a:rPr lang="en-US" sz="3600" dirty="0" smtClean="0">
+                          <a:latin typeface="Segoe UI Light" panose="020B0502040204020203" pitchFamily="34" charset="0"/>
+                          <a:cs typeface="Segoe UI Light" panose="020B0502040204020203" pitchFamily="34" charset="0"/>
+                        </a:rPr>
+                        <a:t>Applications on Azure: Putting All the Pieces Together</a:t>
+                      </a:r>
+                      <a:endParaRPr lang="en-US" sz="3600" dirty="0">
+                        <a:latin typeface="Segoe UI Light" panose="020B0502040204020203" pitchFamily="34" charset="0"/>
+                        <a:cs typeface="Segoe UI Light" panose="020B0502040204020203" pitchFamily="34" charset="0"/>
+                      </a:endParaRPr>
+                    </a:p>
+                  </a:txBody>
+                  <a:tcPr anchor="ctr"/>
+                </a:tc>
+                <a:tc hMerge="1">
+                  <a:txBody>
+                    <a:bodyPr/>
+                    <a:lstStyle/>
+                    <a:p>
+                      <a:endParaRPr lang="en-US" dirty="0"/>
+                    </a:p>
+                  </a:txBody>
+                  <a:tcPr/>
+                </a:tc>
+                <a:extLst>
+                  <a:ext uri="{0D108BD9-81ED-4DB2-BD59-A6C34878D82A}">
+                    <a16:rowId xmlns:a16="http://schemas.microsoft.com/office/drawing/2014/main" xmlns="" val="1789177411"/>
+                  </a:ext>
+                </a:extLst>
+              </a:tr>
+              <a:tr h="767632">
+                <a:tc>
+                  <a:txBody>
+                    <a:bodyPr/>
+                    <a:lstStyle/>
+                    <a:p>
+                      <a:r>
+                        <a:rPr lang="en-US" sz="2400" dirty="0" smtClean="0">
+                          <a:latin typeface="Segoe UI Light" panose="020B0502040204020203" pitchFamily="34" charset="0"/>
+                          <a:cs typeface="Segoe UI Light" panose="020B0502040204020203" pitchFamily="34" charset="0"/>
+                        </a:rPr>
+                        <a:t>01 | Intro</a:t>
+                      </a:r>
+                      <a:endParaRPr lang="en-US" sz="2400" dirty="0">
+                        <a:latin typeface="Segoe UI Light" panose="020B0502040204020203" pitchFamily="34" charset="0"/>
+                        <a:cs typeface="Segoe UI Light" panose="020B0502040204020203" pitchFamily="34" charset="0"/>
+                      </a:endParaRPr>
+                    </a:p>
+                  </a:txBody>
+                  <a:tcPr anchor="ctr"/>
+                </a:tc>
+                <a:tc>
+                  <a:txBody>
+                    <a:bodyPr/>
+                    <a:lstStyle/>
+                    <a:p>
+                      <a:r>
+                        <a:rPr lang="en-US" sz="2400" dirty="0" smtClean="0">
+                          <a:latin typeface="Segoe UI Light" panose="020B0502040204020203" pitchFamily="34" charset="0"/>
+                          <a:cs typeface="Segoe UI Light" panose="020B0502040204020203" pitchFamily="34" charset="0"/>
+                        </a:rPr>
+                        <a:t>05 | Storing Data and Objects in Azure</a:t>
+                      </a:r>
+                      <a:endParaRPr lang="en-US" sz="2400" dirty="0">
+                        <a:latin typeface="Segoe UI Light" panose="020B0502040204020203" pitchFamily="34" charset="0"/>
+                        <a:cs typeface="Segoe UI Light" panose="020B0502040204020203" pitchFamily="34" charset="0"/>
+                      </a:endParaRPr>
+                    </a:p>
+                  </a:txBody>
+                  <a:tcPr anchor="ctr"/>
+                </a:tc>
+                <a:extLst>
+                  <a:ext uri="{0D108BD9-81ED-4DB2-BD59-A6C34878D82A}">
+                    <a16:rowId xmlns:a16="http://schemas.microsoft.com/office/drawing/2014/main" xmlns="" val="3842815335"/>
+                  </a:ext>
+                </a:extLst>
+              </a:tr>
+              <a:tr h="767632">
+                <a:tc>
+                  <a:txBody>
+                    <a:bodyPr/>
+                    <a:lstStyle/>
+                    <a:p>
+                      <a:r>
+                        <a:rPr lang="en-US" sz="2400" dirty="0" smtClean="0">
+                          <a:latin typeface="Segoe UI Light" panose="020B0502040204020203" pitchFamily="34" charset="0"/>
+                          <a:cs typeface="Segoe UI Light" panose="020B0502040204020203" pitchFamily="34" charset="0"/>
+                        </a:rPr>
+                        <a:t>02 | Exploring Application Architecture</a:t>
+                      </a:r>
+                      <a:endParaRPr lang="en-US" sz="2400" dirty="0">
+                        <a:latin typeface="Segoe UI Light" panose="020B0502040204020203" pitchFamily="34" charset="0"/>
+                        <a:cs typeface="Segoe UI Light" panose="020B0502040204020203" pitchFamily="34" charset="0"/>
+                      </a:endParaRPr>
+                    </a:p>
+                  </a:txBody>
+                  <a:tcPr anchor="ctr"/>
+                </a:tc>
+                <a:tc>
+                  <a:txBody>
+                    <a:bodyPr/>
+                    <a:lstStyle/>
+                    <a:p>
+                      <a:r>
+                        <a:rPr lang="en-US" sz="2400" dirty="0" smtClean="0">
+                          <a:latin typeface="Segoe UI Light" panose="020B0502040204020203" pitchFamily="34" charset="0"/>
+                          <a:cs typeface="Segoe UI Light" panose="020B0502040204020203" pitchFamily="34" charset="0"/>
+                        </a:rPr>
+                        <a:t>06 | </a:t>
+                      </a:r>
+                      <a:r>
+                        <a:rPr lang="en-US" sz="2400" dirty="0" err="1" smtClean="0">
+                          <a:latin typeface="Segoe UI Light" panose="020B0502040204020203" pitchFamily="34" charset="0"/>
+                          <a:cs typeface="Segoe UI Light" panose="020B0502040204020203" pitchFamily="34" charset="0"/>
+                        </a:rPr>
+                        <a:t>ElasticSearch</a:t>
+                      </a:r>
+                      <a:r>
+                        <a:rPr lang="en-US" sz="2400" dirty="0" smtClean="0">
+                          <a:latin typeface="Segoe UI Light" panose="020B0502040204020203" pitchFamily="34" charset="0"/>
+                          <a:cs typeface="Segoe UI Light" panose="020B0502040204020203" pitchFamily="34" charset="0"/>
+                        </a:rPr>
+                        <a:t>,</a:t>
+                      </a:r>
+                      <a:r>
+                        <a:rPr lang="en-US" sz="2400" baseline="0" dirty="0" smtClean="0">
+                          <a:latin typeface="Segoe UI Light" panose="020B0502040204020203" pitchFamily="34" charset="0"/>
+                          <a:cs typeface="Segoe UI Light" panose="020B0502040204020203" pitchFamily="34" charset="0"/>
+                        </a:rPr>
+                        <a:t> </a:t>
+                      </a:r>
+                      <a:r>
+                        <a:rPr lang="en-US" sz="2400" dirty="0" smtClean="0">
+                          <a:latin typeface="Segoe UI Light" panose="020B0502040204020203" pitchFamily="34" charset="0"/>
+                          <a:cs typeface="Segoe UI Light" panose="020B0502040204020203" pitchFamily="34" charset="0"/>
+                        </a:rPr>
+                        <a:t>Docker and YOU</a:t>
+                      </a:r>
+                      <a:endParaRPr lang="en-US" sz="2400" dirty="0">
+                        <a:latin typeface="Segoe UI Light" panose="020B0502040204020203" pitchFamily="34" charset="0"/>
+                        <a:cs typeface="Segoe UI Light" panose="020B0502040204020203" pitchFamily="34" charset="0"/>
+                      </a:endParaRPr>
+                    </a:p>
+                  </a:txBody>
+                  <a:tcPr anchor="ctr"/>
+                </a:tc>
+                <a:extLst>
+                  <a:ext uri="{0D108BD9-81ED-4DB2-BD59-A6C34878D82A}">
+                    <a16:rowId xmlns:a16="http://schemas.microsoft.com/office/drawing/2014/main" xmlns="" val="321066646"/>
+                  </a:ext>
+                </a:extLst>
+              </a:tr>
+              <a:tr h="767632">
+                <a:tc>
+                  <a:txBody>
+                    <a:bodyPr/>
+                    <a:lstStyle/>
+                    <a:p>
+                      <a:pPr marL="0" marR="0" indent="0" algn="l" defTabSz="914088" rtl="0" eaLnBrk="1" fontAlgn="auto" latinLnBrk="0" hangingPunct="1">
+                        <a:lnSpc>
+                          <a:spcPct val="100000"/>
+                        </a:lnSpc>
+                        <a:spcBef>
+                          <a:spcPts val="0"/>
+                        </a:spcBef>
+                        <a:spcAft>
+                          <a:spcPts val="0"/>
+                        </a:spcAft>
+                        <a:buClrTx/>
+                        <a:buSzTx/>
+                        <a:buFontTx/>
+                        <a:buNone/>
+                        <a:tabLst/>
+                        <a:defRPr/>
+                      </a:pPr>
+                      <a:r>
+                        <a:rPr lang="en-US" sz="2400" dirty="0" smtClean="0">
+                          <a:latin typeface="Segoe UI Light" panose="020B0502040204020203" pitchFamily="34" charset="0"/>
+                          <a:cs typeface="Segoe UI Light" panose="020B0502040204020203" pitchFamily="34" charset="0"/>
+                        </a:rPr>
+                        <a:t>03</a:t>
+                      </a:r>
+                      <a:r>
+                        <a:rPr lang="en-US" sz="2400" baseline="0" dirty="0" smtClean="0">
+                          <a:latin typeface="Segoe UI Light" panose="020B0502040204020203" pitchFamily="34" charset="0"/>
+                          <a:cs typeface="Segoe UI Light" panose="020B0502040204020203" pitchFamily="34" charset="0"/>
+                        </a:rPr>
+                        <a:t> | Working with Azure DNS Services</a:t>
+                      </a:r>
+                      <a:endParaRPr lang="en-US" sz="2400" dirty="0" smtClean="0">
+                        <a:latin typeface="Segoe UI Light" panose="020B0502040204020203" pitchFamily="34" charset="0"/>
+                        <a:cs typeface="Segoe UI Light" panose="020B0502040204020203" pitchFamily="34" charset="0"/>
+                      </a:endParaRPr>
+                    </a:p>
+                  </a:txBody>
+                  <a:tcPr anchor="ctr"/>
+                </a:tc>
+                <a:tc>
+                  <a:txBody>
+                    <a:bodyPr/>
+                    <a:lstStyle/>
+                    <a:p>
+                      <a:r>
+                        <a:rPr lang="en-US" sz="2400" dirty="0" smtClean="0">
+                          <a:latin typeface="Segoe UI Light" panose="020B0502040204020203" pitchFamily="34" charset="0"/>
+                          <a:cs typeface="Segoe UI Light" panose="020B0502040204020203" pitchFamily="34" charset="0"/>
+                        </a:rPr>
+                        <a:t>07 | Scaling Your Application Under Load</a:t>
+                      </a:r>
+                      <a:endParaRPr lang="en-US" sz="2400" dirty="0">
+                        <a:latin typeface="Segoe UI Light" panose="020B0502040204020203" pitchFamily="34" charset="0"/>
+                        <a:cs typeface="Segoe UI Light" panose="020B0502040204020203" pitchFamily="34" charset="0"/>
+                      </a:endParaRPr>
+                    </a:p>
+                  </a:txBody>
+                  <a:tcPr anchor="ctr"/>
+                </a:tc>
+                <a:extLst>
+                  <a:ext uri="{0D108BD9-81ED-4DB2-BD59-A6C34878D82A}">
+                    <a16:rowId xmlns:a16="http://schemas.microsoft.com/office/drawing/2014/main" xmlns="" val="3812060533"/>
+                  </a:ext>
+                </a:extLst>
+              </a:tr>
+              <a:tr h="767632">
+                <a:tc>
+                  <a:txBody>
+                    <a:bodyPr/>
+                    <a:lstStyle/>
+                    <a:p>
+                      <a:r>
+                        <a:rPr lang="en-US" sz="2400" b="1" dirty="0" smtClean="0">
+                          <a:latin typeface="Segoe UI Light" panose="020B0502040204020203" pitchFamily="34" charset="0"/>
+                          <a:cs typeface="Segoe UI Light" panose="020B0502040204020203" pitchFamily="34" charset="0"/>
+                        </a:rPr>
+                        <a:t>04 | Executing Large Tasks in the Cloud</a:t>
+                      </a:r>
+                      <a:endParaRPr lang="en-US" sz="2400" b="1" dirty="0">
+                        <a:latin typeface="Segoe UI Light" panose="020B0502040204020203" pitchFamily="34" charset="0"/>
+                        <a:cs typeface="Segoe UI Light" panose="020B0502040204020203" pitchFamily="34" charset="0"/>
+                      </a:endParaRPr>
+                    </a:p>
+                  </a:txBody>
+                  <a:tcPr anchor="ctr"/>
+                </a:tc>
+                <a:tc>
+                  <a:txBody>
+                    <a:bodyPr/>
+                    <a:lstStyle/>
+                    <a:p>
+                      <a:r>
+                        <a:rPr lang="en-US" sz="2400" dirty="0" smtClean="0">
+                          <a:latin typeface="Segoe UI Light" panose="020B0502040204020203" pitchFamily="34" charset="0"/>
+                          <a:cs typeface="Segoe UI Light" panose="020B0502040204020203" pitchFamily="34" charset="0"/>
+                        </a:rPr>
+                        <a:t>08 | Rewind</a:t>
+                      </a:r>
+                      <a:endParaRPr lang="en-US" sz="2400" dirty="0">
+                        <a:latin typeface="Segoe UI Light" panose="020B0502040204020203" pitchFamily="34" charset="0"/>
+                        <a:cs typeface="Segoe UI Light" panose="020B0502040204020203" pitchFamily="34" charset="0"/>
+                      </a:endParaRPr>
+                    </a:p>
+                  </a:txBody>
+                  <a:tcPr anchor="ctr"/>
+                </a:tc>
+                <a:extLst>
+                  <a:ext uri="{0D108BD9-81ED-4DB2-BD59-A6C34878D82A}">
                     <a16:rowId xmlns:a16="http://schemas.microsoft.com/office/drawing/2014/main" xmlns="" val="733235577"/>
                   </a:ext>
                 </a:extLst>
@@ -6096,7 +7484,7 @@
   <p:timing>
     <p:tnLst>
       <p:par>
-        <p:cTn id="1" dur="indefinite" restart="never" nodeType="tmRoot"/>
+        <p:cTn xmlns:p14="http://schemas.microsoft.com/office/powerpoint/2010/main" id="1" dur="indefinite" restart="never" nodeType="tmRoot"/>
       </p:par>
     </p:tnLst>
   </p:timing>
@@ -6161,53 +7549,6 @@
           <a:p>
             <a:pPr lvl="1"/>
             <a:endParaRPr lang="en-US" dirty="0" smtClean="0"/>
-          </a:p>
-        </p:txBody>
-      </p:sp>
-      <p:sp>
-        <p:nvSpPr>
-          <p:cNvPr id="5" name="TextBox 4"/>
-          <p:cNvSpPr txBox="1"/>
-          <p:nvPr/>
-        </p:nvSpPr>
-        <p:spPr>
-          <a:xfrm>
-            <a:off x="9906000" y="-1"/>
-            <a:ext cx="2286000" cy="2031325"/>
-          </a:xfrm>
-          <a:prstGeom prst="rect">
-            <a:avLst/>
-          </a:prstGeom>
-          <a:solidFill>
-            <a:srgbClr val="FFFF00"/>
-          </a:solidFill>
-          <a:ln>
-            <a:noFill/>
-          </a:ln>
-        </p:spPr>
-        <p:txBody>
-          <a:bodyPr wrap="square" rtlCol="0">
-            <a:spAutoFit/>
-          </a:bodyPr>
-          <a:lstStyle/>
-          <a:p>
-            <a:pPr algn="ctr"/>
-            <a:endParaRPr lang="en-US" dirty="0" smtClean="0"/>
-          </a:p>
-          <a:p>
-            <a:pPr algn="ctr"/>
-            <a:endParaRPr lang="en-US" dirty="0"/>
-          </a:p>
-          <a:p>
-            <a:pPr algn="ctr"/>
-            <a:r>
-              <a:rPr lang="en-US" dirty="0" smtClean="0"/>
-              <a:t>Please leave this area blank to allow for picture in picture recording</a:t>
-            </a:r>
-          </a:p>
-          <a:p>
-            <a:pPr algn="ctr"/>
-            <a:endParaRPr lang="en-US" dirty="0"/>
           </a:p>
         </p:txBody>
       </p:sp>
@@ -6248,7 +7589,7 @@
   <p:timing>
     <p:tnLst>
       <p:par>
-        <p:cTn id="1" dur="indefinite" restart="never" nodeType="tmRoot"/>
+        <p:cTn xmlns:p14="http://schemas.microsoft.com/office/powerpoint/2010/main" id="1" dur="indefinite" restart="never" nodeType="tmRoot"/>
       </p:par>
     </p:tnLst>
   </p:timing>
@@ -6256,6 +7597,74 @@
 </file>
 
 <file path=ppt/slides/slide5.xml><?xml version="1.0" encoding="utf-8"?>
+<p:sld xmlns:a="http://schemas.openxmlformats.org/drawingml/2006/main" xmlns:r="http://schemas.openxmlformats.org/officeDocument/2006/relationships" xmlns:p="http://schemas.openxmlformats.org/presentationml/2006/main">
+  <p:cSld>
+    <p:spTree>
+      <p:nvGrpSpPr>
+        <p:cNvPr id="1" name=""/>
+        <p:cNvGrpSpPr/>
+        <p:nvPr/>
+      </p:nvGrpSpPr>
+      <p:grpSpPr>
+        <a:xfrm>
+          <a:off x="0" y="0"/>
+          <a:ext cx="0" cy="0"/>
+          <a:chOff x="0" y="0"/>
+          <a:chExt cx="0" cy="0"/>
+        </a:xfrm>
+      </p:grpSpPr>
+      <p:sp>
+        <p:nvSpPr>
+          <p:cNvPr id="5" name="Text Placeholder 4"/>
+          <p:cNvSpPr>
+            <a:spLocks noGrp="1"/>
+          </p:cNvSpPr>
+          <p:nvPr>
+            <p:ph type="body" sz="quarter" idx="10"/>
+          </p:nvPr>
+        </p:nvSpPr>
+        <p:spPr>
+          <a:solidFill>
+            <a:srgbClr val="007233"/>
+          </a:solidFill>
+          <a:ln>
+            <a:noFill/>
+          </a:ln>
+        </p:spPr>
+        <p:txBody>
+          <a:bodyPr/>
+          <a:lstStyle/>
+          <a:p>
+            <a:pPr marL="914400" indent="-914400"/>
+            <a:r>
+              <a:rPr lang="en-US" dirty="0" smtClean="0"/>
+              <a:t>What’s a batch?</a:t>
+            </a:r>
+            <a:endParaRPr lang="en-US" dirty="0"/>
+          </a:p>
+        </p:txBody>
+      </p:sp>
+    </p:spTree>
+    <p:extLst>
+      <p:ext uri="{BB962C8B-B14F-4D97-AF65-F5344CB8AC3E}">
+        <p14:creationId xmlns:p14="http://schemas.microsoft.com/office/powerpoint/2010/main" val="2608947210"/>
+      </p:ext>
+    </p:extLst>
+  </p:cSld>
+  <p:clrMapOvr>
+    <a:masterClrMapping/>
+  </p:clrMapOvr>
+  <p:timing>
+    <p:tnLst>
+      <p:par>
+        <p:cTn xmlns:p14="http://schemas.microsoft.com/office/powerpoint/2010/main" id="1" dur="indefinite" restart="never" nodeType="tmRoot"/>
+      </p:par>
+    </p:tnLst>
+  </p:timing>
+</p:sld>
+</file>
+
+<file path=ppt/slides/slide6.xml><?xml version="1.0" encoding="utf-8"?>
 <p:sld xmlns:a="http://schemas.openxmlformats.org/drawingml/2006/main" xmlns:r="http://schemas.openxmlformats.org/officeDocument/2006/relationships" xmlns:p="http://schemas.openxmlformats.org/presentationml/2006/main">
   <p:cSld>
     <p:spTree>
@@ -6352,7 +7761,7 @@
           </a:prstGeom>
           <a:noFill/>
           <a:extLst>
-            <a:ext uri="{909E8E84-426E-40DD-AFC4-6F175D3DCCD1}">
+            <a:ext uri="{909E8E84-426E-40dd-AFC4-6F175D3DCCD1}">
               <a14:hiddenFill xmlns:a14="http://schemas.microsoft.com/office/drawing/2010/main">
                 <a:solidFill>
                   <a:srgbClr val="FFFFFF"/>
@@ -6468,167 +7877,7 @@
   <p:timing>
     <p:tnLst>
       <p:par>
-        <p:cTn id="1" dur="indefinite" restart="never" nodeType="tmRoot"/>
-      </p:par>
-    </p:tnLst>
-  </p:timing>
-</p:sld>
-</file>
-
-<file path=ppt/slides/slide6.xml><?xml version="1.0" encoding="utf-8"?>
-<p:sld xmlns:a="http://schemas.openxmlformats.org/drawingml/2006/main" xmlns:r="http://schemas.openxmlformats.org/officeDocument/2006/relationships" xmlns:p="http://schemas.openxmlformats.org/presentationml/2006/main">
-  <p:cSld>
-    <p:spTree>
-      <p:nvGrpSpPr>
-        <p:cNvPr id="1" name=""/>
-        <p:cNvGrpSpPr/>
-        <p:nvPr/>
-      </p:nvGrpSpPr>
-      <p:grpSpPr>
-        <a:xfrm>
-          <a:off x="0" y="0"/>
-          <a:ext cx="0" cy="0"/>
-          <a:chOff x="0" y="0"/>
-          <a:chExt cx="0" cy="0"/>
-        </a:xfrm>
-      </p:grpSpPr>
-      <p:sp>
-        <p:nvSpPr>
-          <p:cNvPr id="2" name="Title 1"/>
-          <p:cNvSpPr>
-            <a:spLocks noGrp="1"/>
-          </p:cNvSpPr>
-          <p:nvPr>
-            <p:ph type="title"/>
-          </p:nvPr>
-        </p:nvSpPr>
-        <p:spPr/>
-        <p:txBody>
-          <a:bodyPr/>
-          <a:lstStyle/>
-          <a:p>
-            <a:pPr lvl="0"/>
-            <a:r>
-              <a:rPr lang="en-US" dirty="0" smtClean="0"/>
-              <a:t>Examples of batches</a:t>
-            </a:r>
-            <a:endParaRPr lang="en-US" dirty="0"/>
-          </a:p>
-        </p:txBody>
-      </p:sp>
-      <p:sp>
-        <p:nvSpPr>
-          <p:cNvPr id="3" name="Content Placeholder 2"/>
-          <p:cNvSpPr>
-            <a:spLocks noGrp="1"/>
-          </p:cNvSpPr>
-          <p:nvPr>
-            <p:ph sz="quarter" idx="10"/>
-          </p:nvPr>
-        </p:nvSpPr>
-        <p:spPr/>
-        <p:txBody>
-          <a:bodyPr/>
-          <a:lstStyle/>
-          <a:p>
-            <a:pPr lvl="1"/>
-            <a:r>
-              <a:rPr lang="en-US" dirty="0" smtClean="0"/>
-              <a:t>Month end processing</a:t>
-            </a:r>
-          </a:p>
-          <a:p>
-            <a:pPr lvl="1"/>
-            <a:r>
-              <a:rPr lang="en-US" dirty="0" smtClean="0"/>
-              <a:t>Nightly reports</a:t>
-            </a:r>
-          </a:p>
-          <a:p>
-            <a:pPr lvl="1"/>
-            <a:r>
-              <a:rPr lang="en-US" dirty="0" smtClean="0"/>
-              <a:t>Encoding of videos</a:t>
-            </a:r>
-          </a:p>
-          <a:p>
-            <a:pPr lvl="1"/>
-            <a:r>
-              <a:rPr lang="en-US" dirty="0" smtClean="0"/>
-              <a:t>File format conversions</a:t>
-            </a:r>
-          </a:p>
-          <a:p>
-            <a:pPr lvl="1"/>
-            <a:r>
-              <a:rPr lang="en-US" dirty="0" smtClean="0"/>
-              <a:t>Scientific applications such as SETI or protein folding</a:t>
-            </a:r>
-            <a:endParaRPr lang="en-US" dirty="0" smtClean="0"/>
-          </a:p>
-        </p:txBody>
-      </p:sp>
-      <p:sp>
-        <p:nvSpPr>
-          <p:cNvPr id="5" name="TextBox 4"/>
-          <p:cNvSpPr txBox="1"/>
-          <p:nvPr/>
-        </p:nvSpPr>
-        <p:spPr>
-          <a:xfrm>
-            <a:off x="9906000" y="-1"/>
-            <a:ext cx="2286000" cy="2031325"/>
-          </a:xfrm>
-          <a:prstGeom prst="rect">
-            <a:avLst/>
-          </a:prstGeom>
-          <a:solidFill>
-            <a:srgbClr val="FFFF00"/>
-          </a:solidFill>
-          <a:ln>
-            <a:noFill/>
-          </a:ln>
-        </p:spPr>
-        <p:txBody>
-          <a:bodyPr wrap="square" rtlCol="0">
-            <a:spAutoFit/>
-          </a:bodyPr>
-          <a:lstStyle/>
-          <a:p>
-            <a:pPr algn="ctr"/>
-            <a:endParaRPr lang="en-US" dirty="0" smtClean="0"/>
-          </a:p>
-          <a:p>
-            <a:pPr algn="ctr"/>
-            <a:endParaRPr lang="en-US" dirty="0"/>
-          </a:p>
-          <a:p>
-            <a:pPr algn="ctr"/>
-            <a:r>
-              <a:rPr lang="en-US" dirty="0" smtClean="0"/>
-              <a:t>Please leave this area blank to allow for picture in picture recording</a:t>
-            </a:r>
-          </a:p>
-          <a:p>
-            <a:pPr algn="ctr"/>
-            <a:endParaRPr lang="en-US" dirty="0"/>
-          </a:p>
-        </p:txBody>
-      </p:sp>
-    </p:spTree>
-    <p:extLst>
-      <p:ext uri="{BB962C8B-B14F-4D97-AF65-F5344CB8AC3E}">
-        <p14:creationId xmlns:p14="http://schemas.microsoft.com/office/powerpoint/2010/main" val="3597305009"/>
-      </p:ext>
-    </p:extLst>
-  </p:cSld>
-  <p:clrMapOvr>
-    <a:masterClrMapping/>
-  </p:clrMapOvr>
-  <p:timing>
-    <p:tnLst>
-      <p:par>
-        <p:cTn id="1" dur="indefinite" restart="never" nodeType="tmRoot"/>
+        <p:cTn xmlns:p14="http://schemas.microsoft.com/office/powerpoint/2010/main" id="1" dur="indefinite" restart="never" nodeType="tmRoot"/>
       </p:par>
     </p:tnLst>
   </p:timing>
@@ -6678,95 +7927,7 @@
       </p:sp>
       <p:sp>
         <p:nvSpPr>
-          <p:cNvPr id="5" name="TextBox 4"/>
-          <p:cNvSpPr txBox="1"/>
-          <p:nvPr/>
-        </p:nvSpPr>
-        <p:spPr>
-          <a:xfrm>
-            <a:off x="9906000" y="-1"/>
-            <a:ext cx="2286000" cy="2031325"/>
-          </a:xfrm>
-          <a:prstGeom prst="rect">
-            <a:avLst/>
-          </a:prstGeom>
-          <a:solidFill>
-            <a:srgbClr val="FFFF00"/>
-          </a:solidFill>
-          <a:ln>
-            <a:noFill/>
-          </a:ln>
-        </p:spPr>
-        <p:txBody>
-          <a:bodyPr wrap="square" rtlCol="0">
-            <a:spAutoFit/>
-          </a:bodyPr>
-          <a:lstStyle/>
-          <a:p>
-            <a:pPr algn="ctr"/>
-            <a:endParaRPr lang="en-US" dirty="0" smtClean="0"/>
-          </a:p>
-          <a:p>
-            <a:pPr algn="ctr"/>
-            <a:endParaRPr lang="en-US" dirty="0"/>
-          </a:p>
-          <a:p>
-            <a:pPr algn="ctr"/>
-            <a:r>
-              <a:rPr lang="en-US" dirty="0" smtClean="0"/>
-              <a:t>Please leave this area blank to allow for picture in picture recording</a:t>
-            </a:r>
-          </a:p>
-          <a:p>
-            <a:pPr algn="ctr"/>
-            <a:endParaRPr lang="en-US" dirty="0"/>
-          </a:p>
-        </p:txBody>
-      </p:sp>
-      <p:pic>
-        <p:nvPicPr>
-          <p:cNvPr id="2050" name="Picture 2" descr="http://www.josef-graef.de/zukunft/seti.gif"/>
-          <p:cNvPicPr>
-            <a:picLocks noChangeAspect="1" noChangeArrowheads="1"/>
-          </p:cNvPicPr>
-          <p:nvPr/>
-        </p:nvPicPr>
-        <p:blipFill>
-          <a:blip r:embed="rId3">
-            <a:extLst>
-              <a:ext uri="{28A0092B-C50C-407E-A947-70E740481C1C}">
-                <a14:useLocalDpi xmlns:a14="http://schemas.microsoft.com/office/drawing/2010/main" val="0"/>
-              </a:ext>
-            </a:extLst>
-          </a:blip>
-          <a:srcRect/>
-          <a:stretch>
-            <a:fillRect/>
-          </a:stretch>
-        </p:blipFill>
-        <p:spPr bwMode="auto">
-          <a:xfrm>
-            <a:off x="2964763" y="1918869"/>
-            <a:ext cx="6762750" cy="4229101"/>
-          </a:xfrm>
-          <a:prstGeom prst="rect">
-            <a:avLst/>
-          </a:prstGeom>
-          <a:noFill/>
-          <a:extLst>
-            <a:ext uri="{909E8E84-426E-40DD-AFC4-6F175D3DCCD1}">
-              <a14:hiddenFill xmlns:a14="http://schemas.microsoft.com/office/drawing/2010/main">
-                <a:solidFill>
-                  <a:srgbClr val="FFFFFF"/>
-                </a:solidFill>
-              </a14:hiddenFill>
-            </a:ext>
-          </a:extLst>
-        </p:spPr>
-      </p:pic>
-      <p:sp>
-        <p:nvSpPr>
-          <p:cNvPr id="4" name="Content Placeholder 3"/>
+          <p:cNvPr id="3" name="Content Placeholder 2"/>
           <p:cNvSpPr>
             <a:spLocks noGrp="1"/>
           </p:cNvSpPr>
@@ -6779,14 +7940,46 @@
           <a:bodyPr/>
           <a:lstStyle/>
           <a:p>
-            <a:endParaRPr lang="en-US"/>
+            <a:pPr lvl="1"/>
+            <a:r>
+              <a:rPr lang="en-US" dirty="0" smtClean="0"/>
+              <a:t>Month end processing</a:t>
+            </a:r>
+          </a:p>
+          <a:p>
+            <a:pPr lvl="1"/>
+            <a:r>
+              <a:rPr lang="en-US" dirty="0" smtClean="0"/>
+              <a:t>Nightly reports</a:t>
+            </a:r>
+          </a:p>
+          <a:p>
+            <a:pPr lvl="1"/>
+            <a:r>
+              <a:rPr lang="en-US" dirty="0" smtClean="0"/>
+              <a:t>Encoding of videos</a:t>
+            </a:r>
+          </a:p>
+          <a:p>
+            <a:pPr lvl="1"/>
+            <a:r>
+              <a:rPr lang="en-US" dirty="0" smtClean="0"/>
+              <a:t>File format conversions</a:t>
+            </a:r>
+          </a:p>
+          <a:p>
+            <a:pPr lvl="1"/>
+            <a:r>
+              <a:rPr lang="en-US" dirty="0" smtClean="0"/>
+              <a:t>Scientific applications such as SETI or protein folding</a:t>
+            </a:r>
           </a:p>
         </p:txBody>
       </p:sp>
     </p:spTree>
     <p:extLst>
       <p:ext uri="{BB962C8B-B14F-4D97-AF65-F5344CB8AC3E}">
-        <p14:creationId xmlns:p14="http://schemas.microsoft.com/office/powerpoint/2010/main" val="781360447"/>
+        <p14:creationId xmlns:p14="http://schemas.microsoft.com/office/powerpoint/2010/main" val="3597305009"/>
       </p:ext>
     </p:extLst>
   </p:cSld>
@@ -6796,7 +7989,7 @@
   <p:timing>
     <p:tnLst>
       <p:par>
-        <p:cTn id="1" dur="indefinite" restart="never" nodeType="tmRoot"/>
+        <p:cTn xmlns:p14="http://schemas.microsoft.com/office/powerpoint/2010/main" id="1" dur="indefinite" restart="never" nodeType="tmRoot"/>
       </p:par>
     </p:tnLst>
   </p:timing>
@@ -6838,7 +8031,7 @@
             <a:pPr lvl="0"/>
             <a:r>
               <a:rPr lang="en-US" dirty="0" smtClean="0"/>
-              <a:t>Azure Management Portal </a:t>
+              <a:t>Examples of batches</a:t>
             </a:r>
             <a:endParaRPr lang="en-US" dirty="0"/>
           </a:p>
@@ -6846,81 +8039,66 @@
       </p:sp>
       <p:sp>
         <p:nvSpPr>
-          <p:cNvPr id="5" name="TextBox 4"/>
-          <p:cNvSpPr txBox="1"/>
-          <p:nvPr/>
+          <p:cNvPr id="4" name="Content Placeholder 3"/>
+          <p:cNvSpPr>
+            <a:spLocks noGrp="1"/>
+          </p:cNvSpPr>
+          <p:nvPr>
+            <p:ph sz="quarter" idx="10"/>
+          </p:nvPr>
         </p:nvSpPr>
         <p:spPr>
           <a:xfrm>
-            <a:off x="9906000" y="-1"/>
-            <a:ext cx="2286000" cy="2031325"/>
+            <a:off x="323591" y="1332399"/>
+            <a:ext cx="11525250" cy="5290388"/>
           </a:xfrm>
-          <a:prstGeom prst="rect">
-            <a:avLst/>
-          </a:prstGeom>
-          <a:solidFill>
-            <a:srgbClr val="FFFF00"/>
-          </a:solidFill>
-          <a:ln>
-            <a:noFill/>
-          </a:ln>
         </p:spPr>
         <p:txBody>
-          <a:bodyPr wrap="square" rtlCol="0">
-            <a:spAutoFit/>
-          </a:bodyPr>
+          <a:bodyPr/>
           <a:lstStyle/>
           <a:p>
-            <a:pPr algn="ctr"/>
-            <a:endParaRPr lang="en-US" dirty="0" smtClean="0"/>
-          </a:p>
-          <a:p>
-            <a:pPr algn="ctr"/>
+            <a:r>
+              <a:rPr lang="en-US" dirty="0">
+                <a:hlinkClick r:id="rId3"/>
+              </a:rPr>
+              <a:t>https://setiathome.berkeley.edu</a:t>
+            </a:r>
+            <a:r>
+              <a:rPr lang="en-US" dirty="0" smtClean="0">
+                <a:hlinkClick r:id="rId3"/>
+              </a:rPr>
+              <a:t>/</a:t>
+            </a:r>
+            <a:r>
+              <a:rPr lang="en-US" dirty="0" smtClean="0"/>
+              <a:t> </a:t>
+            </a:r>
+          </a:p>
+          <a:p>
+            <a:r>
+              <a:rPr lang="en-US" dirty="0">
+                <a:hlinkClick r:id="rId4"/>
+              </a:rPr>
+              <a:t>https://boinc.berkeley.edu</a:t>
+            </a:r>
+            <a:r>
+              <a:rPr lang="en-US" dirty="0" smtClean="0">
+                <a:hlinkClick r:id="rId4"/>
+              </a:rPr>
+              <a:t>/</a:t>
+            </a:r>
+            <a:r>
+              <a:rPr lang="en-US" dirty="0" smtClean="0"/>
+              <a:t> </a:t>
+            </a:r>
             <a:endParaRPr lang="en-US" dirty="0"/>
           </a:p>
-          <a:p>
-            <a:pPr algn="ctr"/>
-            <a:r>
-              <a:rPr lang="en-US" dirty="0" smtClean="0"/>
-              <a:t>Please leave this area blank to allow for picture in picture recording</a:t>
-            </a:r>
-          </a:p>
-          <a:p>
-            <a:pPr algn="ctr"/>
-            <a:endParaRPr lang="en-US" dirty="0"/>
-          </a:p>
-        </p:txBody>
-      </p:sp>
-      <p:pic>
-        <p:nvPicPr>
-          <p:cNvPr id="3" name="Content Placeholder 2"/>
-          <p:cNvPicPr>
-            <a:picLocks noGrp="1" noChangeAspect="1"/>
-          </p:cNvPicPr>
-          <p:nvPr>
-            <p:ph sz="quarter" idx="10"/>
-          </p:nvPr>
-        </p:nvPicPr>
-        <p:blipFill>
-          <a:blip r:embed="rId3"/>
-          <a:stretch>
-            <a:fillRect/>
-          </a:stretch>
-        </p:blipFill>
-        <p:spPr>
-          <a:xfrm>
-            <a:off x="2756915" y="1015661"/>
-            <a:ext cx="6769629" cy="5291138"/>
-          </a:xfrm>
-          <a:prstGeom prst="rect">
-            <a:avLst/>
-          </a:prstGeom>
-        </p:spPr>
-      </p:pic>
+        </p:txBody>
+      </p:sp>
     </p:spTree>
     <p:extLst>
       <p:ext uri="{BB962C8B-B14F-4D97-AF65-F5344CB8AC3E}">
-        <p14:creationId xmlns:p14="http://schemas.microsoft.com/office/powerpoint/2010/main" val="1748946386"/>
+        <p14:creationId xmlns:p14="http://schemas.microsoft.com/office/powerpoint/2010/main" val="781360447"/>
       </p:ext>
     </p:extLst>
   </p:cSld>
@@ -6930,7 +8108,7 @@
   <p:timing>
     <p:tnLst>
       <p:par>
-        <p:cTn id="1" dur="indefinite" restart="never" nodeType="tmRoot"/>
+        <p:cTn xmlns:p14="http://schemas.microsoft.com/office/powerpoint/2010/main" id="1" dur="indefinite" restart="never" nodeType="tmRoot"/>
       </p:par>
     </p:tnLst>
   </p:timing>
@@ -6956,122 +8134,43 @@
       </p:grpSpPr>
       <p:sp>
         <p:nvSpPr>
-          <p:cNvPr id="2" name="Title 1"/>
+          <p:cNvPr id="5" name="Text Placeholder 4"/>
           <p:cNvSpPr>
             <a:spLocks noGrp="1"/>
           </p:cNvSpPr>
           <p:nvPr>
-            <p:ph type="title"/>
-          </p:nvPr>
-        </p:nvSpPr>
-        <p:spPr/>
-        <p:txBody>
-          <a:bodyPr/>
-          <a:lstStyle/>
-          <a:p>
-            <a:pPr lvl="0"/>
-            <a:r>
-              <a:rPr lang="en-US" dirty="0" smtClean="0"/>
-              <a:t>Azure Portal </a:t>
-            </a:r>
-            <a:endParaRPr lang="en-US" dirty="0"/>
-          </a:p>
-        </p:txBody>
-      </p:sp>
-      <p:sp>
-        <p:nvSpPr>
-          <p:cNvPr id="5" name="TextBox 4"/>
-          <p:cNvSpPr txBox="1"/>
-          <p:nvPr/>
+            <p:ph type="body" sz="quarter" idx="10"/>
+          </p:nvPr>
         </p:nvSpPr>
         <p:spPr>
           <a:xfrm>
-            <a:off x="9896573" y="18853"/>
-            <a:ext cx="2286000" cy="2031325"/>
+            <a:off x="334911" y="3466407"/>
+            <a:ext cx="8215796" cy="1485524"/>
           </a:xfrm>
-          <a:prstGeom prst="rect">
-            <a:avLst/>
-          </a:prstGeom>
           <a:solidFill>
-            <a:srgbClr val="FFFF00"/>
+            <a:srgbClr val="007233"/>
           </a:solidFill>
           <a:ln>
             <a:noFill/>
           </a:ln>
         </p:spPr>
         <p:txBody>
-          <a:bodyPr wrap="square" rtlCol="0">
-            <a:spAutoFit/>
-          </a:bodyPr>
-          <a:lstStyle/>
-          <a:p>
-            <a:pPr algn="ctr"/>
-            <a:endParaRPr lang="en-US" dirty="0" smtClean="0"/>
-          </a:p>
-          <a:p>
-            <a:pPr algn="ctr"/>
-            <a:endParaRPr lang="en-US" dirty="0"/>
-          </a:p>
-          <a:p>
-            <a:pPr algn="ctr"/>
-            <a:r>
-              <a:rPr lang="en-US" dirty="0" smtClean="0"/>
-              <a:t>Please leave this area blank to allow for picture in picture recording</a:t>
-            </a:r>
-          </a:p>
-          <a:p>
-            <a:pPr algn="ctr"/>
-            <a:endParaRPr lang="en-US" dirty="0"/>
-          </a:p>
-        </p:txBody>
-      </p:sp>
-      <p:sp>
-        <p:nvSpPr>
-          <p:cNvPr id="4" name="Content Placeholder 3"/>
-          <p:cNvSpPr>
-            <a:spLocks noGrp="1"/>
-          </p:cNvSpPr>
-          <p:nvPr>
-            <p:ph sz="quarter" idx="10"/>
-          </p:nvPr>
-        </p:nvSpPr>
-        <p:spPr/>
-        <p:txBody>
           <a:bodyPr/>
           <a:lstStyle/>
           <a:p>
+            <a:pPr marL="914400" indent="-914400"/>
+            <a:r>
+              <a:rPr lang="en-US" dirty="0" smtClean="0"/>
+              <a:t>Azure Batch</a:t>
+            </a:r>
             <a:endParaRPr lang="en-US" dirty="0"/>
           </a:p>
         </p:txBody>
       </p:sp>
-      <p:pic>
-        <p:nvPicPr>
-          <p:cNvPr id="6" name="Picture 5"/>
-          <p:cNvPicPr>
-            <a:picLocks noChangeAspect="1"/>
-          </p:cNvPicPr>
-          <p:nvPr/>
-        </p:nvPicPr>
-        <p:blipFill>
-          <a:blip r:embed="rId3"/>
-          <a:stretch>
-            <a:fillRect/>
-          </a:stretch>
-        </p:blipFill>
-        <p:spPr>
-          <a:xfrm>
-            <a:off x="2488676" y="1015661"/>
-            <a:ext cx="6899705" cy="5635684"/>
-          </a:xfrm>
-          <a:prstGeom prst="rect">
-            <a:avLst/>
-          </a:prstGeom>
-        </p:spPr>
-      </p:pic>
     </p:spTree>
     <p:extLst>
       <p:ext uri="{BB962C8B-B14F-4D97-AF65-F5344CB8AC3E}">
-        <p14:creationId xmlns:p14="http://schemas.microsoft.com/office/powerpoint/2010/main" val="2994528411"/>
+        <p14:creationId xmlns:p14="http://schemas.microsoft.com/office/powerpoint/2010/main" val="1280131082"/>
       </p:ext>
     </p:extLst>
   </p:cSld>
@@ -7081,7 +8180,7 @@
   <p:timing>
     <p:tnLst>
       <p:par>
-        <p:cTn id="1" dur="indefinite" restart="never" nodeType="tmRoot"/>
+        <p:cTn xmlns:p14="http://schemas.microsoft.com/office/powerpoint/2010/main" id="1" dur="indefinite" restart="never" nodeType="tmRoot"/>
       </p:par>
     </p:tnLst>
   </p:timing>
@@ -7628,7 +8727,7 @@
   <a:extraClrSchemeLst/>
   <a:extLst>
     <a:ext uri="{05A4C25C-085E-4340-85A3-A5531E510DB2}">
-      <thm15:themeFamily xmlns:thm15="http://schemas.microsoft.com/office/thememl/2012/main" name="Office Theme" id="{62F939B6-93AF-4DB8-9C6B-D6C7DFDC589F}" vid="{4A3C46E8-61CC-4603-A589-7422A47A8E4A}"/>
+      <thm15:themeFamily xmlns:thm15="http://schemas.microsoft.com/office/thememl/2012/main" xmlns="" name="Office Theme" id="{62F939B6-93AF-4DB8-9C6B-D6C7DFDC589F}" vid="{4A3C46E8-61CC-4603-A589-7422A47A8E4A}"/>
     </a:ext>
   </a:extLst>
 </a:theme>
@@ -7889,7 +8988,7 @@
   <a:extraClrSchemeLst/>
   <a:extLst>
     <a:ext uri="{05A4C25C-085E-4340-85A3-A5531E510DB2}">
-      <thm15:themeFamily xmlns:thm15="http://schemas.microsoft.com/office/thememl/2012/main" name="Office Theme" id="{62F939B6-93AF-4DB8-9C6B-D6C7DFDC589F}" vid="{4A3C46E8-61CC-4603-A589-7422A47A8E4A}"/>
+      <thm15:themeFamily xmlns:thm15="http://schemas.microsoft.com/office/thememl/2012/main" xmlns="" name="Office Theme" id="{62F939B6-93AF-4DB8-9C6B-D6C7DFDC589F}" vid="{4A3C46E8-61CC-4603-A589-7422A47A8E4A}"/>
     </a:ext>
   </a:extLst>
 </a:theme>

--- a/Presentation Materials/MVA-ApplicationsOnAzure-04.pptx
+++ b/Presentation Materials/MVA-ApplicationsOnAzure-04.pptx
@@ -5,10 +5,10 @@
     <p:sldMasterId id="2147483660" r:id="rId4"/>
   </p:sldMasterIdLst>
   <p:notesMasterIdLst>
-    <p:notesMasterId r:id="rId24"/>
+    <p:notesMasterId r:id="rId26"/>
   </p:notesMasterIdLst>
   <p:handoutMasterIdLst>
-    <p:handoutMasterId r:id="rId25"/>
+    <p:handoutMasterId r:id="rId27"/>
   </p:handoutMasterIdLst>
   <p:sldIdLst>
     <p:sldId id="271" r:id="rId5"/>
@@ -25,11 +25,13 @@
     <p:sldId id="291" r:id="rId16"/>
     <p:sldId id="292" r:id="rId17"/>
     <p:sldId id="290" r:id="rId18"/>
-    <p:sldId id="294" r:id="rId19"/>
-    <p:sldId id="295" r:id="rId20"/>
-    <p:sldId id="296" r:id="rId21"/>
-    <p:sldId id="293" r:id="rId22"/>
-    <p:sldId id="269" r:id="rId23"/>
+    <p:sldId id="299" r:id="rId19"/>
+    <p:sldId id="294" r:id="rId20"/>
+    <p:sldId id="300" r:id="rId21"/>
+    <p:sldId id="295" r:id="rId22"/>
+    <p:sldId id="296" r:id="rId23"/>
+    <p:sldId id="293" r:id="rId24"/>
+    <p:sldId id="269" r:id="rId25"/>
   </p:sldIdLst>
   <p:sldSz cx="12192000" cy="6858000"/>
   <p:notesSz cx="6858000" cy="9144000"/>
@@ -130,7 +132,7 @@
   </p:defaultTextStyle>
   <p:extLst>
     <p:ext uri="{EFAFB233-063F-42B5-8137-9DF3F51BA10A}">
-      <p15:sldGuideLst xmlns:p15="http://schemas.microsoft.com/office/powerpoint/2012/main" xmlns="">
+      <p15:sldGuideLst xmlns:p15="http://schemas.microsoft.com/office/powerpoint/2012/main">
         <p15:guide id="1" orient="horz" pos="2160">
           <p15:clr>
             <a:srgbClr val="A4A3A4"/>
@@ -144,7 +146,7 @@
       </p15:sldGuideLst>
     </p:ext>
     <p:ext uri="{2D200454-40CA-4A62-9FC3-DE9A4176ACB9}">
-      <p15:notesGuideLst xmlns:p15="http://schemas.microsoft.com/office/powerpoint/2012/main" xmlns=""/>
+      <p15:notesGuideLst xmlns:p15="http://schemas.microsoft.com/office/powerpoint/2012/main"/>
     </p:ext>
   </p:extLst>
 </p:presentation>
@@ -232,7 +234,7 @@
           <a:p>
             <a:fld id="{312E7B4A-039C-48A2-9B2C-AF16AA3873D8}" type="datetimeFigureOut">
               <a:rPr lang="en-US" smtClean="0"/>
-              <a:t>2015-11-08</a:t>
+              <a:t>11/8/2015</a:t>
             </a:fld>
             <a:endParaRPr lang="en-US"/>
           </a:p>
@@ -397,7 +399,7 @@
           <a:p>
             <a:fld id="{DA005A0C-54D9-45AA-87D4-C551D08DFCE1}" type="datetimeFigureOut">
               <a:rPr lang="en-US" smtClean="0"/>
-              <a:t>2015-11-08</a:t>
+              <a:t>11/8/2015</a:t>
             </a:fld>
             <a:endParaRPr lang="en-US"/>
           </a:p>
@@ -1326,7 +1328,7 @@
           <a:p>
             <a:fld id="{4CFD207A-07DF-40AD-A916-9872E089CE7A}" type="slidenum">
               <a:rPr lang="en-US" smtClean="0"/>
-              <a:t>16</a:t>
+              <a:t>18</a:t>
             </a:fld>
             <a:endParaRPr lang="en-US"/>
           </a:p>
@@ -1418,7 +1420,7 @@
           <a:p>
             <a:fld id="{4CFD207A-07DF-40AD-A916-9872E089CE7A}" type="slidenum">
               <a:rPr lang="en-US" smtClean="0"/>
-              <a:t>17</a:t>
+              <a:t>19</a:t>
             </a:fld>
             <a:endParaRPr lang="en-US"/>
           </a:p>
@@ -2592,13 +2594,13 @@
   <p:timing>
     <p:tnLst>
       <p:par>
-        <p:cTn xmlns:p14="http://schemas.microsoft.com/office/powerpoint/2010/main" id="1" dur="indefinite" restart="never" nodeType="tmRoot"/>
+        <p:cTn id="1" dur="indefinite" restart="never" nodeType="tmRoot"/>
       </p:par>
     </p:tnLst>
   </p:timing>
   <p:extLst mod="1">
     <p:ext uri="{DCECCB84-F9BA-43D5-87BE-67443E8EF086}">
-      <p15:sldGuideLst xmlns:p15="http://schemas.microsoft.com/office/powerpoint/2012/main" xmlns="">
+      <p15:sldGuideLst xmlns:p15="http://schemas.microsoft.com/office/powerpoint/2012/main">
         <p15:guide id="1" orient="horz" pos="3792">
           <p15:clr>
             <a:srgbClr val="FBAE40"/>
@@ -2831,7 +2833,7 @@
   <p:timing>
     <p:tnLst>
       <p:par>
-        <p:cTn xmlns:p14="http://schemas.microsoft.com/office/powerpoint/2010/main" id="1" dur="indefinite" restart="never" nodeType="tmRoot"/>
+        <p:cTn id="1" dur="indefinite" restart="never" nodeType="tmRoot"/>
       </p:par>
     </p:tnLst>
   </p:timing>
@@ -2990,7 +2992,7 @@
   <p:timing>
     <p:tnLst>
       <p:par>
-        <p:cTn xmlns:p14="http://schemas.microsoft.com/office/powerpoint/2010/main" id="1" dur="indefinite" restart="never" nodeType="tmRoot"/>
+        <p:cTn id="1" dur="indefinite" restart="never" nodeType="tmRoot"/>
       </p:par>
     </p:tnLst>
   </p:timing>
@@ -3230,7 +3232,7 @@
   <p:timing>
     <p:tnLst>
       <p:par>
-        <p:cTn xmlns:p14="http://schemas.microsoft.com/office/powerpoint/2010/main" id="1" dur="indefinite" restart="never" nodeType="tmRoot"/>
+        <p:cTn id="1" dur="indefinite" restart="never" nodeType="tmRoot"/>
       </p:par>
     </p:tnLst>
   </p:timing>
@@ -3622,7 +3624,7 @@
   <p:timing>
     <p:tnLst>
       <p:par>
-        <p:cTn xmlns:p14="http://schemas.microsoft.com/office/powerpoint/2010/main" id="1" dur="indefinite" restart="never" nodeType="tmRoot"/>
+        <p:cTn id="1" dur="indefinite" restart="never" nodeType="tmRoot"/>
       </p:par>
     </p:tnLst>
   </p:timing>
@@ -3682,7 +3684,7 @@
   <p:timing>
     <p:tnLst>
       <p:par>
-        <p:cTn xmlns:p14="http://schemas.microsoft.com/office/powerpoint/2010/main" id="1" dur="indefinite" restart="never" nodeType="tmRoot"/>
+        <p:cTn id="1" dur="indefinite" restart="never" nodeType="tmRoot"/>
       </p:par>
     </p:tnLst>
   </p:timing>
@@ -3719,7 +3721,7 @@
   <p:timing>
     <p:tnLst>
       <p:par>
-        <p:cTn xmlns:p14="http://schemas.microsoft.com/office/powerpoint/2010/main" id="1" dur="indefinite" restart="never" nodeType="tmRoot"/>
+        <p:cTn id="1" dur="indefinite" restart="never" nodeType="tmRoot"/>
       </p:par>
     </p:tnLst>
   </p:timing>
@@ -3930,7 +3932,7 @@
   <p:timing>
     <p:tnLst>
       <p:par>
-        <p:cTn xmlns:p14="http://schemas.microsoft.com/office/powerpoint/2010/main" id="1" dur="indefinite" restart="never" nodeType="tmRoot"/>
+        <p:cTn id="1" dur="indefinite" restart="never" nodeType="tmRoot"/>
       </p:par>
     </p:tnLst>
   </p:timing>
@@ -4568,13 +4570,13 @@
   <p:timing>
     <p:tnLst>
       <p:par>
-        <p:cTn xmlns:p14="http://schemas.microsoft.com/office/powerpoint/2010/main" id="1" dur="indefinite" restart="never" nodeType="tmRoot"/>
+        <p:cTn id="1" dur="indefinite" restart="never" nodeType="tmRoot"/>
       </p:par>
     </p:tnLst>
   </p:timing>
   <p:extLst mod="1">
     <p:ext uri="{DCECCB84-F9BA-43D5-87BE-67443E8EF086}">
-      <p15:sldGuideLst xmlns:p15="http://schemas.microsoft.com/office/powerpoint/2012/main" xmlns="">
+      <p15:sldGuideLst xmlns:p15="http://schemas.microsoft.com/office/powerpoint/2012/main">
         <p15:guide id="1" orient="horz" pos="2160">
           <p15:clr>
             <a:srgbClr val="FBAE40"/>
@@ -4668,7 +4670,7 @@
   <p:timing>
     <p:tnLst>
       <p:par>
-        <p:cTn xmlns:p14="http://schemas.microsoft.com/office/powerpoint/2010/main" id="1" dur="indefinite" restart="never" nodeType="tmRoot"/>
+        <p:cTn id="1" dur="indefinite" restart="never" nodeType="tmRoot"/>
       </p:par>
     </p:tnLst>
   </p:timing>
@@ -4968,13 +4970,29 @@
           <a:p>
             <a:r>
               <a:rPr lang="en-US" dirty="0" smtClean="0"/>
-              <a:t>James Chambers| Senior Software Developer</a:t>
-            </a:r>
-          </a:p>
-          <a:p>
+              <a:t>James </a:t>
+            </a:r>
             <a:r>
               <a:rPr lang="en-US" dirty="0" smtClean="0"/>
-              <a:t>Simon Timms| Senior Software Developer</a:t>
+              <a:t>Chambers | </a:t>
+            </a:r>
+            <a:r>
+              <a:rPr lang="en-US" dirty="0" smtClean="0"/>
+              <a:t>Senior Software Developer</a:t>
+            </a:r>
+          </a:p>
+          <a:p>
+            <a:r>
+              <a:rPr lang="en-US" dirty="0" smtClean="0"/>
+              <a:t>Simon </a:t>
+            </a:r>
+            <a:r>
+              <a:rPr lang="en-US" dirty="0" smtClean="0"/>
+              <a:t>Timms | </a:t>
+            </a:r>
+            <a:r>
+              <a:rPr lang="en-US" dirty="0" smtClean="0"/>
+              <a:t>Senior Software Developer</a:t>
             </a:r>
             <a:endParaRPr lang="en-US" dirty="0"/>
           </a:p>
@@ -5001,7 +5019,7 @@
           <a:p>
             <a:r>
               <a:rPr lang="en-US" sz="4000" dirty="0" smtClean="0"/>
-              <a:t>Application Architecture</a:t>
+              <a:t>Executing Large Tasks in the Cloud</a:t>
             </a:r>
             <a:endParaRPr lang="en-US" sz="4000" dirty="0"/>
           </a:p>
@@ -5020,7 +5038,7 @@
   <p:timing>
     <p:tnLst>
       <p:par>
-        <p:cTn xmlns:p14="http://schemas.microsoft.com/office/powerpoint/2010/main" id="1" dur="indefinite" restart="never" nodeType="tmRoot"/>
+        <p:cTn id="1" dur="indefinite" restart="never" nodeType="tmRoot"/>
       </p:par>
     </p:tnLst>
   </p:timing>
@@ -5107,7 +5125,7 @@
   <p:timing>
     <p:tnLst>
       <p:par>
-        <p:cTn xmlns:p14="http://schemas.microsoft.com/office/powerpoint/2010/main" id="1" dur="indefinite" restart="never" nodeType="tmRoot"/>
+        <p:cTn id="1" dur="indefinite" restart="never" nodeType="tmRoot"/>
       </p:par>
     </p:tnLst>
   </p:timing>
@@ -5211,7 +5229,7 @@
   <p:timing>
     <p:tnLst>
       <p:par>
-        <p:cTn xmlns:p14="http://schemas.microsoft.com/office/powerpoint/2010/main" id="1" dur="indefinite" restart="never" nodeType="tmRoot"/>
+        <p:cTn id="1" dur="indefinite" restart="never" nodeType="tmRoot"/>
       </p:par>
     </p:tnLst>
   </p:timing>
@@ -5405,7 +5423,7 @@
   <p:timing>
     <p:tnLst>
       <p:par>
-        <p:cTn xmlns:p14="http://schemas.microsoft.com/office/powerpoint/2010/main" id="1" dur="indefinite" restart="never" nodeType="tmRoot"/>
+        <p:cTn id="1" dur="indefinite" restart="never" nodeType="tmRoot"/>
       </p:par>
     </p:tnLst>
   </p:timing>
@@ -5505,7 +5523,7 @@
   <p:timing>
     <p:tnLst>
       <p:par>
-        <p:cTn xmlns:p14="http://schemas.microsoft.com/office/powerpoint/2010/main" id="1" dur="indefinite" restart="never" nodeType="tmRoot"/>
+        <p:cTn id="1" dur="indefinite" restart="never" nodeType="tmRoot"/>
       </p:par>
     </p:tnLst>
   </p:timing>
@@ -5594,7 +5612,7 @@
   <p:timing>
     <p:tnLst>
       <p:par>
-        <p:cTn xmlns:p14="http://schemas.microsoft.com/office/powerpoint/2010/main" id="1" dur="indefinite" restart="never" nodeType="tmRoot"/>
+        <p:cTn id="1" dur="indefinite" restart="never" nodeType="tmRoot"/>
       </p:par>
     </p:tnLst>
   </p:timing>
@@ -5602,6 +5620,59 @@
 </file>
 
 <file path=ppt/slides/slide15.xml><?xml version="1.0" encoding="utf-8"?>
+<p:sld xmlns:a="http://schemas.openxmlformats.org/drawingml/2006/main" xmlns:r="http://schemas.openxmlformats.org/officeDocument/2006/relationships" xmlns:p="http://schemas.openxmlformats.org/presentationml/2006/main">
+  <p:cSld>
+    <p:spTree>
+      <p:nvGrpSpPr>
+        <p:cNvPr id="1" name=""/>
+        <p:cNvGrpSpPr/>
+        <p:nvPr/>
+      </p:nvGrpSpPr>
+      <p:grpSpPr>
+        <a:xfrm>
+          <a:off x="0" y="0"/>
+          <a:ext cx="0" cy="0"/>
+          <a:chOff x="0" y="0"/>
+          <a:chExt cx="0" cy="0"/>
+        </a:xfrm>
+      </p:grpSpPr>
+      <p:sp>
+        <p:nvSpPr>
+          <p:cNvPr id="4" name="Title 3"/>
+          <p:cNvSpPr>
+            <a:spLocks noGrp="1"/>
+          </p:cNvSpPr>
+          <p:nvPr>
+            <p:ph type="title"/>
+          </p:nvPr>
+        </p:nvSpPr>
+        <p:spPr/>
+        <p:txBody>
+          <a:bodyPr/>
+          <a:lstStyle/>
+          <a:p>
+            <a:r>
+              <a:rPr lang="en-US" dirty="0" smtClean="0"/>
+              <a:t>Configuring Pools</a:t>
+            </a:r>
+            <a:endParaRPr lang="en-US" dirty="0"/>
+          </a:p>
+        </p:txBody>
+      </p:sp>
+    </p:spTree>
+    <p:extLst>
+      <p:ext uri="{BB962C8B-B14F-4D97-AF65-F5344CB8AC3E}">
+        <p14:creationId xmlns:p14="http://schemas.microsoft.com/office/powerpoint/2010/main" val="873605439"/>
+      </p:ext>
+    </p:extLst>
+  </p:cSld>
+  <p:clrMapOvr>
+    <a:masterClrMapping/>
+  </p:clrMapOvr>
+</p:sld>
+</file>
+
+<file path=ppt/slides/slide16.xml><?xml version="1.0" encoding="utf-8"?>
 <p:sld xmlns:a="http://schemas.openxmlformats.org/drawingml/2006/main" xmlns:r="http://schemas.openxmlformats.org/officeDocument/2006/relationships" xmlns:p="http://schemas.openxmlformats.org/presentationml/2006/main">
   <p:cSld>
     <p:spTree>
@@ -5683,14 +5754,67 @@
   <p:timing>
     <p:tnLst>
       <p:par>
-        <p:cTn xmlns:p14="http://schemas.microsoft.com/office/powerpoint/2010/main" id="1" dur="indefinite" restart="never" nodeType="tmRoot"/>
+        <p:cTn id="1" dur="indefinite" restart="never" nodeType="tmRoot"/>
       </p:par>
     </p:tnLst>
   </p:timing>
 </p:sld>
 </file>
 
-<file path=ppt/slides/slide16.xml><?xml version="1.0" encoding="utf-8"?>
+<file path=ppt/slides/slide17.xml><?xml version="1.0" encoding="utf-8"?>
+<p:sld xmlns:a="http://schemas.openxmlformats.org/drawingml/2006/main" xmlns:r="http://schemas.openxmlformats.org/officeDocument/2006/relationships" xmlns:p="http://schemas.openxmlformats.org/presentationml/2006/main">
+  <p:cSld>
+    <p:spTree>
+      <p:nvGrpSpPr>
+        <p:cNvPr id="1" name=""/>
+        <p:cNvGrpSpPr/>
+        <p:nvPr/>
+      </p:nvGrpSpPr>
+      <p:grpSpPr>
+        <a:xfrm>
+          <a:off x="0" y="0"/>
+          <a:ext cx="0" cy="0"/>
+          <a:chOff x="0" y="0"/>
+          <a:chExt cx="0" cy="0"/>
+        </a:xfrm>
+      </p:grpSpPr>
+      <p:sp>
+        <p:nvSpPr>
+          <p:cNvPr id="4" name="Title 3"/>
+          <p:cNvSpPr>
+            <a:spLocks noGrp="1"/>
+          </p:cNvSpPr>
+          <p:nvPr>
+            <p:ph type="title"/>
+          </p:nvPr>
+        </p:nvSpPr>
+        <p:spPr/>
+        <p:txBody>
+          <a:bodyPr/>
+          <a:lstStyle/>
+          <a:p>
+            <a:r>
+              <a:rPr lang="en-US" dirty="0" smtClean="0"/>
+              <a:t>Running a Job</a:t>
+            </a:r>
+            <a:endParaRPr lang="en-US" dirty="0"/>
+          </a:p>
+        </p:txBody>
+      </p:sp>
+    </p:spTree>
+    <p:extLst>
+      <p:ext uri="{BB962C8B-B14F-4D97-AF65-F5344CB8AC3E}">
+        <p14:creationId xmlns:p14="http://schemas.microsoft.com/office/powerpoint/2010/main" val="1100414647"/>
+      </p:ext>
+    </p:extLst>
+  </p:cSld>
+  <p:clrMapOvr>
+    <a:masterClrMapping/>
+  </p:clrMapOvr>
+</p:sld>
+</file>
+
+<file path=ppt/slides/slide18.xml><?xml version="1.0" encoding="utf-8"?>
 <p:sld xmlns:a="http://schemas.openxmlformats.org/drawingml/2006/main" xmlns:r="http://schemas.openxmlformats.org/officeDocument/2006/relationships" xmlns:p="http://schemas.openxmlformats.org/presentationml/2006/main">
   <p:cSld>
     <p:spTree>
@@ -5772,14 +5896,14 @@
   <p:timing>
     <p:tnLst>
       <p:par>
-        <p:cTn xmlns:p14="http://schemas.microsoft.com/office/powerpoint/2010/main" id="1" dur="indefinite" restart="never" nodeType="tmRoot"/>
+        <p:cTn id="1" dur="indefinite" restart="never" nodeType="tmRoot"/>
       </p:par>
     </p:tnLst>
   </p:timing>
 </p:sld>
 </file>
 
-<file path=ppt/slides/slide17.xml><?xml version="1.0" encoding="utf-8"?>
+<file path=ppt/slides/slide19.xml><?xml version="1.0" encoding="utf-8"?>
 <p:sld xmlns:a="http://schemas.openxmlformats.org/drawingml/2006/main" xmlns:r="http://schemas.openxmlformats.org/officeDocument/2006/relationships" xmlns:p="http://schemas.openxmlformats.org/presentationml/2006/main">
   <p:cSld>
     <p:spTree>
@@ -5861,148 +5985,7 @@
   <p:timing>
     <p:tnLst>
       <p:par>
-        <p:cTn xmlns:p14="http://schemas.microsoft.com/office/powerpoint/2010/main" id="1" dur="indefinite" restart="never" nodeType="tmRoot"/>
-      </p:par>
-    </p:tnLst>
-  </p:timing>
-</p:sld>
-</file>
-
-<file path=ppt/slides/slide18.xml><?xml version="1.0" encoding="utf-8"?>
-<p:sld xmlns:a="http://schemas.openxmlformats.org/drawingml/2006/main" xmlns:r="http://schemas.openxmlformats.org/officeDocument/2006/relationships" xmlns:p="http://schemas.openxmlformats.org/presentationml/2006/main">
-  <p:cSld>
-    <p:spTree>
-      <p:nvGrpSpPr>
-        <p:cNvPr id="1" name=""/>
-        <p:cNvGrpSpPr/>
-        <p:nvPr/>
-      </p:nvGrpSpPr>
-      <p:grpSpPr>
-        <a:xfrm>
-          <a:off x="0" y="0"/>
-          <a:ext cx="0" cy="0"/>
-          <a:chOff x="0" y="0"/>
-          <a:chExt cx="0" cy="0"/>
-        </a:xfrm>
-      </p:grpSpPr>
-      <p:sp>
-        <p:nvSpPr>
-          <p:cNvPr id="2" name="Title 1"/>
-          <p:cNvSpPr>
-            <a:spLocks noGrp="1"/>
-          </p:cNvSpPr>
-          <p:nvPr>
-            <p:ph type="title"/>
-          </p:nvPr>
-        </p:nvSpPr>
-        <p:spPr/>
-        <p:txBody>
-          <a:bodyPr/>
-          <a:lstStyle/>
-          <a:p>
-            <a:r>
-              <a:rPr lang="en-US" dirty="0" smtClean="0"/>
-              <a:t>Cost</a:t>
-            </a:r>
-            <a:endParaRPr lang="en-US" dirty="0"/>
-          </a:p>
-        </p:txBody>
-      </p:sp>
-      <p:sp>
-        <p:nvSpPr>
-          <p:cNvPr id="3" name="Content Placeholder 2"/>
-          <p:cNvSpPr>
-            <a:spLocks noGrp="1"/>
-          </p:cNvSpPr>
-          <p:nvPr>
-            <p:ph sz="quarter" idx="10"/>
-          </p:nvPr>
-        </p:nvSpPr>
-        <p:spPr/>
-        <p:txBody>
-          <a:bodyPr/>
-          <a:lstStyle/>
-          <a:p>
-            <a:r>
-              <a:rPr lang="en-US" dirty="0" smtClean="0"/>
-              <a:t>Only the cost of the underlying resources</a:t>
-            </a:r>
-          </a:p>
-          <a:p>
-            <a:pPr lvl="1"/>
-            <a:r>
-              <a:rPr lang="en-US" dirty="0" smtClean="0"/>
-              <a:t>Blob storage</a:t>
-            </a:r>
-          </a:p>
-          <a:p>
-            <a:pPr lvl="1"/>
-            <a:r>
-              <a:rPr lang="en-US" dirty="0" smtClean="0"/>
-              <a:t>Compute </a:t>
-            </a:r>
-          </a:p>
-          <a:p>
-            <a:pPr lvl="1"/>
-            <a:r>
-              <a:rPr lang="en-US" dirty="0" smtClean="0"/>
-              <a:t>Anything else used by the tasks</a:t>
-            </a:r>
-            <a:endParaRPr lang="en-US" dirty="0"/>
-          </a:p>
-        </p:txBody>
-      </p:sp>
-    </p:spTree>
-    <p:extLst>
-      <p:ext uri="{BB962C8B-B14F-4D97-AF65-F5344CB8AC3E}">
-        <p14:creationId xmlns:p14="http://schemas.microsoft.com/office/powerpoint/2010/main" val="2759521972"/>
-      </p:ext>
-    </p:extLst>
-  </p:cSld>
-  <p:clrMapOvr>
-    <a:masterClrMapping/>
-  </p:clrMapOvr>
-  <p:timing>
-    <p:tnLst>
-      <p:par>
-        <p:cTn xmlns:p14="http://schemas.microsoft.com/office/powerpoint/2010/main" id="1" dur="indefinite" restart="never" nodeType="tmRoot"/>
-      </p:par>
-    </p:tnLst>
-  </p:timing>
-</p:sld>
-</file>
-
-<file path=ppt/slides/slide19.xml><?xml version="1.0" encoding="utf-8"?>
-<p:sld xmlns:a="http://schemas.openxmlformats.org/drawingml/2006/main" xmlns:r="http://schemas.openxmlformats.org/officeDocument/2006/relationships" xmlns:p="http://schemas.openxmlformats.org/presentationml/2006/main">
-  <p:cSld>
-    <p:spTree>
-      <p:nvGrpSpPr>
-        <p:cNvPr id="1" name=""/>
-        <p:cNvGrpSpPr/>
-        <p:nvPr/>
-      </p:nvGrpSpPr>
-      <p:grpSpPr>
-        <a:xfrm>
-          <a:off x="0" y="0"/>
-          <a:ext cx="0" cy="0"/>
-          <a:chOff x="0" y="0"/>
-          <a:chExt cx="0" cy="0"/>
-        </a:xfrm>
-      </p:grpSpPr>
-    </p:spTree>
-    <p:extLst>
-      <p:ext uri="{BB962C8B-B14F-4D97-AF65-F5344CB8AC3E}">
-        <p14:creationId xmlns:p14="http://schemas.microsoft.com/office/powerpoint/2010/main" val="898363405"/>
-      </p:ext>
-    </p:extLst>
-  </p:cSld>
-  <p:clrMapOvr>
-    <a:masterClrMapping/>
-  </p:clrMapOvr>
-  <p:timing>
-    <p:tnLst>
-      <p:par>
-        <p:cTn xmlns:p14="http://schemas.microsoft.com/office/powerpoint/2010/main" id="1" dur="indefinite" restart="never" nodeType="tmRoot"/>
+        <p:cTn id="1" dur="indefinite" restart="never" nodeType="tmRoot"/>
       </p:par>
     </p:tnLst>
   </p:timing>
@@ -6081,14 +6064,14 @@
                 <a:gridCol w="5762625">
                   <a:extLst>
                     <a:ext uri="{9D8B030D-6E8A-4147-A177-3AD203B41FA5}">
-                      <a16:colId xmlns="" xmlns:a16="http://schemas.microsoft.com/office/drawing/2014/main" val="1632794655"/>
+                      <a16:colId xmlns:a16="http://schemas.microsoft.com/office/drawing/2014/main" xmlns="" val="1632794655"/>
                     </a:ext>
                   </a:extLst>
                 </a:gridCol>
                 <a:gridCol w="5762625">
                   <a:extLst>
                     <a:ext uri="{9D8B030D-6E8A-4147-A177-3AD203B41FA5}">
-                      <a16:colId xmlns="" xmlns:a16="http://schemas.microsoft.com/office/drawing/2014/main" val="2011313899"/>
+                      <a16:colId xmlns:a16="http://schemas.microsoft.com/office/drawing/2014/main" xmlns="" val="2011313899"/>
                     </a:ext>
                   </a:extLst>
                 </a:gridCol>
@@ -6133,7 +6116,7 @@
                 </a:tc>
                 <a:extLst>
                   <a:ext uri="{0D108BD9-81ED-4DB2-BD59-A6C34878D82A}">
-                    <a16:rowId xmlns="" xmlns:a16="http://schemas.microsoft.com/office/drawing/2014/main" val="1789177411"/>
+                    <a16:rowId xmlns:a16="http://schemas.microsoft.com/office/drawing/2014/main" xmlns="" val="1789177411"/>
                   </a:ext>
                 </a:extLst>
               </a:tr>
@@ -6204,7 +6187,7 @@
                 </a:tc>
                 <a:extLst>
                   <a:ext uri="{0D108BD9-81ED-4DB2-BD59-A6C34878D82A}">
-                    <a16:rowId xmlns="" xmlns:a16="http://schemas.microsoft.com/office/drawing/2014/main" val="3842815335"/>
+                    <a16:rowId xmlns:a16="http://schemas.microsoft.com/office/drawing/2014/main" xmlns="" val="3842815335"/>
                   </a:ext>
                 </a:extLst>
               </a:tr>
@@ -6261,7 +6244,7 @@
                 </a:tc>
                 <a:extLst>
                   <a:ext uri="{0D108BD9-81ED-4DB2-BD59-A6C34878D82A}">
-                    <a16:rowId xmlns="" xmlns:a16="http://schemas.microsoft.com/office/drawing/2014/main" val="321066646"/>
+                    <a16:rowId xmlns:a16="http://schemas.microsoft.com/office/drawing/2014/main" xmlns="" val="321066646"/>
                   </a:ext>
                 </a:extLst>
               </a:tr>
@@ -6346,7 +6329,7 @@
                 </a:tc>
                 <a:extLst>
                   <a:ext uri="{0D108BD9-81ED-4DB2-BD59-A6C34878D82A}">
-                    <a16:rowId xmlns="" xmlns:a16="http://schemas.microsoft.com/office/drawing/2014/main" val="3812060533"/>
+                    <a16:rowId xmlns:a16="http://schemas.microsoft.com/office/drawing/2014/main" xmlns="" val="3812060533"/>
                   </a:ext>
                 </a:extLst>
               </a:tr>
@@ -6393,7 +6376,7 @@
                 </a:tc>
                 <a:extLst>
                   <a:ext uri="{0D108BD9-81ED-4DB2-BD59-A6C34878D82A}">
-                    <a16:rowId xmlns="" xmlns:a16="http://schemas.microsoft.com/office/drawing/2014/main" val="733235577"/>
+                    <a16:rowId xmlns:a16="http://schemas.microsoft.com/office/drawing/2014/main" xmlns="" val="733235577"/>
                   </a:ext>
                 </a:extLst>
               </a:tr>
@@ -6417,7 +6400,7 @@
         </p:nvGraphicFramePr>
         <p:xfrm>
           <a:off x="379413" y="1417636"/>
-          <a:ext cx="11525250" cy="4259248"/>
+          <a:ext cx="11525250" cy="3838160"/>
         </p:xfrm>
         <a:graphic>
           <a:graphicData uri="http://schemas.openxmlformats.org/drawingml/2006/table">
@@ -6429,14 +6412,14 @@
                 <a:gridCol w="5762625">
                   <a:extLst>
                     <a:ext uri="{9D8B030D-6E8A-4147-A177-3AD203B41FA5}">
-                      <a16:colId xmlns:a16="http://schemas.microsoft.com/office/drawing/2014/main" xmlns="" val="1632794655"/>
+                      <a16:colId xmlns="" xmlns:a16="http://schemas.microsoft.com/office/drawing/2014/main" val="1632794655"/>
                     </a:ext>
                   </a:extLst>
                 </a:gridCol>
                 <a:gridCol w="5762625">
                   <a:extLst>
                     <a:ext uri="{9D8B030D-6E8A-4147-A177-3AD203B41FA5}">
-                      <a16:colId xmlns:a16="http://schemas.microsoft.com/office/drawing/2014/main" xmlns="" val="2011313899"/>
+                      <a16:colId xmlns="" xmlns:a16="http://schemas.microsoft.com/office/drawing/2014/main" val="2011313899"/>
                     </a:ext>
                   </a:extLst>
                 </a:gridCol>
@@ -6474,7 +6457,7 @@
                 </a:tc>
                 <a:extLst>
                   <a:ext uri="{0D108BD9-81ED-4DB2-BD59-A6C34878D82A}">
-                    <a16:rowId xmlns:a16="http://schemas.microsoft.com/office/drawing/2014/main" xmlns="" val="1789177411"/>
+                    <a16:rowId xmlns="" xmlns:a16="http://schemas.microsoft.com/office/drawing/2014/main" val="1789177411"/>
                   </a:ext>
                 </a:extLst>
               </a:tr>
@@ -6521,7 +6504,7 @@
                 </a:tc>
                 <a:extLst>
                   <a:ext uri="{0D108BD9-81ED-4DB2-BD59-A6C34878D82A}">
-                    <a16:rowId xmlns:a16="http://schemas.microsoft.com/office/drawing/2014/main" xmlns="" val="3842815335"/>
+                    <a16:rowId xmlns="" xmlns:a16="http://schemas.microsoft.com/office/drawing/2014/main" val="3842815335"/>
                   </a:ext>
                 </a:extLst>
               </a:tr>
@@ -6596,7 +6579,7 @@
                 </a:tc>
                 <a:extLst>
                   <a:ext uri="{0D108BD9-81ED-4DB2-BD59-A6C34878D82A}">
-                    <a16:rowId xmlns:a16="http://schemas.microsoft.com/office/drawing/2014/main" xmlns="" val="321066646"/>
+                    <a16:rowId xmlns="" xmlns:a16="http://schemas.microsoft.com/office/drawing/2014/main" val="321066646"/>
                   </a:ext>
                 </a:extLst>
               </a:tr>
@@ -6667,7 +6650,7 @@
                 </a:tc>
                 <a:extLst>
                   <a:ext uri="{0D108BD9-81ED-4DB2-BD59-A6C34878D82A}">
-                    <a16:rowId xmlns:a16="http://schemas.microsoft.com/office/drawing/2014/main" xmlns="" val="3812060533"/>
+                    <a16:rowId xmlns="" xmlns:a16="http://schemas.microsoft.com/office/drawing/2014/main" val="3812060533"/>
                   </a:ext>
                 </a:extLst>
               </a:tr>
@@ -6714,7 +6697,7 @@
                 </a:tc>
                 <a:extLst>
                   <a:ext uri="{0D108BD9-81ED-4DB2-BD59-A6C34878D82A}">
-                    <a16:rowId xmlns:a16="http://schemas.microsoft.com/office/drawing/2014/main" xmlns="" val="733235577"/>
+                    <a16:rowId xmlns="" xmlns:a16="http://schemas.microsoft.com/office/drawing/2014/main" val="733235577"/>
                   </a:ext>
                 </a:extLst>
               </a:tr>
@@ -6743,7 +6726,148 @@
   <p:timing>
     <p:tnLst>
       <p:par>
-        <p:cTn xmlns:p14="http://schemas.microsoft.com/office/powerpoint/2010/main" id="1" dur="indefinite" restart="never" nodeType="tmRoot"/>
+        <p:cTn id="1" dur="indefinite" restart="never" nodeType="tmRoot"/>
+      </p:par>
+    </p:tnLst>
+  </p:timing>
+</p:sld>
+</file>
+
+<file path=ppt/slides/slide20.xml><?xml version="1.0" encoding="utf-8"?>
+<p:sld xmlns:a="http://schemas.openxmlformats.org/drawingml/2006/main" xmlns:r="http://schemas.openxmlformats.org/officeDocument/2006/relationships" xmlns:p="http://schemas.openxmlformats.org/presentationml/2006/main">
+  <p:cSld>
+    <p:spTree>
+      <p:nvGrpSpPr>
+        <p:cNvPr id="1" name=""/>
+        <p:cNvGrpSpPr/>
+        <p:nvPr/>
+      </p:nvGrpSpPr>
+      <p:grpSpPr>
+        <a:xfrm>
+          <a:off x="0" y="0"/>
+          <a:ext cx="0" cy="0"/>
+          <a:chOff x="0" y="0"/>
+          <a:chExt cx="0" cy="0"/>
+        </a:xfrm>
+      </p:grpSpPr>
+      <p:sp>
+        <p:nvSpPr>
+          <p:cNvPr id="2" name="Title 1"/>
+          <p:cNvSpPr>
+            <a:spLocks noGrp="1"/>
+          </p:cNvSpPr>
+          <p:nvPr>
+            <p:ph type="title"/>
+          </p:nvPr>
+        </p:nvSpPr>
+        <p:spPr/>
+        <p:txBody>
+          <a:bodyPr/>
+          <a:lstStyle/>
+          <a:p>
+            <a:r>
+              <a:rPr lang="en-US" dirty="0" smtClean="0"/>
+              <a:t>Cost</a:t>
+            </a:r>
+            <a:endParaRPr lang="en-US" dirty="0"/>
+          </a:p>
+        </p:txBody>
+      </p:sp>
+      <p:sp>
+        <p:nvSpPr>
+          <p:cNvPr id="3" name="Content Placeholder 2"/>
+          <p:cNvSpPr>
+            <a:spLocks noGrp="1"/>
+          </p:cNvSpPr>
+          <p:nvPr>
+            <p:ph sz="quarter" idx="10"/>
+          </p:nvPr>
+        </p:nvSpPr>
+        <p:spPr/>
+        <p:txBody>
+          <a:bodyPr/>
+          <a:lstStyle/>
+          <a:p>
+            <a:r>
+              <a:rPr lang="en-US" dirty="0" smtClean="0"/>
+              <a:t>Only the cost of the underlying resources</a:t>
+            </a:r>
+          </a:p>
+          <a:p>
+            <a:pPr lvl="1"/>
+            <a:r>
+              <a:rPr lang="en-US" dirty="0" smtClean="0"/>
+              <a:t>Blob storage</a:t>
+            </a:r>
+          </a:p>
+          <a:p>
+            <a:pPr lvl="1"/>
+            <a:r>
+              <a:rPr lang="en-US" dirty="0" smtClean="0"/>
+              <a:t>Compute </a:t>
+            </a:r>
+          </a:p>
+          <a:p>
+            <a:pPr lvl="1"/>
+            <a:r>
+              <a:rPr lang="en-US" dirty="0" smtClean="0"/>
+              <a:t>Anything else used by the tasks</a:t>
+            </a:r>
+            <a:endParaRPr lang="en-US" dirty="0"/>
+          </a:p>
+        </p:txBody>
+      </p:sp>
+    </p:spTree>
+    <p:extLst>
+      <p:ext uri="{BB962C8B-B14F-4D97-AF65-F5344CB8AC3E}">
+        <p14:creationId xmlns:p14="http://schemas.microsoft.com/office/powerpoint/2010/main" val="2759521972"/>
+      </p:ext>
+    </p:extLst>
+  </p:cSld>
+  <p:clrMapOvr>
+    <a:masterClrMapping/>
+  </p:clrMapOvr>
+  <p:timing>
+    <p:tnLst>
+      <p:par>
+        <p:cTn id="1" dur="indefinite" restart="never" nodeType="tmRoot"/>
+      </p:par>
+    </p:tnLst>
+  </p:timing>
+</p:sld>
+</file>
+
+<file path=ppt/slides/slide21.xml><?xml version="1.0" encoding="utf-8"?>
+<p:sld xmlns:a="http://schemas.openxmlformats.org/drawingml/2006/main" xmlns:r="http://schemas.openxmlformats.org/officeDocument/2006/relationships" xmlns:p="http://schemas.openxmlformats.org/presentationml/2006/main">
+  <p:cSld>
+    <p:spTree>
+      <p:nvGrpSpPr>
+        <p:cNvPr id="1" name=""/>
+        <p:cNvGrpSpPr/>
+        <p:nvPr/>
+      </p:nvGrpSpPr>
+      <p:grpSpPr>
+        <a:xfrm>
+          <a:off x="0" y="0"/>
+          <a:ext cx="0" cy="0"/>
+          <a:chOff x="0" y="0"/>
+          <a:chExt cx="0" cy="0"/>
+        </a:xfrm>
+      </p:grpSpPr>
+    </p:spTree>
+    <p:extLst>
+      <p:ext uri="{BB962C8B-B14F-4D97-AF65-F5344CB8AC3E}">
+        <p14:creationId xmlns:p14="http://schemas.microsoft.com/office/powerpoint/2010/main" val="898363405"/>
+      </p:ext>
+    </p:extLst>
+  </p:cSld>
+  <p:clrMapOvr>
+    <a:masterClrMapping/>
+  </p:clrMapOvr>
+  <p:timing>
+    <p:tnLst>
+      <p:par>
+        <p:cTn id="1" dur="indefinite" restart="never" nodeType="tmRoot"/>
       </p:par>
     </p:tnLst>
   </p:timing>
@@ -6822,14 +6946,14 @@
                 <a:gridCol w="5762625">
                   <a:extLst>
                     <a:ext uri="{9D8B030D-6E8A-4147-A177-3AD203B41FA5}">
-                      <a16:colId xmlns="" xmlns:a16="http://schemas.microsoft.com/office/drawing/2014/main" val="1632794655"/>
+                      <a16:colId xmlns:a16="http://schemas.microsoft.com/office/drawing/2014/main" xmlns="" val="1632794655"/>
                     </a:ext>
                   </a:extLst>
                 </a:gridCol>
                 <a:gridCol w="5762625">
                   <a:extLst>
                     <a:ext uri="{9D8B030D-6E8A-4147-A177-3AD203B41FA5}">
-                      <a16:colId xmlns="" xmlns:a16="http://schemas.microsoft.com/office/drawing/2014/main" val="2011313899"/>
+                      <a16:colId xmlns:a16="http://schemas.microsoft.com/office/drawing/2014/main" xmlns="" val="2011313899"/>
                     </a:ext>
                   </a:extLst>
                 </a:gridCol>
@@ -6874,7 +6998,7 @@
                 </a:tc>
                 <a:extLst>
                   <a:ext uri="{0D108BD9-81ED-4DB2-BD59-A6C34878D82A}">
-                    <a16:rowId xmlns="" xmlns:a16="http://schemas.microsoft.com/office/drawing/2014/main" val="1789177411"/>
+                    <a16:rowId xmlns:a16="http://schemas.microsoft.com/office/drawing/2014/main" xmlns="" val="1789177411"/>
                   </a:ext>
                 </a:extLst>
               </a:tr>
@@ -6945,7 +7069,7 @@
                 </a:tc>
                 <a:extLst>
                   <a:ext uri="{0D108BD9-81ED-4DB2-BD59-A6C34878D82A}">
-                    <a16:rowId xmlns="" xmlns:a16="http://schemas.microsoft.com/office/drawing/2014/main" val="3842815335"/>
+                    <a16:rowId xmlns:a16="http://schemas.microsoft.com/office/drawing/2014/main" xmlns="" val="3842815335"/>
                   </a:ext>
                 </a:extLst>
               </a:tr>
@@ -7002,7 +7126,7 @@
                 </a:tc>
                 <a:extLst>
                   <a:ext uri="{0D108BD9-81ED-4DB2-BD59-A6C34878D82A}">
-                    <a16:rowId xmlns="" xmlns:a16="http://schemas.microsoft.com/office/drawing/2014/main" val="321066646"/>
+                    <a16:rowId xmlns:a16="http://schemas.microsoft.com/office/drawing/2014/main" xmlns="" val="321066646"/>
                   </a:ext>
                 </a:extLst>
               </a:tr>
@@ -7087,7 +7211,7 @@
                 </a:tc>
                 <a:extLst>
                   <a:ext uri="{0D108BD9-81ED-4DB2-BD59-A6C34878D82A}">
-                    <a16:rowId xmlns="" xmlns:a16="http://schemas.microsoft.com/office/drawing/2014/main" val="3812060533"/>
+                    <a16:rowId xmlns:a16="http://schemas.microsoft.com/office/drawing/2014/main" xmlns="" val="3812060533"/>
                   </a:ext>
                 </a:extLst>
               </a:tr>
@@ -7134,7 +7258,7 @@
                 </a:tc>
                 <a:extLst>
                   <a:ext uri="{0D108BD9-81ED-4DB2-BD59-A6C34878D82A}">
-                    <a16:rowId xmlns="" xmlns:a16="http://schemas.microsoft.com/office/drawing/2014/main" val="733235577"/>
+                    <a16:rowId xmlns:a16="http://schemas.microsoft.com/office/drawing/2014/main" xmlns="" val="733235577"/>
                   </a:ext>
                 </a:extLst>
               </a:tr>
@@ -7158,7 +7282,7 @@
         </p:nvGraphicFramePr>
         <p:xfrm>
           <a:off x="379413" y="1417636"/>
-          <a:ext cx="11525250" cy="4314576"/>
+          <a:ext cx="11525250" cy="3838160"/>
         </p:xfrm>
         <a:graphic>
           <a:graphicData uri="http://schemas.openxmlformats.org/drawingml/2006/table">
@@ -7170,14 +7294,14 @@
                 <a:gridCol w="5762625">
                   <a:extLst>
                     <a:ext uri="{9D8B030D-6E8A-4147-A177-3AD203B41FA5}">
-                      <a16:colId xmlns:a16="http://schemas.microsoft.com/office/drawing/2014/main" xmlns="" val="1632794655"/>
+                      <a16:colId xmlns="" xmlns:a16="http://schemas.microsoft.com/office/drawing/2014/main" val="1632794655"/>
                     </a:ext>
                   </a:extLst>
                 </a:gridCol>
                 <a:gridCol w="5762625">
                   <a:extLst>
                     <a:ext uri="{9D8B030D-6E8A-4147-A177-3AD203B41FA5}">
-                      <a16:colId xmlns:a16="http://schemas.microsoft.com/office/drawing/2014/main" xmlns="" val="2011313899"/>
+                      <a16:colId xmlns="" xmlns:a16="http://schemas.microsoft.com/office/drawing/2014/main" val="2011313899"/>
                     </a:ext>
                   </a:extLst>
                 </a:gridCol>
@@ -7215,7 +7339,7 @@
                 </a:tc>
                 <a:extLst>
                   <a:ext uri="{0D108BD9-81ED-4DB2-BD59-A6C34878D82A}">
-                    <a16:rowId xmlns:a16="http://schemas.microsoft.com/office/drawing/2014/main" xmlns="" val="1789177411"/>
+                    <a16:rowId xmlns="" xmlns:a16="http://schemas.microsoft.com/office/drawing/2014/main" val="1789177411"/>
                   </a:ext>
                 </a:extLst>
               </a:tr>
@@ -7262,7 +7386,7 @@
                 </a:tc>
                 <a:extLst>
                   <a:ext uri="{0D108BD9-81ED-4DB2-BD59-A6C34878D82A}">
-                    <a16:rowId xmlns:a16="http://schemas.microsoft.com/office/drawing/2014/main" xmlns="" val="3842815335"/>
+                    <a16:rowId xmlns="" xmlns:a16="http://schemas.microsoft.com/office/drawing/2014/main" val="3842815335"/>
                   </a:ext>
                 </a:extLst>
               </a:tr>
@@ -7337,7 +7461,7 @@
                 </a:tc>
                 <a:extLst>
                   <a:ext uri="{0D108BD9-81ED-4DB2-BD59-A6C34878D82A}">
-                    <a16:rowId xmlns:a16="http://schemas.microsoft.com/office/drawing/2014/main" xmlns="" val="321066646"/>
+                    <a16:rowId xmlns="" xmlns:a16="http://schemas.microsoft.com/office/drawing/2014/main" val="321066646"/>
                   </a:ext>
                 </a:extLst>
               </a:tr>
@@ -7408,7 +7532,7 @@
                 </a:tc>
                 <a:extLst>
                   <a:ext uri="{0D108BD9-81ED-4DB2-BD59-A6C34878D82A}">
-                    <a16:rowId xmlns:a16="http://schemas.microsoft.com/office/drawing/2014/main" xmlns="" val="3812060533"/>
+                    <a16:rowId xmlns="" xmlns:a16="http://schemas.microsoft.com/office/drawing/2014/main" val="3812060533"/>
                   </a:ext>
                 </a:extLst>
               </a:tr>
@@ -7455,7 +7579,7 @@
                 </a:tc>
                 <a:extLst>
                   <a:ext uri="{0D108BD9-81ED-4DB2-BD59-A6C34878D82A}">
-                    <a16:rowId xmlns:a16="http://schemas.microsoft.com/office/drawing/2014/main" xmlns="" val="733235577"/>
+                    <a16:rowId xmlns="" xmlns:a16="http://schemas.microsoft.com/office/drawing/2014/main" val="733235577"/>
                   </a:ext>
                 </a:extLst>
               </a:tr>
@@ -7484,7 +7608,7 @@
   <p:timing>
     <p:tnLst>
       <p:par>
-        <p:cTn xmlns:p14="http://schemas.microsoft.com/office/powerpoint/2010/main" id="1" dur="indefinite" restart="never" nodeType="tmRoot"/>
+        <p:cTn id="1" dur="indefinite" restart="never" nodeType="tmRoot"/>
       </p:par>
     </p:tnLst>
   </p:timing>
@@ -7589,7 +7713,7 @@
   <p:timing>
     <p:tnLst>
       <p:par>
-        <p:cTn xmlns:p14="http://schemas.microsoft.com/office/powerpoint/2010/main" id="1" dur="indefinite" restart="never" nodeType="tmRoot"/>
+        <p:cTn id="1" dur="indefinite" restart="never" nodeType="tmRoot"/>
       </p:par>
     </p:tnLst>
   </p:timing>
@@ -7657,7 +7781,7 @@
   <p:timing>
     <p:tnLst>
       <p:par>
-        <p:cTn xmlns:p14="http://schemas.microsoft.com/office/powerpoint/2010/main" id="1" dur="indefinite" restart="never" nodeType="tmRoot"/>
+        <p:cTn id="1" dur="indefinite" restart="never" nodeType="tmRoot"/>
       </p:par>
     </p:tnLst>
   </p:timing>
@@ -7762,7 +7886,7 @@
           <a:noFill/>
           <a:extLst>
             <a:ext uri="{909E8E84-426E-40dd-AFC4-6F175D3DCCD1}">
-              <a14:hiddenFill xmlns:a14="http://schemas.microsoft.com/office/drawing/2010/main">
+              <a14:hiddenFill xmlns:a14="http://schemas.microsoft.com/office/drawing/2010/main" xmlns="">
                 <a:solidFill>
                   <a:srgbClr val="FFFFFF"/>
                 </a:solidFill>
@@ -7877,7 +8001,7 @@
   <p:timing>
     <p:tnLst>
       <p:par>
-        <p:cTn xmlns:p14="http://schemas.microsoft.com/office/powerpoint/2010/main" id="1" dur="indefinite" restart="never" nodeType="tmRoot"/>
+        <p:cTn id="1" dur="indefinite" restart="never" nodeType="tmRoot"/>
       </p:par>
     </p:tnLst>
   </p:timing>
@@ -7989,7 +8113,7 @@
   <p:timing>
     <p:tnLst>
       <p:par>
-        <p:cTn xmlns:p14="http://schemas.microsoft.com/office/powerpoint/2010/main" id="1" dur="indefinite" restart="never" nodeType="tmRoot"/>
+        <p:cTn id="1" dur="indefinite" restart="never" nodeType="tmRoot"/>
       </p:par>
     </p:tnLst>
   </p:timing>
@@ -8108,7 +8232,7 @@
   <p:timing>
     <p:tnLst>
       <p:par>
-        <p:cTn xmlns:p14="http://schemas.microsoft.com/office/powerpoint/2010/main" id="1" dur="indefinite" restart="never" nodeType="tmRoot"/>
+        <p:cTn id="1" dur="indefinite" restart="never" nodeType="tmRoot"/>
       </p:par>
     </p:tnLst>
   </p:timing>
@@ -8180,7 +8304,7 @@
   <p:timing>
     <p:tnLst>
       <p:par>
-        <p:cTn xmlns:p14="http://schemas.microsoft.com/office/powerpoint/2010/main" id="1" dur="indefinite" restart="never" nodeType="tmRoot"/>
+        <p:cTn id="1" dur="indefinite" restart="never" nodeType="tmRoot"/>
       </p:par>
     </p:tnLst>
   </p:timing>
@@ -8727,7 +8851,7 @@
   <a:extraClrSchemeLst/>
   <a:extLst>
     <a:ext uri="{05A4C25C-085E-4340-85A3-A5531E510DB2}">
-      <thm15:themeFamily xmlns:thm15="http://schemas.microsoft.com/office/thememl/2012/main" xmlns="" name="Office Theme" id="{62F939B6-93AF-4DB8-9C6B-D6C7DFDC589F}" vid="{4A3C46E8-61CC-4603-A589-7422A47A8E4A}"/>
+      <thm15:themeFamily xmlns:thm15="http://schemas.microsoft.com/office/thememl/2012/main" name="Office Theme" id="{62F939B6-93AF-4DB8-9C6B-D6C7DFDC589F}" vid="{4A3C46E8-61CC-4603-A589-7422A47A8E4A}"/>
     </a:ext>
   </a:extLst>
 </a:theme>
@@ -8988,13 +9112,22 @@
   <a:extraClrSchemeLst/>
   <a:extLst>
     <a:ext uri="{05A4C25C-085E-4340-85A3-A5531E510DB2}">
-      <thm15:themeFamily xmlns:thm15="http://schemas.microsoft.com/office/thememl/2012/main" xmlns="" name="Office Theme" id="{62F939B6-93AF-4DB8-9C6B-D6C7DFDC589F}" vid="{4A3C46E8-61CC-4603-A589-7422A47A8E4A}"/>
+      <thm15:themeFamily xmlns:thm15="http://schemas.microsoft.com/office/thememl/2012/main" name="Office Theme" id="{62F939B6-93AF-4DB8-9C6B-D6C7DFDC589F}" vid="{4A3C46E8-61CC-4603-A589-7422A47A8E4A}"/>
     </a:ext>
   </a:extLst>
 </a:theme>
 </file>
 
 <file path=customXml/item1.xml><?xml version="1.0" encoding="utf-8"?>
+<?mso-contentType ?>
+<FormTemplates xmlns="http://schemas.microsoft.com/sharepoint/v3/contenttype/forms">
+  <Display>DocumentLibraryForm</Display>
+  <Edit>DocumentLibraryForm</Edit>
+  <New>DocumentLibraryForm</New>
+</FormTemplates>
+</file>
+
+<file path=customXml/item2.xml><?xml version="1.0" encoding="utf-8"?>
 <p:properties xmlns:p="http://schemas.microsoft.com/office/2006/metadata/properties" xmlns:xsi="http://www.w3.org/2001/XMLSchema-instance" xmlns:pc="http://schemas.microsoft.com/office/infopath/2007/PartnerControls">
   <documentManagement>
     <TaxCatchAll xmlns="230e9df3-be65-4c73-a93b-d1236ebd677e"/>
@@ -9035,15 +9168,6 @@
     <_ip_UnifiedCompliancePolicyProperties xmlns="http://schemas.microsoft.com/sharepoint/v3" xsi:nil="true"/>
   </documentManagement>
 </p:properties>
-</file>
-
-<file path=customXml/item2.xml><?xml version="1.0" encoding="utf-8"?>
-<?mso-contentType ?>
-<FormTemplates xmlns="http://schemas.microsoft.com/sharepoint/v3/contenttype/forms">
-  <Display>DocumentLibraryForm</Display>
-  <Edit>DocumentLibraryForm</Edit>
-  <New>DocumentLibraryForm</New>
-</FormTemplates>
 </file>
 
 <file path=customXml/item3.xml><?xml version="1.0" encoding="utf-8"?>
@@ -9255,6 +9379,14 @@
 </file>
 
 <file path=customXml/itemProps1.xml><?xml version="1.0" encoding="utf-8"?>
+<ds:datastoreItem xmlns:ds="http://schemas.openxmlformats.org/officeDocument/2006/customXml" ds:itemID="{B0CA13EC-1D3C-4D6F-8D1C-E8A452CFC79A}">
+  <ds:schemaRefs>
+    <ds:schemaRef ds:uri="http://schemas.microsoft.com/sharepoint/v3/contenttype/forms"/>
+  </ds:schemaRefs>
+</ds:datastoreItem>
+</file>
+
+<file path=customXml/itemProps2.xml><?xml version="1.0" encoding="utf-8"?>
 <ds:datastoreItem xmlns:ds="http://schemas.openxmlformats.org/officeDocument/2006/customXml" ds:itemID="{7025FDD9-4C58-4084-9F89-0E6ADD6FFF55}">
   <ds:schemaRefs>
     <ds:schemaRef ds:uri="http://schemas.microsoft.com/office/2006/documentManagement/types"/>
@@ -9268,14 +9400,6 @@
     <ds:schemaRef ds:uri="27aa9422-7f1f-4c84-9cdf-302b1a67e513"/>
     <ds:schemaRef ds:uri="http://schemas.microsoft.com/sharepoint/v3"/>
     <ds:schemaRef ds:uri="http://purl.org/dc/dcmitype/"/>
-  </ds:schemaRefs>
-</ds:datastoreItem>
-</file>
-
-<file path=customXml/itemProps2.xml><?xml version="1.0" encoding="utf-8"?>
-<ds:datastoreItem xmlns:ds="http://schemas.openxmlformats.org/officeDocument/2006/customXml" ds:itemID="{B0CA13EC-1D3C-4D6F-8D1C-E8A452CFC79A}">
-  <ds:schemaRefs>
-    <ds:schemaRef ds:uri="http://schemas.microsoft.com/sharepoint/v3/contenttype/forms"/>
   </ds:schemaRefs>
 </ds:datastoreItem>
 </file>
